--- a/Дипломная работа/Консультации Хоменко/Презентация v5.0 .pptx
+++ b/Дипломная работа/Консультации Хоменко/Презентация v5.0 .pptx
@@ -2710,7 +2710,7 @@
             </a:r>
             <a:r>
               <a:rPr lang="ru-RU" baseline="0" dirty="0"/>
-              <a:t> связи с чем задача сводится к упрощению текущего процесса организации до генерации документа</a:t>
+              <a:t> связи с чем задача сводится к упрощению текущего процесса организации до генерации документа на основе данных из единого хранилища</a:t>
             </a:r>
           </a:p>
         </p:txBody>
@@ -14177,8 +14177,8 @@
         </p:nvSpPr>
         <p:spPr>
           <a:xfrm>
-            <a:off x="530351" y="899690"/>
-            <a:ext cx="5748528" cy="5683486"/>
+            <a:off x="562707" y="899690"/>
+            <a:ext cx="5978769" cy="5683486"/>
           </a:xfrm>
           <a:prstGeom prst="rect">
             <a:avLst/>
@@ -14346,6 +14346,79 @@
               </a:rPr>
               <a:t>RabbitMQ 4.0.7. </a:t>
             </a:r>
+            <a:endParaRPr lang="ru-RU" sz="2200" dirty="0">
+              <a:latin typeface="Times New Roman" panose="02020603050405020304" pitchFamily="18" charset="0"/>
+              <a:cs typeface="Times New Roman" panose="02020603050405020304" pitchFamily="18" charset="0"/>
+            </a:endParaRPr>
+          </a:p>
+          <a:p>
+            <a:pPr>
+              <a:lnSpc>
+                <a:spcPct val="125000"/>
+              </a:lnSpc>
+            </a:pPr>
+            <a:r>
+              <a:rPr lang="ru-RU" sz="2200" dirty="0">
+                <a:solidFill>
+                  <a:srgbClr val="FFFF00"/>
+                </a:solidFill>
+                <a:latin typeface="Tahoma" panose="020B0604030504040204" pitchFamily="34" charset="0"/>
+                <a:ea typeface="Tahoma" panose="020B0604030504040204" pitchFamily="34" charset="0"/>
+                <a:cs typeface="Tahoma" panose="020B0604030504040204" pitchFamily="34" charset="0"/>
+              </a:rPr>
+              <a:t>Средства разработки клиентской части системы:</a:t>
+            </a:r>
+          </a:p>
+          <a:p>
+            <a:pPr marL="342900" indent="-342900">
+              <a:lnSpc>
+                <a:spcPct val="125000"/>
+              </a:lnSpc>
+              <a:buFont typeface="Arial" panose="020B0604020202020204" pitchFamily="34" charset="0"/>
+              <a:buChar char="•"/>
+            </a:pPr>
+            <a:r>
+              <a:rPr lang="en-US" sz="2200" dirty="0">
+                <a:latin typeface="Times New Roman" panose="02020603050405020304" pitchFamily="18" charset="0"/>
+                <a:cs typeface="Times New Roman" panose="02020603050405020304" pitchFamily="18" charset="0"/>
+              </a:rPr>
+              <a:t>HTML 5, CSS 3, JavaScript; </a:t>
+            </a:r>
+          </a:p>
+          <a:p>
+            <a:pPr marL="342900" indent="-342900">
+              <a:lnSpc>
+                <a:spcPct val="125000"/>
+              </a:lnSpc>
+              <a:buFont typeface="Arial" panose="020B0604020202020204" pitchFamily="34" charset="0"/>
+              <a:buChar char="•"/>
+            </a:pPr>
+            <a:r>
+              <a:rPr lang="en-US" sz="2200" dirty="0">
+                <a:latin typeface="Times New Roman" panose="02020603050405020304" pitchFamily="18" charset="0"/>
+                <a:ea typeface="Tahoma" panose="020B0604030504040204" pitchFamily="34" charset="0"/>
+                <a:cs typeface="Times New Roman" panose="02020603050405020304" pitchFamily="18" charset="0"/>
+              </a:rPr>
+              <a:t>jQuery;</a:t>
+            </a:r>
+            <a:endParaRPr lang="ru-RU" sz="2200" dirty="0">
+              <a:latin typeface="Tahoma" panose="020B0604030504040204" pitchFamily="34" charset="0"/>
+              <a:ea typeface="Tahoma" panose="020B0604030504040204" pitchFamily="34" charset="0"/>
+              <a:cs typeface="Tahoma" panose="020B0604030504040204" pitchFamily="34" charset="0"/>
+            </a:endParaRPr>
+          </a:p>
+          <a:p>
+            <a:pPr marL="285750" indent="-285750">
+              <a:lnSpc>
+                <a:spcPct val="125000"/>
+              </a:lnSpc>
+              <a:buFont typeface="Arial" panose="020B0604020202020204" pitchFamily="34" charset="0"/>
+              <a:buChar char="•"/>
+            </a:pPr>
+            <a:endParaRPr lang="en-US" sz="2200" dirty="0">
+              <a:latin typeface="Times New Roman" panose="02020603050405020304" pitchFamily="18" charset="0"/>
+              <a:cs typeface="Times New Roman" panose="02020603050405020304" pitchFamily="18" charset="0"/>
+            </a:endParaRPr>
           </a:p>
         </p:txBody>
       </p:sp>
@@ -14441,7 +14514,7 @@
                 <a:latin typeface="Times New Roman" panose="02020603050405020304" pitchFamily="18" charset="0"/>
                 <a:cs typeface="Times New Roman" panose="02020603050405020304" pitchFamily="18" charset="0"/>
               </a:rPr>
-              <a:t>35 таблиц базы данных</a:t>
+              <a:t>63 таблиц базы данных</a:t>
             </a:r>
           </a:p>
           <a:p>
@@ -14457,7 +14530,49 @@
                 <a:latin typeface="Times New Roman" panose="02020603050405020304" pitchFamily="18" charset="0"/>
                 <a:cs typeface="Times New Roman" panose="02020603050405020304" pitchFamily="18" charset="0"/>
               </a:rPr>
-              <a:t>Более 75 классов (35 основных и более 40 служебных)</a:t>
+              <a:t>Более </a:t>
+            </a:r>
+            <a:r>
+              <a:rPr lang="en-US" sz="2200" dirty="0">
+                <a:latin typeface="Times New Roman" panose="02020603050405020304" pitchFamily="18" charset="0"/>
+                <a:cs typeface="Times New Roman" panose="02020603050405020304" pitchFamily="18" charset="0"/>
+              </a:rPr>
+              <a:t>363</a:t>
+            </a:r>
+            <a:r>
+              <a:rPr lang="ru-RU" sz="2200" dirty="0">
+                <a:latin typeface="Times New Roman" panose="02020603050405020304" pitchFamily="18" charset="0"/>
+                <a:cs typeface="Times New Roman" panose="02020603050405020304" pitchFamily="18" charset="0"/>
+              </a:rPr>
+              <a:t> классов (</a:t>
+            </a:r>
+            <a:r>
+              <a:rPr lang="en-US" sz="2200" dirty="0">
+                <a:latin typeface="Times New Roman" panose="02020603050405020304" pitchFamily="18" charset="0"/>
+                <a:cs typeface="Times New Roman" panose="02020603050405020304" pitchFamily="18" charset="0"/>
+              </a:rPr>
+              <a:t>X</a:t>
+            </a:r>
+            <a:r>
+              <a:rPr lang="ru-RU" sz="2200" dirty="0">
+                <a:latin typeface="Times New Roman" panose="02020603050405020304" pitchFamily="18" charset="0"/>
+                <a:cs typeface="Times New Roman" panose="02020603050405020304" pitchFamily="18" charset="0"/>
+              </a:rPr>
+              <a:t> основных и более </a:t>
+            </a:r>
+            <a:r>
+              <a:rPr lang="en-US" sz="2200" dirty="0">
+                <a:latin typeface="Times New Roman" panose="02020603050405020304" pitchFamily="18" charset="0"/>
+                <a:cs typeface="Times New Roman" panose="02020603050405020304" pitchFamily="18" charset="0"/>
+              </a:rPr>
+              <a:t>Y</a:t>
+            </a:r>
+            <a:r>
+              <a:rPr lang="ru-RU" sz="2200" dirty="0">
+                <a:latin typeface="Times New Roman" panose="02020603050405020304" pitchFamily="18" charset="0"/>
+                <a:cs typeface="Times New Roman" panose="02020603050405020304" pitchFamily="18" charset="0"/>
+              </a:rPr>
+              <a:t> служебных)</a:t>
             </a:r>
           </a:p>
         </p:txBody>
@@ -14868,6 +14983,145 @@
           <a:xfrm>
             <a:off x="2888725" y="3971801"/>
             <a:ext cx="1614685" cy="253556"/>
+          </a:xfrm>
+          <a:prstGeom prst="rect">
+            <a:avLst/>
+          </a:prstGeom>
+          <a:noFill/>
+          <a:extLst>
+            <a:ext uri="{909E8E84-426E-40DD-AFC4-6F175D3DCCD1}">
+              <a14:hiddenFill xmlns:a14="http://schemas.microsoft.com/office/drawing/2010/main">
+                <a:solidFill>
+                  <a:srgbClr val="FFFFFF"/>
+                </a:solidFill>
+              </a14:hiddenFill>
+            </a:ext>
+          </a:extLst>
+        </p:spPr>
+      </p:pic>
+      <p:pic>
+        <p:nvPicPr>
+          <p:cNvPr id="4" name="Picture 2" descr="jQuery · GitHub">
+            <a:extLst>
+              <a:ext uri="{FF2B5EF4-FFF2-40B4-BE49-F238E27FC236}">
+                <a16:creationId xmlns:a16="http://schemas.microsoft.com/office/drawing/2014/main" id="{6F43245B-D665-82AA-E6DC-3F2425B428D6}"/>
+              </a:ext>
+            </a:extLst>
+          </p:cNvPr>
+          <p:cNvPicPr>
+            <a:picLocks noChangeAspect="1" noChangeArrowheads="1"/>
+          </p:cNvPicPr>
+          <p:nvPr/>
+        </p:nvPicPr>
+        <p:blipFill>
+          <a:blip r:embed="rId9">
+            <a:extLst>
+              <a:ext uri="{28A0092B-C50C-407E-A947-70E740481C1C}">
+                <a14:useLocalDpi xmlns:a14="http://schemas.microsoft.com/office/drawing/2010/main" val="0"/>
+              </a:ext>
+            </a:extLst>
+          </a:blip>
+          <a:srcRect/>
+          <a:stretch>
+            <a:fillRect/>
+          </a:stretch>
+        </p:blipFill>
+        <p:spPr bwMode="auto">
+          <a:xfrm>
+            <a:off x="1906580" y="5614849"/>
+            <a:ext cx="425048" cy="425048"/>
+          </a:xfrm>
+          <a:prstGeom prst="rect">
+            <a:avLst/>
+          </a:prstGeom>
+          <a:noFill/>
+          <a:extLst>
+            <a:ext uri="{909E8E84-426E-40DD-AFC4-6F175D3DCCD1}">
+              <a14:hiddenFill xmlns:a14="http://schemas.microsoft.com/office/drawing/2010/main">
+                <a:solidFill>
+                  <a:srgbClr val="FFFFFF"/>
+                </a:solidFill>
+              </a14:hiddenFill>
+            </a:ext>
+          </a:extLst>
+        </p:spPr>
+      </p:pic>
+      <p:sp>
+        <p:nvSpPr>
+          <p:cNvPr id="6" name="AutoShape 4" descr="Html Js Css PNG - Html Js Css Веб разработка Программирование прозрачная  иллюстрация">
+            <a:extLst>
+              <a:ext uri="{FF2B5EF4-FFF2-40B4-BE49-F238E27FC236}">
+                <a16:creationId xmlns:a16="http://schemas.microsoft.com/office/drawing/2014/main" id="{2B707A11-A244-8FB2-3D36-6A6D6D327432}"/>
+              </a:ext>
+            </a:extLst>
+          </p:cNvPr>
+          <p:cNvSpPr>
+            <a:spLocks noChangeAspect="1" noChangeArrowheads="1"/>
+          </p:cNvSpPr>
+          <p:nvPr/>
+        </p:nvSpPr>
+        <p:spPr bwMode="auto">
+          <a:xfrm>
+            <a:off x="5943600" y="3276600"/>
+            <a:ext cx="304800" cy="304800"/>
+          </a:xfrm>
+          <a:prstGeom prst="rect">
+            <a:avLst/>
+          </a:prstGeom>
+          <a:noFill/>
+          <a:extLst>
+            <a:ext uri="{909E8E84-426E-40DD-AFC4-6F175D3DCCD1}">
+              <a14:hiddenFill xmlns:a14="http://schemas.microsoft.com/office/drawing/2010/main">
+                <a:solidFill>
+                  <a:srgbClr val="FFFFFF"/>
+                </a:solidFill>
+              </a14:hiddenFill>
+            </a:ext>
+          </a:extLst>
+        </p:spPr>
+        <p:txBody>
+          <a:bodyPr vert="horz" wrap="square" lIns="91440" tIns="45720" rIns="91440" bIns="45720" numCol="1" anchor="t" anchorCtr="0" compatLnSpc="1">
+            <a:prstTxWarp prst="textNoShape">
+              <a:avLst/>
+            </a:prstTxWarp>
+          </a:bodyPr>
+          <a:lstStyle/>
+          <a:p>
+            <a:endParaRPr lang="ru-RU"/>
+          </a:p>
+        </p:txBody>
+      </p:sp>
+      <p:pic>
+        <p:nvPicPr>
+          <p:cNvPr id="1038" name="Picture 14" descr="Javascript Html5 And Css - Html Css Js Badge PNG Transparent With Clear  Background ID 191472 | TopPNG">
+            <a:extLst>
+              <a:ext uri="{FF2B5EF4-FFF2-40B4-BE49-F238E27FC236}">
+                <a16:creationId xmlns:a16="http://schemas.microsoft.com/office/drawing/2014/main" id="{85015783-37F7-BDD4-D06A-F5358E662D37}"/>
+              </a:ext>
+            </a:extLst>
+          </p:cNvPr>
+          <p:cNvPicPr>
+            <a:picLocks noChangeAspect="1" noChangeArrowheads="1"/>
+          </p:cNvPicPr>
+          <p:nvPr/>
+        </p:nvPicPr>
+        <p:blipFill>
+          <a:blip r:embed="rId10">
+            <a:extLst>
+              <a:ext uri="{28A0092B-C50C-407E-A947-70E740481C1C}">
+                <a14:useLocalDpi xmlns:a14="http://schemas.microsoft.com/office/drawing/2010/main" val="0"/>
+              </a:ext>
+            </a:extLst>
+          </a:blip>
+          <a:srcRect/>
+          <a:stretch>
+            <a:fillRect/>
+          </a:stretch>
+        </p:blipFill>
+        <p:spPr bwMode="auto">
+          <a:xfrm>
+            <a:off x="4250422" y="5017105"/>
+            <a:ext cx="1020149" cy="597744"/>
           </a:xfrm>
           <a:prstGeom prst="rect">
             <a:avLst/>
@@ -19175,7 +19429,7 @@
         </p:nvSpPr>
         <p:spPr>
           <a:xfrm>
-            <a:off x="1" y="820820"/>
+            <a:off x="76201" y="748095"/>
             <a:ext cx="12191999" cy="6037179"/>
           </a:xfrm>
           <a:prstGeom prst="rect">
@@ -19585,8 +19839,8 @@
         </p:nvSpPr>
         <p:spPr>
           <a:xfrm>
-            <a:off x="5517469" y="1814142"/>
-            <a:ext cx="1405212" cy="623725"/>
+            <a:off x="5517469" y="1703710"/>
+            <a:ext cx="1405212" cy="851826"/>
           </a:xfrm>
           <a:prstGeom prst="roundRect">
             <a:avLst/>
@@ -19627,7 +19881,7 @@
                   <a:schemeClr val="bg1"/>
                 </a:solidFill>
               </a:rPr>
-              <a:t>Ручной подбор номера сертификата</a:t>
+              <a:t>Ручное присваивание номера сертификата</a:t>
             </a:r>
           </a:p>
         </p:txBody>
@@ -19688,7 +19942,7 @@
                   <a:schemeClr val="bg1"/>
                 </a:solidFill>
               </a:rPr>
-              <a:t>Обращение подписи к директора </a:t>
+              <a:t>Обращение к подписи директора </a:t>
             </a:r>
           </a:p>
         </p:txBody>
@@ -19707,7 +19961,7 @@
         </p:nvSpPr>
         <p:spPr>
           <a:xfrm>
-            <a:off x="8944201" y="1693702"/>
+            <a:off x="8928081" y="1703710"/>
             <a:ext cx="1614441" cy="851826"/>
           </a:xfrm>
           <a:prstGeom prst="roundRect">
@@ -19772,8 +20026,8 @@
         </p:nvCxnSpPr>
         <p:spPr>
           <a:xfrm>
-            <a:off x="6922681" y="2126005"/>
-            <a:ext cx="236193" cy="3618"/>
+            <a:off x="6922681" y="2129623"/>
+            <a:ext cx="236193" cy="12700"/>
           </a:xfrm>
           <a:prstGeom prst="bentConnector3">
             <a:avLst/>
@@ -19814,9 +20068,9 @@
           <p:nvPr/>
         </p:nvCxnSpPr>
         <p:spPr>
-          <a:xfrm flipV="1">
-            <a:off x="8681044" y="2119615"/>
-            <a:ext cx="263157" cy="10008"/>
+          <a:xfrm>
+            <a:off x="8681044" y="2129623"/>
+            <a:ext cx="247037" cy="12700"/>
           </a:xfrm>
           <a:prstGeom prst="bentConnector3">
             <a:avLst/>
@@ -19988,7 +20242,7 @@
                   <a:schemeClr val="bg1"/>
                 </a:solidFill>
               </a:rPr>
-              <a:t>Внесение информации</a:t>
+              <a:t>Ручное внесение информации</a:t>
             </a:r>
           </a:p>
         </p:txBody>
@@ -20007,8 +20261,8 @@
         </p:nvSpPr>
         <p:spPr>
           <a:xfrm>
-            <a:off x="8330090" y="4731996"/>
-            <a:ext cx="1405212" cy="623725"/>
+            <a:off x="8330089" y="4542373"/>
+            <a:ext cx="1405212" cy="1002965"/>
           </a:xfrm>
           <a:prstGeom prst="roundRect">
             <a:avLst/>
@@ -20049,7 +20303,7 @@
                   <a:schemeClr val="bg1"/>
                 </a:solidFill>
               </a:rPr>
-              <a:t>Ручной подбор номера</a:t>
+              <a:t>Ручное присваивание номера сертификата</a:t>
             </a:r>
           </a:p>
         </p:txBody>
@@ -20064,15 +20318,16 @@
             </a:extLst>
           </p:cNvPr>
           <p:cNvCxnSpPr>
+            <a:cxnSpLocks/>
             <a:stCxn id="54" idx="3"/>
             <a:endCxn id="55" idx="1"/>
           </p:cNvCxnSpPr>
           <p:nvPr/>
         </p:nvCxnSpPr>
         <p:spPr>
-          <a:xfrm>
-            <a:off x="7627484" y="5043858"/>
-            <a:ext cx="702606" cy="1"/>
+          <a:xfrm flipV="1">
+            <a:off x="7627484" y="5043856"/>
+            <a:ext cx="702605" cy="2"/>
           </a:xfrm>
           <a:prstGeom prst="straightConnector1">
             <a:avLst/>
@@ -20156,8 +20411,8 @@
         </p:nvCxnSpPr>
         <p:spPr>
           <a:xfrm>
-            <a:off x="10558642" y="2119615"/>
-            <a:ext cx="888339" cy="1525408"/>
+            <a:off x="10542522" y="2129623"/>
+            <a:ext cx="904459" cy="1515400"/>
           </a:xfrm>
           <a:prstGeom prst="bentConnector3">
             <a:avLst>
@@ -20193,6 +20448,7 @@
             </a:extLst>
           </p:cNvPr>
           <p:cNvCxnSpPr>
+            <a:cxnSpLocks/>
             <a:stCxn id="55" idx="3"/>
             <a:endCxn id="7" idx="2"/>
           </p:cNvCxnSpPr>
@@ -20200,12 +20456,12 @@
         </p:nvCxnSpPr>
         <p:spPr>
           <a:xfrm flipV="1">
-            <a:off x="9735302" y="3645023"/>
-            <a:ext cx="1711679" cy="1398836"/>
+            <a:off x="9735301" y="3645023"/>
+            <a:ext cx="1711680" cy="1398833"/>
           </a:xfrm>
           <a:prstGeom prst="bentConnector3">
             <a:avLst>
-              <a:gd name="adj1" fmla="val 73928"/>
+              <a:gd name="adj1" fmla="val 73409"/>
             </a:avLst>
           </a:prstGeom>
           <a:ln>
@@ -20490,7 +20746,7 @@
         </p:nvSpPr>
         <p:spPr>
           <a:xfrm>
-            <a:off x="5248728" y="3443735"/>
+            <a:off x="5257528" y="3438119"/>
             <a:ext cx="388356" cy="393700"/>
           </a:xfrm>
           <a:prstGeom prst="ellipse">
@@ -20642,6 +20898,7 @@
             </a:extLst>
           </p:cNvPr>
           <p:cNvCxnSpPr>
+            <a:cxnSpLocks/>
             <a:stCxn id="125" idx="6"/>
             <a:endCxn id="16" idx="1"/>
           </p:cNvCxnSpPr>
@@ -20650,7 +20907,7 @@
         <p:spPr>
           <a:xfrm>
             <a:off x="5248746" y="2124619"/>
-            <a:ext cx="268723" cy="1386"/>
+            <a:ext cx="268723" cy="5004"/>
           </a:xfrm>
           <a:prstGeom prst="straightConnector1">
             <a:avLst/>
@@ -20895,8 +21152,8 @@
         </p:nvSpPr>
         <p:spPr>
           <a:xfrm>
-            <a:off x="356663" y="1109321"/>
-            <a:ext cx="11437198" cy="4652145"/>
+            <a:off x="398139" y="1007929"/>
+            <a:ext cx="11437198" cy="5517510"/>
           </a:xfrm>
           <a:prstGeom prst="roundRect">
             <a:avLst/>
@@ -21181,12 +21438,70 @@
             </a:r>
           </a:p>
           <a:p>
-            <a:pPr lvl="1" indent="-342900" algn="just">
+            <a:pPr marL="114300" lvl="1" algn="just">
               <a:lnSpc>
                 <a:spcPct val="150000"/>
               </a:lnSpc>
-              <a:buFont typeface="Symbol" panose="05050102010706020507" pitchFamily="18" charset="2"/>
-              <a:buChar char=""/>
+              <a:tabLst>
+                <a:tab pos="178435" algn="l"/>
+              </a:tabLst>
+            </a:pPr>
+            <a:r>
+              <a:rPr lang="ru-RU" sz="2200" dirty="0">
+                <a:solidFill>
+                  <a:schemeClr val="bg1"/>
+                </a:solidFill>
+                <a:latin typeface="Times New Roman" panose="02020603050405020304" pitchFamily="18" charset="0"/>
+                <a:cs typeface="Times New Roman" panose="02020603050405020304" pitchFamily="18" charset="0"/>
+              </a:rPr>
+              <a:t>Трудозатраты при формировании </a:t>
+            </a:r>
+            <a:r>
+              <a:rPr lang="en-US" sz="2200" dirty="0">
+                <a:solidFill>
+                  <a:srgbClr val="FF0000"/>
+                </a:solidFill>
+                <a:latin typeface="Times New Roman" panose="02020603050405020304" pitchFamily="18" charset="0"/>
+                <a:cs typeface="Times New Roman" panose="02020603050405020304" pitchFamily="18" charset="0"/>
+              </a:rPr>
+              <a:t>(&gt; </a:t>
+            </a:r>
+            <a:r>
+              <a:rPr lang="ru-RU" sz="2200" dirty="0">
+                <a:solidFill>
+                  <a:srgbClr val="FF0000"/>
+                </a:solidFill>
+                <a:latin typeface="Times New Roman" panose="02020603050405020304" pitchFamily="18" charset="0"/>
+                <a:cs typeface="Times New Roman" panose="02020603050405020304" pitchFamily="18" charset="0"/>
+              </a:rPr>
+              <a:t>30 минут на каждый документ</a:t>
+            </a:r>
+            <a:r>
+              <a:rPr lang="en-US" sz="2200" dirty="0">
+                <a:solidFill>
+                  <a:srgbClr val="FF0000"/>
+                </a:solidFill>
+                <a:latin typeface="Times New Roman" panose="02020603050405020304" pitchFamily="18" charset="0"/>
+                <a:cs typeface="Times New Roman" panose="02020603050405020304" pitchFamily="18" charset="0"/>
+              </a:rPr>
+              <a:t>)</a:t>
+            </a:r>
+            <a:r>
+              <a:rPr lang="ru-RU" sz="2200" dirty="0">
+                <a:solidFill>
+                  <a:srgbClr val="FF0000"/>
+                </a:solidFill>
+                <a:latin typeface="Times New Roman" panose="02020603050405020304" pitchFamily="18" charset="0"/>
+                <a:cs typeface="Times New Roman" panose="02020603050405020304" pitchFamily="18" charset="0"/>
+              </a:rPr>
+              <a:t>.</a:t>
+            </a:r>
+          </a:p>
+          <a:p>
+            <a:pPr marL="114300" lvl="1" algn="just">
+              <a:lnSpc>
+                <a:spcPct val="150000"/>
+              </a:lnSpc>
               <a:tabLst>
                 <a:tab pos="178435" algn="l"/>
               </a:tabLst>
@@ -21373,152 +21688,6 @@
           <a:p>
             <a:pPr algn="ctr"/>
             <a:endParaRPr lang="ru-RU" dirty="0"/>
-          </a:p>
-        </p:txBody>
-      </p:sp>
-      <p:sp>
-        <p:nvSpPr>
-          <p:cNvPr id="4" name="TextBox 3">
-            <a:extLst>
-              <a:ext uri="{FF2B5EF4-FFF2-40B4-BE49-F238E27FC236}">
-                <a16:creationId xmlns:a16="http://schemas.microsoft.com/office/drawing/2014/main" id="{13C79B35-9A3B-44C9-B82F-1F3403BAAA2D}"/>
-              </a:ext>
-            </a:extLst>
-          </p:cNvPr>
-          <p:cNvSpPr txBox="1"/>
-          <p:nvPr/>
-        </p:nvSpPr>
-        <p:spPr>
-          <a:xfrm>
-            <a:off x="-5216838" y="5043856"/>
-            <a:ext cx="5203168" cy="1809726"/>
-          </a:xfrm>
-          <a:prstGeom prst="rect">
-            <a:avLst/>
-          </a:prstGeom>
-          <a:noFill/>
-        </p:spPr>
-        <p:txBody>
-          <a:bodyPr wrap="square" rtlCol="0">
-            <a:spAutoFit/>
-          </a:bodyPr>
-          <a:lstStyle/>
-          <a:p>
-            <a:pPr defTabSz="914400">
-              <a:lnSpc>
-                <a:spcPct val="94000"/>
-              </a:lnSpc>
-              <a:spcBef>
-                <a:spcPts val="1000"/>
-              </a:spcBef>
-              <a:spcAft>
-                <a:spcPts val="200"/>
-              </a:spcAft>
-            </a:pPr>
-            <a:r>
-              <a:rPr lang="ru-RU" sz="2200" dirty="0">
-                <a:solidFill>
-                  <a:srgbClr val="FFC000"/>
-                </a:solidFill>
-                <a:latin typeface="Calibri" panose="020F0502020204030204" pitchFamily="34" charset="0"/>
-                <a:cs typeface="Calibri" panose="020F0502020204030204" pitchFamily="34" charset="0"/>
-              </a:rPr>
-              <a:t>Проблема</a:t>
-            </a:r>
-            <a:r>
-              <a:rPr lang="en-US" sz="2200" dirty="0">
-                <a:solidFill>
-                  <a:srgbClr val="FFC000"/>
-                </a:solidFill>
-                <a:latin typeface="Calibri" panose="020F0502020204030204" pitchFamily="34" charset="0"/>
-                <a:cs typeface="Calibri" panose="020F0502020204030204" pitchFamily="34" charset="0"/>
-              </a:rPr>
-              <a:t>:</a:t>
-            </a:r>
-          </a:p>
-          <a:p>
-            <a:pPr marL="285750" indent="-285750" defTabSz="914400">
-              <a:lnSpc>
-                <a:spcPct val="150000"/>
-              </a:lnSpc>
-              <a:spcBef>
-                <a:spcPts val="1000"/>
-              </a:spcBef>
-              <a:spcAft>
-                <a:spcPts val="200"/>
-              </a:spcAft>
-              <a:buFont typeface="Arial" panose="020B0604020202020204" pitchFamily="34" charset="0"/>
-              <a:buChar char="•"/>
-            </a:pPr>
-            <a:r>
-              <a:rPr lang="ru-RU" dirty="0">
-                <a:solidFill>
-                  <a:srgbClr val="C00000"/>
-                </a:solidFill>
-                <a:latin typeface="Times New Roman" panose="02020603050405020304" pitchFamily="18" charset="0"/>
-                <a:cs typeface="Times New Roman" panose="02020603050405020304" pitchFamily="18" charset="0"/>
-              </a:rPr>
-              <a:t>Трудозатраты при формировании </a:t>
-            </a:r>
-            <a:r>
-              <a:rPr lang="en-US" dirty="0">
-                <a:solidFill>
-                  <a:srgbClr val="C00000"/>
-                </a:solidFill>
-                <a:latin typeface="Times New Roman" panose="02020603050405020304" pitchFamily="18" charset="0"/>
-                <a:cs typeface="Times New Roman" panose="02020603050405020304" pitchFamily="18" charset="0"/>
-              </a:rPr>
-              <a:t>(&gt; </a:t>
-            </a:r>
-            <a:r>
-              <a:rPr lang="ru-RU" dirty="0">
-                <a:solidFill>
-                  <a:srgbClr val="C00000"/>
-                </a:solidFill>
-                <a:latin typeface="Times New Roman" panose="02020603050405020304" pitchFamily="18" charset="0"/>
-                <a:cs typeface="Times New Roman" panose="02020603050405020304" pitchFamily="18" charset="0"/>
-              </a:rPr>
-              <a:t>30 минут на каждый документ</a:t>
-            </a:r>
-            <a:r>
-              <a:rPr lang="en-US" dirty="0">
-                <a:solidFill>
-                  <a:srgbClr val="C00000"/>
-                </a:solidFill>
-                <a:latin typeface="Times New Roman" panose="02020603050405020304" pitchFamily="18" charset="0"/>
-                <a:cs typeface="Times New Roman" panose="02020603050405020304" pitchFamily="18" charset="0"/>
-              </a:rPr>
-              <a:t>)</a:t>
-            </a:r>
-            <a:r>
-              <a:rPr lang="ru-RU" dirty="0">
-                <a:solidFill>
-                  <a:srgbClr val="C00000"/>
-                </a:solidFill>
-                <a:latin typeface="Times New Roman" panose="02020603050405020304" pitchFamily="18" charset="0"/>
-                <a:cs typeface="Times New Roman" panose="02020603050405020304" pitchFamily="18" charset="0"/>
-              </a:rPr>
-              <a:t>.</a:t>
-            </a:r>
-          </a:p>
-          <a:p>
-            <a:pPr marL="285750" indent="-285750" defTabSz="914400">
-              <a:lnSpc>
-                <a:spcPct val="94000"/>
-              </a:lnSpc>
-              <a:spcBef>
-                <a:spcPts val="1000"/>
-              </a:spcBef>
-              <a:spcAft>
-                <a:spcPts val="200"/>
-              </a:spcAft>
-              <a:buFont typeface="Arial" panose="020B0604020202020204" pitchFamily="34" charset="0"/>
-              <a:buChar char="•"/>
-            </a:pPr>
-            <a:endParaRPr lang="ru-RU" dirty="0">
-              <a:latin typeface="Calibri" panose="020F0502020204030204" pitchFamily="34" charset="0"/>
-              <a:cs typeface="Calibri" panose="020F0502020204030204" pitchFamily="34" charset="0"/>
-            </a:endParaRPr>
           </a:p>
         </p:txBody>
       </p:sp>
@@ -21605,46 +21774,6 @@
                       </p:childTnLst>
                     </p:cTn>
                   </p:par>
-                  <p:par>
-                    <p:cTn id="8" fill="hold">
-                      <p:stCondLst>
-                        <p:cond delay="indefinite"/>
-                      </p:stCondLst>
-                      <p:childTnLst>
-                        <p:par>
-                          <p:cTn id="9" fill="hold">
-                            <p:stCondLst>
-                              <p:cond delay="0"/>
-                            </p:stCondLst>
-                            <p:childTnLst>
-                              <p:par>
-                                <p:cTn id="10" presetID="37" presetClass="path" presetSubtype="0" accel="50000" decel="50000" fill="hold" grpId="0" nodeType="clickEffect">
-                                  <p:stCondLst>
-                                    <p:cond delay="0"/>
-                                  </p:stCondLst>
-                                  <p:childTnLst>
-                                    <p:animMotion origin="layout" path="M -0.00339 0.01852 L 0.12786 0.05903 C 0.15442 0.06829 0.19453 0.07338 0.2375 0.07338 C 0.2858 0.07338 0.32474 0.06829 0.35182 0.05903 L 0.48268 0.01852 " pathEditMode="relative" rAng="0" ptsTypes="AAAAA">
-                                      <p:cBhvr>
-                                        <p:cTn id="11" dur="1000" fill="hold"/>
-                                        <p:tgtEl>
-                                          <p:spTgt spid="4"/>
-                                        </p:tgtEl>
-                                        <p:attrNameLst>
-                                          <p:attrName>ppt_x</p:attrName>
-                                          <p:attrName>ppt_y</p:attrName>
-                                        </p:attrNameLst>
-                                      </p:cBhvr>
-                                      <p:rCtr x="24297" y="2731"/>
-                                    </p:animMotion>
-                                  </p:childTnLst>
-                                </p:cTn>
-                              </p:par>
-                            </p:childTnLst>
-                          </p:cTn>
-                        </p:par>
-                      </p:childTnLst>
-                    </p:cTn>
-                  </p:par>
                 </p:childTnLst>
               </p:cTn>
               <p:prevCondLst>
@@ -21668,7 +21797,6 @@
     </p:tnLst>
     <p:bldLst>
       <p:bldP spid="102" grpId="0" animBg="1"/>
-      <p:bldP spid="4" grpId="0"/>
     </p:bldLst>
   </p:timing>
 </p:sld>
@@ -22075,92 +22203,6 @@
           </a:extLst>
         </p:spPr>
       </p:pic>
-      <p:pic>
-        <p:nvPicPr>
-          <p:cNvPr id="16" name="Picture 16" descr="Документы – Бесплатные иконки: файлы и папки">
-            <a:extLst>
-              <a:ext uri="{FF2B5EF4-FFF2-40B4-BE49-F238E27FC236}">
-                <a16:creationId xmlns:a16="http://schemas.microsoft.com/office/drawing/2014/main" id="{C40004E8-0B9C-4E4E-ED32-D9C51E826218}"/>
-              </a:ext>
-            </a:extLst>
-          </p:cNvPr>
-          <p:cNvPicPr>
-            <a:picLocks noChangeAspect="1" noChangeArrowheads="1"/>
-          </p:cNvPicPr>
-          <p:nvPr/>
-        </p:nvPicPr>
-        <p:blipFill>
-          <a:blip r:embed="rId7">
-            <a:extLst>
-              <a:ext uri="{28A0092B-C50C-407E-A947-70E740481C1C}">
-                <a14:useLocalDpi xmlns:a14="http://schemas.microsoft.com/office/drawing/2010/main" val="0"/>
-              </a:ext>
-            </a:extLst>
-          </a:blip>
-          <a:srcRect/>
-          <a:stretch>
-            <a:fillRect/>
-          </a:stretch>
-        </p:blipFill>
-        <p:spPr bwMode="auto">
-          <a:xfrm>
-            <a:off x="6495660" y="6059061"/>
-            <a:ext cx="792142" cy="792142"/>
-          </a:xfrm>
-          <a:prstGeom prst="rect">
-            <a:avLst/>
-          </a:prstGeom>
-          <a:noFill/>
-          <a:extLst>
-            <a:ext uri="{909E8E84-426E-40DD-AFC4-6F175D3DCCD1}">
-              <a14:hiddenFill xmlns:a14="http://schemas.microsoft.com/office/drawing/2010/main">
-                <a:solidFill>
-                  <a:srgbClr val="FFFFFF"/>
-                </a:solidFill>
-              </a14:hiddenFill>
-            </a:ext>
-          </a:extLst>
-        </p:spPr>
-      </p:pic>
-      <p:sp>
-        <p:nvSpPr>
-          <p:cNvPr id="21" name="TextBox 20">
-            <a:extLst>
-              <a:ext uri="{FF2B5EF4-FFF2-40B4-BE49-F238E27FC236}">
-                <a16:creationId xmlns:a16="http://schemas.microsoft.com/office/drawing/2014/main" id="{C87F57A4-06AC-5EAB-AC92-344907257031}"/>
-              </a:ext>
-            </a:extLst>
-          </p:cNvPr>
-          <p:cNvSpPr txBox="1"/>
-          <p:nvPr/>
-        </p:nvSpPr>
-        <p:spPr>
-          <a:xfrm>
-            <a:off x="6417714" y="5724193"/>
-            <a:ext cx="1023257" cy="369332"/>
-          </a:xfrm>
-          <a:prstGeom prst="rect">
-            <a:avLst/>
-          </a:prstGeom>
-          <a:noFill/>
-        </p:spPr>
-        <p:txBody>
-          <a:bodyPr wrap="square" rtlCol="0">
-            <a:spAutoFit/>
-          </a:bodyPr>
-          <a:lstStyle/>
-          <a:p>
-            <a:r>
-              <a:rPr lang="ru-RU" dirty="0">
-                <a:solidFill>
-                  <a:srgbClr val="FFFF00"/>
-                </a:solidFill>
-              </a:rPr>
-              <a:t>Шаблон</a:t>
-            </a:r>
-          </a:p>
-        </p:txBody>
-      </p:sp>
       <p:cxnSp>
         <p:nvCxnSpPr>
           <p:cNvPr id="22" name="Прямая со стрелкой 21">
@@ -22317,7 +22359,7 @@
           <p:nvPr/>
         </p:nvPicPr>
         <p:blipFill>
-          <a:blip r:embed="rId8">
+          <a:blip r:embed="rId7">
             <a:extLst>
               <a:ext uri="{28A0092B-C50C-407E-A947-70E740481C1C}">
                 <a14:useLocalDpi xmlns:a14="http://schemas.microsoft.com/office/drawing/2010/main" val="0"/>
@@ -22331,7 +22373,7 @@
         </p:blipFill>
         <p:spPr bwMode="auto">
           <a:xfrm>
-            <a:off x="1515367" y="4254921"/>
+            <a:off x="1589723" y="4935294"/>
             <a:ext cx="955171" cy="955171"/>
           </a:xfrm>
           <a:prstGeom prst="rect">
@@ -22363,7 +22405,7 @@
         </p:nvSpPr>
         <p:spPr>
           <a:xfrm>
-            <a:off x="910233" y="5171962"/>
+            <a:off x="930329" y="5806442"/>
             <a:ext cx="2330837" cy="369332"/>
           </a:xfrm>
           <a:prstGeom prst="rect">
@@ -22406,8 +22448,8 @@
         </p:nvCxnSpPr>
         <p:spPr>
           <a:xfrm>
-            <a:off x="2588956" y="1371328"/>
-            <a:ext cx="2579687" cy="1991398"/>
+            <a:off x="2393990" y="3043817"/>
+            <a:ext cx="2774653" cy="318909"/>
           </a:xfrm>
           <a:prstGeom prst="straightConnector1">
             <a:avLst/>
@@ -22447,13 +22489,14 @@
           <p:cNvCxnSpPr>
             <a:cxnSpLocks/>
             <a:stCxn id="2062" idx="3"/>
+            <a:endCxn id="7" idx="1"/>
           </p:cNvCxnSpPr>
           <p:nvPr/>
         </p:nvCxnSpPr>
         <p:spPr>
-          <a:xfrm>
-            <a:off x="2368716" y="3228481"/>
-            <a:ext cx="2763431" cy="134245"/>
+          <a:xfrm flipV="1">
+            <a:off x="2386874" y="3362726"/>
+            <a:ext cx="2781769" cy="881416"/>
           </a:xfrm>
           <a:prstGeom prst="straightConnector1">
             <a:avLst/>
@@ -22499,8 +22542,8 @@
         </p:nvCxnSpPr>
         <p:spPr>
           <a:xfrm flipV="1">
-            <a:off x="2470538" y="3362726"/>
-            <a:ext cx="2698105" cy="1369781"/>
+            <a:off x="2544894" y="3362726"/>
+            <a:ext cx="2623749" cy="2050154"/>
           </a:xfrm>
           <a:prstGeom prst="straightConnector1">
             <a:avLst/>
@@ -22530,10 +22573,10 @@
       </p:cxnSp>
       <p:pic>
         <p:nvPicPr>
-          <p:cNvPr id="64" name="Picture 16" descr="Документы – Бесплатные иконки: файлы и папки">
+          <p:cNvPr id="2062" name="Picture 14" descr="Мероприятие – Бесплатные иконки: Время и дата">
             <a:extLst>
               <a:ext uri="{FF2B5EF4-FFF2-40B4-BE49-F238E27FC236}">
-                <a16:creationId xmlns:a16="http://schemas.microsoft.com/office/drawing/2014/main" id="{6F049453-C36A-4539-8FBC-53BDF3460485}"/>
+                <a16:creationId xmlns:a16="http://schemas.microsoft.com/office/drawing/2014/main" id="{96AD53F5-73A1-1DCF-75F5-F82E3B113BE3}"/>
               </a:ext>
             </a:extLst>
           </p:cNvPr>
@@ -22543,7 +22586,7 @@
           <p:nvPr/>
         </p:nvPicPr>
         <p:blipFill>
-          <a:blip r:embed="rId7">
+          <a:blip r:embed="rId8">
             <a:extLst>
               <a:ext uri="{28A0092B-C50C-407E-A947-70E740481C1C}">
                 <a14:useLocalDpi xmlns:a14="http://schemas.microsoft.com/office/drawing/2010/main" val="0"/>
@@ -22557,8 +22600,8 @@
         </p:blipFill>
         <p:spPr bwMode="auto">
           <a:xfrm>
-            <a:off x="3336281" y="3708018"/>
-            <a:ext cx="408556" cy="408556"/>
+            <a:off x="1601958" y="3851684"/>
+            <a:ext cx="784916" cy="784916"/>
           </a:xfrm>
           <a:prstGeom prst="rect">
             <a:avLst/>
@@ -22575,12 +22618,51 @@
           </a:extLst>
         </p:spPr>
       </p:pic>
+      <p:sp>
+        <p:nvSpPr>
+          <p:cNvPr id="67" name="TextBox 66">
+            <a:extLst>
+              <a:ext uri="{FF2B5EF4-FFF2-40B4-BE49-F238E27FC236}">
+                <a16:creationId xmlns:a16="http://schemas.microsoft.com/office/drawing/2014/main" id="{1733DC4D-3E28-C987-2CF0-6863C4AFB1F8}"/>
+              </a:ext>
+            </a:extLst>
+          </p:cNvPr>
+          <p:cNvSpPr txBox="1"/>
+          <p:nvPr/>
+        </p:nvSpPr>
+        <p:spPr>
+          <a:xfrm>
+            <a:off x="1208449" y="4475843"/>
+            <a:ext cx="1562289" cy="369332"/>
+          </a:xfrm>
+          <a:prstGeom prst="rect">
+            <a:avLst/>
+          </a:prstGeom>
+          <a:noFill/>
+        </p:spPr>
+        <p:txBody>
+          <a:bodyPr wrap="square">
+            <a:spAutoFit/>
+          </a:bodyPr>
+          <a:lstStyle/>
+          <a:p>
+            <a:r>
+              <a:rPr lang="ru-RU" dirty="0">
+                <a:solidFill>
+                  <a:srgbClr val="FFFF00"/>
+                </a:solidFill>
+              </a:rPr>
+              <a:t>Мероприятия</a:t>
+            </a:r>
+          </a:p>
+        </p:txBody>
+      </p:sp>
       <p:pic>
         <p:nvPicPr>
-          <p:cNvPr id="2062" name="Picture 14" descr="Мероприятие – Бесплатные иконки: Время и дата">
+          <p:cNvPr id="2064" name="Picture 16" descr="Учебный план – Бесплатные иконки: файлы и папки">
             <a:extLst>
               <a:ext uri="{FF2B5EF4-FFF2-40B4-BE49-F238E27FC236}">
-                <a16:creationId xmlns:a16="http://schemas.microsoft.com/office/drawing/2014/main" id="{96AD53F5-73A1-1DCF-75F5-F82E3B113BE3}"/>
+                <a16:creationId xmlns:a16="http://schemas.microsoft.com/office/drawing/2014/main" id="{A3610B60-28A2-6E52-0947-64D49B9C86FA}"/>
               </a:ext>
             </a:extLst>
           </p:cNvPr>
@@ -22604,8 +22686,8 @@
         </p:blipFill>
         <p:spPr bwMode="auto">
           <a:xfrm>
-            <a:off x="1583800" y="2836023"/>
-            <a:ext cx="784916" cy="784916"/>
+            <a:off x="1460999" y="2577321"/>
+            <a:ext cx="932991" cy="932991"/>
           </a:xfrm>
           <a:prstGeom prst="rect">
             <a:avLst/>
@@ -22624,10 +22706,10 @@
       </p:pic>
       <p:sp>
         <p:nvSpPr>
-          <p:cNvPr id="67" name="TextBox 66">
+          <p:cNvPr id="78" name="TextBox 77">
             <a:extLst>
               <a:ext uri="{FF2B5EF4-FFF2-40B4-BE49-F238E27FC236}">
-                <a16:creationId xmlns:a16="http://schemas.microsoft.com/office/drawing/2014/main" id="{1733DC4D-3E28-C987-2CF0-6863C4AFB1F8}"/>
+                <a16:creationId xmlns:a16="http://schemas.microsoft.com/office/drawing/2014/main" id="{B71EA735-E2E1-387E-8032-8AC882483311}"/>
               </a:ext>
             </a:extLst>
           </p:cNvPr>
@@ -22636,8 +22718,8 @@
         </p:nvSpPr>
         <p:spPr>
           <a:xfrm>
-            <a:off x="1172703" y="3542964"/>
-            <a:ext cx="1562289" cy="369332"/>
+            <a:off x="923499" y="3464821"/>
+            <a:ext cx="2186093" cy="369332"/>
           </a:xfrm>
           <a:prstGeom prst="rect">
             <a:avLst/>
@@ -22656,17 +22738,366 @@
                   <a:srgbClr val="FFFF00"/>
                 </a:solidFill>
               </a:rPr>
-              <a:t>Мероприятия</a:t>
+              <a:t>Учебные материалы</a:t>
+            </a:r>
+          </a:p>
+        </p:txBody>
+      </p:sp>
+      <p:sp>
+        <p:nvSpPr>
+          <p:cNvPr id="80" name="TextBox 79">
+            <a:extLst>
+              <a:ext uri="{FF2B5EF4-FFF2-40B4-BE49-F238E27FC236}">
+                <a16:creationId xmlns:a16="http://schemas.microsoft.com/office/drawing/2014/main" id="{74790313-D7E8-2340-0B8E-D5921CD544BD}"/>
+              </a:ext>
+            </a:extLst>
+          </p:cNvPr>
+          <p:cNvSpPr txBox="1"/>
+          <p:nvPr/>
+        </p:nvSpPr>
+        <p:spPr>
+          <a:xfrm>
+            <a:off x="9984202" y="1435194"/>
+            <a:ext cx="1652930" cy="646331"/>
+          </a:xfrm>
+          <a:prstGeom prst="rect">
+            <a:avLst/>
+          </a:prstGeom>
+          <a:noFill/>
+        </p:spPr>
+        <p:txBody>
+          <a:bodyPr wrap="square" rtlCol="0">
+            <a:spAutoFit/>
+          </a:bodyPr>
+          <a:lstStyle/>
+          <a:p>
+            <a:pPr algn="ctr"/>
+            <a:r>
+              <a:rPr lang="ru-RU" dirty="0">
+                <a:solidFill>
+                  <a:srgbClr val="FFFF00"/>
+                </a:solidFill>
+              </a:rPr>
+              <a:t>Создание сертификатов</a:t>
+            </a:r>
+          </a:p>
+        </p:txBody>
+      </p:sp>
+      <p:sp>
+        <p:nvSpPr>
+          <p:cNvPr id="81" name="TextBox 80">
+            <a:extLst>
+              <a:ext uri="{FF2B5EF4-FFF2-40B4-BE49-F238E27FC236}">
+                <a16:creationId xmlns:a16="http://schemas.microsoft.com/office/drawing/2014/main" id="{591B90B4-CF4C-1B74-F091-72E244A60E97}"/>
+              </a:ext>
+            </a:extLst>
+          </p:cNvPr>
+          <p:cNvSpPr txBox="1"/>
+          <p:nvPr/>
+        </p:nvSpPr>
+        <p:spPr>
+          <a:xfrm>
+            <a:off x="9846353" y="3059461"/>
+            <a:ext cx="2122336" cy="646331"/>
+          </a:xfrm>
+          <a:prstGeom prst="rect">
+            <a:avLst/>
+          </a:prstGeom>
+          <a:noFill/>
+        </p:spPr>
+        <p:txBody>
+          <a:bodyPr wrap="square" rtlCol="0">
+            <a:spAutoFit/>
+          </a:bodyPr>
+          <a:lstStyle/>
+          <a:p>
+            <a:pPr algn="ctr"/>
+            <a:r>
+              <a:rPr lang="ru-RU" dirty="0">
+                <a:solidFill>
+                  <a:srgbClr val="FFFF00"/>
+                </a:solidFill>
+              </a:rPr>
+              <a:t>Формирование приказов</a:t>
+            </a:r>
+          </a:p>
+        </p:txBody>
+      </p:sp>
+      <p:sp>
+        <p:nvSpPr>
+          <p:cNvPr id="82" name="TextBox 81">
+            <a:extLst>
+              <a:ext uri="{FF2B5EF4-FFF2-40B4-BE49-F238E27FC236}">
+                <a16:creationId xmlns:a16="http://schemas.microsoft.com/office/drawing/2014/main" id="{9A6F0BA6-1058-79CC-0072-3FC77CF5EAB2}"/>
+              </a:ext>
+            </a:extLst>
+          </p:cNvPr>
+          <p:cNvSpPr txBox="1"/>
+          <p:nvPr/>
+        </p:nvSpPr>
+        <p:spPr>
+          <a:xfrm>
+            <a:off x="10094766" y="4477391"/>
+            <a:ext cx="1728792" cy="1477328"/>
+          </a:xfrm>
+          <a:prstGeom prst="rect">
+            <a:avLst/>
+          </a:prstGeom>
+          <a:noFill/>
+        </p:spPr>
+        <p:txBody>
+          <a:bodyPr wrap="square" rtlCol="0">
+            <a:spAutoFit/>
+          </a:bodyPr>
+          <a:lstStyle/>
+          <a:p>
+            <a:r>
+              <a:rPr lang="ru-RU" dirty="0">
+                <a:solidFill>
+                  <a:srgbClr val="FFFF00"/>
+                </a:solidFill>
+              </a:rPr>
+              <a:t>Выгрузка календарно-учебного плана и электронного журнала</a:t>
             </a:r>
           </a:p>
         </p:txBody>
       </p:sp>
       <p:pic>
         <p:nvPicPr>
-          <p:cNvPr id="74" name="Picture 16" descr="Документы – Бесплатные иконки: файлы и папки">
+          <p:cNvPr id="29" name="Рисунок 28">
             <a:extLst>
               <a:ext uri="{FF2B5EF4-FFF2-40B4-BE49-F238E27FC236}">
-                <a16:creationId xmlns:a16="http://schemas.microsoft.com/office/drawing/2014/main" id="{808ACEDA-BA40-8F7C-2D92-5262B45A0DEB}"/>
+                <a16:creationId xmlns:a16="http://schemas.microsoft.com/office/drawing/2014/main" id="{4F8AD05F-EC58-4E5C-B793-B3F0D45302E1}"/>
+              </a:ext>
+            </a:extLst>
+          </p:cNvPr>
+          <p:cNvPicPr>
+            <a:picLocks noChangeAspect="1"/>
+          </p:cNvPicPr>
+          <p:nvPr/>
+        </p:nvPicPr>
+        <p:blipFill>
+          <a:blip r:embed="rId10" cstate="print">
+            <a:extLst>
+              <a:ext uri="{28A0092B-C50C-407E-A947-70E740481C1C}">
+                <a14:useLocalDpi xmlns:a14="http://schemas.microsoft.com/office/drawing/2010/main" val="0"/>
+              </a:ext>
+            </a:extLst>
+          </a:blip>
+          <a:stretch>
+            <a:fillRect/>
+          </a:stretch>
+        </p:blipFill>
+        <p:spPr>
+          <a:xfrm>
+            <a:off x="5590924" y="6175774"/>
+            <a:ext cx="1010152" cy="687866"/>
+          </a:xfrm>
+          <a:prstGeom prst="rect">
+            <a:avLst/>
+          </a:prstGeom>
+        </p:spPr>
+      </p:pic>
+      <p:sp>
+        <p:nvSpPr>
+          <p:cNvPr id="30" name="TextBox 29">
+            <a:extLst>
+              <a:ext uri="{FF2B5EF4-FFF2-40B4-BE49-F238E27FC236}">
+                <a16:creationId xmlns:a16="http://schemas.microsoft.com/office/drawing/2014/main" id="{D62F8B9D-284B-484A-9EDF-7044A40565F5}"/>
+              </a:ext>
+            </a:extLst>
+          </p:cNvPr>
+          <p:cNvSpPr txBox="1"/>
+          <p:nvPr/>
+        </p:nvSpPr>
+        <p:spPr>
+          <a:xfrm>
+            <a:off x="5590924" y="5954719"/>
+            <a:ext cx="1023257" cy="369332"/>
+          </a:xfrm>
+          <a:prstGeom prst="rect">
+            <a:avLst/>
+          </a:prstGeom>
+          <a:noFill/>
+        </p:spPr>
+        <p:txBody>
+          <a:bodyPr wrap="square" rtlCol="0">
+            <a:spAutoFit/>
+          </a:bodyPr>
+          <a:lstStyle/>
+          <a:p>
+            <a:r>
+              <a:rPr lang="ru-RU" dirty="0">
+                <a:solidFill>
+                  <a:srgbClr val="FFFF00"/>
+                </a:solidFill>
+              </a:rPr>
+              <a:t>Данные</a:t>
+            </a:r>
+          </a:p>
+        </p:txBody>
+      </p:sp>
+      <p:pic>
+        <p:nvPicPr>
+          <p:cNvPr id="31" name="Рисунок 30">
+            <a:extLst>
+              <a:ext uri="{FF2B5EF4-FFF2-40B4-BE49-F238E27FC236}">
+                <a16:creationId xmlns:a16="http://schemas.microsoft.com/office/drawing/2014/main" id="{0312D042-C60E-4143-9F91-F4CCA3001772}"/>
+              </a:ext>
+            </a:extLst>
+          </p:cNvPr>
+          <p:cNvPicPr>
+            <a:picLocks noChangeAspect="1"/>
+          </p:cNvPicPr>
+          <p:nvPr/>
+        </p:nvPicPr>
+        <p:blipFill>
+          <a:blip r:embed="rId10" cstate="print">
+            <a:extLst>
+              <a:ext uri="{28A0092B-C50C-407E-A947-70E740481C1C}">
+                <a14:useLocalDpi xmlns:a14="http://schemas.microsoft.com/office/drawing/2010/main" val="0"/>
+              </a:ext>
+            </a:extLst>
+          </a:blip>
+          <a:stretch>
+            <a:fillRect/>
+          </a:stretch>
+        </p:blipFill>
+        <p:spPr>
+          <a:xfrm>
+            <a:off x="2765946" y="3115732"/>
+            <a:ext cx="751181" cy="511519"/>
+          </a:xfrm>
+          <a:prstGeom prst="rect">
+            <a:avLst/>
+          </a:prstGeom>
+        </p:spPr>
+      </p:pic>
+      <p:pic>
+        <p:nvPicPr>
+          <p:cNvPr id="34" name="Рисунок 33">
+            <a:extLst>
+              <a:ext uri="{FF2B5EF4-FFF2-40B4-BE49-F238E27FC236}">
+                <a16:creationId xmlns:a16="http://schemas.microsoft.com/office/drawing/2014/main" id="{3FC3AC2A-229B-4DE3-948B-688F7BAAC854}"/>
+              </a:ext>
+            </a:extLst>
+          </p:cNvPr>
+          <p:cNvPicPr>
+            <a:picLocks noChangeAspect="1"/>
+          </p:cNvPicPr>
+          <p:nvPr/>
+        </p:nvPicPr>
+        <p:blipFill>
+          <a:blip r:embed="rId10" cstate="print">
+            <a:extLst>
+              <a:ext uri="{28A0092B-C50C-407E-A947-70E740481C1C}">
+                <a14:useLocalDpi xmlns:a14="http://schemas.microsoft.com/office/drawing/2010/main" val="0"/>
+              </a:ext>
+            </a:extLst>
+          </a:blip>
+          <a:stretch>
+            <a:fillRect/>
+          </a:stretch>
+        </p:blipFill>
+        <p:spPr>
+          <a:xfrm>
+            <a:off x="2933589" y="3955449"/>
+            <a:ext cx="751181" cy="511519"/>
+          </a:xfrm>
+          <a:prstGeom prst="rect">
+            <a:avLst/>
+          </a:prstGeom>
+        </p:spPr>
+      </p:pic>
+      <p:pic>
+        <p:nvPicPr>
+          <p:cNvPr id="35" name="Рисунок 34">
+            <a:extLst>
+              <a:ext uri="{FF2B5EF4-FFF2-40B4-BE49-F238E27FC236}">
+                <a16:creationId xmlns:a16="http://schemas.microsoft.com/office/drawing/2014/main" id="{D01A4738-0DAA-4589-9799-FD8262BE6F67}"/>
+              </a:ext>
+            </a:extLst>
+          </p:cNvPr>
+          <p:cNvPicPr>
+            <a:picLocks noChangeAspect="1"/>
+          </p:cNvPicPr>
+          <p:nvPr/>
+        </p:nvPicPr>
+        <p:blipFill>
+          <a:blip r:embed="rId10" cstate="print">
+            <a:extLst>
+              <a:ext uri="{28A0092B-C50C-407E-A947-70E740481C1C}">
+                <a14:useLocalDpi xmlns:a14="http://schemas.microsoft.com/office/drawing/2010/main" val="0"/>
+              </a:ext>
+            </a:extLst>
+          </a:blip>
+          <a:stretch>
+            <a:fillRect/>
+          </a:stretch>
+        </p:blipFill>
+        <p:spPr>
+          <a:xfrm>
+            <a:off x="3203528" y="4720764"/>
+            <a:ext cx="751181" cy="511519"/>
+          </a:xfrm>
+          <a:prstGeom prst="rect">
+            <a:avLst/>
+          </a:prstGeom>
+        </p:spPr>
+      </p:pic>
+      <p:cxnSp>
+        <p:nvCxnSpPr>
+          <p:cNvPr id="17" name="Прямая со стрелкой 16">
+            <a:extLst>
+              <a:ext uri="{FF2B5EF4-FFF2-40B4-BE49-F238E27FC236}">
+                <a16:creationId xmlns:a16="http://schemas.microsoft.com/office/drawing/2014/main" id="{CAD0E74E-1CAC-913D-2013-54B0A118B3C7}"/>
+              </a:ext>
+            </a:extLst>
+          </p:cNvPr>
+          <p:cNvCxnSpPr>
+            <a:cxnSpLocks/>
+            <a:stCxn id="3074" idx="3"/>
+            <a:endCxn id="7" idx="1"/>
+          </p:cNvCxnSpPr>
+          <p:nvPr/>
+        </p:nvCxnSpPr>
+        <p:spPr>
+          <a:xfrm>
+            <a:off x="2536307" y="1675630"/>
+            <a:ext cx="2632336" cy="1687096"/>
+          </a:xfrm>
+          <a:prstGeom prst="straightConnector1">
+            <a:avLst/>
+          </a:prstGeom>
+          <a:ln w="28575">
+            <a:solidFill>
+              <a:srgbClr val="FFC000"/>
+            </a:solidFill>
+            <a:prstDash val="lgDash"/>
+            <a:tailEnd type="triangle"/>
+          </a:ln>
+        </p:spPr>
+        <p:style>
+          <a:lnRef idx="1">
+            <a:schemeClr val="dk1"/>
+          </a:lnRef>
+          <a:fillRef idx="0">
+            <a:schemeClr val="dk1"/>
+          </a:fillRef>
+          <a:effectRef idx="0">
+            <a:schemeClr val="dk1"/>
+          </a:effectRef>
+          <a:fontRef idx="minor">
+            <a:schemeClr val="tx1"/>
+          </a:fontRef>
+        </p:style>
+      </p:cxnSp>
+      <p:pic>
+        <p:nvPicPr>
+          <p:cNvPr id="3074" name="Picture 2" descr="Группа – Бесплатные иконки: люди">
+            <a:extLst>
+              <a:ext uri="{FF2B5EF4-FFF2-40B4-BE49-F238E27FC236}">
+                <a16:creationId xmlns:a16="http://schemas.microsoft.com/office/drawing/2014/main" id="{0D2111A9-31E6-9A29-DA5E-D9F96631BB90}"/>
               </a:ext>
             </a:extLst>
           </p:cNvPr>
@@ -22676,7 +23107,7 @@
           <p:nvPr/>
         </p:nvPicPr>
         <p:blipFill>
-          <a:blip r:embed="rId7">
+          <a:blip r:embed="rId11">
             <a:extLst>
               <a:ext uri="{28A0092B-C50C-407E-A947-70E740481C1C}">
                 <a14:useLocalDpi xmlns:a14="http://schemas.microsoft.com/office/drawing/2010/main" val="0"/>
@@ -22690,8 +23121,8 @@
         </p:blipFill>
         <p:spPr bwMode="auto">
           <a:xfrm>
-            <a:off x="3241070" y="2815046"/>
-            <a:ext cx="408556" cy="408556"/>
+            <a:off x="1442878" y="1128915"/>
+            <a:ext cx="1093429" cy="1093429"/>
           </a:xfrm>
           <a:prstGeom prst="rect">
             <a:avLst/>
@@ -22708,59 +23139,12 @@
           </a:extLst>
         </p:spPr>
       </p:pic>
-      <p:pic>
-        <p:nvPicPr>
-          <p:cNvPr id="2064" name="Picture 16" descr="Учебный план – Бесплатные иконки: файлы и папки">
+      <p:sp>
+        <p:nvSpPr>
+          <p:cNvPr id="27" name="TextBox 26">
             <a:extLst>
               <a:ext uri="{FF2B5EF4-FFF2-40B4-BE49-F238E27FC236}">
-                <a16:creationId xmlns:a16="http://schemas.microsoft.com/office/drawing/2014/main" id="{A3610B60-28A2-6E52-0947-64D49B9C86FA}"/>
-              </a:ext>
-            </a:extLst>
-          </p:cNvPr>
-          <p:cNvPicPr>
-            <a:picLocks noChangeAspect="1" noChangeArrowheads="1"/>
-          </p:cNvPicPr>
-          <p:nvPr/>
-        </p:nvPicPr>
-        <p:blipFill>
-          <a:blip r:embed="rId10">
-            <a:extLst>
-              <a:ext uri="{28A0092B-C50C-407E-A947-70E740481C1C}">
-                <a14:useLocalDpi xmlns:a14="http://schemas.microsoft.com/office/drawing/2010/main" val="0"/>
-              </a:ext>
-            </a:extLst>
-          </a:blip>
-          <a:srcRect/>
-          <a:stretch>
-            <a:fillRect/>
-          </a:stretch>
-        </p:blipFill>
-        <p:spPr bwMode="auto">
-          <a:xfrm>
-            <a:off x="1655965" y="904832"/>
-            <a:ext cx="932991" cy="932991"/>
-          </a:xfrm>
-          <a:prstGeom prst="rect">
-            <a:avLst/>
-          </a:prstGeom>
-          <a:noFill/>
-          <a:extLst>
-            <a:ext uri="{909E8E84-426E-40DD-AFC4-6F175D3DCCD1}">
-              <a14:hiddenFill xmlns:a14="http://schemas.microsoft.com/office/drawing/2010/main">
-                <a:solidFill>
-                  <a:srgbClr val="FFFFFF"/>
-                </a:solidFill>
-              </a14:hiddenFill>
-            </a:ext>
-          </a:extLst>
-        </p:spPr>
-      </p:pic>
-      <p:sp>
-        <p:nvSpPr>
-          <p:cNvPr id="78" name="TextBox 77">
-            <a:extLst>
-              <a:ext uri="{FF2B5EF4-FFF2-40B4-BE49-F238E27FC236}">
-                <a16:creationId xmlns:a16="http://schemas.microsoft.com/office/drawing/2014/main" id="{B71EA735-E2E1-387E-8032-8AC882483311}"/>
+                <a16:creationId xmlns:a16="http://schemas.microsoft.com/office/drawing/2014/main" id="{50D68F7A-C2A3-7760-599F-605448196CB4}"/>
               </a:ext>
             </a:extLst>
           </p:cNvPr>
@@ -22769,7 +23153,7 @@
         </p:nvSpPr>
         <p:spPr>
           <a:xfrm>
-            <a:off x="1116944" y="1799795"/>
+            <a:off x="1005202" y="1941468"/>
             <a:ext cx="2186093" cy="369332"/>
           </a:xfrm>
           <a:prstGeom prst="rect">
@@ -22789,183 +23173,17 @@
                   <a:srgbClr val="FFFF00"/>
                 </a:solidFill>
               </a:rPr>
-              <a:t>Учебные материалы</a:t>
+              <a:t>Сотрудники РШТ</a:t>
             </a:r>
           </a:p>
         </p:txBody>
       </p:sp>
       <p:pic>
         <p:nvPicPr>
-          <p:cNvPr id="79" name="Picture 16" descr="Документы – Бесплатные иконки: файлы и папки">
+          <p:cNvPr id="28" name="Рисунок 27">
             <a:extLst>
               <a:ext uri="{FF2B5EF4-FFF2-40B4-BE49-F238E27FC236}">
-                <a16:creationId xmlns:a16="http://schemas.microsoft.com/office/drawing/2014/main" id="{496B106C-5090-C5BD-BEF1-666AF1C11290}"/>
-              </a:ext>
-            </a:extLst>
-          </p:cNvPr>
-          <p:cNvPicPr>
-            <a:picLocks noChangeAspect="1" noChangeArrowheads="1"/>
-          </p:cNvPicPr>
-          <p:nvPr/>
-        </p:nvPicPr>
-        <p:blipFill>
-          <a:blip r:embed="rId7">
-            <a:extLst>
-              <a:ext uri="{28A0092B-C50C-407E-A947-70E740481C1C}">
-                <a14:useLocalDpi xmlns:a14="http://schemas.microsoft.com/office/drawing/2010/main" val="0"/>
-              </a:ext>
-            </a:extLst>
-          </a:blip>
-          <a:srcRect/>
-          <a:stretch>
-            <a:fillRect/>
-          </a:stretch>
-        </p:blipFill>
-        <p:spPr bwMode="auto">
-          <a:xfrm>
-            <a:off x="3615312" y="1751761"/>
-            <a:ext cx="408556" cy="408556"/>
-          </a:xfrm>
-          <a:prstGeom prst="rect">
-            <a:avLst/>
-          </a:prstGeom>
-          <a:noFill/>
-          <a:extLst>
-            <a:ext uri="{909E8E84-426E-40DD-AFC4-6F175D3DCCD1}">
-              <a14:hiddenFill xmlns:a14="http://schemas.microsoft.com/office/drawing/2010/main">
-                <a:solidFill>
-                  <a:srgbClr val="FFFFFF"/>
-                </a:solidFill>
-              </a14:hiddenFill>
-            </a:ext>
-          </a:extLst>
-        </p:spPr>
-      </p:pic>
-      <p:sp>
-        <p:nvSpPr>
-          <p:cNvPr id="80" name="TextBox 79">
-            <a:extLst>
-              <a:ext uri="{FF2B5EF4-FFF2-40B4-BE49-F238E27FC236}">
-                <a16:creationId xmlns:a16="http://schemas.microsoft.com/office/drawing/2014/main" id="{74790313-D7E8-2340-0B8E-D5921CD544BD}"/>
-              </a:ext>
-            </a:extLst>
-          </p:cNvPr>
-          <p:cNvSpPr txBox="1"/>
-          <p:nvPr/>
-        </p:nvSpPr>
-        <p:spPr>
-          <a:xfrm>
-            <a:off x="9984202" y="1435194"/>
-            <a:ext cx="1652930" cy="646331"/>
-          </a:xfrm>
-          <a:prstGeom prst="rect">
-            <a:avLst/>
-          </a:prstGeom>
-          <a:noFill/>
-        </p:spPr>
-        <p:txBody>
-          <a:bodyPr wrap="square" rtlCol="0">
-            <a:spAutoFit/>
-          </a:bodyPr>
-          <a:lstStyle/>
-          <a:p>
-            <a:pPr algn="ctr"/>
-            <a:r>
-              <a:rPr lang="ru-RU" dirty="0">
-                <a:solidFill>
-                  <a:srgbClr val="FFFF00"/>
-                </a:solidFill>
-              </a:rPr>
-              <a:t>Создание сертификатов</a:t>
-            </a:r>
-          </a:p>
-        </p:txBody>
-      </p:sp>
-      <p:sp>
-        <p:nvSpPr>
-          <p:cNvPr id="81" name="TextBox 80">
-            <a:extLst>
-              <a:ext uri="{FF2B5EF4-FFF2-40B4-BE49-F238E27FC236}">
-                <a16:creationId xmlns:a16="http://schemas.microsoft.com/office/drawing/2014/main" id="{591B90B4-CF4C-1B74-F091-72E244A60E97}"/>
-              </a:ext>
-            </a:extLst>
-          </p:cNvPr>
-          <p:cNvSpPr txBox="1"/>
-          <p:nvPr/>
-        </p:nvSpPr>
-        <p:spPr>
-          <a:xfrm>
-            <a:off x="9846353" y="3059461"/>
-            <a:ext cx="2122336" cy="646331"/>
-          </a:xfrm>
-          <a:prstGeom prst="rect">
-            <a:avLst/>
-          </a:prstGeom>
-          <a:noFill/>
-        </p:spPr>
-        <p:txBody>
-          <a:bodyPr wrap="square" rtlCol="0">
-            <a:spAutoFit/>
-          </a:bodyPr>
-          <a:lstStyle/>
-          <a:p>
-            <a:pPr algn="ctr"/>
-            <a:r>
-              <a:rPr lang="ru-RU" dirty="0">
-                <a:solidFill>
-                  <a:srgbClr val="FFFF00"/>
-                </a:solidFill>
-              </a:rPr>
-              <a:t>Формирование приказов</a:t>
-            </a:r>
-          </a:p>
-        </p:txBody>
-      </p:sp>
-      <p:sp>
-        <p:nvSpPr>
-          <p:cNvPr id="82" name="TextBox 81">
-            <a:extLst>
-              <a:ext uri="{FF2B5EF4-FFF2-40B4-BE49-F238E27FC236}">
-                <a16:creationId xmlns:a16="http://schemas.microsoft.com/office/drawing/2014/main" id="{9A6F0BA6-1058-79CC-0072-3FC77CF5EAB2}"/>
-              </a:ext>
-            </a:extLst>
-          </p:cNvPr>
-          <p:cNvSpPr txBox="1"/>
-          <p:nvPr/>
-        </p:nvSpPr>
-        <p:spPr>
-          <a:xfrm>
-            <a:off x="10094766" y="4477391"/>
-            <a:ext cx="1728792" cy="1477328"/>
-          </a:xfrm>
-          <a:prstGeom prst="rect">
-            <a:avLst/>
-          </a:prstGeom>
-          <a:noFill/>
-        </p:spPr>
-        <p:txBody>
-          <a:bodyPr wrap="square" rtlCol="0">
-            <a:spAutoFit/>
-          </a:bodyPr>
-          <a:lstStyle/>
-          <a:p>
-            <a:r>
-              <a:rPr lang="ru-RU" dirty="0">
-                <a:solidFill>
-                  <a:srgbClr val="FFFF00"/>
-                </a:solidFill>
-              </a:rPr>
-              <a:t>Выгрузка календарно-учебного плана и электронного журнала</a:t>
-            </a:r>
-          </a:p>
-        </p:txBody>
-      </p:sp>
-      <p:pic>
-        <p:nvPicPr>
-          <p:cNvPr id="29" name="Рисунок 28">
-            <a:extLst>
-              <a:ext uri="{FF2B5EF4-FFF2-40B4-BE49-F238E27FC236}">
-                <a16:creationId xmlns:a16="http://schemas.microsoft.com/office/drawing/2014/main" id="{4F8AD05F-EC58-4E5C-B793-B3F0D45302E1}"/>
+                <a16:creationId xmlns:a16="http://schemas.microsoft.com/office/drawing/2014/main" id="{3ED88057-F06F-8372-3ED0-DC3261274CAD}"/>
               </a:ext>
             </a:extLst>
           </p:cNvPr>
@@ -22975,7 +23193,7 @@
           <p:nvPr/>
         </p:nvPicPr>
         <p:blipFill>
-          <a:blip r:embed="rId11" cstate="print">
+          <a:blip r:embed="rId10" cstate="print">
             <a:extLst>
               <a:ext uri="{28A0092B-C50C-407E-A947-70E740481C1C}">
                 <a14:useLocalDpi xmlns:a14="http://schemas.microsoft.com/office/drawing/2010/main" val="0"/>
@@ -22988,155 +23206,8 @@
         </p:blipFill>
         <p:spPr>
           <a:xfrm>
-            <a:off x="4373337" y="6093525"/>
-            <a:ext cx="1010152" cy="687866"/>
-          </a:xfrm>
-          <a:prstGeom prst="rect">
-            <a:avLst/>
-          </a:prstGeom>
-        </p:spPr>
-      </p:pic>
-      <p:sp>
-        <p:nvSpPr>
-          <p:cNvPr id="30" name="TextBox 29">
-            <a:extLst>
-              <a:ext uri="{FF2B5EF4-FFF2-40B4-BE49-F238E27FC236}">
-                <a16:creationId xmlns:a16="http://schemas.microsoft.com/office/drawing/2014/main" id="{D62F8B9D-284B-484A-9EDF-7044A40565F5}"/>
-              </a:ext>
-            </a:extLst>
-          </p:cNvPr>
-          <p:cNvSpPr txBox="1"/>
-          <p:nvPr/>
-        </p:nvSpPr>
-        <p:spPr>
-          <a:xfrm>
-            <a:off x="4443662" y="5776967"/>
-            <a:ext cx="1023257" cy="369332"/>
-          </a:xfrm>
-          <a:prstGeom prst="rect">
-            <a:avLst/>
-          </a:prstGeom>
-          <a:noFill/>
-        </p:spPr>
-        <p:txBody>
-          <a:bodyPr wrap="square" rtlCol="0">
-            <a:spAutoFit/>
-          </a:bodyPr>
-          <a:lstStyle/>
-          <a:p>
-            <a:r>
-              <a:rPr lang="ru-RU" dirty="0">
-                <a:solidFill>
-                  <a:srgbClr val="FFFF00"/>
-                </a:solidFill>
-              </a:rPr>
-              <a:t>Данные</a:t>
-            </a:r>
-          </a:p>
-        </p:txBody>
-      </p:sp>
-      <p:pic>
-        <p:nvPicPr>
-          <p:cNvPr id="31" name="Рисунок 30">
-            <a:extLst>
-              <a:ext uri="{FF2B5EF4-FFF2-40B4-BE49-F238E27FC236}">
-                <a16:creationId xmlns:a16="http://schemas.microsoft.com/office/drawing/2014/main" id="{0312D042-C60E-4143-9F91-F4CCA3001772}"/>
-              </a:ext>
-            </a:extLst>
-          </p:cNvPr>
-          <p:cNvPicPr>
-            <a:picLocks noChangeAspect="1"/>
-          </p:cNvPicPr>
-          <p:nvPr/>
-        </p:nvPicPr>
-        <p:blipFill>
-          <a:blip r:embed="rId11" cstate="print">
-            <a:extLst>
-              <a:ext uri="{28A0092B-C50C-407E-A947-70E740481C1C}">
-                <a14:useLocalDpi xmlns:a14="http://schemas.microsoft.com/office/drawing/2010/main" val="0"/>
-              </a:ext>
-            </a:extLst>
-          </a:blip>
-          <a:stretch>
-            <a:fillRect/>
-          </a:stretch>
-        </p:blipFill>
-        <p:spPr>
-          <a:xfrm>
-            <a:off x="3046234" y="2123289"/>
-            <a:ext cx="751181" cy="511519"/>
-          </a:xfrm>
-          <a:prstGeom prst="rect">
-            <a:avLst/>
-          </a:prstGeom>
-        </p:spPr>
-      </p:pic>
-      <p:pic>
-        <p:nvPicPr>
-          <p:cNvPr id="34" name="Рисунок 33">
-            <a:extLst>
-              <a:ext uri="{FF2B5EF4-FFF2-40B4-BE49-F238E27FC236}">
-                <a16:creationId xmlns:a16="http://schemas.microsoft.com/office/drawing/2014/main" id="{3FC3AC2A-229B-4DE3-948B-688F7BAAC854}"/>
-              </a:ext>
-            </a:extLst>
-          </p:cNvPr>
-          <p:cNvPicPr>
-            <a:picLocks noChangeAspect="1"/>
-          </p:cNvPicPr>
-          <p:nvPr/>
-        </p:nvPicPr>
-        <p:blipFill>
-          <a:blip r:embed="rId11" cstate="print">
-            <a:extLst>
-              <a:ext uri="{28A0092B-C50C-407E-A947-70E740481C1C}">
-                <a14:useLocalDpi xmlns:a14="http://schemas.microsoft.com/office/drawing/2010/main" val="0"/>
-              </a:ext>
-            </a:extLst>
-          </a:blip>
-          <a:stretch>
-            <a:fillRect/>
-          </a:stretch>
-        </p:blipFill>
-        <p:spPr>
-          <a:xfrm>
-            <a:off x="2734001" y="3220269"/>
-            <a:ext cx="751181" cy="511519"/>
-          </a:xfrm>
-          <a:prstGeom prst="rect">
-            <a:avLst/>
-          </a:prstGeom>
-        </p:spPr>
-      </p:pic>
-      <p:pic>
-        <p:nvPicPr>
-          <p:cNvPr id="35" name="Рисунок 34">
-            <a:extLst>
-              <a:ext uri="{FF2B5EF4-FFF2-40B4-BE49-F238E27FC236}">
-                <a16:creationId xmlns:a16="http://schemas.microsoft.com/office/drawing/2014/main" id="{D01A4738-0DAA-4589-9799-FD8262BE6F67}"/>
-              </a:ext>
-            </a:extLst>
-          </p:cNvPr>
-          <p:cNvPicPr>
-            <a:picLocks noChangeAspect="1"/>
-          </p:cNvPicPr>
-          <p:nvPr/>
-        </p:nvPicPr>
-        <p:blipFill>
-          <a:blip r:embed="rId11" cstate="print">
-            <a:extLst>
-              <a:ext uri="{28A0092B-C50C-407E-A947-70E740481C1C}">
-                <a14:useLocalDpi xmlns:a14="http://schemas.microsoft.com/office/drawing/2010/main" val="0"/>
-              </a:ext>
-            </a:extLst>
-          </a:blip>
-          <a:stretch>
-            <a:fillRect/>
-          </a:stretch>
-        </p:blipFill>
-        <p:spPr>
-          <a:xfrm>
-            <a:off x="3510768" y="4047616"/>
-            <a:ext cx="751181" cy="511519"/>
+            <a:off x="2830488" y="2146222"/>
+            <a:ext cx="819388" cy="557965"/>
           </a:xfrm>
           <a:prstGeom prst="rect">
             <a:avLst/>
@@ -23165,212 +23236,6 @@
       </p:transition>
     </mc:Fallback>
   </mc:AlternateContent>
-  <p:timing>
-    <p:tnLst>
-      <p:par>
-        <p:cTn id="1" dur="indefinite" restart="never" nodeType="tmRoot">
-          <p:childTnLst>
-            <p:seq concurrent="1" nextAc="seek">
-              <p:cTn id="2" dur="indefinite" nodeType="mainSeq">
-                <p:childTnLst>
-                  <p:par>
-                    <p:cTn id="3" fill="hold">
-                      <p:stCondLst>
-                        <p:cond delay="indefinite"/>
-                      </p:stCondLst>
-                      <p:childTnLst>
-                        <p:par>
-                          <p:cTn id="4" fill="hold">
-                            <p:stCondLst>
-                              <p:cond delay="0"/>
-                            </p:stCondLst>
-                            <p:childTnLst>
-                              <p:par>
-                                <p:cTn id="5" presetID="26" presetClass="emph" presetSubtype="0" fill="hold" nodeType="clickEffect">
-                                  <p:stCondLst>
-                                    <p:cond delay="0"/>
-                                  </p:stCondLst>
-                                  <p:childTnLst>
-                                    <p:animEffect transition="out" filter="fade">
-                                      <p:cBhvr>
-                                        <p:cTn id="6" dur="1000" tmFilter="0, 0; .2, .5; .8, .5; 1, 0"/>
-                                        <p:tgtEl>
-                                          <p:spTgt spid="29"/>
-                                        </p:tgtEl>
-                                      </p:cBhvr>
-                                    </p:animEffect>
-                                    <p:animScale>
-                                      <p:cBhvr>
-                                        <p:cTn id="7" dur="500" autoRev="1" fill="hold"/>
-                                        <p:tgtEl>
-                                          <p:spTgt spid="29"/>
-                                        </p:tgtEl>
-                                      </p:cBhvr>
-                                      <p:by x="105000" y="105000"/>
-                                    </p:animScale>
-                                  </p:childTnLst>
-                                </p:cTn>
-                              </p:par>
-                            </p:childTnLst>
-                          </p:cTn>
-                        </p:par>
-                      </p:childTnLst>
-                    </p:cTn>
-                  </p:par>
-                  <p:par>
-                    <p:cTn id="8" fill="hold">
-                      <p:stCondLst>
-                        <p:cond delay="indefinite"/>
-                      </p:stCondLst>
-                      <p:childTnLst>
-                        <p:par>
-                          <p:cTn id="9" fill="hold">
-                            <p:stCondLst>
-                              <p:cond delay="0"/>
-                            </p:stCondLst>
-                            <p:childTnLst>
-                              <p:par>
-                                <p:cTn id="10" presetID="26" presetClass="emph" presetSubtype="0" fill="hold" nodeType="clickEffect">
-                                  <p:stCondLst>
-                                    <p:cond delay="0"/>
-                                  </p:stCondLst>
-                                  <p:childTnLst>
-                                    <p:animEffect transition="out" filter="fade">
-                                      <p:cBhvr>
-                                        <p:cTn id="11" dur="1000" tmFilter="0, 0; .2, .5; .8, .5; 1, 0"/>
-                                        <p:tgtEl>
-                                          <p:spTgt spid="31"/>
-                                        </p:tgtEl>
-                                      </p:cBhvr>
-                                    </p:animEffect>
-                                    <p:animScale>
-                                      <p:cBhvr>
-                                        <p:cTn id="12" dur="500" autoRev="1" fill="hold"/>
-                                        <p:tgtEl>
-                                          <p:spTgt spid="31"/>
-                                        </p:tgtEl>
-                                      </p:cBhvr>
-                                      <p:by x="105000" y="105000"/>
-                                    </p:animScale>
-                                  </p:childTnLst>
-                                </p:cTn>
-                              </p:par>
-                            </p:childTnLst>
-                          </p:cTn>
-                        </p:par>
-                      </p:childTnLst>
-                    </p:cTn>
-                  </p:par>
-                  <p:par>
-                    <p:cTn id="13" fill="hold">
-                      <p:stCondLst>
-                        <p:cond delay="indefinite"/>
-                      </p:stCondLst>
-                      <p:childTnLst>
-                        <p:par>
-                          <p:cTn id="14" fill="hold">
-                            <p:stCondLst>
-                              <p:cond delay="0"/>
-                            </p:stCondLst>
-                            <p:childTnLst>
-                              <p:par>
-                                <p:cTn id="15" presetID="26" presetClass="emph" presetSubtype="0" fill="hold" nodeType="clickEffect">
-                                  <p:stCondLst>
-                                    <p:cond delay="0"/>
-                                  </p:stCondLst>
-                                  <p:childTnLst>
-                                    <p:animEffect transition="out" filter="fade">
-                                      <p:cBhvr>
-                                        <p:cTn id="16" dur="1000" tmFilter="0, 0; .2, .5; .8, .5; 1, 0"/>
-                                        <p:tgtEl>
-                                          <p:spTgt spid="34"/>
-                                        </p:tgtEl>
-                                      </p:cBhvr>
-                                    </p:animEffect>
-                                    <p:animScale>
-                                      <p:cBhvr>
-                                        <p:cTn id="17" dur="500" autoRev="1" fill="hold"/>
-                                        <p:tgtEl>
-                                          <p:spTgt spid="34"/>
-                                        </p:tgtEl>
-                                      </p:cBhvr>
-                                      <p:by x="105000" y="105000"/>
-                                    </p:animScale>
-                                  </p:childTnLst>
-                                </p:cTn>
-                              </p:par>
-                            </p:childTnLst>
-                          </p:cTn>
-                        </p:par>
-                      </p:childTnLst>
-                    </p:cTn>
-                  </p:par>
-                  <p:par>
-                    <p:cTn id="18" fill="hold">
-                      <p:stCondLst>
-                        <p:cond delay="indefinite"/>
-                      </p:stCondLst>
-                      <p:childTnLst>
-                        <p:par>
-                          <p:cTn id="19" fill="hold">
-                            <p:stCondLst>
-                              <p:cond delay="0"/>
-                            </p:stCondLst>
-                            <p:childTnLst>
-                              <p:par>
-                                <p:cTn id="20" presetID="26" presetClass="emph" presetSubtype="0" fill="hold" nodeType="clickEffect">
-                                  <p:stCondLst>
-                                    <p:cond delay="0"/>
-                                  </p:stCondLst>
-                                  <p:childTnLst>
-                                    <p:animEffect transition="out" filter="fade">
-                                      <p:cBhvr>
-                                        <p:cTn id="21" dur="1000" tmFilter="0, 0; .2, .5; .8, .5; 1, 0"/>
-                                        <p:tgtEl>
-                                          <p:spTgt spid="35"/>
-                                        </p:tgtEl>
-                                      </p:cBhvr>
-                                    </p:animEffect>
-                                    <p:animScale>
-                                      <p:cBhvr>
-                                        <p:cTn id="22" dur="500" autoRev="1" fill="hold"/>
-                                        <p:tgtEl>
-                                          <p:spTgt spid="35"/>
-                                        </p:tgtEl>
-                                      </p:cBhvr>
-                                      <p:by x="105000" y="105000"/>
-                                    </p:animScale>
-                                  </p:childTnLst>
-                                </p:cTn>
-                              </p:par>
-                            </p:childTnLst>
-                          </p:cTn>
-                        </p:par>
-                      </p:childTnLst>
-                    </p:cTn>
-                  </p:par>
-                </p:childTnLst>
-              </p:cTn>
-              <p:prevCondLst>
-                <p:cond evt="onPrev" delay="0">
-                  <p:tgtEl>
-                    <p:sldTgt/>
-                  </p:tgtEl>
-                </p:cond>
-              </p:prevCondLst>
-              <p:nextCondLst>
-                <p:cond evt="onNext" delay="0">
-                  <p:tgtEl>
-                    <p:sldTgt/>
-                  </p:tgtEl>
-                </p:cond>
-              </p:nextCondLst>
-            </p:seq>
-          </p:childTnLst>
-        </p:cTn>
-      </p:par>
-    </p:tnLst>
-  </p:timing>
 </p:sld>
 </file>
 
@@ -23572,10 +23437,10 @@
       </p:sp>
       <p:sp>
         <p:nvSpPr>
-          <p:cNvPr id="8" name="Овал 7">
+          <p:cNvPr id="57" name="Прямоугольник 56">
             <a:extLst>
               <a:ext uri="{FF2B5EF4-FFF2-40B4-BE49-F238E27FC236}">
-                <a16:creationId xmlns:a16="http://schemas.microsoft.com/office/drawing/2014/main" id="{1730D46D-E714-38C8-DA4A-ECB1045DAA31}"/>
+                <a16:creationId xmlns:a16="http://schemas.microsoft.com/office/drawing/2014/main" id="{4C623FC6-CC02-47FC-82E9-4D955AEB6000}"/>
               </a:ext>
             </a:extLst>
           </p:cNvPr>
@@ -23584,7 +23449,52 @@
         </p:nvSpPr>
         <p:spPr>
           <a:xfrm>
-            <a:off x="11446981" y="3448173"/>
+            <a:off x="1" y="820820"/>
+            <a:ext cx="12191999" cy="6037179"/>
+          </a:xfrm>
+          <a:prstGeom prst="rect">
+            <a:avLst/>
+          </a:prstGeom>
+          <a:ln/>
+        </p:spPr>
+        <p:style>
+          <a:lnRef idx="2">
+            <a:schemeClr val="dk1"/>
+          </a:lnRef>
+          <a:fillRef idx="1">
+            <a:schemeClr val="lt1"/>
+          </a:fillRef>
+          <a:effectRef idx="0">
+            <a:schemeClr val="dk1"/>
+          </a:effectRef>
+          <a:fontRef idx="minor">
+            <a:schemeClr val="dk1"/>
+          </a:fontRef>
+        </p:style>
+        <p:txBody>
+          <a:bodyPr rtlCol="0" anchor="ctr"/>
+          <a:lstStyle/>
+          <a:p>
+            <a:pPr algn="ctr"/>
+            <a:endParaRPr lang="ru-RU" dirty="0"/>
+          </a:p>
+        </p:txBody>
+      </p:sp>
+      <p:sp>
+        <p:nvSpPr>
+          <p:cNvPr id="2" name="Овал 1">
+            <a:extLst>
+              <a:ext uri="{FF2B5EF4-FFF2-40B4-BE49-F238E27FC236}">
+                <a16:creationId xmlns:a16="http://schemas.microsoft.com/office/drawing/2014/main" id="{46D5ED2B-8BF9-0EAB-A2AF-B693A5E31EAC}"/>
+              </a:ext>
+            </a:extLst>
+          </p:cNvPr>
+          <p:cNvSpPr/>
+          <p:nvPr/>
+        </p:nvSpPr>
+        <p:spPr>
+          <a:xfrm>
+            <a:off x="284744" y="3429000"/>
             <a:ext cx="388356" cy="393700"/>
           </a:xfrm>
           <a:prstGeom prst="ellipse">
@@ -23593,7 +23503,7 @@
           <a:solidFill>
             <a:schemeClr val="tx1"/>
           </a:solidFill>
-          <a:ln w="63500">
+          <a:ln>
             <a:solidFill>
               <a:schemeClr val="bg1"/>
             </a:solidFill>
@@ -23626,10 +23536,10 @@
       </p:sp>
       <p:sp>
         <p:nvSpPr>
-          <p:cNvPr id="57" name="Прямоугольник 56">
+          <p:cNvPr id="3" name="Овал 2">
             <a:extLst>
               <a:ext uri="{FF2B5EF4-FFF2-40B4-BE49-F238E27FC236}">
-                <a16:creationId xmlns:a16="http://schemas.microsoft.com/office/drawing/2014/main" id="{4C623FC6-CC02-47FC-82E9-4D955AEB6000}"/>
+                <a16:creationId xmlns:a16="http://schemas.microsoft.com/office/drawing/2014/main" id="{F159E4B1-7AA9-33EC-4348-0EC9EA3656A2}"/>
               </a:ext>
             </a:extLst>
           </p:cNvPr>
@@ -23638,53 +23548,8 @@
         </p:nvSpPr>
         <p:spPr>
           <a:xfrm>
-            <a:off x="1" y="820820"/>
-            <a:ext cx="12191999" cy="6037179"/>
-          </a:xfrm>
-          <a:prstGeom prst="rect">
-            <a:avLst/>
-          </a:prstGeom>
-          <a:ln/>
-        </p:spPr>
-        <p:style>
-          <a:lnRef idx="2">
-            <a:schemeClr val="dk1"/>
-          </a:lnRef>
-          <a:fillRef idx="1">
-            <a:schemeClr val="lt1"/>
-          </a:fillRef>
-          <a:effectRef idx="0">
-            <a:schemeClr val="dk1"/>
-          </a:effectRef>
-          <a:fontRef idx="minor">
-            <a:schemeClr val="dk1"/>
-          </a:fontRef>
-        </p:style>
-        <p:txBody>
-          <a:bodyPr rtlCol="0" anchor="ctr"/>
-          <a:lstStyle/>
-          <a:p>
-            <a:pPr algn="ctr"/>
-            <a:endParaRPr lang="ru-RU" dirty="0"/>
-          </a:p>
-        </p:txBody>
-      </p:sp>
-      <p:sp>
-        <p:nvSpPr>
-          <p:cNvPr id="58" name="Овал 57">
-            <a:extLst>
-              <a:ext uri="{FF2B5EF4-FFF2-40B4-BE49-F238E27FC236}">
-                <a16:creationId xmlns:a16="http://schemas.microsoft.com/office/drawing/2014/main" id="{0CB015F7-A6E1-5C6A-D4E2-5D1836422D99}"/>
-              </a:ext>
-            </a:extLst>
-          </p:cNvPr>
-          <p:cNvSpPr/>
-          <p:nvPr/>
-        </p:nvSpPr>
-        <p:spPr>
-          <a:xfrm>
-            <a:off x="284744" y="3429000"/>
-            <a:ext cx="388356" cy="395892"/>
+            <a:off x="11446981" y="3448173"/>
+            <a:ext cx="388356" cy="393700"/>
           </a:xfrm>
           <a:prstGeom prst="ellipse">
             <a:avLst/>
@@ -23692,7 +23557,7 @@
           <a:solidFill>
             <a:schemeClr val="tx1"/>
           </a:solidFill>
-          <a:ln>
+          <a:ln w="63500">
             <a:solidFill>
               <a:schemeClr val="bg1"/>
             </a:solidFill>
@@ -23725,10 +23590,10 @@
       </p:sp>
       <p:sp>
         <p:nvSpPr>
-          <p:cNvPr id="59" name="Овал 58">
+          <p:cNvPr id="4" name="Прямоугольник: скругленные углы 3">
             <a:extLst>
               <a:ext uri="{FF2B5EF4-FFF2-40B4-BE49-F238E27FC236}">
-                <a16:creationId xmlns:a16="http://schemas.microsoft.com/office/drawing/2014/main" id="{5EBB8B88-32EF-8FCC-8664-AE385E654188}"/>
+                <a16:creationId xmlns:a16="http://schemas.microsoft.com/office/drawing/2014/main" id="{E5D2727B-FE63-F9EB-C588-0278B7A93811}"/>
               </a:ext>
             </a:extLst>
           </p:cNvPr>
@@ -23737,18 +23602,79 @@
         </p:nvSpPr>
         <p:spPr>
           <a:xfrm>
-            <a:off x="11446981" y="3448173"/>
-            <a:ext cx="388356" cy="395892"/>
-          </a:xfrm>
-          <a:prstGeom prst="ellipse">
+            <a:off x="2128332" y="3304880"/>
+            <a:ext cx="1038163" cy="641937"/>
+          </a:xfrm>
+          <a:prstGeom prst="roundRect">
             <a:avLst/>
           </a:prstGeom>
           <a:solidFill>
             <a:schemeClr val="tx1"/>
           </a:solidFill>
-          <a:ln w="63500">
+          <a:ln>
             <a:solidFill>
               <a:schemeClr val="bg1"/>
+            </a:solidFill>
+          </a:ln>
+        </p:spPr>
+        <p:style>
+          <a:lnRef idx="2">
+            <a:schemeClr val="accent1">
+              <a:shade val="15000"/>
+            </a:schemeClr>
+          </a:lnRef>
+          <a:fillRef idx="1">
+            <a:schemeClr val="accent1"/>
+          </a:fillRef>
+          <a:effectRef idx="0">
+            <a:schemeClr val="accent1"/>
+          </a:effectRef>
+          <a:fontRef idx="minor">
+            <a:schemeClr val="lt1"/>
+          </a:fontRef>
+        </p:style>
+        <p:txBody>
+          <a:bodyPr rtlCol="0" anchor="ctr"/>
+          <a:lstStyle/>
+          <a:p>
+            <a:pPr algn="ctr"/>
+            <a:r>
+              <a:rPr lang="ru-RU" sz="1200" dirty="0">
+                <a:solidFill>
+                  <a:schemeClr val="bg1"/>
+                </a:solidFill>
+              </a:rPr>
+              <a:t>Выбор типа документа</a:t>
+            </a:r>
+          </a:p>
+        </p:txBody>
+      </p:sp>
+      <p:sp>
+        <p:nvSpPr>
+          <p:cNvPr id="6" name="Ромб 5">
+            <a:extLst>
+              <a:ext uri="{FF2B5EF4-FFF2-40B4-BE49-F238E27FC236}">
+                <a16:creationId xmlns:a16="http://schemas.microsoft.com/office/drawing/2014/main" id="{5BC479DB-5829-76B4-00B0-F3109688CA53}"/>
+              </a:ext>
+            </a:extLst>
+          </p:cNvPr>
+          <p:cNvSpPr/>
+          <p:nvPr/>
+        </p:nvSpPr>
+        <p:spPr>
+          <a:xfrm>
+            <a:off x="3981870" y="3265809"/>
+            <a:ext cx="720080" cy="720080"/>
+          </a:xfrm>
+          <a:prstGeom prst="diamond">
+            <a:avLst/>
+          </a:prstGeom>
+          <a:solidFill>
+            <a:schemeClr val="tx1"/>
+          </a:solidFill>
+          <a:ln>
+            <a:solidFill>
+              <a:srgbClr val="FF0000"/>
             </a:solidFill>
           </a:ln>
         </p:spPr>
@@ -23779,10 +23705,10 @@
       </p:sp>
       <p:sp>
         <p:nvSpPr>
-          <p:cNvPr id="60" name="Прямоугольник: скругленные углы 59">
+          <p:cNvPr id="7" name="Умножение 77">
             <a:extLst>
               <a:ext uri="{FF2B5EF4-FFF2-40B4-BE49-F238E27FC236}">
-                <a16:creationId xmlns:a16="http://schemas.microsoft.com/office/drawing/2014/main" id="{483BEA9A-FD30-FA72-2D9F-8149ED091DFB}"/>
+                <a16:creationId xmlns:a16="http://schemas.microsoft.com/office/drawing/2014/main" id="{73733A6D-E041-5687-48FC-E4F0FD423193}"/>
               </a:ext>
             </a:extLst>
           </p:cNvPr>
@@ -23791,8 +23717,153 @@
         </p:nvSpPr>
         <p:spPr>
           <a:xfrm>
-            <a:off x="2128332" y="3304880"/>
-            <a:ext cx="1038163" cy="645510"/>
+            <a:off x="4143327" y="3397000"/>
+            <a:ext cx="403920" cy="432048"/>
+          </a:xfrm>
+          <a:prstGeom prst="mathMultiply">
+            <a:avLst>
+              <a:gd name="adj1" fmla="val 8639"/>
+            </a:avLst>
+          </a:prstGeom>
+          <a:solidFill>
+            <a:srgbClr val="FF0000"/>
+          </a:solidFill>
+          <a:ln>
+            <a:solidFill>
+              <a:srgbClr val="FF0000"/>
+            </a:solidFill>
+          </a:ln>
+        </p:spPr>
+        <p:style>
+          <a:lnRef idx="2">
+            <a:schemeClr val="accent1">
+              <a:shade val="50000"/>
+            </a:schemeClr>
+          </a:lnRef>
+          <a:fillRef idx="1">
+            <a:schemeClr val="accent1"/>
+          </a:fillRef>
+          <a:effectRef idx="0">
+            <a:schemeClr val="accent1"/>
+          </a:effectRef>
+          <a:fontRef idx="minor">
+            <a:schemeClr val="lt1"/>
+          </a:fontRef>
+        </p:style>
+        <p:txBody>
+          <a:bodyPr rtlCol="0" anchor="ctr"/>
+          <a:lstStyle/>
+          <a:p>
+            <a:pPr algn="ctr"/>
+            <a:endParaRPr lang="ru-RU" sz="1200" dirty="0"/>
+          </a:p>
+        </p:txBody>
+      </p:sp>
+      <p:cxnSp>
+        <p:nvCxnSpPr>
+          <p:cNvPr id="9" name="Соединитель: уступ 8">
+            <a:extLst>
+              <a:ext uri="{FF2B5EF4-FFF2-40B4-BE49-F238E27FC236}">
+                <a16:creationId xmlns:a16="http://schemas.microsoft.com/office/drawing/2014/main" id="{FC4E0395-EFCB-C580-26D5-217EAAED3BF6}"/>
+              </a:ext>
+            </a:extLst>
+          </p:cNvPr>
+          <p:cNvCxnSpPr>
+            <a:cxnSpLocks/>
+            <a:stCxn id="2" idx="6"/>
+            <a:endCxn id="4" idx="1"/>
+          </p:cNvCxnSpPr>
+          <p:nvPr/>
+        </p:nvCxnSpPr>
+        <p:spPr>
+          <a:xfrm flipV="1">
+            <a:off x="673100" y="3625849"/>
+            <a:ext cx="1455232" cy="1"/>
+          </a:xfrm>
+          <a:prstGeom prst="bentConnector3">
+            <a:avLst/>
+          </a:prstGeom>
+          <a:ln>
+            <a:tailEnd type="triangle"/>
+          </a:ln>
+        </p:spPr>
+        <p:style>
+          <a:lnRef idx="1">
+            <a:schemeClr val="dk1"/>
+          </a:lnRef>
+          <a:fillRef idx="0">
+            <a:schemeClr val="dk1"/>
+          </a:fillRef>
+          <a:effectRef idx="0">
+            <a:schemeClr val="dk1"/>
+          </a:effectRef>
+          <a:fontRef idx="minor">
+            <a:schemeClr val="tx1"/>
+          </a:fontRef>
+        </p:style>
+      </p:cxnSp>
+      <p:cxnSp>
+        <p:nvCxnSpPr>
+          <p:cNvPr id="10" name="Прямая со стрелкой 9">
+            <a:extLst>
+              <a:ext uri="{FF2B5EF4-FFF2-40B4-BE49-F238E27FC236}">
+                <a16:creationId xmlns:a16="http://schemas.microsoft.com/office/drawing/2014/main" id="{56C4440F-9532-EE4D-36B4-7A4C7F0BC072}"/>
+              </a:ext>
+            </a:extLst>
+          </p:cNvPr>
+          <p:cNvCxnSpPr>
+            <a:cxnSpLocks/>
+            <a:stCxn id="4" idx="3"/>
+            <a:endCxn id="6" idx="1"/>
+          </p:cNvCxnSpPr>
+          <p:nvPr/>
+        </p:nvCxnSpPr>
+        <p:spPr>
+          <a:xfrm>
+            <a:off x="3166495" y="3625849"/>
+            <a:ext cx="815375" cy="0"/>
+          </a:xfrm>
+          <a:prstGeom prst="straightConnector1">
+            <a:avLst/>
+          </a:prstGeom>
+          <a:ln>
+            <a:solidFill>
+              <a:srgbClr val="FF0000"/>
+            </a:solidFill>
+            <a:tailEnd type="triangle"/>
+          </a:ln>
+        </p:spPr>
+        <p:style>
+          <a:lnRef idx="1">
+            <a:schemeClr val="dk1"/>
+          </a:lnRef>
+          <a:fillRef idx="0">
+            <a:schemeClr val="dk1"/>
+          </a:fillRef>
+          <a:effectRef idx="0">
+            <a:schemeClr val="dk1"/>
+          </a:effectRef>
+          <a:fontRef idx="minor">
+            <a:schemeClr val="tx1"/>
+          </a:fontRef>
+        </p:style>
+      </p:cxnSp>
+      <p:sp>
+        <p:nvSpPr>
+          <p:cNvPr id="11" name="Прямоугольник: скругленные углы 10">
+            <a:extLst>
+              <a:ext uri="{FF2B5EF4-FFF2-40B4-BE49-F238E27FC236}">
+                <a16:creationId xmlns:a16="http://schemas.microsoft.com/office/drawing/2014/main" id="{F01F9D45-4107-7CC1-F219-86F85A356784}"/>
+              </a:ext>
+            </a:extLst>
+          </p:cNvPr>
+          <p:cNvSpPr/>
+          <p:nvPr/>
+        </p:nvSpPr>
+        <p:spPr>
+          <a:xfrm>
+            <a:off x="5517469" y="1703710"/>
+            <a:ext cx="1405212" cy="851826"/>
           </a:xfrm>
           <a:prstGeom prst="roundRect">
             <a:avLst/>
@@ -23802,7 +23873,7 @@
           </a:solidFill>
           <a:ln>
             <a:solidFill>
-              <a:schemeClr val="bg1"/>
+              <a:srgbClr val="FF0000"/>
             </a:solidFill>
           </a:ln>
         </p:spPr>
@@ -23833,17 +23904,17 @@
                   <a:schemeClr val="bg1"/>
                 </a:solidFill>
               </a:rPr>
-              <a:t>Выбор типа документа</a:t>
+              <a:t>Ручное присваивание номера сертификата</a:t>
             </a:r>
           </a:p>
         </p:txBody>
       </p:sp>
       <p:sp>
         <p:nvSpPr>
-          <p:cNvPr id="62" name="Ромб 61">
+          <p:cNvPr id="12" name="Прямоугольник: скругленные углы 11">
             <a:extLst>
               <a:ext uri="{FF2B5EF4-FFF2-40B4-BE49-F238E27FC236}">
-                <a16:creationId xmlns:a16="http://schemas.microsoft.com/office/drawing/2014/main" id="{DBF64604-825E-3DD8-E275-E52BA0522A47}"/>
+                <a16:creationId xmlns:a16="http://schemas.microsoft.com/office/drawing/2014/main" id="{88BE4300-3ED0-6CB6-4469-BCB07F9B9D79}"/>
               </a:ext>
             </a:extLst>
           </p:cNvPr>
@@ -23852,15 +23923,734 @@
         </p:nvSpPr>
         <p:spPr>
           <a:xfrm>
-            <a:off x="3981870" y="3265809"/>
-            <a:ext cx="720080" cy="724088"/>
-          </a:xfrm>
-          <a:prstGeom prst="diamond">
+            <a:off x="7158874" y="1703710"/>
+            <a:ext cx="1522170" cy="851826"/>
+          </a:xfrm>
+          <a:prstGeom prst="roundRect">
             <a:avLst/>
           </a:prstGeom>
           <a:solidFill>
             <a:schemeClr val="tx1"/>
           </a:solidFill>
+          <a:ln>
+            <a:solidFill>
+              <a:srgbClr val="FF0000"/>
+            </a:solidFill>
+          </a:ln>
+        </p:spPr>
+        <p:style>
+          <a:lnRef idx="2">
+            <a:schemeClr val="accent1">
+              <a:shade val="15000"/>
+            </a:schemeClr>
+          </a:lnRef>
+          <a:fillRef idx="1">
+            <a:schemeClr val="accent1"/>
+          </a:fillRef>
+          <a:effectRef idx="0">
+            <a:schemeClr val="accent1"/>
+          </a:effectRef>
+          <a:fontRef idx="minor">
+            <a:schemeClr val="lt1"/>
+          </a:fontRef>
+        </p:style>
+        <p:txBody>
+          <a:bodyPr rtlCol="0" anchor="ctr"/>
+          <a:lstStyle/>
+          <a:p>
+            <a:pPr algn="ctr"/>
+            <a:r>
+              <a:rPr lang="ru-RU" sz="1200" dirty="0">
+                <a:solidFill>
+                  <a:schemeClr val="bg1"/>
+                </a:solidFill>
+              </a:rPr>
+              <a:t>Обращение подписи к директора </a:t>
+            </a:r>
+          </a:p>
+        </p:txBody>
+      </p:sp>
+      <p:sp>
+        <p:nvSpPr>
+          <p:cNvPr id="13" name="Прямоугольник: скругленные углы 12">
+            <a:extLst>
+              <a:ext uri="{FF2B5EF4-FFF2-40B4-BE49-F238E27FC236}">
+                <a16:creationId xmlns:a16="http://schemas.microsoft.com/office/drawing/2014/main" id="{221271BE-0B05-72DB-EE6C-5ED7DC37D6DC}"/>
+              </a:ext>
+            </a:extLst>
+          </p:cNvPr>
+          <p:cNvSpPr/>
+          <p:nvPr/>
+        </p:nvSpPr>
+        <p:spPr>
+          <a:xfrm>
+            <a:off x="8928081" y="1703710"/>
+            <a:ext cx="1614441" cy="851826"/>
+          </a:xfrm>
+          <a:prstGeom prst="roundRect">
+            <a:avLst/>
+          </a:prstGeom>
+          <a:solidFill>
+            <a:schemeClr val="tx1"/>
+          </a:solidFill>
+          <a:ln>
+            <a:solidFill>
+              <a:srgbClr val="FF0000"/>
+            </a:solidFill>
+          </a:ln>
+        </p:spPr>
+        <p:style>
+          <a:lnRef idx="2">
+            <a:schemeClr val="accent1">
+              <a:shade val="15000"/>
+            </a:schemeClr>
+          </a:lnRef>
+          <a:fillRef idx="1">
+            <a:schemeClr val="accent1"/>
+          </a:fillRef>
+          <a:effectRef idx="0">
+            <a:schemeClr val="accent1"/>
+          </a:effectRef>
+          <a:fontRef idx="minor">
+            <a:schemeClr val="lt1"/>
+          </a:fontRef>
+        </p:style>
+        <p:txBody>
+          <a:bodyPr rtlCol="0" anchor="ctr"/>
+          <a:lstStyle/>
+          <a:p>
+            <a:pPr algn="ctr"/>
+            <a:r>
+              <a:rPr lang="ru-RU" sz="1200" dirty="0">
+                <a:solidFill>
+                  <a:schemeClr val="bg1"/>
+                </a:solidFill>
+              </a:rPr>
+              <a:t>Рассылка сертификатов</a:t>
+            </a:r>
+          </a:p>
+        </p:txBody>
+      </p:sp>
+      <p:cxnSp>
+        <p:nvCxnSpPr>
+          <p:cNvPr id="14" name="Соединитель: уступ 13">
+            <a:extLst>
+              <a:ext uri="{FF2B5EF4-FFF2-40B4-BE49-F238E27FC236}">
+                <a16:creationId xmlns:a16="http://schemas.microsoft.com/office/drawing/2014/main" id="{5B4AD970-6C76-65E9-8046-C74AC265A4DB}"/>
+              </a:ext>
+            </a:extLst>
+          </p:cNvPr>
+          <p:cNvCxnSpPr>
+            <a:cxnSpLocks/>
+            <a:stCxn id="11" idx="3"/>
+            <a:endCxn id="12" idx="1"/>
+          </p:cNvCxnSpPr>
+          <p:nvPr/>
+        </p:nvCxnSpPr>
+        <p:spPr>
+          <a:xfrm>
+            <a:off x="6922681" y="2129623"/>
+            <a:ext cx="236193" cy="12700"/>
+          </a:xfrm>
+          <a:prstGeom prst="bentConnector3">
+            <a:avLst/>
+          </a:prstGeom>
+          <a:ln>
+            <a:solidFill>
+              <a:srgbClr val="FF0000"/>
+            </a:solidFill>
+            <a:tailEnd type="triangle"/>
+          </a:ln>
+        </p:spPr>
+        <p:style>
+          <a:lnRef idx="1">
+            <a:schemeClr val="dk1"/>
+          </a:lnRef>
+          <a:fillRef idx="0">
+            <a:schemeClr val="dk1"/>
+          </a:fillRef>
+          <a:effectRef idx="0">
+            <a:schemeClr val="dk1"/>
+          </a:effectRef>
+          <a:fontRef idx="minor">
+            <a:schemeClr val="tx1"/>
+          </a:fontRef>
+        </p:style>
+      </p:cxnSp>
+      <p:cxnSp>
+        <p:nvCxnSpPr>
+          <p:cNvPr id="15" name="Соединитель: уступ 14">
+            <a:extLst>
+              <a:ext uri="{FF2B5EF4-FFF2-40B4-BE49-F238E27FC236}">
+                <a16:creationId xmlns:a16="http://schemas.microsoft.com/office/drawing/2014/main" id="{E4D97D6D-C541-CA8D-8B71-191BCBDF2353}"/>
+              </a:ext>
+            </a:extLst>
+          </p:cNvPr>
+          <p:cNvCxnSpPr>
+            <a:cxnSpLocks/>
+            <a:stCxn id="12" idx="3"/>
+            <a:endCxn id="13" idx="1"/>
+          </p:cNvCxnSpPr>
+          <p:nvPr/>
+        </p:nvCxnSpPr>
+        <p:spPr>
+          <a:xfrm>
+            <a:off x="8681044" y="2129623"/>
+            <a:ext cx="247037" cy="12700"/>
+          </a:xfrm>
+          <a:prstGeom prst="bentConnector3">
+            <a:avLst/>
+          </a:prstGeom>
+          <a:ln>
+            <a:solidFill>
+              <a:srgbClr val="FF0000"/>
+            </a:solidFill>
+            <a:tailEnd type="triangle"/>
+          </a:ln>
+        </p:spPr>
+        <p:style>
+          <a:lnRef idx="1">
+            <a:schemeClr val="dk1"/>
+          </a:lnRef>
+          <a:fillRef idx="0">
+            <a:schemeClr val="dk1"/>
+          </a:fillRef>
+          <a:effectRef idx="0">
+            <a:schemeClr val="dk1"/>
+          </a:effectRef>
+          <a:fontRef idx="minor">
+            <a:schemeClr val="tx1"/>
+          </a:fontRef>
+        </p:style>
+      </p:cxnSp>
+      <p:sp>
+        <p:nvSpPr>
+          <p:cNvPr id="16" name="TextBox 15">
+            <a:extLst>
+              <a:ext uri="{FF2B5EF4-FFF2-40B4-BE49-F238E27FC236}">
+                <a16:creationId xmlns:a16="http://schemas.microsoft.com/office/drawing/2014/main" id="{3F9D7A95-4E03-CE2C-97BF-018C40F2100E}"/>
+              </a:ext>
+            </a:extLst>
+          </p:cNvPr>
+          <p:cNvSpPr txBox="1"/>
+          <p:nvPr/>
+        </p:nvSpPr>
+        <p:spPr>
+          <a:xfrm>
+            <a:off x="4493862" y="2331988"/>
+            <a:ext cx="1000275" cy="461665"/>
+          </a:xfrm>
+          <a:prstGeom prst="rect">
+            <a:avLst/>
+          </a:prstGeom>
+          <a:noFill/>
+          <a:ln>
+            <a:noFill/>
+          </a:ln>
+        </p:spPr>
+        <p:txBody>
+          <a:bodyPr wrap="square" rtlCol="0">
+            <a:spAutoFit/>
+          </a:bodyPr>
+          <a:lstStyle/>
+          <a:p>
+            <a:pPr algn="ctr"/>
+            <a:r>
+              <a:rPr lang="ru-RU" sz="1200" dirty="0">
+                <a:solidFill>
+                  <a:schemeClr val="bg1"/>
+                </a:solidFill>
+              </a:rPr>
+              <a:t>Создание сертификата</a:t>
+            </a:r>
+          </a:p>
+        </p:txBody>
+      </p:sp>
+      <p:sp>
+        <p:nvSpPr>
+          <p:cNvPr id="17" name="Прямоугольник: скругленные углы 16">
+            <a:extLst>
+              <a:ext uri="{FF2B5EF4-FFF2-40B4-BE49-F238E27FC236}">
+                <a16:creationId xmlns:a16="http://schemas.microsoft.com/office/drawing/2014/main" id="{C2E6B200-BFA3-8290-CFFF-625BEBDC2BF4}"/>
+              </a:ext>
+            </a:extLst>
+          </p:cNvPr>
+          <p:cNvSpPr/>
+          <p:nvPr/>
+        </p:nvSpPr>
+        <p:spPr>
+          <a:xfrm>
+            <a:off x="6456268" y="3323091"/>
+            <a:ext cx="1405212" cy="623726"/>
+          </a:xfrm>
+          <a:prstGeom prst="roundRect">
+            <a:avLst/>
+          </a:prstGeom>
+          <a:ln>
+            <a:solidFill>
+              <a:srgbClr val="FF0000"/>
+            </a:solidFill>
+          </a:ln>
+        </p:spPr>
+        <p:style>
+          <a:lnRef idx="2">
+            <a:schemeClr val="dk1"/>
+          </a:lnRef>
+          <a:fillRef idx="1">
+            <a:schemeClr val="lt1"/>
+          </a:fillRef>
+          <a:effectRef idx="0">
+            <a:schemeClr val="dk1"/>
+          </a:effectRef>
+          <a:fontRef idx="minor">
+            <a:schemeClr val="dk1"/>
+          </a:fontRef>
+        </p:style>
+        <p:txBody>
+          <a:bodyPr rtlCol="0" anchor="ctr"/>
+          <a:lstStyle/>
+          <a:p>
+            <a:pPr algn="ctr"/>
+            <a:r>
+              <a:rPr lang="ru-RU" sz="1200" dirty="0">
+                <a:solidFill>
+                  <a:schemeClr val="bg1"/>
+                </a:solidFill>
+              </a:rPr>
+              <a:t>Ручное заполнение расписания</a:t>
+            </a:r>
+          </a:p>
+        </p:txBody>
+      </p:sp>
+      <p:sp>
+        <p:nvSpPr>
+          <p:cNvPr id="18" name="Прямоугольник: скругленные углы 17">
+            <a:extLst>
+              <a:ext uri="{FF2B5EF4-FFF2-40B4-BE49-F238E27FC236}">
+                <a16:creationId xmlns:a16="http://schemas.microsoft.com/office/drawing/2014/main" id="{5D227B94-94FD-7215-E29E-5F4C15CBCA96}"/>
+              </a:ext>
+            </a:extLst>
+          </p:cNvPr>
+          <p:cNvSpPr/>
+          <p:nvPr/>
+        </p:nvSpPr>
+        <p:spPr>
+          <a:xfrm>
+            <a:off x="6222272" y="4731995"/>
+            <a:ext cx="1405212" cy="623725"/>
+          </a:xfrm>
+          <a:prstGeom prst="roundRect">
+            <a:avLst/>
+          </a:prstGeom>
+          <a:solidFill>
+            <a:schemeClr val="tx1"/>
+          </a:solidFill>
+          <a:ln>
+            <a:solidFill>
+              <a:srgbClr val="FF0000"/>
+            </a:solidFill>
+          </a:ln>
+        </p:spPr>
+        <p:style>
+          <a:lnRef idx="2">
+            <a:schemeClr val="accent1">
+              <a:shade val="15000"/>
+            </a:schemeClr>
+          </a:lnRef>
+          <a:fillRef idx="1">
+            <a:schemeClr val="accent1"/>
+          </a:fillRef>
+          <a:effectRef idx="0">
+            <a:schemeClr val="accent1"/>
+          </a:effectRef>
+          <a:fontRef idx="minor">
+            <a:schemeClr val="lt1"/>
+          </a:fontRef>
+        </p:style>
+        <p:txBody>
+          <a:bodyPr rtlCol="0" anchor="ctr"/>
+          <a:lstStyle/>
+          <a:p>
+            <a:pPr algn="ctr"/>
+            <a:r>
+              <a:rPr lang="ru-RU" sz="1200" dirty="0">
+                <a:solidFill>
+                  <a:schemeClr val="bg1"/>
+                </a:solidFill>
+              </a:rPr>
+              <a:t>Внесение информации</a:t>
+            </a:r>
+          </a:p>
+        </p:txBody>
+      </p:sp>
+      <p:sp>
+        <p:nvSpPr>
+          <p:cNvPr id="19" name="Прямоугольник: скругленные углы 18">
+            <a:extLst>
+              <a:ext uri="{FF2B5EF4-FFF2-40B4-BE49-F238E27FC236}">
+                <a16:creationId xmlns:a16="http://schemas.microsoft.com/office/drawing/2014/main" id="{6E6516B0-5A11-20EF-5752-F345E21BDDB2}"/>
+              </a:ext>
+            </a:extLst>
+          </p:cNvPr>
+          <p:cNvSpPr/>
+          <p:nvPr/>
+        </p:nvSpPr>
+        <p:spPr>
+          <a:xfrm>
+            <a:off x="8330089" y="4542373"/>
+            <a:ext cx="1405212" cy="1002965"/>
+          </a:xfrm>
+          <a:prstGeom prst="roundRect">
+            <a:avLst/>
+          </a:prstGeom>
+          <a:solidFill>
+            <a:schemeClr val="tx1"/>
+          </a:solidFill>
+          <a:ln>
+            <a:solidFill>
+              <a:srgbClr val="FF0000"/>
+            </a:solidFill>
+          </a:ln>
+        </p:spPr>
+        <p:style>
+          <a:lnRef idx="2">
+            <a:schemeClr val="accent1">
+              <a:shade val="15000"/>
+            </a:schemeClr>
+          </a:lnRef>
+          <a:fillRef idx="1">
+            <a:schemeClr val="accent1"/>
+          </a:fillRef>
+          <a:effectRef idx="0">
+            <a:schemeClr val="accent1"/>
+          </a:effectRef>
+          <a:fontRef idx="minor">
+            <a:schemeClr val="lt1"/>
+          </a:fontRef>
+        </p:style>
+        <p:txBody>
+          <a:bodyPr rtlCol="0" anchor="ctr"/>
+          <a:lstStyle/>
+          <a:p>
+            <a:pPr algn="ctr"/>
+            <a:r>
+              <a:rPr lang="ru-RU" sz="1200" dirty="0">
+                <a:solidFill>
+                  <a:schemeClr val="bg1"/>
+                </a:solidFill>
+              </a:rPr>
+              <a:t>Ручное присваивание номера сертификата</a:t>
+            </a:r>
+          </a:p>
+        </p:txBody>
+      </p:sp>
+      <p:cxnSp>
+        <p:nvCxnSpPr>
+          <p:cNvPr id="20" name="Прямая со стрелкой 19">
+            <a:extLst>
+              <a:ext uri="{FF2B5EF4-FFF2-40B4-BE49-F238E27FC236}">
+                <a16:creationId xmlns:a16="http://schemas.microsoft.com/office/drawing/2014/main" id="{E51F632C-829A-F6A3-0775-CB8B9F2DCC70}"/>
+              </a:ext>
+            </a:extLst>
+          </p:cNvPr>
+          <p:cNvCxnSpPr>
+            <a:cxnSpLocks/>
+            <a:stCxn id="18" idx="3"/>
+            <a:endCxn id="19" idx="1"/>
+          </p:cNvCxnSpPr>
+          <p:nvPr/>
+        </p:nvCxnSpPr>
+        <p:spPr>
+          <a:xfrm flipV="1">
+            <a:off x="7627484" y="5043856"/>
+            <a:ext cx="702605" cy="2"/>
+          </a:xfrm>
+          <a:prstGeom prst="straightConnector1">
+            <a:avLst/>
+          </a:prstGeom>
+          <a:ln>
+            <a:solidFill>
+              <a:srgbClr val="FF0000"/>
+            </a:solidFill>
+            <a:tailEnd type="triangle"/>
+          </a:ln>
+        </p:spPr>
+        <p:style>
+          <a:lnRef idx="1">
+            <a:schemeClr val="dk1"/>
+          </a:lnRef>
+          <a:fillRef idx="0">
+            <a:schemeClr val="dk1"/>
+          </a:fillRef>
+          <a:effectRef idx="0">
+            <a:schemeClr val="dk1"/>
+          </a:effectRef>
+          <a:fontRef idx="minor">
+            <a:schemeClr val="tx1"/>
+          </a:fontRef>
+        </p:style>
+      </p:cxnSp>
+      <p:cxnSp>
+        <p:nvCxnSpPr>
+          <p:cNvPr id="21" name="Прямая со стрелкой 20">
+            <a:extLst>
+              <a:ext uri="{FF2B5EF4-FFF2-40B4-BE49-F238E27FC236}">
+                <a16:creationId xmlns:a16="http://schemas.microsoft.com/office/drawing/2014/main" id="{8C077F4D-1D23-C720-E6DC-925CD0F00C38}"/>
+              </a:ext>
+            </a:extLst>
+          </p:cNvPr>
+          <p:cNvCxnSpPr>
+            <a:stCxn id="17" idx="3"/>
+            <a:endCxn id="3" idx="2"/>
+          </p:cNvCxnSpPr>
+          <p:nvPr/>
+        </p:nvCxnSpPr>
+        <p:spPr>
+          <a:xfrm>
+            <a:off x="7861480" y="3634954"/>
+            <a:ext cx="3585501" cy="10069"/>
+          </a:xfrm>
+          <a:prstGeom prst="straightConnector1">
+            <a:avLst/>
+          </a:prstGeom>
+          <a:ln>
+            <a:solidFill>
+              <a:srgbClr val="FF0000"/>
+            </a:solidFill>
+            <a:tailEnd type="triangle"/>
+          </a:ln>
+        </p:spPr>
+        <p:style>
+          <a:lnRef idx="1">
+            <a:schemeClr val="dk1"/>
+          </a:lnRef>
+          <a:fillRef idx="0">
+            <a:schemeClr val="dk1"/>
+          </a:fillRef>
+          <a:effectRef idx="0">
+            <a:schemeClr val="dk1"/>
+          </a:effectRef>
+          <a:fontRef idx="minor">
+            <a:schemeClr val="tx1"/>
+          </a:fontRef>
+        </p:style>
+      </p:cxnSp>
+      <p:cxnSp>
+        <p:nvCxnSpPr>
+          <p:cNvPr id="22" name="Соединитель: уступ 21">
+            <a:extLst>
+              <a:ext uri="{FF2B5EF4-FFF2-40B4-BE49-F238E27FC236}">
+                <a16:creationId xmlns:a16="http://schemas.microsoft.com/office/drawing/2014/main" id="{612F9E0D-78E2-8F77-6E3D-88B33D1A014E}"/>
+              </a:ext>
+            </a:extLst>
+          </p:cNvPr>
+          <p:cNvCxnSpPr>
+            <a:cxnSpLocks/>
+            <a:stCxn id="13" idx="3"/>
+            <a:endCxn id="3" idx="2"/>
+          </p:cNvCxnSpPr>
+          <p:nvPr/>
+        </p:nvCxnSpPr>
+        <p:spPr>
+          <a:xfrm>
+            <a:off x="10542522" y="2129623"/>
+            <a:ext cx="904459" cy="1515400"/>
+          </a:xfrm>
+          <a:prstGeom prst="bentConnector3">
+            <a:avLst>
+              <a:gd name="adj1" fmla="val 50000"/>
+            </a:avLst>
+          </a:prstGeom>
+          <a:ln>
+            <a:solidFill>
+              <a:srgbClr val="FF0000"/>
+            </a:solidFill>
+            <a:tailEnd type="triangle"/>
+          </a:ln>
+        </p:spPr>
+        <p:style>
+          <a:lnRef idx="1">
+            <a:schemeClr val="dk1"/>
+          </a:lnRef>
+          <a:fillRef idx="0">
+            <a:schemeClr val="dk1"/>
+          </a:fillRef>
+          <a:effectRef idx="0">
+            <a:schemeClr val="dk1"/>
+          </a:effectRef>
+          <a:fontRef idx="minor">
+            <a:schemeClr val="tx1"/>
+          </a:fontRef>
+        </p:style>
+      </p:cxnSp>
+      <p:cxnSp>
+        <p:nvCxnSpPr>
+          <p:cNvPr id="23" name="Соединитель: уступ 22">
+            <a:extLst>
+              <a:ext uri="{FF2B5EF4-FFF2-40B4-BE49-F238E27FC236}">
+                <a16:creationId xmlns:a16="http://schemas.microsoft.com/office/drawing/2014/main" id="{59104D8B-EC0A-C2F2-6DF7-0AEB1AC9D621}"/>
+              </a:ext>
+            </a:extLst>
+          </p:cNvPr>
+          <p:cNvCxnSpPr>
+            <a:cxnSpLocks/>
+            <a:stCxn id="19" idx="3"/>
+            <a:endCxn id="3" idx="2"/>
+          </p:cNvCxnSpPr>
+          <p:nvPr/>
+        </p:nvCxnSpPr>
+        <p:spPr>
+          <a:xfrm flipV="1">
+            <a:off x="9735301" y="3645023"/>
+            <a:ext cx="1711680" cy="1398833"/>
+          </a:xfrm>
+          <a:prstGeom prst="bentConnector3">
+            <a:avLst>
+              <a:gd name="adj1" fmla="val 73409"/>
+            </a:avLst>
+          </a:prstGeom>
+          <a:ln>
+            <a:solidFill>
+              <a:srgbClr val="FF0000"/>
+            </a:solidFill>
+            <a:tailEnd type="triangle"/>
+          </a:ln>
+        </p:spPr>
+        <p:style>
+          <a:lnRef idx="1">
+            <a:schemeClr val="dk1"/>
+          </a:lnRef>
+          <a:fillRef idx="0">
+            <a:schemeClr val="dk1"/>
+          </a:fillRef>
+          <a:effectRef idx="0">
+            <a:schemeClr val="dk1"/>
+          </a:effectRef>
+          <a:fontRef idx="minor">
+            <a:schemeClr val="tx1"/>
+          </a:fontRef>
+        </p:style>
+      </p:cxnSp>
+      <p:sp>
+        <p:nvSpPr>
+          <p:cNvPr id="24" name="TextBox 23">
+            <a:extLst>
+              <a:ext uri="{FF2B5EF4-FFF2-40B4-BE49-F238E27FC236}">
+                <a16:creationId xmlns:a16="http://schemas.microsoft.com/office/drawing/2014/main" id="{B1919722-7440-AF98-0F51-1B05D2D8513D}"/>
+              </a:ext>
+            </a:extLst>
+          </p:cNvPr>
+          <p:cNvSpPr txBox="1"/>
+          <p:nvPr/>
+        </p:nvSpPr>
+        <p:spPr>
+          <a:xfrm>
+            <a:off x="4782201" y="5245845"/>
+            <a:ext cx="933051" cy="461665"/>
+          </a:xfrm>
+          <a:prstGeom prst="rect">
+            <a:avLst/>
+          </a:prstGeom>
+          <a:noFill/>
+          <a:ln>
+            <a:noFill/>
+          </a:ln>
+        </p:spPr>
+        <p:txBody>
+          <a:bodyPr wrap="square" rtlCol="0">
+            <a:spAutoFit/>
+          </a:bodyPr>
+          <a:lstStyle/>
+          <a:p>
+            <a:pPr algn="ctr"/>
+            <a:r>
+              <a:rPr lang="ru-RU" sz="1200" dirty="0">
+                <a:solidFill>
+                  <a:schemeClr val="bg1"/>
+                </a:solidFill>
+              </a:rPr>
+              <a:t>Создание приказа</a:t>
+            </a:r>
+          </a:p>
+        </p:txBody>
+      </p:sp>
+      <p:sp>
+        <p:nvSpPr>
+          <p:cNvPr id="25" name="TextBox 24">
+            <a:extLst>
+              <a:ext uri="{FF2B5EF4-FFF2-40B4-BE49-F238E27FC236}">
+                <a16:creationId xmlns:a16="http://schemas.microsoft.com/office/drawing/2014/main" id="{D65F75C1-E33E-D72E-0736-E0B4437C3933}"/>
+              </a:ext>
+            </a:extLst>
+          </p:cNvPr>
+          <p:cNvSpPr txBox="1"/>
+          <p:nvPr/>
+        </p:nvSpPr>
+        <p:spPr>
+          <a:xfrm>
+            <a:off x="4753784" y="3852827"/>
+            <a:ext cx="1297150" cy="461665"/>
+          </a:xfrm>
+          <a:prstGeom prst="rect">
+            <a:avLst/>
+          </a:prstGeom>
+          <a:noFill/>
+          <a:ln>
+            <a:noFill/>
+          </a:ln>
+        </p:spPr>
+        <p:txBody>
+          <a:bodyPr wrap="square" rtlCol="0">
+            <a:spAutoFit/>
+          </a:bodyPr>
+          <a:lstStyle/>
+          <a:p>
+            <a:pPr algn="ctr"/>
+            <a:r>
+              <a:rPr lang="ru-RU" sz="1200" dirty="0">
+                <a:solidFill>
+                  <a:schemeClr val="bg1"/>
+                </a:solidFill>
+              </a:rPr>
+              <a:t>Создание Журнала, </a:t>
+            </a:r>
+            <a:r>
+              <a:rPr lang="ru-RU" sz="1200" dirty="0" err="1">
+                <a:solidFill>
+                  <a:schemeClr val="bg1"/>
+                </a:solidFill>
+              </a:rPr>
+              <a:t>КУГа</a:t>
+            </a:r>
+            <a:endParaRPr lang="ru-RU" sz="1200" dirty="0">
+              <a:solidFill>
+                <a:schemeClr val="bg1"/>
+              </a:solidFill>
+            </a:endParaRPr>
+          </a:p>
+        </p:txBody>
+      </p:sp>
+      <p:sp>
+        <p:nvSpPr>
+          <p:cNvPr id="26" name="Овал 25">
+            <a:extLst>
+              <a:ext uri="{FF2B5EF4-FFF2-40B4-BE49-F238E27FC236}">
+                <a16:creationId xmlns:a16="http://schemas.microsoft.com/office/drawing/2014/main" id="{4635266B-E7B1-8E7C-AA14-B169DB9DF046}"/>
+              </a:ext>
+            </a:extLst>
+          </p:cNvPr>
+          <p:cNvSpPr/>
+          <p:nvPr/>
+        </p:nvSpPr>
+        <p:spPr>
+          <a:xfrm>
+            <a:off x="5054550" y="4851875"/>
+            <a:ext cx="388356" cy="393700"/>
+          </a:xfrm>
+          <a:prstGeom prst="ellipse">
+            <a:avLst/>
+          </a:prstGeom>
+          <a:noFill/>
           <a:ln>
             <a:solidFill>
               <a:srgbClr val="FF0000"/>
@@ -23894,10 +24684,10 @@
       </p:sp>
       <p:sp>
         <p:nvSpPr>
-          <p:cNvPr id="63" name="Умножение 77">
+          <p:cNvPr id="27" name="Овал 26">
             <a:extLst>
               <a:ext uri="{FF2B5EF4-FFF2-40B4-BE49-F238E27FC236}">
-                <a16:creationId xmlns:a16="http://schemas.microsoft.com/office/drawing/2014/main" id="{98CE2EB0-5A8D-1F2F-D961-D9888A035C82}"/>
+                <a16:creationId xmlns:a16="http://schemas.microsoft.com/office/drawing/2014/main" id="{6EC8D609-CC2E-786D-DBA0-2653831FE5FB}"/>
               </a:ext>
             </a:extLst>
           </p:cNvPr>
@@ -23906,17 +24696,13 @@
         </p:nvSpPr>
         <p:spPr>
           <a:xfrm>
-            <a:off x="4143327" y="3396999"/>
-            <a:ext cx="403920" cy="434453"/>
-          </a:xfrm>
-          <a:prstGeom prst="mathMultiply">
-            <a:avLst>
-              <a:gd name="adj1" fmla="val 8639"/>
-            </a:avLst>
+            <a:off x="5003318" y="4797139"/>
+            <a:ext cx="490819" cy="493435"/>
+          </a:xfrm>
+          <a:prstGeom prst="ellipse">
+            <a:avLst/>
           </a:prstGeom>
-          <a:solidFill>
-            <a:srgbClr val="FF0000"/>
-          </a:solidFill>
+          <a:noFill/>
           <a:ln>
             <a:solidFill>
               <a:srgbClr val="FF0000"/>
@@ -23944,105 +24730,16 @@
           <a:lstStyle/>
           <a:p>
             <a:pPr algn="ctr"/>
-            <a:endParaRPr lang="ru-RU" sz="1200" dirty="0"/>
+            <a:endParaRPr lang="ru-RU" sz="1200"/>
           </a:p>
         </p:txBody>
       </p:sp>
-      <p:cxnSp>
-        <p:nvCxnSpPr>
-          <p:cNvPr id="64" name="Соединитель: уступ 63">
+      <p:sp>
+        <p:nvSpPr>
+          <p:cNvPr id="28" name="Овал 27">
             <a:extLst>
               <a:ext uri="{FF2B5EF4-FFF2-40B4-BE49-F238E27FC236}">
-                <a16:creationId xmlns:a16="http://schemas.microsoft.com/office/drawing/2014/main" id="{568691B3-D6EB-C187-C585-3A946B0EDFE3}"/>
-              </a:ext>
-            </a:extLst>
-          </p:cNvPr>
-          <p:cNvCxnSpPr>
-            <a:cxnSpLocks/>
-            <a:stCxn id="58" idx="6"/>
-            <a:endCxn id="60" idx="1"/>
-          </p:cNvCxnSpPr>
-          <p:nvPr/>
-        </p:nvCxnSpPr>
-        <p:spPr>
-          <a:xfrm>
-            <a:off x="673100" y="3626946"/>
-            <a:ext cx="1455232" cy="689"/>
-          </a:xfrm>
-          <a:prstGeom prst="bentConnector3">
-            <a:avLst/>
-          </a:prstGeom>
-          <a:ln>
-            <a:tailEnd type="triangle"/>
-          </a:ln>
-        </p:spPr>
-        <p:style>
-          <a:lnRef idx="1">
-            <a:schemeClr val="dk1"/>
-          </a:lnRef>
-          <a:fillRef idx="0">
-            <a:schemeClr val="dk1"/>
-          </a:fillRef>
-          <a:effectRef idx="0">
-            <a:schemeClr val="dk1"/>
-          </a:effectRef>
-          <a:fontRef idx="minor">
-            <a:schemeClr val="tx1"/>
-          </a:fontRef>
-        </p:style>
-      </p:cxnSp>
-      <p:cxnSp>
-        <p:nvCxnSpPr>
-          <p:cNvPr id="65" name="Прямая со стрелкой 64">
-            <a:extLst>
-              <a:ext uri="{FF2B5EF4-FFF2-40B4-BE49-F238E27FC236}">
-                <a16:creationId xmlns:a16="http://schemas.microsoft.com/office/drawing/2014/main" id="{FED4613C-9FB9-6A8C-F048-4FF0869622D8}"/>
-              </a:ext>
-            </a:extLst>
-          </p:cNvPr>
-          <p:cNvCxnSpPr>
-            <a:cxnSpLocks/>
-            <a:stCxn id="60" idx="3"/>
-            <a:endCxn id="62" idx="1"/>
-          </p:cNvCxnSpPr>
-          <p:nvPr/>
-        </p:nvCxnSpPr>
-        <p:spPr>
-          <a:xfrm>
-            <a:off x="3166495" y="3627635"/>
-            <a:ext cx="815375" cy="218"/>
-          </a:xfrm>
-          <a:prstGeom prst="straightConnector1">
-            <a:avLst/>
-          </a:prstGeom>
-          <a:ln>
-            <a:solidFill>
-              <a:srgbClr val="FF0000"/>
-            </a:solidFill>
-            <a:tailEnd type="triangle"/>
-          </a:ln>
-        </p:spPr>
-        <p:style>
-          <a:lnRef idx="1">
-            <a:schemeClr val="dk1"/>
-          </a:lnRef>
-          <a:fillRef idx="0">
-            <a:schemeClr val="dk1"/>
-          </a:fillRef>
-          <a:effectRef idx="0">
-            <a:schemeClr val="dk1"/>
-          </a:effectRef>
-          <a:fontRef idx="minor">
-            <a:schemeClr val="tx1"/>
-          </a:fontRef>
-        </p:style>
-      </p:cxnSp>
-      <p:sp>
-        <p:nvSpPr>
-          <p:cNvPr id="66" name="Прямоугольник: скругленные углы 65">
-            <a:extLst>
-              <a:ext uri="{FF2B5EF4-FFF2-40B4-BE49-F238E27FC236}">
-                <a16:creationId xmlns:a16="http://schemas.microsoft.com/office/drawing/2014/main" id="{9ED85CEE-A57D-54CA-4FD0-7E5E27C8AD63}"/>
+                <a16:creationId xmlns:a16="http://schemas.microsoft.com/office/drawing/2014/main" id="{59DFBA42-CBBD-FD3D-1AE3-133A7C4C233F}"/>
               </a:ext>
             </a:extLst>
           </p:cNvPr>
@@ -24051,788 +24748,8 @@
         </p:nvSpPr>
         <p:spPr>
           <a:xfrm>
-            <a:off x="5517469" y="1814142"/>
-            <a:ext cx="1405212" cy="627197"/>
-          </a:xfrm>
-          <a:prstGeom prst="roundRect">
-            <a:avLst/>
-          </a:prstGeom>
-          <a:solidFill>
-            <a:schemeClr val="tx1"/>
-          </a:solidFill>
-          <a:ln>
-            <a:solidFill>
-              <a:srgbClr val="FF0000"/>
-            </a:solidFill>
-          </a:ln>
-        </p:spPr>
-        <p:style>
-          <a:lnRef idx="2">
-            <a:schemeClr val="accent1">
-              <a:shade val="15000"/>
-            </a:schemeClr>
-          </a:lnRef>
-          <a:fillRef idx="1">
-            <a:schemeClr val="accent1"/>
-          </a:fillRef>
-          <a:effectRef idx="0">
-            <a:schemeClr val="accent1"/>
-          </a:effectRef>
-          <a:fontRef idx="minor">
-            <a:schemeClr val="lt1"/>
-          </a:fontRef>
-        </p:style>
-        <p:txBody>
-          <a:bodyPr rtlCol="0" anchor="ctr"/>
-          <a:lstStyle/>
-          <a:p>
-            <a:pPr algn="ctr"/>
-            <a:r>
-              <a:rPr lang="ru-RU" sz="1200" dirty="0">
-                <a:solidFill>
-                  <a:schemeClr val="bg1"/>
-                </a:solidFill>
-              </a:rPr>
-              <a:t>Ручной подбор номера сертификата</a:t>
-            </a:r>
-          </a:p>
-        </p:txBody>
-      </p:sp>
-      <p:sp>
-        <p:nvSpPr>
-          <p:cNvPr id="67" name="Прямоугольник: скругленные углы 66">
-            <a:extLst>
-              <a:ext uri="{FF2B5EF4-FFF2-40B4-BE49-F238E27FC236}">
-                <a16:creationId xmlns:a16="http://schemas.microsoft.com/office/drawing/2014/main" id="{2FD8D3FA-BD79-6050-57B5-2F0039B002A5}"/>
-              </a:ext>
-            </a:extLst>
-          </p:cNvPr>
-          <p:cNvSpPr/>
-          <p:nvPr/>
-        </p:nvSpPr>
-        <p:spPr>
-          <a:xfrm>
-            <a:off x="7158874" y="1703710"/>
-            <a:ext cx="1522170" cy="856568"/>
-          </a:xfrm>
-          <a:prstGeom prst="roundRect">
-            <a:avLst/>
-          </a:prstGeom>
-          <a:solidFill>
-            <a:schemeClr val="tx1"/>
-          </a:solidFill>
-          <a:ln>
-            <a:solidFill>
-              <a:srgbClr val="FF0000"/>
-            </a:solidFill>
-          </a:ln>
-        </p:spPr>
-        <p:style>
-          <a:lnRef idx="2">
-            <a:schemeClr val="accent1">
-              <a:shade val="15000"/>
-            </a:schemeClr>
-          </a:lnRef>
-          <a:fillRef idx="1">
-            <a:schemeClr val="accent1"/>
-          </a:fillRef>
-          <a:effectRef idx="0">
-            <a:schemeClr val="accent1"/>
-          </a:effectRef>
-          <a:fontRef idx="minor">
-            <a:schemeClr val="lt1"/>
-          </a:fontRef>
-        </p:style>
-        <p:txBody>
-          <a:bodyPr rtlCol="0" anchor="ctr"/>
-          <a:lstStyle/>
-          <a:p>
-            <a:pPr algn="ctr"/>
-            <a:r>
-              <a:rPr lang="ru-RU" sz="1200" dirty="0">
-                <a:solidFill>
-                  <a:schemeClr val="bg1"/>
-                </a:solidFill>
-              </a:rPr>
-              <a:t>Обращение подписи к директора </a:t>
-            </a:r>
-          </a:p>
-        </p:txBody>
-      </p:sp>
-      <p:sp>
-        <p:nvSpPr>
-          <p:cNvPr id="68" name="Прямоугольник: скругленные углы 67">
-            <a:extLst>
-              <a:ext uri="{FF2B5EF4-FFF2-40B4-BE49-F238E27FC236}">
-                <a16:creationId xmlns:a16="http://schemas.microsoft.com/office/drawing/2014/main" id="{357E5B76-9E95-9DDA-6931-EF57B2B6206A}"/>
-              </a:ext>
-            </a:extLst>
-          </p:cNvPr>
-          <p:cNvSpPr/>
-          <p:nvPr/>
-        </p:nvSpPr>
-        <p:spPr>
-          <a:xfrm>
-            <a:off x="8944201" y="1693702"/>
-            <a:ext cx="1614441" cy="856568"/>
-          </a:xfrm>
-          <a:prstGeom prst="roundRect">
-            <a:avLst/>
-          </a:prstGeom>
-          <a:solidFill>
-            <a:schemeClr val="tx1"/>
-          </a:solidFill>
-          <a:ln>
-            <a:solidFill>
-              <a:srgbClr val="FF0000"/>
-            </a:solidFill>
-          </a:ln>
-        </p:spPr>
-        <p:style>
-          <a:lnRef idx="2">
-            <a:schemeClr val="accent1">
-              <a:shade val="15000"/>
-            </a:schemeClr>
-          </a:lnRef>
-          <a:fillRef idx="1">
-            <a:schemeClr val="accent1"/>
-          </a:fillRef>
-          <a:effectRef idx="0">
-            <a:schemeClr val="accent1"/>
-          </a:effectRef>
-          <a:fontRef idx="minor">
-            <a:schemeClr val="lt1"/>
-          </a:fontRef>
-        </p:style>
-        <p:txBody>
-          <a:bodyPr rtlCol="0" anchor="ctr"/>
-          <a:lstStyle/>
-          <a:p>
-            <a:pPr algn="ctr"/>
-            <a:r>
-              <a:rPr lang="ru-RU" sz="1200" dirty="0">
-                <a:solidFill>
-                  <a:schemeClr val="bg1"/>
-                </a:solidFill>
-              </a:rPr>
-              <a:t>Рассылка сертификатов</a:t>
-            </a:r>
-          </a:p>
-        </p:txBody>
-      </p:sp>
-      <p:cxnSp>
-        <p:nvCxnSpPr>
-          <p:cNvPr id="69" name="Соединитель: уступ 68">
-            <a:extLst>
-              <a:ext uri="{FF2B5EF4-FFF2-40B4-BE49-F238E27FC236}">
-                <a16:creationId xmlns:a16="http://schemas.microsoft.com/office/drawing/2014/main" id="{1FD2B120-5EF8-8F17-FC4F-51E8F52DFD29}"/>
-              </a:ext>
-            </a:extLst>
-          </p:cNvPr>
-          <p:cNvCxnSpPr>
-            <a:cxnSpLocks/>
-            <a:stCxn id="66" idx="3"/>
-            <a:endCxn id="67" idx="1"/>
-          </p:cNvCxnSpPr>
-          <p:nvPr/>
-        </p:nvCxnSpPr>
-        <p:spPr>
-          <a:xfrm>
-            <a:off x="6922681" y="2127741"/>
-            <a:ext cx="236193" cy="4253"/>
-          </a:xfrm>
-          <a:prstGeom prst="bentConnector3">
-            <a:avLst/>
-          </a:prstGeom>
-          <a:ln>
-            <a:solidFill>
-              <a:srgbClr val="FF0000"/>
-            </a:solidFill>
-            <a:tailEnd type="triangle"/>
-          </a:ln>
-        </p:spPr>
-        <p:style>
-          <a:lnRef idx="1">
-            <a:schemeClr val="dk1"/>
-          </a:lnRef>
-          <a:fillRef idx="0">
-            <a:schemeClr val="dk1"/>
-          </a:fillRef>
-          <a:effectRef idx="0">
-            <a:schemeClr val="dk1"/>
-          </a:effectRef>
-          <a:fontRef idx="minor">
-            <a:schemeClr val="tx1"/>
-          </a:fontRef>
-        </p:style>
-      </p:cxnSp>
-      <p:cxnSp>
-        <p:nvCxnSpPr>
-          <p:cNvPr id="70" name="Соединитель: уступ 69">
-            <a:extLst>
-              <a:ext uri="{FF2B5EF4-FFF2-40B4-BE49-F238E27FC236}">
-                <a16:creationId xmlns:a16="http://schemas.microsoft.com/office/drawing/2014/main" id="{602C385A-69D3-A970-FD13-6ADAB7685F72}"/>
-              </a:ext>
-            </a:extLst>
-          </p:cNvPr>
-          <p:cNvCxnSpPr>
-            <a:cxnSpLocks/>
-            <a:stCxn id="67" idx="3"/>
-            <a:endCxn id="68" idx="1"/>
-          </p:cNvCxnSpPr>
-          <p:nvPr/>
-        </p:nvCxnSpPr>
-        <p:spPr>
-          <a:xfrm flipV="1">
-            <a:off x="8681044" y="2121986"/>
-            <a:ext cx="263157" cy="10008"/>
-          </a:xfrm>
-          <a:prstGeom prst="bentConnector3">
-            <a:avLst/>
-          </a:prstGeom>
-          <a:ln>
-            <a:solidFill>
-              <a:srgbClr val="FF0000"/>
-            </a:solidFill>
-            <a:tailEnd type="triangle"/>
-          </a:ln>
-        </p:spPr>
-        <p:style>
-          <a:lnRef idx="1">
-            <a:schemeClr val="dk1"/>
-          </a:lnRef>
-          <a:fillRef idx="0">
-            <a:schemeClr val="dk1"/>
-          </a:fillRef>
-          <a:effectRef idx="0">
-            <a:schemeClr val="dk1"/>
-          </a:effectRef>
-          <a:fontRef idx="minor">
-            <a:schemeClr val="tx1"/>
-          </a:fontRef>
-        </p:style>
-      </p:cxnSp>
-      <p:sp>
-        <p:nvSpPr>
-          <p:cNvPr id="71" name="TextBox 70">
-            <a:extLst>
-              <a:ext uri="{FF2B5EF4-FFF2-40B4-BE49-F238E27FC236}">
-                <a16:creationId xmlns:a16="http://schemas.microsoft.com/office/drawing/2014/main" id="{30BCACCB-D5DE-11EB-D0D2-16E53C626A6C}"/>
-              </a:ext>
-            </a:extLst>
-          </p:cNvPr>
-          <p:cNvSpPr txBox="1"/>
-          <p:nvPr/>
-        </p:nvSpPr>
-        <p:spPr>
-          <a:xfrm>
-            <a:off x="4493862" y="2331988"/>
-            <a:ext cx="1000275" cy="461665"/>
-          </a:xfrm>
-          <a:prstGeom prst="rect">
-            <a:avLst/>
-          </a:prstGeom>
-          <a:noFill/>
-          <a:ln>
-            <a:noFill/>
-          </a:ln>
-        </p:spPr>
-        <p:txBody>
-          <a:bodyPr wrap="square" rtlCol="0">
-            <a:spAutoFit/>
-          </a:bodyPr>
-          <a:lstStyle/>
-          <a:p>
-            <a:pPr algn="ctr"/>
-            <a:r>
-              <a:rPr lang="ru-RU" sz="1200" dirty="0">
-                <a:solidFill>
-                  <a:schemeClr val="bg1"/>
-                </a:solidFill>
-              </a:rPr>
-              <a:t>Создание сертификата</a:t>
-            </a:r>
-          </a:p>
-        </p:txBody>
-      </p:sp>
-      <p:sp>
-        <p:nvSpPr>
-          <p:cNvPr id="72" name="Прямоугольник: скругленные углы 71">
-            <a:extLst>
-              <a:ext uri="{FF2B5EF4-FFF2-40B4-BE49-F238E27FC236}">
-                <a16:creationId xmlns:a16="http://schemas.microsoft.com/office/drawing/2014/main" id="{E6C412D4-6CF7-3ABC-1A6D-3307131BDE91}"/>
-              </a:ext>
-            </a:extLst>
-          </p:cNvPr>
-          <p:cNvSpPr/>
-          <p:nvPr/>
-        </p:nvSpPr>
-        <p:spPr>
-          <a:xfrm>
-            <a:off x="6456268" y="3323091"/>
-            <a:ext cx="1405212" cy="627198"/>
-          </a:xfrm>
-          <a:prstGeom prst="roundRect">
-            <a:avLst/>
-          </a:prstGeom>
-          <a:ln>
-            <a:solidFill>
-              <a:srgbClr val="FF0000"/>
-            </a:solidFill>
-          </a:ln>
-        </p:spPr>
-        <p:style>
-          <a:lnRef idx="2">
-            <a:schemeClr val="dk1"/>
-          </a:lnRef>
-          <a:fillRef idx="1">
-            <a:schemeClr val="lt1"/>
-          </a:fillRef>
-          <a:effectRef idx="0">
-            <a:schemeClr val="dk1"/>
-          </a:effectRef>
-          <a:fontRef idx="minor">
-            <a:schemeClr val="dk1"/>
-          </a:fontRef>
-        </p:style>
-        <p:txBody>
-          <a:bodyPr rtlCol="0" anchor="ctr"/>
-          <a:lstStyle/>
-          <a:p>
-            <a:pPr algn="ctr"/>
-            <a:r>
-              <a:rPr lang="ru-RU" sz="1200" dirty="0">
-                <a:solidFill>
-                  <a:schemeClr val="bg1"/>
-                </a:solidFill>
-              </a:rPr>
-              <a:t>Ручное заполнение расписания</a:t>
-            </a:r>
-          </a:p>
-        </p:txBody>
-      </p:sp>
-      <p:sp>
-        <p:nvSpPr>
-          <p:cNvPr id="73" name="Прямоугольник: скругленные углы 72">
-            <a:extLst>
-              <a:ext uri="{FF2B5EF4-FFF2-40B4-BE49-F238E27FC236}">
-                <a16:creationId xmlns:a16="http://schemas.microsoft.com/office/drawing/2014/main" id="{B11A761E-819D-5348-30B0-301017ADF522}"/>
-              </a:ext>
-            </a:extLst>
-          </p:cNvPr>
-          <p:cNvSpPr/>
-          <p:nvPr/>
-        </p:nvSpPr>
-        <p:spPr>
-          <a:xfrm>
-            <a:off x="6222272" y="4731995"/>
-            <a:ext cx="1405212" cy="627197"/>
-          </a:xfrm>
-          <a:prstGeom prst="roundRect">
-            <a:avLst/>
-          </a:prstGeom>
-          <a:solidFill>
-            <a:schemeClr val="tx1"/>
-          </a:solidFill>
-          <a:ln>
-            <a:solidFill>
-              <a:srgbClr val="FF0000"/>
-            </a:solidFill>
-          </a:ln>
-        </p:spPr>
-        <p:style>
-          <a:lnRef idx="2">
-            <a:schemeClr val="accent1">
-              <a:shade val="15000"/>
-            </a:schemeClr>
-          </a:lnRef>
-          <a:fillRef idx="1">
-            <a:schemeClr val="accent1"/>
-          </a:fillRef>
-          <a:effectRef idx="0">
-            <a:schemeClr val="accent1"/>
-          </a:effectRef>
-          <a:fontRef idx="minor">
-            <a:schemeClr val="lt1"/>
-          </a:fontRef>
-        </p:style>
-        <p:txBody>
-          <a:bodyPr rtlCol="0" anchor="ctr"/>
-          <a:lstStyle/>
-          <a:p>
-            <a:pPr algn="ctr"/>
-            <a:r>
-              <a:rPr lang="ru-RU" sz="1200" dirty="0">
-                <a:solidFill>
-                  <a:schemeClr val="bg1"/>
-                </a:solidFill>
-              </a:rPr>
-              <a:t>Внесение информации</a:t>
-            </a:r>
-          </a:p>
-        </p:txBody>
-      </p:sp>
-      <p:sp>
-        <p:nvSpPr>
-          <p:cNvPr id="74" name="Прямоугольник: скругленные углы 73">
-            <a:extLst>
-              <a:ext uri="{FF2B5EF4-FFF2-40B4-BE49-F238E27FC236}">
-                <a16:creationId xmlns:a16="http://schemas.microsoft.com/office/drawing/2014/main" id="{9D58CE38-CCA0-6CE2-EA1B-63555A21B230}"/>
-              </a:ext>
-            </a:extLst>
-          </p:cNvPr>
-          <p:cNvSpPr/>
-          <p:nvPr/>
-        </p:nvSpPr>
-        <p:spPr>
-          <a:xfrm>
-            <a:off x="8330090" y="4731996"/>
-            <a:ext cx="1405212" cy="627197"/>
-          </a:xfrm>
-          <a:prstGeom prst="roundRect">
-            <a:avLst/>
-          </a:prstGeom>
-          <a:solidFill>
-            <a:schemeClr val="tx1"/>
-          </a:solidFill>
-          <a:ln>
-            <a:solidFill>
-              <a:srgbClr val="FF0000"/>
-            </a:solidFill>
-          </a:ln>
-        </p:spPr>
-        <p:style>
-          <a:lnRef idx="2">
-            <a:schemeClr val="accent1">
-              <a:shade val="15000"/>
-            </a:schemeClr>
-          </a:lnRef>
-          <a:fillRef idx="1">
-            <a:schemeClr val="accent1"/>
-          </a:fillRef>
-          <a:effectRef idx="0">
-            <a:schemeClr val="accent1"/>
-          </a:effectRef>
-          <a:fontRef idx="minor">
-            <a:schemeClr val="lt1"/>
-          </a:fontRef>
-        </p:style>
-        <p:txBody>
-          <a:bodyPr rtlCol="0" anchor="ctr"/>
-          <a:lstStyle/>
-          <a:p>
-            <a:pPr algn="ctr"/>
-            <a:r>
-              <a:rPr lang="ru-RU" sz="1200" dirty="0">
-                <a:solidFill>
-                  <a:schemeClr val="bg1"/>
-                </a:solidFill>
-              </a:rPr>
-              <a:t>Ручной подбор номера</a:t>
-            </a:r>
-          </a:p>
-        </p:txBody>
-      </p:sp>
-      <p:cxnSp>
-        <p:nvCxnSpPr>
-          <p:cNvPr id="75" name="Прямая со стрелкой 74">
-            <a:extLst>
-              <a:ext uri="{FF2B5EF4-FFF2-40B4-BE49-F238E27FC236}">
-                <a16:creationId xmlns:a16="http://schemas.microsoft.com/office/drawing/2014/main" id="{5DDA6E91-4795-775B-D256-8AA89FBDC6C1}"/>
-              </a:ext>
-            </a:extLst>
-          </p:cNvPr>
-          <p:cNvCxnSpPr>
-            <a:stCxn id="73" idx="3"/>
-            <a:endCxn id="74" idx="1"/>
-          </p:cNvCxnSpPr>
-          <p:nvPr/>
-        </p:nvCxnSpPr>
-        <p:spPr>
-          <a:xfrm>
-            <a:off x="7627484" y="5045594"/>
-            <a:ext cx="702606" cy="1"/>
-          </a:xfrm>
-          <a:prstGeom prst="straightConnector1">
-            <a:avLst/>
-          </a:prstGeom>
-          <a:ln>
-            <a:solidFill>
-              <a:srgbClr val="FF0000"/>
-            </a:solidFill>
-            <a:tailEnd type="triangle"/>
-          </a:ln>
-        </p:spPr>
-        <p:style>
-          <a:lnRef idx="1">
-            <a:schemeClr val="dk1"/>
-          </a:lnRef>
-          <a:fillRef idx="0">
-            <a:schemeClr val="dk1"/>
-          </a:fillRef>
-          <a:effectRef idx="0">
-            <a:schemeClr val="dk1"/>
-          </a:effectRef>
-          <a:fontRef idx="minor">
-            <a:schemeClr val="tx1"/>
-          </a:fontRef>
-        </p:style>
-      </p:cxnSp>
-      <p:cxnSp>
-        <p:nvCxnSpPr>
-          <p:cNvPr id="76" name="Прямая со стрелкой 75">
-            <a:extLst>
-              <a:ext uri="{FF2B5EF4-FFF2-40B4-BE49-F238E27FC236}">
-                <a16:creationId xmlns:a16="http://schemas.microsoft.com/office/drawing/2014/main" id="{17681C26-3536-01BD-833A-8D6BDF964018}"/>
-              </a:ext>
-            </a:extLst>
-          </p:cNvPr>
-          <p:cNvCxnSpPr>
-            <a:stCxn id="72" idx="3"/>
-            <a:endCxn id="59" idx="2"/>
-          </p:cNvCxnSpPr>
-          <p:nvPr/>
-        </p:nvCxnSpPr>
-        <p:spPr>
-          <a:xfrm>
-            <a:off x="7861480" y="3636690"/>
-            <a:ext cx="3585501" cy="9429"/>
-          </a:xfrm>
-          <a:prstGeom prst="straightConnector1">
-            <a:avLst/>
-          </a:prstGeom>
-          <a:ln>
-            <a:solidFill>
-              <a:srgbClr val="FF0000"/>
-            </a:solidFill>
-            <a:tailEnd type="triangle"/>
-          </a:ln>
-        </p:spPr>
-        <p:style>
-          <a:lnRef idx="1">
-            <a:schemeClr val="dk1"/>
-          </a:lnRef>
-          <a:fillRef idx="0">
-            <a:schemeClr val="dk1"/>
-          </a:fillRef>
-          <a:effectRef idx="0">
-            <a:schemeClr val="dk1"/>
-          </a:effectRef>
-          <a:fontRef idx="minor">
-            <a:schemeClr val="tx1"/>
-          </a:fontRef>
-        </p:style>
-      </p:cxnSp>
-      <p:cxnSp>
-        <p:nvCxnSpPr>
-          <p:cNvPr id="77" name="Соединитель: уступ 76">
-            <a:extLst>
-              <a:ext uri="{FF2B5EF4-FFF2-40B4-BE49-F238E27FC236}">
-                <a16:creationId xmlns:a16="http://schemas.microsoft.com/office/drawing/2014/main" id="{5AD4321B-ADC6-2711-8B34-95BB971437D0}"/>
-              </a:ext>
-            </a:extLst>
-          </p:cNvPr>
-          <p:cNvCxnSpPr>
-            <a:cxnSpLocks/>
-            <a:stCxn id="68" idx="3"/>
-            <a:endCxn id="59" idx="2"/>
-          </p:cNvCxnSpPr>
-          <p:nvPr/>
-        </p:nvCxnSpPr>
-        <p:spPr>
-          <a:xfrm>
-            <a:off x="10558642" y="2121986"/>
-            <a:ext cx="888339" cy="1524133"/>
-          </a:xfrm>
-          <a:prstGeom prst="bentConnector3">
-            <a:avLst>
-              <a:gd name="adj1" fmla="val 50000"/>
-            </a:avLst>
-          </a:prstGeom>
-          <a:ln>
-            <a:solidFill>
-              <a:srgbClr val="FF0000"/>
-            </a:solidFill>
-            <a:tailEnd type="triangle"/>
-          </a:ln>
-        </p:spPr>
-        <p:style>
-          <a:lnRef idx="1">
-            <a:schemeClr val="dk1"/>
-          </a:lnRef>
-          <a:fillRef idx="0">
-            <a:schemeClr val="dk1"/>
-          </a:fillRef>
-          <a:effectRef idx="0">
-            <a:schemeClr val="dk1"/>
-          </a:effectRef>
-          <a:fontRef idx="minor">
-            <a:schemeClr val="tx1"/>
-          </a:fontRef>
-        </p:style>
-      </p:cxnSp>
-      <p:cxnSp>
-        <p:nvCxnSpPr>
-          <p:cNvPr id="78" name="Соединитель: уступ 77">
-            <a:extLst>
-              <a:ext uri="{FF2B5EF4-FFF2-40B4-BE49-F238E27FC236}">
-                <a16:creationId xmlns:a16="http://schemas.microsoft.com/office/drawing/2014/main" id="{40B68875-F4D3-7573-A791-6A805B26E9E4}"/>
-              </a:ext>
-            </a:extLst>
-          </p:cNvPr>
-          <p:cNvCxnSpPr>
-            <a:stCxn id="74" idx="3"/>
-            <a:endCxn id="59" idx="2"/>
-          </p:cNvCxnSpPr>
-          <p:nvPr/>
-        </p:nvCxnSpPr>
-        <p:spPr>
-          <a:xfrm flipV="1">
-            <a:off x="9735302" y="3646119"/>
-            <a:ext cx="1711679" cy="1399476"/>
-          </a:xfrm>
-          <a:prstGeom prst="bentConnector3">
-            <a:avLst>
-              <a:gd name="adj1" fmla="val 73372"/>
-            </a:avLst>
-          </a:prstGeom>
-          <a:ln>
-            <a:solidFill>
-              <a:srgbClr val="FF0000"/>
-            </a:solidFill>
-            <a:tailEnd type="triangle"/>
-          </a:ln>
-        </p:spPr>
-        <p:style>
-          <a:lnRef idx="1">
-            <a:schemeClr val="dk1"/>
-          </a:lnRef>
-          <a:fillRef idx="0">
-            <a:schemeClr val="dk1"/>
-          </a:fillRef>
-          <a:effectRef idx="0">
-            <a:schemeClr val="dk1"/>
-          </a:effectRef>
-          <a:fontRef idx="minor">
-            <a:schemeClr val="tx1"/>
-          </a:fontRef>
-        </p:style>
-      </p:cxnSp>
-      <p:sp>
-        <p:nvSpPr>
-          <p:cNvPr id="79" name="TextBox 78">
-            <a:extLst>
-              <a:ext uri="{FF2B5EF4-FFF2-40B4-BE49-F238E27FC236}">
-                <a16:creationId xmlns:a16="http://schemas.microsoft.com/office/drawing/2014/main" id="{063052E6-7E97-B1F2-1AFD-BAE5669EB3FF}"/>
-              </a:ext>
-            </a:extLst>
-          </p:cNvPr>
-          <p:cNvSpPr txBox="1"/>
-          <p:nvPr/>
-        </p:nvSpPr>
-        <p:spPr>
-          <a:xfrm>
-            <a:off x="4782201" y="5245845"/>
-            <a:ext cx="933051" cy="461665"/>
-          </a:xfrm>
-          <a:prstGeom prst="rect">
-            <a:avLst/>
-          </a:prstGeom>
-          <a:noFill/>
-          <a:ln>
-            <a:noFill/>
-          </a:ln>
-        </p:spPr>
-        <p:txBody>
-          <a:bodyPr wrap="square" rtlCol="0">
-            <a:spAutoFit/>
-          </a:bodyPr>
-          <a:lstStyle/>
-          <a:p>
-            <a:pPr algn="ctr"/>
-            <a:r>
-              <a:rPr lang="ru-RU" sz="1200" dirty="0">
-                <a:solidFill>
-                  <a:schemeClr val="bg1"/>
-                </a:solidFill>
-              </a:rPr>
-              <a:t>Создание приказа</a:t>
-            </a:r>
-          </a:p>
-        </p:txBody>
-      </p:sp>
-      <p:sp>
-        <p:nvSpPr>
-          <p:cNvPr id="80" name="TextBox 79">
-            <a:extLst>
-              <a:ext uri="{FF2B5EF4-FFF2-40B4-BE49-F238E27FC236}">
-                <a16:creationId xmlns:a16="http://schemas.microsoft.com/office/drawing/2014/main" id="{8BACEBE4-A671-56BE-E8B3-50871F1CDB5E}"/>
-              </a:ext>
-            </a:extLst>
-          </p:cNvPr>
-          <p:cNvSpPr txBox="1"/>
-          <p:nvPr/>
-        </p:nvSpPr>
-        <p:spPr>
-          <a:xfrm>
-            <a:off x="4753784" y="3852827"/>
-            <a:ext cx="1297150" cy="461665"/>
-          </a:xfrm>
-          <a:prstGeom prst="rect">
-            <a:avLst/>
-          </a:prstGeom>
-          <a:noFill/>
-          <a:ln>
-            <a:noFill/>
-          </a:ln>
-        </p:spPr>
-        <p:txBody>
-          <a:bodyPr wrap="square" rtlCol="0">
-            <a:spAutoFit/>
-          </a:bodyPr>
-          <a:lstStyle/>
-          <a:p>
-            <a:pPr algn="ctr"/>
-            <a:r>
-              <a:rPr lang="ru-RU" sz="1200" dirty="0">
-                <a:solidFill>
-                  <a:schemeClr val="bg1"/>
-                </a:solidFill>
-              </a:rPr>
-              <a:t>Создание Журнала, </a:t>
-            </a:r>
-            <a:r>
-              <a:rPr lang="ru-RU" sz="1200" dirty="0" err="1">
-                <a:solidFill>
-                  <a:schemeClr val="bg1"/>
-                </a:solidFill>
-              </a:rPr>
-              <a:t>КУГа</a:t>
-            </a:r>
-            <a:endParaRPr lang="ru-RU" sz="1200" dirty="0">
-              <a:solidFill>
-                <a:schemeClr val="bg1"/>
-              </a:solidFill>
-            </a:endParaRPr>
-          </a:p>
-        </p:txBody>
-      </p:sp>
-      <p:sp>
-        <p:nvSpPr>
-          <p:cNvPr id="81" name="Овал 80">
-            <a:extLst>
-              <a:ext uri="{FF2B5EF4-FFF2-40B4-BE49-F238E27FC236}">
-                <a16:creationId xmlns:a16="http://schemas.microsoft.com/office/drawing/2014/main" id="{8B098991-84AC-64AF-C619-B1D2F42E29B6}"/>
-              </a:ext>
-            </a:extLst>
-          </p:cNvPr>
-          <p:cNvSpPr/>
-          <p:nvPr/>
-        </p:nvSpPr>
-        <p:spPr>
-          <a:xfrm>
-            <a:off x="5054550" y="4851875"/>
-            <a:ext cx="388356" cy="395892"/>
+            <a:off x="5202730" y="3389068"/>
+            <a:ext cx="490819" cy="493435"/>
           </a:xfrm>
           <a:prstGeom prst="ellipse">
             <a:avLst/>
@@ -24871,10 +24788,10 @@
       </p:sp>
       <p:sp>
         <p:nvSpPr>
-          <p:cNvPr id="82" name="Овал 81">
+          <p:cNvPr id="29" name="Овал 28">
             <a:extLst>
               <a:ext uri="{FF2B5EF4-FFF2-40B4-BE49-F238E27FC236}">
-                <a16:creationId xmlns:a16="http://schemas.microsoft.com/office/drawing/2014/main" id="{ED9FA7DF-C84C-EA62-9DC1-A037CAD7DA63}"/>
+                <a16:creationId xmlns:a16="http://schemas.microsoft.com/office/drawing/2014/main" id="{3030A35F-0C6E-1188-091B-FB7E24A07FFC}"/>
               </a:ext>
             </a:extLst>
           </p:cNvPr>
@@ -24883,8 +24800,8 @@
         </p:nvSpPr>
         <p:spPr>
           <a:xfrm>
-            <a:off x="5003318" y="4797139"/>
-            <a:ext cx="490819" cy="496182"/>
+            <a:off x="5248728" y="3438426"/>
+            <a:ext cx="388356" cy="393700"/>
           </a:xfrm>
           <a:prstGeom prst="ellipse">
             <a:avLst/>
@@ -24923,10 +24840,10 @@
       </p:sp>
       <p:sp>
         <p:nvSpPr>
-          <p:cNvPr id="83" name="Овал 82">
+          <p:cNvPr id="30" name="Овал 29">
             <a:extLst>
               <a:ext uri="{FF2B5EF4-FFF2-40B4-BE49-F238E27FC236}">
-                <a16:creationId xmlns:a16="http://schemas.microsoft.com/office/drawing/2014/main" id="{FE7ACF9B-1BA5-FBF6-354B-91573261940D}"/>
+                <a16:creationId xmlns:a16="http://schemas.microsoft.com/office/drawing/2014/main" id="{F02A161D-6442-5BBA-E7CB-61678AC22AB4}"/>
               </a:ext>
             </a:extLst>
           </p:cNvPr>
@@ -24935,8 +24852,8 @@
         </p:nvSpPr>
         <p:spPr>
           <a:xfrm>
-            <a:off x="5202730" y="3389068"/>
-            <a:ext cx="490819" cy="496182"/>
+            <a:off x="4757927" y="1877901"/>
+            <a:ext cx="490819" cy="493435"/>
           </a:xfrm>
           <a:prstGeom prst="ellipse">
             <a:avLst/>
@@ -24975,10 +24892,10 @@
       </p:sp>
       <p:sp>
         <p:nvSpPr>
-          <p:cNvPr id="84" name="Овал 83">
+          <p:cNvPr id="31" name="Овал 30">
             <a:extLst>
               <a:ext uri="{FF2B5EF4-FFF2-40B4-BE49-F238E27FC236}">
-                <a16:creationId xmlns:a16="http://schemas.microsoft.com/office/drawing/2014/main" id="{F939C445-417B-DD3F-8205-A760A5049C63}"/>
+                <a16:creationId xmlns:a16="http://schemas.microsoft.com/office/drawing/2014/main" id="{2FE945DE-574D-05F8-96FC-30354389B542}"/>
               </a:ext>
             </a:extLst>
           </p:cNvPr>
@@ -24987,8 +24904,8 @@
         </p:nvSpPr>
         <p:spPr>
           <a:xfrm>
-            <a:off x="5248728" y="3443735"/>
-            <a:ext cx="388356" cy="395892"/>
+            <a:off x="4809140" y="1929154"/>
+            <a:ext cx="388356" cy="393700"/>
           </a:xfrm>
           <a:prstGeom prst="ellipse">
             <a:avLst/>
@@ -25025,129 +24942,26 @@
           </a:p>
         </p:txBody>
       </p:sp>
-      <p:sp>
-        <p:nvSpPr>
-          <p:cNvPr id="85" name="Овал 84">
-            <a:extLst>
-              <a:ext uri="{FF2B5EF4-FFF2-40B4-BE49-F238E27FC236}">
-                <a16:creationId xmlns:a16="http://schemas.microsoft.com/office/drawing/2014/main" id="{66D07963-C935-88E3-ECE2-EE4D0F40975E}"/>
-              </a:ext>
-            </a:extLst>
-          </p:cNvPr>
-          <p:cNvSpPr/>
-          <p:nvPr/>
-        </p:nvSpPr>
-        <p:spPr>
-          <a:xfrm>
-            <a:off x="4757927" y="1877901"/>
-            <a:ext cx="490819" cy="496182"/>
-          </a:xfrm>
-          <a:prstGeom prst="ellipse">
-            <a:avLst/>
-          </a:prstGeom>
-          <a:noFill/>
-          <a:ln>
-            <a:solidFill>
-              <a:srgbClr val="FF0000"/>
-            </a:solidFill>
-          </a:ln>
-        </p:spPr>
-        <p:style>
-          <a:lnRef idx="2">
-            <a:schemeClr val="accent1">
-              <a:shade val="50000"/>
-            </a:schemeClr>
-          </a:lnRef>
-          <a:fillRef idx="1">
-            <a:schemeClr val="accent1"/>
-          </a:fillRef>
-          <a:effectRef idx="0">
-            <a:schemeClr val="accent1"/>
-          </a:effectRef>
-          <a:fontRef idx="minor">
-            <a:schemeClr val="lt1"/>
-          </a:fontRef>
-        </p:style>
-        <p:txBody>
-          <a:bodyPr rtlCol="0" anchor="ctr"/>
-          <a:lstStyle/>
-          <a:p>
-            <a:pPr algn="ctr"/>
-            <a:endParaRPr lang="ru-RU" sz="1200"/>
-          </a:p>
-        </p:txBody>
-      </p:sp>
-      <p:sp>
-        <p:nvSpPr>
-          <p:cNvPr id="86" name="Овал 85">
-            <a:extLst>
-              <a:ext uri="{FF2B5EF4-FFF2-40B4-BE49-F238E27FC236}">
-                <a16:creationId xmlns:a16="http://schemas.microsoft.com/office/drawing/2014/main" id="{D8501041-2D0C-2CAD-B123-57CF1790B3A8}"/>
-              </a:ext>
-            </a:extLst>
-          </p:cNvPr>
-          <p:cNvSpPr/>
-          <p:nvPr/>
-        </p:nvSpPr>
-        <p:spPr>
-          <a:xfrm>
-            <a:off x="4809140" y="1929154"/>
-            <a:ext cx="388356" cy="395892"/>
-          </a:xfrm>
-          <a:prstGeom prst="ellipse">
-            <a:avLst/>
-          </a:prstGeom>
-          <a:noFill/>
-          <a:ln>
-            <a:solidFill>
-              <a:srgbClr val="FF0000"/>
-            </a:solidFill>
-          </a:ln>
-        </p:spPr>
-        <p:style>
-          <a:lnRef idx="2">
-            <a:schemeClr val="accent1">
-              <a:shade val="50000"/>
-            </a:schemeClr>
-          </a:lnRef>
-          <a:fillRef idx="1">
-            <a:schemeClr val="accent1"/>
-          </a:fillRef>
-          <a:effectRef idx="0">
-            <a:schemeClr val="accent1"/>
-          </a:effectRef>
-          <a:fontRef idx="minor">
-            <a:schemeClr val="lt1"/>
-          </a:fontRef>
-        </p:style>
-        <p:txBody>
-          <a:bodyPr rtlCol="0" anchor="ctr"/>
-          <a:lstStyle/>
-          <a:p>
-            <a:pPr algn="ctr"/>
-            <a:endParaRPr lang="ru-RU" sz="1200"/>
-          </a:p>
-        </p:txBody>
-      </p:sp>
       <p:cxnSp>
         <p:nvCxnSpPr>
-          <p:cNvPr id="87" name="Прямая со стрелкой 86">
+          <p:cNvPr id="32" name="Прямая со стрелкой 31">
             <a:extLst>
               <a:ext uri="{FF2B5EF4-FFF2-40B4-BE49-F238E27FC236}">
-                <a16:creationId xmlns:a16="http://schemas.microsoft.com/office/drawing/2014/main" id="{057615E1-DE71-0A1A-F50C-364DBE2AA5CD}"/>
+                <a16:creationId xmlns:a16="http://schemas.microsoft.com/office/drawing/2014/main" id="{48A32667-EE73-0CA2-868B-09092A25C846}"/>
               </a:ext>
             </a:extLst>
           </p:cNvPr>
           <p:cNvCxnSpPr>
-            <a:stCxn id="85" idx="6"/>
-            <a:endCxn id="66" idx="1"/>
+            <a:cxnSpLocks/>
+            <a:stCxn id="30" idx="6"/>
+            <a:endCxn id="11" idx="1"/>
           </p:cNvCxnSpPr>
           <p:nvPr/>
         </p:nvCxnSpPr>
         <p:spPr>
           <a:xfrm>
-            <a:off x="5248746" y="2125992"/>
-            <a:ext cx="268723" cy="1749"/>
+            <a:off x="5248746" y="2124619"/>
+            <a:ext cx="268723" cy="5004"/>
           </a:xfrm>
           <a:prstGeom prst="straightConnector1">
             <a:avLst/>
@@ -25176,23 +24990,23 @@
       </p:cxnSp>
       <p:cxnSp>
         <p:nvCxnSpPr>
-          <p:cNvPr id="88" name="Прямая со стрелкой 87">
+          <p:cNvPr id="33" name="Прямая со стрелкой 32">
             <a:extLst>
               <a:ext uri="{FF2B5EF4-FFF2-40B4-BE49-F238E27FC236}">
-                <a16:creationId xmlns:a16="http://schemas.microsoft.com/office/drawing/2014/main" id="{407F0B34-16DF-89B6-09B3-ACD8981F4E47}"/>
+                <a16:creationId xmlns:a16="http://schemas.microsoft.com/office/drawing/2014/main" id="{890D9386-C46C-CC79-90D3-18C6A812EA46}"/>
               </a:ext>
             </a:extLst>
           </p:cNvPr>
           <p:cNvCxnSpPr>
-            <a:stCxn id="83" idx="6"/>
-            <a:endCxn id="72" idx="1"/>
+            <a:stCxn id="28" idx="6"/>
+            <a:endCxn id="17" idx="1"/>
           </p:cNvCxnSpPr>
           <p:nvPr/>
         </p:nvCxnSpPr>
         <p:spPr>
           <a:xfrm flipV="1">
-            <a:off x="5693549" y="3636690"/>
-            <a:ext cx="762719" cy="469"/>
+            <a:off x="5693549" y="3634954"/>
+            <a:ext cx="762719" cy="832"/>
           </a:xfrm>
           <a:prstGeom prst="straightConnector1">
             <a:avLst/>
@@ -25221,23 +25035,23 @@
       </p:cxnSp>
       <p:cxnSp>
         <p:nvCxnSpPr>
-          <p:cNvPr id="89" name="Прямая со стрелкой 88">
+          <p:cNvPr id="34" name="Прямая со стрелкой 33">
             <a:extLst>
               <a:ext uri="{FF2B5EF4-FFF2-40B4-BE49-F238E27FC236}">
-                <a16:creationId xmlns:a16="http://schemas.microsoft.com/office/drawing/2014/main" id="{EE0AFA3E-004F-125C-CF7A-68069F090C01}"/>
+                <a16:creationId xmlns:a16="http://schemas.microsoft.com/office/drawing/2014/main" id="{FC9E7838-975C-0C77-D951-09C8A490DF40}"/>
               </a:ext>
             </a:extLst>
           </p:cNvPr>
           <p:cNvCxnSpPr>
-            <a:stCxn id="62" idx="3"/>
-            <a:endCxn id="83" idx="2"/>
+            <a:stCxn id="6" idx="3"/>
+            <a:endCxn id="28" idx="2"/>
           </p:cNvCxnSpPr>
           <p:nvPr/>
         </p:nvCxnSpPr>
         <p:spPr>
           <a:xfrm>
-            <a:off x="4701950" y="3627853"/>
-            <a:ext cx="500780" cy="9306"/>
+            <a:off x="4701950" y="3625849"/>
+            <a:ext cx="500780" cy="9937"/>
           </a:xfrm>
           <a:prstGeom prst="straightConnector1">
             <a:avLst/>
@@ -25266,22 +25080,22 @@
       </p:cxnSp>
       <p:cxnSp>
         <p:nvCxnSpPr>
-          <p:cNvPr id="90" name="Прямая со стрелкой 89">
+          <p:cNvPr id="35" name="Прямая со стрелкой 34">
             <a:extLst>
               <a:ext uri="{FF2B5EF4-FFF2-40B4-BE49-F238E27FC236}">
-                <a16:creationId xmlns:a16="http://schemas.microsoft.com/office/drawing/2014/main" id="{B08FD440-CA7E-E068-72A0-364C466E1BAD}"/>
+                <a16:creationId xmlns:a16="http://schemas.microsoft.com/office/drawing/2014/main" id="{4F8389F2-132C-EF24-1630-D36AE0D623AB}"/>
               </a:ext>
             </a:extLst>
           </p:cNvPr>
           <p:cNvCxnSpPr>
-            <a:endCxn id="73" idx="1"/>
+            <a:endCxn id="18" idx="1"/>
           </p:cNvCxnSpPr>
           <p:nvPr/>
         </p:nvCxnSpPr>
         <p:spPr>
           <a:xfrm>
             <a:off x="5494137" y="5043856"/>
-            <a:ext cx="728135" cy="1738"/>
+            <a:ext cx="728135" cy="2"/>
           </a:xfrm>
           <a:prstGeom prst="straightConnector1">
             <a:avLst/>
@@ -25310,22 +25124,22 @@
       </p:cxnSp>
       <p:cxnSp>
         <p:nvCxnSpPr>
-          <p:cNvPr id="91" name="Соединитель: уступ 90">
+          <p:cNvPr id="36" name="Соединитель: уступ 35">
             <a:extLst>
               <a:ext uri="{FF2B5EF4-FFF2-40B4-BE49-F238E27FC236}">
-                <a16:creationId xmlns:a16="http://schemas.microsoft.com/office/drawing/2014/main" id="{55A2F7F2-AD7E-706E-A3E5-4DFC0ACAF23D}"/>
+                <a16:creationId xmlns:a16="http://schemas.microsoft.com/office/drawing/2014/main" id="{B8269F3A-9D79-4153-C447-5CE6A0E05935}"/>
               </a:ext>
             </a:extLst>
           </p:cNvPr>
           <p:cNvCxnSpPr>
-            <a:endCxn id="85" idx="2"/>
+            <a:endCxn id="30" idx="2"/>
           </p:cNvCxnSpPr>
           <p:nvPr/>
         </p:nvCxnSpPr>
         <p:spPr>
           <a:xfrm rot="5400000" flipH="1" flipV="1">
-            <a:off x="3986500" y="2478672"/>
-            <a:ext cx="1124107" cy="418748"/>
+            <a:off x="3985813" y="2477986"/>
+            <a:ext cx="1125480" cy="418747"/>
           </a:xfrm>
           <a:prstGeom prst="bentConnector2">
             <a:avLst/>
@@ -25354,22 +25168,22 @@
       </p:cxnSp>
       <p:cxnSp>
         <p:nvCxnSpPr>
-          <p:cNvPr id="92" name="Соединитель: уступ 91">
+          <p:cNvPr id="37" name="Соединитель: уступ 36">
             <a:extLst>
               <a:ext uri="{FF2B5EF4-FFF2-40B4-BE49-F238E27FC236}">
-                <a16:creationId xmlns:a16="http://schemas.microsoft.com/office/drawing/2014/main" id="{5032DD66-83C8-C457-ECC1-B172F9D33940}"/>
+                <a16:creationId xmlns:a16="http://schemas.microsoft.com/office/drawing/2014/main" id="{D226A84F-526A-418A-982C-EEEB18193100}"/>
               </a:ext>
             </a:extLst>
           </p:cNvPr>
           <p:cNvCxnSpPr>
-            <a:endCxn id="82" idx="2"/>
+            <a:endCxn id="27" idx="2"/>
           </p:cNvCxnSpPr>
           <p:nvPr/>
         </p:nvCxnSpPr>
         <p:spPr>
           <a:xfrm rot="16200000" flipH="1">
-            <a:off x="4143965" y="4185876"/>
-            <a:ext cx="1052155" cy="666552"/>
+            <a:off x="4144651" y="4185190"/>
+            <a:ext cx="1050782" cy="666552"/>
           </a:xfrm>
           <a:prstGeom prst="bentConnector2">
             <a:avLst/>
@@ -25398,10 +25212,10 @@
       </p:cxnSp>
       <p:sp>
         <p:nvSpPr>
-          <p:cNvPr id="97" name="Прямоугольник: скругленные углы 96">
+          <p:cNvPr id="38" name="Прямоугольник: скругленные углы 37">
             <a:extLst>
               <a:ext uri="{FF2B5EF4-FFF2-40B4-BE49-F238E27FC236}">
-                <a16:creationId xmlns:a16="http://schemas.microsoft.com/office/drawing/2014/main" id="{BFFCFE97-45A0-4551-6D60-2A1DF8640BA3}"/>
+                <a16:creationId xmlns:a16="http://schemas.microsoft.com/office/drawing/2014/main" id="{C6F4AE7F-4DC5-2791-9B87-688A448944F8}"/>
               </a:ext>
             </a:extLst>
           </p:cNvPr>
@@ -25410,15 +25224,12 @@
         </p:nvSpPr>
         <p:spPr>
           <a:xfrm>
-            <a:off x="6655065" y="3304880"/>
-            <a:ext cx="1038163" cy="645510"/>
+            <a:off x="7348764" y="3310282"/>
+            <a:ext cx="1405212" cy="652856"/>
           </a:xfrm>
           <a:prstGeom prst="roundRect">
             <a:avLst/>
           </a:prstGeom>
-          <a:solidFill>
-            <a:schemeClr val="tx1"/>
-          </a:solidFill>
           <a:ln>
             <a:solidFill>
               <a:srgbClr val="00B050"/>
@@ -25427,18 +25238,16 @@
         </p:spPr>
         <p:style>
           <a:lnRef idx="2">
-            <a:schemeClr val="accent1">
-              <a:shade val="15000"/>
-            </a:schemeClr>
+            <a:schemeClr val="dk1"/>
           </a:lnRef>
           <a:fillRef idx="1">
-            <a:schemeClr val="accent1"/>
+            <a:schemeClr val="lt1"/>
           </a:fillRef>
           <a:effectRef idx="0">
-            <a:schemeClr val="accent1"/>
+            <a:schemeClr val="dk1"/>
           </a:effectRef>
           <a:fontRef idx="minor">
-            <a:schemeClr val="lt1"/>
+            <a:schemeClr val="dk1"/>
           </a:fontRef>
         </p:style>
         <p:txBody>
@@ -25457,25 +25266,112 @@
           </a:p>
         </p:txBody>
       </p:sp>
+      <p:pic>
+        <p:nvPicPr>
+          <p:cNvPr id="2050" name="Picture 2" descr="Вектор Иконки Хранилища Базы Данных Для Дизайна Вашего Сайта Логотипа  Приложения Пользовательского Интерфейса Иллюстрация — стоковая векторная  графика и другие изображения на тему Иконка - iStock">
+            <a:extLst>
+              <a:ext uri="{FF2B5EF4-FFF2-40B4-BE49-F238E27FC236}">
+                <a16:creationId xmlns:a16="http://schemas.microsoft.com/office/drawing/2014/main" id="{AE5D1E4D-F822-F09C-7B64-820E86665DD6}"/>
+              </a:ext>
+            </a:extLst>
+          </p:cNvPr>
+          <p:cNvPicPr>
+            <a:picLocks noChangeAspect="1" noChangeArrowheads="1"/>
+          </p:cNvPicPr>
+          <p:nvPr/>
+        </p:nvPicPr>
+        <p:blipFill>
+          <a:blip r:embed="rId3">
+            <a:extLst>
+              <a:ext uri="{28A0092B-C50C-407E-A947-70E740481C1C}">
+                <a14:useLocalDpi xmlns:a14="http://schemas.microsoft.com/office/drawing/2010/main" val="0"/>
+              </a:ext>
+            </a:extLst>
+          </a:blip>
+          <a:srcRect/>
+          <a:stretch>
+            <a:fillRect/>
+          </a:stretch>
+        </p:blipFill>
+        <p:spPr bwMode="auto">
+          <a:xfrm>
+            <a:off x="7637546" y="1165385"/>
+            <a:ext cx="827648" cy="827648"/>
+          </a:xfrm>
+          <a:prstGeom prst="rect">
+            <a:avLst/>
+          </a:prstGeom>
+          <a:noFill/>
+          <a:extLst>
+            <a:ext uri="{909E8E84-426E-40DD-AFC4-6F175D3DCCD1}">
+              <a14:hiddenFill xmlns:a14="http://schemas.microsoft.com/office/drawing/2010/main">
+                <a:solidFill>
+                  <a:srgbClr val="FFFFFF"/>
+                </a:solidFill>
+              </a14:hiddenFill>
+            </a:ext>
+          </a:extLst>
+        </p:spPr>
+      </p:pic>
+      <p:sp>
+        <p:nvSpPr>
+          <p:cNvPr id="39" name="TextBox 38">
+            <a:extLst>
+              <a:ext uri="{FF2B5EF4-FFF2-40B4-BE49-F238E27FC236}">
+                <a16:creationId xmlns:a16="http://schemas.microsoft.com/office/drawing/2014/main" id="{B0FA6395-98A0-F87E-B951-B729B25A1E75}"/>
+              </a:ext>
+            </a:extLst>
+          </p:cNvPr>
+          <p:cNvSpPr txBox="1"/>
+          <p:nvPr/>
+        </p:nvSpPr>
+        <p:spPr>
+          <a:xfrm>
+            <a:off x="7273271" y="884699"/>
+            <a:ext cx="1627172" cy="276999"/>
+          </a:xfrm>
+          <a:prstGeom prst="rect">
+            <a:avLst/>
+          </a:prstGeom>
+          <a:noFill/>
+        </p:spPr>
+        <p:txBody>
+          <a:bodyPr wrap="square" rtlCol="0">
+            <a:spAutoFit/>
+          </a:bodyPr>
+          <a:lstStyle/>
+          <a:p>
+            <a:pPr algn="ctr"/>
+            <a:r>
+              <a:rPr lang="ru-RU" sz="1200" dirty="0">
+                <a:solidFill>
+                  <a:schemeClr val="bg1"/>
+                </a:solidFill>
+              </a:rPr>
+              <a:t>Единое хранилище</a:t>
+            </a:r>
+          </a:p>
+        </p:txBody>
+      </p:sp>
       <p:cxnSp>
         <p:nvCxnSpPr>
-          <p:cNvPr id="99" name="Прямая со стрелкой 98">
+          <p:cNvPr id="41" name="Прямая со стрелкой 40">
             <a:extLst>
               <a:ext uri="{FF2B5EF4-FFF2-40B4-BE49-F238E27FC236}">
-                <a16:creationId xmlns:a16="http://schemas.microsoft.com/office/drawing/2014/main" id="{4507D081-00F1-9204-9C50-DBD62C46888F}"/>
+                <a16:creationId xmlns:a16="http://schemas.microsoft.com/office/drawing/2014/main" id="{BDA3B86A-48B0-4848-731D-10EDA80E3761}"/>
               </a:ext>
             </a:extLst>
           </p:cNvPr>
           <p:cNvCxnSpPr>
-            <a:stCxn id="60" idx="3"/>
-            <a:endCxn id="97" idx="1"/>
+            <a:stCxn id="2050" idx="2"/>
+            <a:endCxn id="38" idx="0"/>
           </p:cNvCxnSpPr>
           <p:nvPr/>
         </p:nvCxnSpPr>
         <p:spPr>
           <a:xfrm>
-            <a:off x="3166495" y="3627635"/>
-            <a:ext cx="3488570" cy="0"/>
+            <a:off x="8051370" y="1993033"/>
+            <a:ext cx="0" cy="1317249"/>
           </a:xfrm>
           <a:prstGeom prst="straightConnector1">
             <a:avLst/>
@@ -25501,25 +25397,25 @@
       </p:cxnSp>
       <p:cxnSp>
         <p:nvCxnSpPr>
-          <p:cNvPr id="101" name="Соединитель: уступ 100">
+          <p:cNvPr id="44" name="Прямая со стрелкой 43">
             <a:extLst>
               <a:ext uri="{FF2B5EF4-FFF2-40B4-BE49-F238E27FC236}">
-                <a16:creationId xmlns:a16="http://schemas.microsoft.com/office/drawing/2014/main" id="{3D49E67A-599C-E93F-06F8-D07E0477E0C4}"/>
+                <a16:creationId xmlns:a16="http://schemas.microsoft.com/office/drawing/2014/main" id="{AB503D11-8E1A-9DDB-3470-0353F51CCFB4}"/>
               </a:ext>
             </a:extLst>
           </p:cNvPr>
           <p:cNvCxnSpPr>
-            <a:stCxn id="97" idx="3"/>
-            <a:endCxn id="59" idx="2"/>
+            <a:stCxn id="4" idx="3"/>
+            <a:endCxn id="38" idx="1"/>
           </p:cNvCxnSpPr>
           <p:nvPr/>
         </p:nvCxnSpPr>
         <p:spPr>
           <a:xfrm>
-            <a:off x="7693228" y="3627635"/>
-            <a:ext cx="3753753" cy="18484"/>
-          </a:xfrm>
-          <a:prstGeom prst="bentConnector3">
+            <a:off x="3166495" y="3625849"/>
+            <a:ext cx="4182269" cy="10861"/>
+          </a:xfrm>
+          <a:prstGeom prst="straightConnector1">
             <a:avLst/>
           </a:prstGeom>
           <a:ln>
@@ -25541,6 +25437,88 @@
           </a:fontRef>
         </p:style>
       </p:cxnSp>
+      <p:cxnSp>
+        <p:nvCxnSpPr>
+          <p:cNvPr id="46" name="Прямая со стрелкой 45">
+            <a:extLst>
+              <a:ext uri="{FF2B5EF4-FFF2-40B4-BE49-F238E27FC236}">
+                <a16:creationId xmlns:a16="http://schemas.microsoft.com/office/drawing/2014/main" id="{280FFD85-4CF2-4C15-A793-FAB7540A9242}"/>
+              </a:ext>
+            </a:extLst>
+          </p:cNvPr>
+          <p:cNvCxnSpPr>
+            <a:stCxn id="38" idx="3"/>
+            <a:endCxn id="3" idx="2"/>
+          </p:cNvCxnSpPr>
+          <p:nvPr/>
+        </p:nvCxnSpPr>
+        <p:spPr>
+          <a:xfrm>
+            <a:off x="8753976" y="3636710"/>
+            <a:ext cx="2693005" cy="8313"/>
+          </a:xfrm>
+          <a:prstGeom prst="straightConnector1">
+            <a:avLst/>
+          </a:prstGeom>
+          <a:ln>
+            <a:tailEnd type="triangle"/>
+          </a:ln>
+        </p:spPr>
+        <p:style>
+          <a:lnRef idx="1">
+            <a:schemeClr val="accent3"/>
+          </a:lnRef>
+          <a:fillRef idx="0">
+            <a:schemeClr val="accent3"/>
+          </a:fillRef>
+          <a:effectRef idx="0">
+            <a:schemeClr val="accent3"/>
+          </a:effectRef>
+          <a:fontRef idx="minor">
+            <a:schemeClr val="tx1"/>
+          </a:fontRef>
+        </p:style>
+      </p:cxnSp>
+      <p:sp>
+        <p:nvSpPr>
+          <p:cNvPr id="47" name="TextBox 46">
+            <a:extLst>
+              <a:ext uri="{FF2B5EF4-FFF2-40B4-BE49-F238E27FC236}">
+                <a16:creationId xmlns:a16="http://schemas.microsoft.com/office/drawing/2014/main" id="{7BFCC2CF-6EC3-FE76-8A8F-B51B9564CEBD}"/>
+              </a:ext>
+            </a:extLst>
+          </p:cNvPr>
+          <p:cNvSpPr txBox="1"/>
+          <p:nvPr/>
+        </p:nvSpPr>
+        <p:spPr>
+          <a:xfrm rot="16200000">
+            <a:off x="7120156" y="2510520"/>
+            <a:ext cx="1627172" cy="276999"/>
+          </a:xfrm>
+          <a:prstGeom prst="rect">
+            <a:avLst/>
+          </a:prstGeom>
+          <a:noFill/>
+        </p:spPr>
+        <p:txBody>
+          <a:bodyPr wrap="square" rtlCol="0">
+            <a:spAutoFit/>
+          </a:bodyPr>
+          <a:lstStyle/>
+          <a:p>
+            <a:pPr algn="ctr"/>
+            <a:r>
+              <a:rPr lang="ru-RU" sz="1200" dirty="0">
+                <a:solidFill>
+                  <a:schemeClr val="bg1"/>
+                </a:solidFill>
+              </a:rPr>
+              <a:t>Данные</a:t>
+            </a:r>
+          </a:p>
+        </p:txBody>
+      </p:sp>
     </p:spTree>
     <p:extLst>
       <p:ext uri="{BB962C8B-B14F-4D97-AF65-F5344CB8AC3E}">
@@ -25593,7 +25571,7 @@
                                       <p:cBhvr additive="base">
                                         <p:cTn id="6" dur="500"/>
                                         <p:tgtEl>
-                                          <p:spTgt spid="62"/>
+                                          <p:spTgt spid="6"/>
                                         </p:tgtEl>
                                         <p:attrNameLst>
                                           <p:attrName>ppt_x</p:attrName>
@@ -25616,7 +25594,7 @@
                                       <p:cBhvr additive="base">
                                         <p:cTn id="7" dur="500"/>
                                         <p:tgtEl>
-                                          <p:spTgt spid="62"/>
+                                          <p:spTgt spid="6"/>
                                         </p:tgtEl>
                                         <p:attrNameLst>
                                           <p:attrName>ppt_y</p:attrName>
@@ -25643,7 +25621,7 @@
                                           </p:stCondLst>
                                         </p:cTn>
                                         <p:tgtEl>
-                                          <p:spTgt spid="62"/>
+                                          <p:spTgt spid="6"/>
                                         </p:tgtEl>
                                         <p:attrNameLst>
                                           <p:attrName>style.visibility</p:attrName>
@@ -25666,7 +25644,7 @@
                                       <p:cBhvr additive="base">
                                         <p:cTn id="10" dur="500"/>
                                         <p:tgtEl>
-                                          <p:spTgt spid="63"/>
+                                          <p:spTgt spid="7"/>
                                         </p:tgtEl>
                                         <p:attrNameLst>
                                           <p:attrName>ppt_x</p:attrName>
@@ -25689,7 +25667,7 @@
                                       <p:cBhvr additive="base">
                                         <p:cTn id="11" dur="500"/>
                                         <p:tgtEl>
-                                          <p:spTgt spid="63"/>
+                                          <p:spTgt spid="7"/>
                                         </p:tgtEl>
                                         <p:attrNameLst>
                                           <p:attrName>ppt_y</p:attrName>
@@ -25716,7 +25694,7 @@
                                           </p:stCondLst>
                                         </p:cTn>
                                         <p:tgtEl>
-                                          <p:spTgt spid="63"/>
+                                          <p:spTgt spid="7"/>
                                         </p:tgtEl>
                                         <p:attrNameLst>
                                           <p:attrName>style.visibility</p:attrName>
@@ -25739,7 +25717,7 @@
                                       <p:cBhvr additive="base">
                                         <p:cTn id="14" dur="500"/>
                                         <p:tgtEl>
-                                          <p:spTgt spid="65"/>
+                                          <p:spTgt spid="10"/>
                                         </p:tgtEl>
                                         <p:attrNameLst>
                                           <p:attrName>ppt_x</p:attrName>
@@ -25762,7 +25740,7 @@
                                       <p:cBhvr additive="base">
                                         <p:cTn id="15" dur="500"/>
                                         <p:tgtEl>
-                                          <p:spTgt spid="65"/>
+                                          <p:spTgt spid="10"/>
                                         </p:tgtEl>
                                         <p:attrNameLst>
                                           <p:attrName>ppt_y</p:attrName>
@@ -25789,7 +25767,7 @@
                                           </p:stCondLst>
                                         </p:cTn>
                                         <p:tgtEl>
-                                          <p:spTgt spid="65"/>
+                                          <p:spTgt spid="10"/>
                                         </p:tgtEl>
                                         <p:attrNameLst>
                                           <p:attrName>style.visibility</p:attrName>
@@ -25812,7 +25790,7 @@
                                       <p:cBhvr additive="base">
                                         <p:cTn id="18" dur="500"/>
                                         <p:tgtEl>
-                                          <p:spTgt spid="66"/>
+                                          <p:spTgt spid="11"/>
                                         </p:tgtEl>
                                         <p:attrNameLst>
                                           <p:attrName>ppt_x</p:attrName>
@@ -25835,7 +25813,7 @@
                                       <p:cBhvr additive="base">
                                         <p:cTn id="19" dur="500"/>
                                         <p:tgtEl>
-                                          <p:spTgt spid="66"/>
+                                          <p:spTgt spid="11"/>
                                         </p:tgtEl>
                                         <p:attrNameLst>
                                           <p:attrName>ppt_y</p:attrName>
@@ -25862,7 +25840,7 @@
                                           </p:stCondLst>
                                         </p:cTn>
                                         <p:tgtEl>
-                                          <p:spTgt spid="66"/>
+                                          <p:spTgt spid="11"/>
                                         </p:tgtEl>
                                         <p:attrNameLst>
                                           <p:attrName>style.visibility</p:attrName>
@@ -25885,7 +25863,7 @@
                                       <p:cBhvr additive="base">
                                         <p:cTn id="22" dur="500"/>
                                         <p:tgtEl>
-                                          <p:spTgt spid="67"/>
+                                          <p:spTgt spid="12"/>
                                         </p:tgtEl>
                                         <p:attrNameLst>
                                           <p:attrName>ppt_x</p:attrName>
@@ -25908,7 +25886,7 @@
                                       <p:cBhvr additive="base">
                                         <p:cTn id="23" dur="500"/>
                                         <p:tgtEl>
-                                          <p:spTgt spid="67"/>
+                                          <p:spTgt spid="12"/>
                                         </p:tgtEl>
                                         <p:attrNameLst>
                                           <p:attrName>ppt_y</p:attrName>
@@ -25935,7 +25913,7 @@
                                           </p:stCondLst>
                                         </p:cTn>
                                         <p:tgtEl>
-                                          <p:spTgt spid="67"/>
+                                          <p:spTgt spid="12"/>
                                         </p:tgtEl>
                                         <p:attrNameLst>
                                           <p:attrName>style.visibility</p:attrName>
@@ -25958,7 +25936,7 @@
                                       <p:cBhvr additive="base">
                                         <p:cTn id="26" dur="500"/>
                                         <p:tgtEl>
-                                          <p:spTgt spid="68"/>
+                                          <p:spTgt spid="13"/>
                                         </p:tgtEl>
                                         <p:attrNameLst>
                                           <p:attrName>ppt_x</p:attrName>
@@ -25981,7 +25959,7 @@
                                       <p:cBhvr additive="base">
                                         <p:cTn id="27" dur="500"/>
                                         <p:tgtEl>
-                                          <p:spTgt spid="68"/>
+                                          <p:spTgt spid="13"/>
                                         </p:tgtEl>
                                         <p:attrNameLst>
                                           <p:attrName>ppt_y</p:attrName>
@@ -26008,7 +25986,7 @@
                                           </p:stCondLst>
                                         </p:cTn>
                                         <p:tgtEl>
-                                          <p:spTgt spid="68"/>
+                                          <p:spTgt spid="13"/>
                                         </p:tgtEl>
                                         <p:attrNameLst>
                                           <p:attrName>style.visibility</p:attrName>
@@ -26031,7 +26009,7 @@
                                       <p:cBhvr additive="base">
                                         <p:cTn id="30" dur="500"/>
                                         <p:tgtEl>
-                                          <p:spTgt spid="69"/>
+                                          <p:spTgt spid="14"/>
                                         </p:tgtEl>
                                         <p:attrNameLst>
                                           <p:attrName>ppt_x</p:attrName>
@@ -26054,7 +26032,7 @@
                                       <p:cBhvr additive="base">
                                         <p:cTn id="31" dur="500"/>
                                         <p:tgtEl>
-                                          <p:spTgt spid="69"/>
+                                          <p:spTgt spid="14"/>
                                         </p:tgtEl>
                                         <p:attrNameLst>
                                           <p:attrName>ppt_y</p:attrName>
@@ -26081,7 +26059,7 @@
                                           </p:stCondLst>
                                         </p:cTn>
                                         <p:tgtEl>
-                                          <p:spTgt spid="69"/>
+                                          <p:spTgt spid="14"/>
                                         </p:tgtEl>
                                         <p:attrNameLst>
                                           <p:attrName>style.visibility</p:attrName>
@@ -26104,7 +26082,7 @@
                                       <p:cBhvr additive="base">
                                         <p:cTn id="34" dur="500"/>
                                         <p:tgtEl>
-                                          <p:spTgt spid="70"/>
+                                          <p:spTgt spid="15"/>
                                         </p:tgtEl>
                                         <p:attrNameLst>
                                           <p:attrName>ppt_x</p:attrName>
@@ -26127,7 +26105,7 @@
                                       <p:cBhvr additive="base">
                                         <p:cTn id="35" dur="500"/>
                                         <p:tgtEl>
-                                          <p:spTgt spid="70"/>
+                                          <p:spTgt spid="15"/>
                                         </p:tgtEl>
                                         <p:attrNameLst>
                                           <p:attrName>ppt_y</p:attrName>
@@ -26154,7 +26132,7 @@
                                           </p:stCondLst>
                                         </p:cTn>
                                         <p:tgtEl>
-                                          <p:spTgt spid="70"/>
+                                          <p:spTgt spid="15"/>
                                         </p:tgtEl>
                                         <p:attrNameLst>
                                           <p:attrName>style.visibility</p:attrName>
@@ -26177,7 +26155,7 @@
                                       <p:cBhvr additive="base">
                                         <p:cTn id="38" dur="500"/>
                                         <p:tgtEl>
-                                          <p:spTgt spid="71"/>
+                                          <p:spTgt spid="16"/>
                                         </p:tgtEl>
                                         <p:attrNameLst>
                                           <p:attrName>ppt_x</p:attrName>
@@ -26200,7 +26178,7 @@
                                       <p:cBhvr additive="base">
                                         <p:cTn id="39" dur="500"/>
                                         <p:tgtEl>
-                                          <p:spTgt spid="71"/>
+                                          <p:spTgt spid="16"/>
                                         </p:tgtEl>
                                         <p:attrNameLst>
                                           <p:attrName>ppt_y</p:attrName>
@@ -26227,7 +26205,7 @@
                                           </p:stCondLst>
                                         </p:cTn>
                                         <p:tgtEl>
-                                          <p:spTgt spid="71"/>
+                                          <p:spTgt spid="16"/>
                                         </p:tgtEl>
                                         <p:attrNameLst>
                                           <p:attrName>style.visibility</p:attrName>
@@ -26250,7 +26228,7 @@
                                       <p:cBhvr additive="base">
                                         <p:cTn id="42" dur="500"/>
                                         <p:tgtEl>
-                                          <p:spTgt spid="72"/>
+                                          <p:spTgt spid="17"/>
                                         </p:tgtEl>
                                         <p:attrNameLst>
                                           <p:attrName>ppt_x</p:attrName>
@@ -26273,7 +26251,7 @@
                                       <p:cBhvr additive="base">
                                         <p:cTn id="43" dur="500"/>
                                         <p:tgtEl>
-                                          <p:spTgt spid="72"/>
+                                          <p:spTgt spid="17"/>
                                         </p:tgtEl>
                                         <p:attrNameLst>
                                           <p:attrName>ppt_y</p:attrName>
@@ -26300,7 +26278,7 @@
                                           </p:stCondLst>
                                         </p:cTn>
                                         <p:tgtEl>
-                                          <p:spTgt spid="72"/>
+                                          <p:spTgt spid="17"/>
                                         </p:tgtEl>
                                         <p:attrNameLst>
                                           <p:attrName>style.visibility</p:attrName>
@@ -26323,7 +26301,7 @@
                                       <p:cBhvr additive="base">
                                         <p:cTn id="46" dur="500"/>
                                         <p:tgtEl>
-                                          <p:spTgt spid="73"/>
+                                          <p:spTgt spid="18"/>
                                         </p:tgtEl>
                                         <p:attrNameLst>
                                           <p:attrName>ppt_x</p:attrName>
@@ -26346,7 +26324,7 @@
                                       <p:cBhvr additive="base">
                                         <p:cTn id="47" dur="500"/>
                                         <p:tgtEl>
-                                          <p:spTgt spid="73"/>
+                                          <p:spTgt spid="18"/>
                                         </p:tgtEl>
                                         <p:attrNameLst>
                                           <p:attrName>ppt_y</p:attrName>
@@ -26373,7 +26351,7 @@
                                           </p:stCondLst>
                                         </p:cTn>
                                         <p:tgtEl>
-                                          <p:spTgt spid="73"/>
+                                          <p:spTgt spid="18"/>
                                         </p:tgtEl>
                                         <p:attrNameLst>
                                           <p:attrName>style.visibility</p:attrName>
@@ -26396,7 +26374,7 @@
                                       <p:cBhvr additive="base">
                                         <p:cTn id="50" dur="500"/>
                                         <p:tgtEl>
-                                          <p:spTgt spid="74"/>
+                                          <p:spTgt spid="19"/>
                                         </p:tgtEl>
                                         <p:attrNameLst>
                                           <p:attrName>ppt_x</p:attrName>
@@ -26419,7 +26397,7 @@
                                       <p:cBhvr additive="base">
                                         <p:cTn id="51" dur="500"/>
                                         <p:tgtEl>
-                                          <p:spTgt spid="74"/>
+                                          <p:spTgt spid="19"/>
                                         </p:tgtEl>
                                         <p:attrNameLst>
                                           <p:attrName>ppt_y</p:attrName>
@@ -26446,7 +26424,7 @@
                                           </p:stCondLst>
                                         </p:cTn>
                                         <p:tgtEl>
-                                          <p:spTgt spid="74"/>
+                                          <p:spTgt spid="19"/>
                                         </p:tgtEl>
                                         <p:attrNameLst>
                                           <p:attrName>style.visibility</p:attrName>
@@ -26469,7 +26447,7 @@
                                       <p:cBhvr additive="base">
                                         <p:cTn id="54" dur="500"/>
                                         <p:tgtEl>
-                                          <p:spTgt spid="75"/>
+                                          <p:spTgt spid="20"/>
                                         </p:tgtEl>
                                         <p:attrNameLst>
                                           <p:attrName>ppt_x</p:attrName>
@@ -26492,7 +26470,7 @@
                                       <p:cBhvr additive="base">
                                         <p:cTn id="55" dur="500"/>
                                         <p:tgtEl>
-                                          <p:spTgt spid="75"/>
+                                          <p:spTgt spid="20"/>
                                         </p:tgtEl>
                                         <p:attrNameLst>
                                           <p:attrName>ppt_y</p:attrName>
@@ -26519,7 +26497,7 @@
                                           </p:stCondLst>
                                         </p:cTn>
                                         <p:tgtEl>
-                                          <p:spTgt spid="75"/>
+                                          <p:spTgt spid="20"/>
                                         </p:tgtEl>
                                         <p:attrNameLst>
                                           <p:attrName>style.visibility</p:attrName>
@@ -26542,7 +26520,7 @@
                                       <p:cBhvr additive="base">
                                         <p:cTn id="58" dur="500"/>
                                         <p:tgtEl>
-                                          <p:spTgt spid="76"/>
+                                          <p:spTgt spid="21"/>
                                         </p:tgtEl>
                                         <p:attrNameLst>
                                           <p:attrName>ppt_x</p:attrName>
@@ -26565,7 +26543,7 @@
                                       <p:cBhvr additive="base">
                                         <p:cTn id="59" dur="500"/>
                                         <p:tgtEl>
-                                          <p:spTgt spid="76"/>
+                                          <p:spTgt spid="21"/>
                                         </p:tgtEl>
                                         <p:attrNameLst>
                                           <p:attrName>ppt_y</p:attrName>
@@ -26592,7 +26570,7 @@
                                           </p:stCondLst>
                                         </p:cTn>
                                         <p:tgtEl>
-                                          <p:spTgt spid="76"/>
+                                          <p:spTgt spid="21"/>
                                         </p:tgtEl>
                                         <p:attrNameLst>
                                           <p:attrName>style.visibility</p:attrName>
@@ -26615,7 +26593,7 @@
                                       <p:cBhvr additive="base">
                                         <p:cTn id="62" dur="500"/>
                                         <p:tgtEl>
-                                          <p:spTgt spid="77"/>
+                                          <p:spTgt spid="22"/>
                                         </p:tgtEl>
                                         <p:attrNameLst>
                                           <p:attrName>ppt_x</p:attrName>
@@ -26638,7 +26616,7 @@
                                       <p:cBhvr additive="base">
                                         <p:cTn id="63" dur="500"/>
                                         <p:tgtEl>
-                                          <p:spTgt spid="77"/>
+                                          <p:spTgt spid="22"/>
                                         </p:tgtEl>
                                         <p:attrNameLst>
                                           <p:attrName>ppt_y</p:attrName>
@@ -26665,7 +26643,7 @@
                                           </p:stCondLst>
                                         </p:cTn>
                                         <p:tgtEl>
-                                          <p:spTgt spid="77"/>
+                                          <p:spTgt spid="22"/>
                                         </p:tgtEl>
                                         <p:attrNameLst>
                                           <p:attrName>style.visibility</p:attrName>
@@ -26688,7 +26666,7 @@
                                       <p:cBhvr additive="base">
                                         <p:cTn id="66" dur="500"/>
                                         <p:tgtEl>
-                                          <p:spTgt spid="78"/>
+                                          <p:spTgt spid="23"/>
                                         </p:tgtEl>
                                         <p:attrNameLst>
                                           <p:attrName>ppt_x</p:attrName>
@@ -26711,7 +26689,7 @@
                                       <p:cBhvr additive="base">
                                         <p:cTn id="67" dur="500"/>
                                         <p:tgtEl>
-                                          <p:spTgt spid="78"/>
+                                          <p:spTgt spid="23"/>
                                         </p:tgtEl>
                                         <p:attrNameLst>
                                           <p:attrName>ppt_y</p:attrName>
@@ -26738,7 +26716,7 @@
                                           </p:stCondLst>
                                         </p:cTn>
                                         <p:tgtEl>
-                                          <p:spTgt spid="78"/>
+                                          <p:spTgt spid="23"/>
                                         </p:tgtEl>
                                         <p:attrNameLst>
                                           <p:attrName>style.visibility</p:attrName>
@@ -26761,7 +26739,7 @@
                                       <p:cBhvr additive="base">
                                         <p:cTn id="70" dur="500"/>
                                         <p:tgtEl>
-                                          <p:spTgt spid="79"/>
+                                          <p:spTgt spid="24"/>
                                         </p:tgtEl>
                                         <p:attrNameLst>
                                           <p:attrName>ppt_x</p:attrName>
@@ -26784,7 +26762,7 @@
                                       <p:cBhvr additive="base">
                                         <p:cTn id="71" dur="500"/>
                                         <p:tgtEl>
-                                          <p:spTgt spid="79"/>
+                                          <p:spTgt spid="24"/>
                                         </p:tgtEl>
                                         <p:attrNameLst>
                                           <p:attrName>ppt_y</p:attrName>
@@ -26811,7 +26789,7 @@
                                           </p:stCondLst>
                                         </p:cTn>
                                         <p:tgtEl>
-                                          <p:spTgt spid="79"/>
+                                          <p:spTgt spid="24"/>
                                         </p:tgtEl>
                                         <p:attrNameLst>
                                           <p:attrName>style.visibility</p:attrName>
@@ -26834,7 +26812,7 @@
                                       <p:cBhvr additive="base">
                                         <p:cTn id="74" dur="500"/>
                                         <p:tgtEl>
-                                          <p:spTgt spid="80"/>
+                                          <p:spTgt spid="25"/>
                                         </p:tgtEl>
                                         <p:attrNameLst>
                                           <p:attrName>ppt_x</p:attrName>
@@ -26857,7 +26835,7 @@
                                       <p:cBhvr additive="base">
                                         <p:cTn id="75" dur="500"/>
                                         <p:tgtEl>
-                                          <p:spTgt spid="80"/>
+                                          <p:spTgt spid="25"/>
                                         </p:tgtEl>
                                         <p:attrNameLst>
                                           <p:attrName>ppt_y</p:attrName>
@@ -26884,7 +26862,7 @@
                                           </p:stCondLst>
                                         </p:cTn>
                                         <p:tgtEl>
-                                          <p:spTgt spid="80"/>
+                                          <p:spTgt spid="25"/>
                                         </p:tgtEl>
                                         <p:attrNameLst>
                                           <p:attrName>style.visibility</p:attrName>
@@ -26907,7 +26885,7 @@
                                       <p:cBhvr additive="base">
                                         <p:cTn id="78" dur="500"/>
                                         <p:tgtEl>
-                                          <p:spTgt spid="81"/>
+                                          <p:spTgt spid="26"/>
                                         </p:tgtEl>
                                         <p:attrNameLst>
                                           <p:attrName>ppt_x</p:attrName>
@@ -26930,7 +26908,7 @@
                                       <p:cBhvr additive="base">
                                         <p:cTn id="79" dur="500"/>
                                         <p:tgtEl>
-                                          <p:spTgt spid="81"/>
+                                          <p:spTgt spid="26"/>
                                         </p:tgtEl>
                                         <p:attrNameLst>
                                           <p:attrName>ppt_y</p:attrName>
@@ -26957,7 +26935,7 @@
                                           </p:stCondLst>
                                         </p:cTn>
                                         <p:tgtEl>
-                                          <p:spTgt spid="81"/>
+                                          <p:spTgt spid="26"/>
                                         </p:tgtEl>
                                         <p:attrNameLst>
                                           <p:attrName>style.visibility</p:attrName>
@@ -26980,7 +26958,7 @@
                                       <p:cBhvr additive="base">
                                         <p:cTn id="82" dur="500"/>
                                         <p:tgtEl>
-                                          <p:spTgt spid="82"/>
+                                          <p:spTgt spid="27"/>
                                         </p:tgtEl>
                                         <p:attrNameLst>
                                           <p:attrName>ppt_x</p:attrName>
@@ -27003,7 +26981,7 @@
                                       <p:cBhvr additive="base">
                                         <p:cTn id="83" dur="500"/>
                                         <p:tgtEl>
-                                          <p:spTgt spid="82"/>
+                                          <p:spTgt spid="27"/>
                                         </p:tgtEl>
                                         <p:attrNameLst>
                                           <p:attrName>ppt_y</p:attrName>
@@ -27030,7 +27008,7 @@
                                           </p:stCondLst>
                                         </p:cTn>
                                         <p:tgtEl>
-                                          <p:spTgt spid="82"/>
+                                          <p:spTgt spid="27"/>
                                         </p:tgtEl>
                                         <p:attrNameLst>
                                           <p:attrName>style.visibility</p:attrName>
@@ -27053,7 +27031,7 @@
                                       <p:cBhvr additive="base">
                                         <p:cTn id="86" dur="500"/>
                                         <p:tgtEl>
-                                          <p:spTgt spid="83"/>
+                                          <p:spTgt spid="28"/>
                                         </p:tgtEl>
                                         <p:attrNameLst>
                                           <p:attrName>ppt_x</p:attrName>
@@ -27076,7 +27054,7 @@
                                       <p:cBhvr additive="base">
                                         <p:cTn id="87" dur="500"/>
                                         <p:tgtEl>
-                                          <p:spTgt spid="83"/>
+                                          <p:spTgt spid="28"/>
                                         </p:tgtEl>
                                         <p:attrNameLst>
                                           <p:attrName>ppt_y</p:attrName>
@@ -27103,7 +27081,7 @@
                                           </p:stCondLst>
                                         </p:cTn>
                                         <p:tgtEl>
-                                          <p:spTgt spid="83"/>
+                                          <p:spTgt spid="28"/>
                                         </p:tgtEl>
                                         <p:attrNameLst>
                                           <p:attrName>style.visibility</p:attrName>
@@ -27126,7 +27104,7 @@
                                       <p:cBhvr additive="base">
                                         <p:cTn id="90" dur="500"/>
                                         <p:tgtEl>
-                                          <p:spTgt spid="84"/>
+                                          <p:spTgt spid="29"/>
                                         </p:tgtEl>
                                         <p:attrNameLst>
                                           <p:attrName>ppt_x</p:attrName>
@@ -27149,7 +27127,7 @@
                                       <p:cBhvr additive="base">
                                         <p:cTn id="91" dur="500"/>
                                         <p:tgtEl>
-                                          <p:spTgt spid="84"/>
+                                          <p:spTgt spid="29"/>
                                         </p:tgtEl>
                                         <p:attrNameLst>
                                           <p:attrName>ppt_y</p:attrName>
@@ -27176,7 +27154,7 @@
                                           </p:stCondLst>
                                         </p:cTn>
                                         <p:tgtEl>
-                                          <p:spTgt spid="84"/>
+                                          <p:spTgt spid="29"/>
                                         </p:tgtEl>
                                         <p:attrNameLst>
                                           <p:attrName>style.visibility</p:attrName>
@@ -27199,7 +27177,7 @@
                                       <p:cBhvr additive="base">
                                         <p:cTn id="94" dur="500"/>
                                         <p:tgtEl>
-                                          <p:spTgt spid="85"/>
+                                          <p:spTgt spid="30"/>
                                         </p:tgtEl>
                                         <p:attrNameLst>
                                           <p:attrName>ppt_x</p:attrName>
@@ -27222,7 +27200,7 @@
                                       <p:cBhvr additive="base">
                                         <p:cTn id="95" dur="500"/>
                                         <p:tgtEl>
-                                          <p:spTgt spid="85"/>
+                                          <p:spTgt spid="30"/>
                                         </p:tgtEl>
                                         <p:attrNameLst>
                                           <p:attrName>ppt_y</p:attrName>
@@ -27249,7 +27227,7 @@
                                           </p:stCondLst>
                                         </p:cTn>
                                         <p:tgtEl>
-                                          <p:spTgt spid="85"/>
+                                          <p:spTgt spid="30"/>
                                         </p:tgtEl>
                                         <p:attrNameLst>
                                           <p:attrName>style.visibility</p:attrName>
@@ -27272,7 +27250,7 @@
                                       <p:cBhvr additive="base">
                                         <p:cTn id="98" dur="500"/>
                                         <p:tgtEl>
-                                          <p:spTgt spid="86"/>
+                                          <p:spTgt spid="31"/>
                                         </p:tgtEl>
                                         <p:attrNameLst>
                                           <p:attrName>ppt_x</p:attrName>
@@ -27295,7 +27273,7 @@
                                       <p:cBhvr additive="base">
                                         <p:cTn id="99" dur="500"/>
                                         <p:tgtEl>
-                                          <p:spTgt spid="86"/>
+                                          <p:spTgt spid="31"/>
                                         </p:tgtEl>
                                         <p:attrNameLst>
                                           <p:attrName>ppt_y</p:attrName>
@@ -27322,7 +27300,7 @@
                                           </p:stCondLst>
                                         </p:cTn>
                                         <p:tgtEl>
-                                          <p:spTgt spid="86"/>
+                                          <p:spTgt spid="31"/>
                                         </p:tgtEl>
                                         <p:attrNameLst>
                                           <p:attrName>style.visibility</p:attrName>
@@ -27345,7 +27323,7 @@
                                       <p:cBhvr additive="base">
                                         <p:cTn id="102" dur="500"/>
                                         <p:tgtEl>
-                                          <p:spTgt spid="87"/>
+                                          <p:spTgt spid="32"/>
                                         </p:tgtEl>
                                         <p:attrNameLst>
                                           <p:attrName>ppt_x</p:attrName>
@@ -27368,7 +27346,7 @@
                                       <p:cBhvr additive="base">
                                         <p:cTn id="103" dur="500"/>
                                         <p:tgtEl>
-                                          <p:spTgt spid="87"/>
+                                          <p:spTgt spid="32"/>
                                         </p:tgtEl>
                                         <p:attrNameLst>
                                           <p:attrName>ppt_y</p:attrName>
@@ -27395,7 +27373,7 @@
                                           </p:stCondLst>
                                         </p:cTn>
                                         <p:tgtEl>
-                                          <p:spTgt spid="87"/>
+                                          <p:spTgt spid="32"/>
                                         </p:tgtEl>
                                         <p:attrNameLst>
                                           <p:attrName>style.visibility</p:attrName>
@@ -27418,7 +27396,7 @@
                                       <p:cBhvr additive="base">
                                         <p:cTn id="106" dur="500"/>
                                         <p:tgtEl>
-                                          <p:spTgt spid="88"/>
+                                          <p:spTgt spid="33"/>
                                         </p:tgtEl>
                                         <p:attrNameLst>
                                           <p:attrName>ppt_x</p:attrName>
@@ -27441,7 +27419,7 @@
                                       <p:cBhvr additive="base">
                                         <p:cTn id="107" dur="500"/>
                                         <p:tgtEl>
-                                          <p:spTgt spid="88"/>
+                                          <p:spTgt spid="33"/>
                                         </p:tgtEl>
                                         <p:attrNameLst>
                                           <p:attrName>ppt_y</p:attrName>
@@ -27468,7 +27446,7 @@
                                           </p:stCondLst>
                                         </p:cTn>
                                         <p:tgtEl>
-                                          <p:spTgt spid="88"/>
+                                          <p:spTgt spid="33"/>
                                         </p:tgtEl>
                                         <p:attrNameLst>
                                           <p:attrName>style.visibility</p:attrName>
@@ -27491,7 +27469,7 @@
                                       <p:cBhvr additive="base">
                                         <p:cTn id="110" dur="500"/>
                                         <p:tgtEl>
-                                          <p:spTgt spid="89"/>
+                                          <p:spTgt spid="34"/>
                                         </p:tgtEl>
                                         <p:attrNameLst>
                                           <p:attrName>ppt_x</p:attrName>
@@ -27514,7 +27492,7 @@
                                       <p:cBhvr additive="base">
                                         <p:cTn id="111" dur="500"/>
                                         <p:tgtEl>
-                                          <p:spTgt spid="89"/>
+                                          <p:spTgt spid="34"/>
                                         </p:tgtEl>
                                         <p:attrNameLst>
                                           <p:attrName>ppt_y</p:attrName>
@@ -27541,7 +27519,7 @@
                                           </p:stCondLst>
                                         </p:cTn>
                                         <p:tgtEl>
-                                          <p:spTgt spid="89"/>
+                                          <p:spTgt spid="34"/>
                                         </p:tgtEl>
                                         <p:attrNameLst>
                                           <p:attrName>style.visibility</p:attrName>
@@ -27564,7 +27542,7 @@
                                       <p:cBhvr additive="base">
                                         <p:cTn id="114" dur="500"/>
                                         <p:tgtEl>
-                                          <p:spTgt spid="90"/>
+                                          <p:spTgt spid="35"/>
                                         </p:tgtEl>
                                         <p:attrNameLst>
                                           <p:attrName>ppt_x</p:attrName>
@@ -27587,7 +27565,7 @@
                                       <p:cBhvr additive="base">
                                         <p:cTn id="115" dur="500"/>
                                         <p:tgtEl>
-                                          <p:spTgt spid="90"/>
+                                          <p:spTgt spid="35"/>
                                         </p:tgtEl>
                                         <p:attrNameLst>
                                           <p:attrName>ppt_y</p:attrName>
@@ -27614,7 +27592,7 @@
                                           </p:stCondLst>
                                         </p:cTn>
                                         <p:tgtEl>
-                                          <p:spTgt spid="90"/>
+                                          <p:spTgt spid="35"/>
                                         </p:tgtEl>
                                         <p:attrNameLst>
                                           <p:attrName>style.visibility</p:attrName>
@@ -27637,7 +27615,7 @@
                                       <p:cBhvr additive="base">
                                         <p:cTn id="118" dur="500"/>
                                         <p:tgtEl>
-                                          <p:spTgt spid="91"/>
+                                          <p:spTgt spid="36"/>
                                         </p:tgtEl>
                                         <p:attrNameLst>
                                           <p:attrName>ppt_x</p:attrName>
@@ -27660,7 +27638,7 @@
                                       <p:cBhvr additive="base">
                                         <p:cTn id="119" dur="500"/>
                                         <p:tgtEl>
-                                          <p:spTgt spid="91"/>
+                                          <p:spTgt spid="36"/>
                                         </p:tgtEl>
                                         <p:attrNameLst>
                                           <p:attrName>ppt_y</p:attrName>
@@ -27687,7 +27665,7 @@
                                           </p:stCondLst>
                                         </p:cTn>
                                         <p:tgtEl>
-                                          <p:spTgt spid="91"/>
+                                          <p:spTgt spid="36"/>
                                         </p:tgtEl>
                                         <p:attrNameLst>
                                           <p:attrName>style.visibility</p:attrName>
@@ -27710,7 +27688,7 @@
                                       <p:cBhvr additive="base">
                                         <p:cTn id="122" dur="500"/>
                                         <p:tgtEl>
-                                          <p:spTgt spid="92"/>
+                                          <p:spTgt spid="37"/>
                                         </p:tgtEl>
                                         <p:attrNameLst>
                                           <p:attrName>ppt_x</p:attrName>
@@ -27733,7 +27711,7 @@
                                       <p:cBhvr additive="base">
                                         <p:cTn id="123" dur="500"/>
                                         <p:tgtEl>
-                                          <p:spTgt spid="92"/>
+                                          <p:spTgt spid="37"/>
                                         </p:tgtEl>
                                         <p:attrNameLst>
                                           <p:attrName>ppt_y</p:attrName>
@@ -27760,7 +27738,7 @@
                                           </p:stCondLst>
                                         </p:cTn>
                                         <p:tgtEl>
-                                          <p:spTgt spid="92"/>
+                                          <p:spTgt spid="37"/>
                                         </p:tgtEl>
                                         <p:attrNameLst>
                                           <p:attrName>style.visibility</p:attrName>
@@ -27805,7 +27783,7 @@
                                           </p:stCondLst>
                                         </p:cTn>
                                         <p:tgtEl>
-                                          <p:spTgt spid="99"/>
+                                          <p:spTgt spid="41"/>
                                         </p:tgtEl>
                                         <p:attrNameLst>
                                           <p:attrName>style.visibility</p:attrName>
@@ -27819,7 +27797,7 @@
                                       <p:cBhvr additive="base">
                                         <p:cTn id="129" dur="500" fill="hold"/>
                                         <p:tgtEl>
-                                          <p:spTgt spid="99"/>
+                                          <p:spTgt spid="41"/>
                                         </p:tgtEl>
                                         <p:attrNameLst>
                                           <p:attrName>ppt_x</p:attrName>
@@ -27842,7 +27820,7 @@
                                       <p:cBhvr additive="base">
                                         <p:cTn id="130" dur="500" fill="hold"/>
                                         <p:tgtEl>
-                                          <p:spTgt spid="99"/>
+                                          <p:spTgt spid="41"/>
                                         </p:tgtEl>
                                         <p:attrNameLst>
                                           <p:attrName>ppt_y</p:attrName>
@@ -27865,7 +27843,7 @@
                                 </p:cTn>
                               </p:par>
                               <p:par>
-                                <p:cTn id="131" presetID="2" presetClass="entr" presetSubtype="4" fill="hold" grpId="0" nodeType="withEffect">
+                                <p:cTn id="131" presetID="2" presetClass="entr" presetSubtype="4" fill="hold" nodeType="withEffect">
                                   <p:stCondLst>
                                     <p:cond delay="0"/>
                                   </p:stCondLst>
@@ -27878,7 +27856,7 @@
                                           </p:stCondLst>
                                         </p:cTn>
                                         <p:tgtEl>
-                                          <p:spTgt spid="97"/>
+                                          <p:spTgt spid="2050"/>
                                         </p:tgtEl>
                                         <p:attrNameLst>
                                           <p:attrName>style.visibility</p:attrName>
@@ -27892,7 +27870,7 @@
                                       <p:cBhvr additive="base">
                                         <p:cTn id="133" dur="500" fill="hold"/>
                                         <p:tgtEl>
-                                          <p:spTgt spid="97"/>
+                                          <p:spTgt spid="2050"/>
                                         </p:tgtEl>
                                         <p:attrNameLst>
                                           <p:attrName>ppt_x</p:attrName>
@@ -27915,7 +27893,7 @@
                                       <p:cBhvr additive="base">
                                         <p:cTn id="134" dur="500" fill="hold"/>
                                         <p:tgtEl>
-                                          <p:spTgt spid="97"/>
+                                          <p:spTgt spid="2050"/>
                                         </p:tgtEl>
                                         <p:attrNameLst>
                                           <p:attrName>ppt_y</p:attrName>
@@ -27938,7 +27916,7 @@
                                 </p:cTn>
                               </p:par>
                               <p:par>
-                                <p:cTn id="135" presetID="2" presetClass="entr" presetSubtype="4" fill="hold" nodeType="withEffect">
+                                <p:cTn id="135" presetID="2" presetClass="entr" presetSubtype="4" fill="hold" grpId="0" nodeType="withEffect">
                                   <p:stCondLst>
                                     <p:cond delay="0"/>
                                   </p:stCondLst>
@@ -27951,7 +27929,7 @@
                                           </p:stCondLst>
                                         </p:cTn>
                                         <p:tgtEl>
-                                          <p:spTgt spid="101"/>
+                                          <p:spTgt spid="39"/>
                                         </p:tgtEl>
                                         <p:attrNameLst>
                                           <p:attrName>style.visibility</p:attrName>
@@ -27965,7 +27943,7 @@
                                       <p:cBhvr additive="base">
                                         <p:cTn id="137" dur="500" fill="hold"/>
                                         <p:tgtEl>
-                                          <p:spTgt spid="101"/>
+                                          <p:spTgt spid="39"/>
                                         </p:tgtEl>
                                         <p:attrNameLst>
                                           <p:attrName>ppt_x</p:attrName>
@@ -27988,7 +27966,299 @@
                                       <p:cBhvr additive="base">
                                         <p:cTn id="138" dur="500" fill="hold"/>
                                         <p:tgtEl>
-                                          <p:spTgt spid="101"/>
+                                          <p:spTgt spid="39"/>
+                                        </p:tgtEl>
+                                        <p:attrNameLst>
+                                          <p:attrName>ppt_y</p:attrName>
+                                        </p:attrNameLst>
+                                      </p:cBhvr>
+                                      <p:tavLst>
+                                        <p:tav tm="0">
+                                          <p:val>
+                                            <p:strVal val="1+#ppt_h/2"/>
+                                          </p:val>
+                                        </p:tav>
+                                        <p:tav tm="100000">
+                                          <p:val>
+                                            <p:strVal val="#ppt_y"/>
+                                          </p:val>
+                                        </p:tav>
+                                      </p:tavLst>
+                                    </p:anim>
+                                  </p:childTnLst>
+                                </p:cTn>
+                              </p:par>
+                              <p:par>
+                                <p:cTn id="139" presetID="2" presetClass="entr" presetSubtype="4" fill="hold" nodeType="withEffect">
+                                  <p:stCondLst>
+                                    <p:cond delay="0"/>
+                                  </p:stCondLst>
+                                  <p:childTnLst>
+                                    <p:set>
+                                      <p:cBhvr>
+                                        <p:cTn id="140" dur="1" fill="hold">
+                                          <p:stCondLst>
+                                            <p:cond delay="0"/>
+                                          </p:stCondLst>
+                                        </p:cTn>
+                                        <p:tgtEl>
+                                          <p:spTgt spid="46"/>
+                                        </p:tgtEl>
+                                        <p:attrNameLst>
+                                          <p:attrName>style.visibility</p:attrName>
+                                        </p:attrNameLst>
+                                      </p:cBhvr>
+                                      <p:to>
+                                        <p:strVal val="visible"/>
+                                      </p:to>
+                                    </p:set>
+                                    <p:anim calcmode="lin" valueType="num">
+                                      <p:cBhvr additive="base">
+                                        <p:cTn id="141" dur="500" fill="hold"/>
+                                        <p:tgtEl>
+                                          <p:spTgt spid="46"/>
+                                        </p:tgtEl>
+                                        <p:attrNameLst>
+                                          <p:attrName>ppt_x</p:attrName>
+                                        </p:attrNameLst>
+                                      </p:cBhvr>
+                                      <p:tavLst>
+                                        <p:tav tm="0">
+                                          <p:val>
+                                            <p:strVal val="#ppt_x"/>
+                                          </p:val>
+                                        </p:tav>
+                                        <p:tav tm="100000">
+                                          <p:val>
+                                            <p:strVal val="#ppt_x"/>
+                                          </p:val>
+                                        </p:tav>
+                                      </p:tavLst>
+                                    </p:anim>
+                                    <p:anim calcmode="lin" valueType="num">
+                                      <p:cBhvr additive="base">
+                                        <p:cTn id="142" dur="500" fill="hold"/>
+                                        <p:tgtEl>
+                                          <p:spTgt spid="46"/>
+                                        </p:tgtEl>
+                                        <p:attrNameLst>
+                                          <p:attrName>ppt_y</p:attrName>
+                                        </p:attrNameLst>
+                                      </p:cBhvr>
+                                      <p:tavLst>
+                                        <p:tav tm="0">
+                                          <p:val>
+                                            <p:strVal val="1+#ppt_h/2"/>
+                                          </p:val>
+                                        </p:tav>
+                                        <p:tav tm="100000">
+                                          <p:val>
+                                            <p:strVal val="#ppt_y"/>
+                                          </p:val>
+                                        </p:tav>
+                                      </p:tavLst>
+                                    </p:anim>
+                                  </p:childTnLst>
+                                </p:cTn>
+                              </p:par>
+                              <p:par>
+                                <p:cTn id="143" presetID="2" presetClass="entr" presetSubtype="4" fill="hold" grpId="0" nodeType="withEffect">
+                                  <p:stCondLst>
+                                    <p:cond delay="0"/>
+                                  </p:stCondLst>
+                                  <p:childTnLst>
+                                    <p:set>
+                                      <p:cBhvr>
+                                        <p:cTn id="144" dur="1" fill="hold">
+                                          <p:stCondLst>
+                                            <p:cond delay="0"/>
+                                          </p:stCondLst>
+                                        </p:cTn>
+                                        <p:tgtEl>
+                                          <p:spTgt spid="38"/>
+                                        </p:tgtEl>
+                                        <p:attrNameLst>
+                                          <p:attrName>style.visibility</p:attrName>
+                                        </p:attrNameLst>
+                                      </p:cBhvr>
+                                      <p:to>
+                                        <p:strVal val="visible"/>
+                                      </p:to>
+                                    </p:set>
+                                    <p:anim calcmode="lin" valueType="num">
+                                      <p:cBhvr additive="base">
+                                        <p:cTn id="145" dur="500" fill="hold"/>
+                                        <p:tgtEl>
+                                          <p:spTgt spid="38"/>
+                                        </p:tgtEl>
+                                        <p:attrNameLst>
+                                          <p:attrName>ppt_x</p:attrName>
+                                        </p:attrNameLst>
+                                      </p:cBhvr>
+                                      <p:tavLst>
+                                        <p:tav tm="0">
+                                          <p:val>
+                                            <p:strVal val="#ppt_x"/>
+                                          </p:val>
+                                        </p:tav>
+                                        <p:tav tm="100000">
+                                          <p:val>
+                                            <p:strVal val="#ppt_x"/>
+                                          </p:val>
+                                        </p:tav>
+                                      </p:tavLst>
+                                    </p:anim>
+                                    <p:anim calcmode="lin" valueType="num">
+                                      <p:cBhvr additive="base">
+                                        <p:cTn id="146" dur="500" fill="hold"/>
+                                        <p:tgtEl>
+                                          <p:spTgt spid="38"/>
+                                        </p:tgtEl>
+                                        <p:attrNameLst>
+                                          <p:attrName>ppt_y</p:attrName>
+                                        </p:attrNameLst>
+                                      </p:cBhvr>
+                                      <p:tavLst>
+                                        <p:tav tm="0">
+                                          <p:val>
+                                            <p:strVal val="1+#ppt_h/2"/>
+                                          </p:val>
+                                        </p:tav>
+                                        <p:tav tm="100000">
+                                          <p:val>
+                                            <p:strVal val="#ppt_y"/>
+                                          </p:val>
+                                        </p:tav>
+                                      </p:tavLst>
+                                    </p:anim>
+                                  </p:childTnLst>
+                                </p:cTn>
+                              </p:par>
+                              <p:par>
+                                <p:cTn id="147" presetID="2" presetClass="entr" presetSubtype="4" fill="hold" nodeType="withEffect">
+                                  <p:stCondLst>
+                                    <p:cond delay="0"/>
+                                  </p:stCondLst>
+                                  <p:childTnLst>
+                                    <p:set>
+                                      <p:cBhvr>
+                                        <p:cTn id="148" dur="1" fill="hold">
+                                          <p:stCondLst>
+                                            <p:cond delay="0"/>
+                                          </p:stCondLst>
+                                        </p:cTn>
+                                        <p:tgtEl>
+                                          <p:spTgt spid="44"/>
+                                        </p:tgtEl>
+                                        <p:attrNameLst>
+                                          <p:attrName>style.visibility</p:attrName>
+                                        </p:attrNameLst>
+                                      </p:cBhvr>
+                                      <p:to>
+                                        <p:strVal val="visible"/>
+                                      </p:to>
+                                    </p:set>
+                                    <p:anim calcmode="lin" valueType="num">
+                                      <p:cBhvr additive="base">
+                                        <p:cTn id="149" dur="500" fill="hold"/>
+                                        <p:tgtEl>
+                                          <p:spTgt spid="44"/>
+                                        </p:tgtEl>
+                                        <p:attrNameLst>
+                                          <p:attrName>ppt_x</p:attrName>
+                                        </p:attrNameLst>
+                                      </p:cBhvr>
+                                      <p:tavLst>
+                                        <p:tav tm="0">
+                                          <p:val>
+                                            <p:strVal val="#ppt_x"/>
+                                          </p:val>
+                                        </p:tav>
+                                        <p:tav tm="100000">
+                                          <p:val>
+                                            <p:strVal val="#ppt_x"/>
+                                          </p:val>
+                                        </p:tav>
+                                      </p:tavLst>
+                                    </p:anim>
+                                    <p:anim calcmode="lin" valueType="num">
+                                      <p:cBhvr additive="base">
+                                        <p:cTn id="150" dur="500" fill="hold"/>
+                                        <p:tgtEl>
+                                          <p:spTgt spid="44"/>
+                                        </p:tgtEl>
+                                        <p:attrNameLst>
+                                          <p:attrName>ppt_y</p:attrName>
+                                        </p:attrNameLst>
+                                      </p:cBhvr>
+                                      <p:tavLst>
+                                        <p:tav tm="0">
+                                          <p:val>
+                                            <p:strVal val="1+#ppt_h/2"/>
+                                          </p:val>
+                                        </p:tav>
+                                        <p:tav tm="100000">
+                                          <p:val>
+                                            <p:strVal val="#ppt_y"/>
+                                          </p:val>
+                                        </p:tav>
+                                      </p:tavLst>
+                                    </p:anim>
+                                  </p:childTnLst>
+                                </p:cTn>
+                              </p:par>
+                              <p:par>
+                                <p:cTn id="151" presetID="2" presetClass="entr" presetSubtype="4" fill="hold" grpId="0" nodeType="withEffect">
+                                  <p:stCondLst>
+                                    <p:cond delay="0"/>
+                                  </p:stCondLst>
+                                  <p:childTnLst>
+                                    <p:set>
+                                      <p:cBhvr>
+                                        <p:cTn id="152" dur="1" fill="hold">
+                                          <p:stCondLst>
+                                            <p:cond delay="0"/>
+                                          </p:stCondLst>
+                                        </p:cTn>
+                                        <p:tgtEl>
+                                          <p:spTgt spid="47"/>
+                                        </p:tgtEl>
+                                        <p:attrNameLst>
+                                          <p:attrName>style.visibility</p:attrName>
+                                        </p:attrNameLst>
+                                      </p:cBhvr>
+                                      <p:to>
+                                        <p:strVal val="visible"/>
+                                      </p:to>
+                                    </p:set>
+                                    <p:anim calcmode="lin" valueType="num">
+                                      <p:cBhvr additive="base">
+                                        <p:cTn id="153" dur="500" fill="hold"/>
+                                        <p:tgtEl>
+                                          <p:spTgt spid="47"/>
+                                        </p:tgtEl>
+                                        <p:attrNameLst>
+                                          <p:attrName>ppt_x</p:attrName>
+                                        </p:attrNameLst>
+                                      </p:cBhvr>
+                                      <p:tavLst>
+                                        <p:tav tm="0">
+                                          <p:val>
+                                            <p:strVal val="#ppt_x"/>
+                                          </p:val>
+                                        </p:tav>
+                                        <p:tav tm="100000">
+                                          <p:val>
+                                            <p:strVal val="#ppt_x"/>
+                                          </p:val>
+                                        </p:tav>
+                                      </p:tavLst>
+                                    </p:anim>
+                                    <p:anim calcmode="lin" valueType="num">
+                                      <p:cBhvr additive="base">
+                                        <p:cTn id="154" dur="500" fill="hold"/>
+                                        <p:tgtEl>
+                                          <p:spTgt spid="47"/>
                                         </p:tgtEl>
                                         <p:attrNameLst>
                                           <p:attrName>ppt_y</p:attrName>
@@ -28038,24 +28308,26 @@
       </p:par>
     </p:tnLst>
     <p:bldLst>
-      <p:bldP spid="62" grpId="0" animBg="1"/>
-      <p:bldP spid="63" grpId="0" animBg="1"/>
-      <p:bldP spid="66" grpId="0" animBg="1"/>
-      <p:bldP spid="67" grpId="0" animBg="1"/>
-      <p:bldP spid="68" grpId="0" animBg="1"/>
-      <p:bldP spid="71" grpId="0"/>
-      <p:bldP spid="72" grpId="0" animBg="1"/>
-      <p:bldP spid="73" grpId="0" animBg="1"/>
-      <p:bldP spid="74" grpId="0" animBg="1"/>
-      <p:bldP spid="79" grpId="0"/>
-      <p:bldP spid="80" grpId="0"/>
-      <p:bldP spid="81" grpId="0" animBg="1"/>
-      <p:bldP spid="82" grpId="0" animBg="1"/>
-      <p:bldP spid="83" grpId="0" animBg="1"/>
-      <p:bldP spid="84" grpId="0" animBg="1"/>
-      <p:bldP spid="85" grpId="0" animBg="1"/>
-      <p:bldP spid="86" grpId="0" animBg="1"/>
-      <p:bldP spid="97" grpId="0" animBg="1"/>
+      <p:bldP spid="6" grpId="0" animBg="1"/>
+      <p:bldP spid="7" grpId="0" animBg="1"/>
+      <p:bldP spid="11" grpId="0" animBg="1"/>
+      <p:bldP spid="12" grpId="0" animBg="1"/>
+      <p:bldP spid="13" grpId="0" animBg="1"/>
+      <p:bldP spid="16" grpId="0"/>
+      <p:bldP spid="17" grpId="0" animBg="1"/>
+      <p:bldP spid="18" grpId="0" animBg="1"/>
+      <p:bldP spid="19" grpId="0" animBg="1"/>
+      <p:bldP spid="24" grpId="0"/>
+      <p:bldP spid="25" grpId="0"/>
+      <p:bldP spid="26" grpId="0" animBg="1"/>
+      <p:bldP spid="27" grpId="0" animBg="1"/>
+      <p:bldP spid="28" grpId="0" animBg="1"/>
+      <p:bldP spid="29" grpId="0" animBg="1"/>
+      <p:bldP spid="30" grpId="0" animBg="1"/>
+      <p:bldP spid="31" grpId="0" animBg="1"/>
+      <p:bldP spid="38" grpId="0" animBg="1"/>
+      <p:bldP spid="39" grpId="0"/>
+      <p:bldP spid="47" grpId="0"/>
     </p:bldLst>
   </p:timing>
 </p:sld>
@@ -28142,7 +28414,7 @@
           <p:nvPr>
             <p:extLst>
               <p:ext uri="{D42A27DB-BD31-4B8C-83A1-F6EECF244321}">
-                <p14:modId xmlns:p14="http://schemas.microsoft.com/office/powerpoint/2010/main" val="3999160963"/>
+                <p14:modId xmlns:p14="http://schemas.microsoft.com/office/powerpoint/2010/main" val="2948541986"/>
               </p:ext>
             </p:extLst>
           </p:nvPr>
@@ -28158,28 +28430,28 @@
                 <a:tableStyleId>{5C22544A-7EE6-4342-B048-85BDC9FD1C3A}</a:tableStyleId>
               </a:tblPr>
               <a:tblGrid>
-                <a:gridCol w="4399409">
+                <a:gridCol w="5168900">
                   <a:extLst>
                     <a:ext uri="{9D8B030D-6E8A-4147-A177-3AD203B41FA5}">
                       <a16:colId xmlns:a16="http://schemas.microsoft.com/office/drawing/2014/main" val="4024464323"/>
                     </a:ext>
                   </a:extLst>
                 </a:gridCol>
-                <a:gridCol w="2388967">
+                <a:gridCol w="2108200">
                   <a:extLst>
                     <a:ext uri="{9D8B030D-6E8A-4147-A177-3AD203B41FA5}">
                       <a16:colId xmlns:a16="http://schemas.microsoft.com/office/drawing/2014/main" val="789667970"/>
                     </a:ext>
                   </a:extLst>
                 </a:gridCol>
-                <a:gridCol w="1990809">
+                <a:gridCol w="2286000">
                   <a:extLst>
                     <a:ext uri="{9D8B030D-6E8A-4147-A177-3AD203B41FA5}">
                       <a16:colId xmlns:a16="http://schemas.microsoft.com/office/drawing/2014/main" val="96791430"/>
                     </a:ext>
                   </a:extLst>
                 </a:gridCol>
-                <a:gridCol w="3412814">
+                <a:gridCol w="2628899">
                   <a:extLst>
                     <a:ext uri="{9D8B030D-6E8A-4147-A177-3AD203B41FA5}">
                       <a16:colId xmlns:a16="http://schemas.microsoft.com/office/drawing/2014/main" val="856223068"/>
@@ -28307,7 +28579,7 @@
                           <a:latin typeface="Times New Roman" panose="02020603050405020304" pitchFamily="18" charset="0"/>
                           <a:cs typeface="Times New Roman" panose="02020603050405020304" pitchFamily="18" charset="0"/>
                         </a:rPr>
-                        <a:t> занятий</a:t>
+                        <a:t> занятий (заполнение расписания)</a:t>
                       </a:r>
                       <a:endParaRPr lang="ru-RU" dirty="0">
                         <a:latin typeface="Times New Roman" panose="02020603050405020304" pitchFamily="18" charset="0"/>
@@ -29711,7 +29983,7 @@
         </p:nvCxnSpPr>
         <p:spPr>
           <a:xfrm>
-            <a:off x="8450421" y="2687216"/>
+            <a:off x="8425538" y="2640073"/>
             <a:ext cx="3741577" cy="0"/>
           </a:xfrm>
           <a:prstGeom prst="straightConnector1">
@@ -29753,7 +30025,7 @@
         </p:nvCxnSpPr>
         <p:spPr>
           <a:xfrm>
-            <a:off x="8450423" y="3175517"/>
+            <a:off x="8437982" y="3019560"/>
             <a:ext cx="3741577" cy="0"/>
           </a:xfrm>
           <a:prstGeom prst="straightConnector1">
@@ -29795,7 +30067,7 @@
         </p:nvCxnSpPr>
         <p:spPr>
           <a:xfrm>
-            <a:off x="8450423" y="3670426"/>
+            <a:off x="8450423" y="3470614"/>
             <a:ext cx="3741577" cy="0"/>
           </a:xfrm>
           <a:prstGeom prst="straightConnector1">
@@ -29837,7 +30109,7 @@
         </p:nvCxnSpPr>
         <p:spPr>
           <a:xfrm>
-            <a:off x="8450423" y="4142791"/>
+            <a:off x="8425540" y="3873202"/>
             <a:ext cx="3741577" cy="0"/>
           </a:xfrm>
           <a:prstGeom prst="straightConnector1">
@@ -29879,8 +30151,8 @@
         </p:nvSpPr>
         <p:spPr>
           <a:xfrm>
-            <a:off x="197734" y="2340428"/>
-            <a:ext cx="3346100" cy="369332"/>
+            <a:off x="678926" y="2337978"/>
+            <a:ext cx="2417283" cy="369332"/>
           </a:xfrm>
           <a:prstGeom prst="rect">
             <a:avLst/>
@@ -29895,7 +30167,7 @@
           <a:p>
             <a:r>
               <a:rPr lang="ru-RU" dirty="0"/>
-              <a:t>Общие данные о документации</a:t>
+              <a:t>Данные о сотрудниках</a:t>
             </a:r>
           </a:p>
         </p:txBody>
@@ -29950,8 +30222,8 @@
         </p:nvSpPr>
         <p:spPr>
           <a:xfrm>
-            <a:off x="222618" y="3360183"/>
-            <a:ext cx="3346100" cy="369332"/>
+            <a:off x="171599" y="3360183"/>
+            <a:ext cx="3448138" cy="369332"/>
           </a:xfrm>
           <a:prstGeom prst="rect">
             <a:avLst/>
@@ -29967,7 +30239,7 @@
             <a:pPr algn="ctr"/>
             <a:r>
               <a:rPr lang="ru-RU" dirty="0"/>
-              <a:t>Учебные программы</a:t>
+              <a:t>Данные об учебных программах</a:t>
             </a:r>
           </a:p>
         </p:txBody>
@@ -30022,7 +30294,7 @@
         </p:nvSpPr>
         <p:spPr>
           <a:xfrm>
-            <a:off x="8450421" y="2311277"/>
+            <a:off x="8450423" y="2299620"/>
             <a:ext cx="3741577" cy="369332"/>
           </a:xfrm>
           <a:prstGeom prst="rect">
@@ -30058,7 +30330,7 @@
         </p:nvSpPr>
         <p:spPr>
           <a:xfrm>
-            <a:off x="8425542" y="2806383"/>
+            <a:off x="8492249" y="2702208"/>
             <a:ext cx="3741576" cy="369332"/>
           </a:xfrm>
           <a:prstGeom prst="rect">
@@ -30094,7 +30366,7 @@
         </p:nvSpPr>
         <p:spPr>
           <a:xfrm>
-            <a:off x="8450422" y="3301490"/>
+            <a:off x="8492249" y="3101282"/>
             <a:ext cx="3716698" cy="369332"/>
           </a:xfrm>
           <a:prstGeom prst="rect">
@@ -30130,7 +30402,7 @@
         </p:nvSpPr>
         <p:spPr>
           <a:xfrm>
-            <a:off x="9695916" y="3781039"/>
+            <a:off x="9644545" y="3503870"/>
             <a:ext cx="1855382" cy="369332"/>
           </a:xfrm>
           <a:prstGeom prst="rect">
@@ -30397,8 +30669,8 @@
         </p:nvSpPr>
         <p:spPr>
           <a:xfrm rot="16200000">
-            <a:off x="6560018" y="1124860"/>
-            <a:ext cx="1784800" cy="646331"/>
+            <a:off x="6400358" y="1067941"/>
+            <a:ext cx="2104120" cy="646331"/>
           </a:xfrm>
           <a:prstGeom prst="rect">
             <a:avLst/>
@@ -30412,6 +30684,14 @@
           <a:lstStyle/>
           <a:p>
             <a:pPr algn="l"/>
+            <a:r>
+              <a:rPr lang="ru-RU" dirty="0">
+                <a:latin typeface="Calibri" panose="020F0502020204030204" pitchFamily="34" charset="0"/>
+                <a:ea typeface="Calibri" panose="020F0502020204030204" pitchFamily="34" charset="0"/>
+                <a:cs typeface="Calibri" panose="020F0502020204030204" pitchFamily="34" charset="0"/>
+              </a:rPr>
+              <a:t>Нормативные</a:t>
+            </a:r>
             <a:r>
               <a:rPr lang="ru-RU" i="0" dirty="0">
                 <a:effectLst/>
@@ -30419,7 +30699,7 @@
                 <a:ea typeface="Calibri" panose="020F0502020204030204" pitchFamily="34" charset="0"/>
                 <a:cs typeface="Calibri" panose="020F0502020204030204" pitchFamily="34" charset="0"/>
               </a:rPr>
-              <a:t>Внутренние документы РШТ</a:t>
+              <a:t> документы «РШТ»</a:t>
             </a:r>
           </a:p>
         </p:txBody>
@@ -30578,6 +30858,83 @@
             <a:r>
               <a:rPr lang="ru-RU" dirty="0"/>
               <a:t>Администратор</a:t>
+            </a:r>
+          </a:p>
+        </p:txBody>
+      </p:sp>
+      <p:cxnSp>
+        <p:nvCxnSpPr>
+          <p:cNvPr id="2" name="Прямая со стрелкой 1">
+            <a:extLst>
+              <a:ext uri="{FF2B5EF4-FFF2-40B4-BE49-F238E27FC236}">
+                <a16:creationId xmlns:a16="http://schemas.microsoft.com/office/drawing/2014/main" id="{E77D2843-276F-4660-A995-444F441F4DC7}"/>
+              </a:ext>
+            </a:extLst>
+          </p:cNvPr>
+          <p:cNvCxnSpPr/>
+          <p:nvPr/>
+        </p:nvCxnSpPr>
+        <p:spPr>
+          <a:xfrm>
+            <a:off x="8425539" y="4243399"/>
+            <a:ext cx="3741577" cy="0"/>
+          </a:xfrm>
+          <a:prstGeom prst="straightConnector1">
+            <a:avLst/>
+          </a:prstGeom>
+          <a:ln>
+            <a:solidFill>
+              <a:srgbClr val="FFFF00"/>
+            </a:solidFill>
+            <a:tailEnd type="triangle"/>
+          </a:ln>
+        </p:spPr>
+        <p:style>
+          <a:lnRef idx="1">
+            <a:schemeClr val="accent1"/>
+          </a:lnRef>
+          <a:fillRef idx="0">
+            <a:schemeClr val="accent1"/>
+          </a:fillRef>
+          <a:effectRef idx="0">
+            <a:schemeClr val="accent1"/>
+          </a:effectRef>
+          <a:fontRef idx="minor">
+            <a:schemeClr val="tx1"/>
+          </a:fontRef>
+        </p:style>
+      </p:cxnSp>
+      <p:sp>
+        <p:nvSpPr>
+          <p:cNvPr id="4" name="TextBox 3">
+            <a:extLst>
+              <a:ext uri="{FF2B5EF4-FFF2-40B4-BE49-F238E27FC236}">
+                <a16:creationId xmlns:a16="http://schemas.microsoft.com/office/drawing/2014/main" id="{7791E41F-16F1-6E0D-C67A-977F491C2DBD}"/>
+              </a:ext>
+            </a:extLst>
+          </p:cNvPr>
+          <p:cNvSpPr txBox="1"/>
+          <p:nvPr/>
+        </p:nvSpPr>
+        <p:spPr>
+          <a:xfrm>
+            <a:off x="9280966" y="3916903"/>
+            <a:ext cx="2263203" cy="369332"/>
+          </a:xfrm>
+          <a:prstGeom prst="rect">
+            <a:avLst/>
+          </a:prstGeom>
+          <a:noFill/>
+        </p:spPr>
+        <p:txBody>
+          <a:bodyPr wrap="square" rtlCol="0">
+            <a:spAutoFit/>
+          </a:bodyPr>
+          <a:lstStyle/>
+          <a:p>
+            <a:r>
+              <a:rPr lang="ru-RU" dirty="0"/>
+              <a:t>Отчётные документы</a:t>
             </a:r>
           </a:p>
         </p:txBody>

--- a/Дипломная работа/Консультации Хоменко/Презентация v5.0 .pptx
+++ b/Дипломная работа/Консультации Хоменко/Презентация v5.0 .pptx
@@ -215,7 +215,7 @@
           <a:p>
             <a:fld id="{0752C715-6935-41AD-9984-2334D42D2383}" type="datetimeFigureOut">
               <a:rPr lang="ru-RU" smtClean="0"/>
-              <a:t>15.05.2025</a:t>
+              <a:t>16.05.2025</a:t>
             </a:fld>
             <a:endParaRPr lang="ru-RU"/>
           </a:p>
@@ -3010,7 +3010,7 @@
           <a:p>
             <a:fld id="{A592AB9E-B3E0-40A8-9D13-59617F3F8A64}" type="datetime1">
               <a:rPr lang="ru-RU" smtClean="0"/>
-              <a:t>15.05.2025</a:t>
+              <a:t>16.05.2025</a:t>
             </a:fld>
             <a:endParaRPr lang="ru-RU"/>
           </a:p>
@@ -3356,7 +3356,7 @@
           <a:p>
             <a:fld id="{5417B1CA-4C4F-4F8D-803D-8A6A8A906241}" type="datetime1">
               <a:rPr lang="ru-RU" smtClean="0"/>
-              <a:t>15.05.2025</a:t>
+              <a:t>16.05.2025</a:t>
             </a:fld>
             <a:endParaRPr lang="ru-RU"/>
           </a:p>
@@ -3634,7 +3634,7 @@
           <a:p>
             <a:fld id="{82CFFC90-8D51-4E14-AFBA-129AE5402BF2}" type="datetime1">
               <a:rPr lang="ru-RU" smtClean="0"/>
-              <a:t>15.05.2025</a:t>
+              <a:t>16.05.2025</a:t>
             </a:fld>
             <a:endParaRPr lang="ru-RU"/>
           </a:p>
@@ -4202,7 +4202,7 @@
           <a:p>
             <a:fld id="{EA467253-3793-4A20-98DF-36EA880F85F5}" type="datetime1">
               <a:rPr lang="ru-RU" smtClean="0"/>
-              <a:t>15.05.2025</a:t>
+              <a:t>16.05.2025</a:t>
             </a:fld>
             <a:endParaRPr lang="ru-RU"/>
           </a:p>
@@ -4480,7 +4480,7 @@
           <a:p>
             <a:fld id="{D83AF644-49BB-4732-B227-064E7E8E9B75}" type="datetime1">
               <a:rPr lang="ru-RU" smtClean="0"/>
-              <a:t>15.05.2025</a:t>
+              <a:t>16.05.2025</a:t>
             </a:fld>
             <a:endParaRPr lang="ru-RU"/>
           </a:p>
@@ -5042,7 +5042,7 @@
           <a:p>
             <a:fld id="{93741DF7-081A-43E1-AEC0-7A6A5EFC3E04}" type="datetime1">
               <a:rPr lang="ru-RU" smtClean="0"/>
-              <a:t>15.05.2025</a:t>
+              <a:t>16.05.2025</a:t>
             </a:fld>
             <a:endParaRPr lang="ru-RU"/>
           </a:p>
@@ -5369,7 +5369,7 @@
           <a:p>
             <a:fld id="{60804587-5AD3-4566-AED6-7C5642B16C64}" type="datetime1">
               <a:rPr lang="ru-RU" smtClean="0"/>
-              <a:t>15.05.2025</a:t>
+              <a:t>16.05.2025</a:t>
             </a:fld>
             <a:endParaRPr lang="ru-RU"/>
           </a:p>
@@ -5546,7 +5546,7 @@
           <a:p>
             <a:fld id="{AF148D8C-8A56-4364-A29B-FC848D70BD3E}" type="datetime1">
               <a:rPr lang="ru-RU" smtClean="0"/>
-              <a:t>15.05.2025</a:t>
+              <a:t>16.05.2025</a:t>
             </a:fld>
             <a:endParaRPr lang="ru-RU"/>
           </a:p>
@@ -5796,7 +5796,7 @@
           <a:p>
             <a:fld id="{1F560C62-4747-4C40-80B5-9506A6478873}" type="datetime1">
               <a:rPr lang="ru-RU" smtClean="0"/>
-              <a:t>15.05.2025</a:t>
+              <a:t>16.05.2025</a:t>
             </a:fld>
             <a:endParaRPr lang="ru-RU"/>
           </a:p>
@@ -6008,7 +6008,7 @@
           <a:p>
             <a:fld id="{655C5391-6D11-49BE-9D35-F1852430608C}" type="datetime1">
               <a:rPr lang="ru-RU" smtClean="0"/>
-              <a:t>15.05.2025</a:t>
+              <a:t>16.05.2025</a:t>
             </a:fld>
             <a:endParaRPr lang="ru-RU"/>
           </a:p>
@@ -6296,7 +6296,7 @@
           <a:p>
             <a:fld id="{D1B7E046-787A-42F0-988E-D94C46E094ED}" type="datetime1">
               <a:rPr lang="ru-RU" smtClean="0"/>
-              <a:t>15.05.2025</a:t>
+              <a:t>16.05.2025</a:t>
             </a:fld>
             <a:endParaRPr lang="ru-RU"/>
           </a:p>
@@ -6574,7 +6574,7 @@
           <a:p>
             <a:fld id="{1DEF2D25-E9E1-4E54-81F0-1D2FE8854B0E}" type="datetime1">
               <a:rPr lang="ru-RU" smtClean="0"/>
-              <a:t>15.05.2025</a:t>
+              <a:t>16.05.2025</a:t>
             </a:fld>
             <a:endParaRPr lang="ru-RU"/>
           </a:p>
@@ -6960,7 +6960,7 @@
           <a:p>
             <a:fld id="{2D559C09-903E-4473-BBE2-D44EED2E9BB9}" type="datetime1">
               <a:rPr lang="ru-RU" smtClean="0"/>
-              <a:t>15.05.2025</a:t>
+              <a:t>16.05.2025</a:t>
             </a:fld>
             <a:endParaRPr lang="ru-RU"/>
           </a:p>
@@ -7120,7 +7120,7 @@
           <a:p>
             <a:fld id="{5DEFB42A-193B-4E6D-9002-E4C3450AA4B1}" type="datetime1">
               <a:rPr lang="ru-RU" smtClean="0"/>
-              <a:t>15.05.2025</a:t>
+              <a:t>16.05.2025</a:t>
             </a:fld>
             <a:endParaRPr lang="ru-RU"/>
           </a:p>
@@ -7257,7 +7257,7 @@
           <a:p>
             <a:fld id="{B780A1C7-BCFA-4491-ABEA-F198E9E80238}" type="datetime1">
               <a:rPr lang="ru-RU" smtClean="0"/>
-              <a:t>15.05.2025</a:t>
+              <a:t>16.05.2025</a:t>
             </a:fld>
             <a:endParaRPr lang="ru-RU"/>
           </a:p>
@@ -7554,7 +7554,7 @@
           <a:p>
             <a:fld id="{6B7D87D1-A00E-4856-B035-ABE302A2367C}" type="datetime1">
               <a:rPr lang="ru-RU" smtClean="0"/>
-              <a:t>15.05.2025</a:t>
+              <a:t>16.05.2025</a:t>
             </a:fld>
             <a:endParaRPr lang="ru-RU"/>
           </a:p>
@@ -7890,7 +7890,7 @@
           <a:p>
             <a:fld id="{95982220-A412-481B-B026-9F63F21200E0}" type="datetime1">
               <a:rPr lang="ru-RU" smtClean="0"/>
-              <a:t>15.05.2025</a:t>
+              <a:t>16.05.2025</a:t>
             </a:fld>
             <a:endParaRPr lang="ru-RU"/>
           </a:p>
@@ -8116,7 +8116,7 @@
           <a:p>
             <a:fld id="{CBF3DBF7-CC75-4132-A774-E3960ACCECD6}" type="datetime1">
               <a:rPr lang="ru-RU" smtClean="0"/>
-              <a:t>15.05.2025</a:t>
+              <a:t>16.05.2025</a:t>
             </a:fld>
             <a:endParaRPr lang="ru-RU"/>
           </a:p>
@@ -9187,7 +9187,7 @@
         </p:blipFill>
         <p:spPr bwMode="auto">
           <a:xfrm>
-            <a:off x="34461" y="5408143"/>
+            <a:off x="148786" y="5408143"/>
             <a:ext cx="1134052" cy="635069"/>
           </a:xfrm>
           <a:prstGeom prst="rect">
@@ -9326,7 +9326,7 @@
         </p:nvSpPr>
         <p:spPr>
           <a:xfrm>
-            <a:off x="220428" y="5937722"/>
+            <a:off x="334753" y="5937722"/>
             <a:ext cx="762119" cy="277000"/>
           </a:xfrm>
         </p:spPr>
@@ -10160,8 +10160,8 @@
         </p:nvCxnSpPr>
         <p:spPr>
           <a:xfrm flipV="1">
-            <a:off x="1168513" y="5408144"/>
-            <a:ext cx="1854191" cy="317534"/>
+            <a:off x="1282838" y="5408144"/>
+            <a:ext cx="1739866" cy="317534"/>
           </a:xfrm>
           <a:prstGeom prst="straightConnector1">
             <a:avLst/>
@@ -10203,8 +10203,8 @@
         </p:nvCxnSpPr>
         <p:spPr>
           <a:xfrm>
-            <a:off x="1168513" y="5725678"/>
-            <a:ext cx="1854191" cy="529580"/>
+            <a:off x="1282838" y="5725678"/>
+            <a:ext cx="1739866" cy="529580"/>
           </a:xfrm>
           <a:prstGeom prst="straightConnector1">
             <a:avLst/>
@@ -10848,6 +10848,489 @@
               </a:rPr>
               <a:t>Редактирование расписания</a:t>
             </a:r>
+          </a:p>
+        </p:txBody>
+      </p:sp>
+      <p:cxnSp>
+        <p:nvCxnSpPr>
+          <p:cNvPr id="2" name="Прямая со стрелкой 1">
+            <a:extLst>
+              <a:ext uri="{FF2B5EF4-FFF2-40B4-BE49-F238E27FC236}">
+                <a16:creationId xmlns:a16="http://schemas.microsoft.com/office/drawing/2014/main" id="{7D5E5E6B-9E51-D862-DCFE-A353C19BCC12}"/>
+              </a:ext>
+            </a:extLst>
+          </p:cNvPr>
+          <p:cNvCxnSpPr>
+            <a:cxnSpLocks/>
+            <a:stCxn id="9" idx="2"/>
+            <a:endCxn id="7" idx="0"/>
+          </p:cNvCxnSpPr>
+          <p:nvPr/>
+        </p:nvCxnSpPr>
+        <p:spPr>
+          <a:xfrm flipH="1">
+            <a:off x="715812" y="2732222"/>
+            <a:ext cx="1" cy="2675921"/>
+          </a:xfrm>
+          <a:prstGeom prst="straightConnector1">
+            <a:avLst/>
+          </a:prstGeom>
+          <a:ln>
+            <a:tailEnd type="triangle"/>
+          </a:ln>
+        </p:spPr>
+        <p:style>
+          <a:lnRef idx="3">
+            <a:schemeClr val="accent6"/>
+          </a:lnRef>
+          <a:fillRef idx="0">
+            <a:schemeClr val="accent6"/>
+          </a:fillRef>
+          <a:effectRef idx="2">
+            <a:schemeClr val="accent6"/>
+          </a:effectRef>
+          <a:fontRef idx="minor">
+            <a:schemeClr val="tx1"/>
+          </a:fontRef>
+        </p:style>
+      </p:cxnSp>
+      <p:sp>
+        <p:nvSpPr>
+          <p:cNvPr id="3" name="TextBox 2">
+            <a:extLst>
+              <a:ext uri="{FF2B5EF4-FFF2-40B4-BE49-F238E27FC236}">
+                <a16:creationId xmlns:a16="http://schemas.microsoft.com/office/drawing/2014/main" id="{627ABF51-DADC-AC7D-2981-663BDF35D5CC}"/>
+              </a:ext>
+            </a:extLst>
+          </p:cNvPr>
+          <p:cNvSpPr txBox="1"/>
+          <p:nvPr/>
+        </p:nvSpPr>
+        <p:spPr>
+          <a:xfrm>
+            <a:off x="4643528" y="2013696"/>
+            <a:ext cx="662167" cy="276999"/>
+          </a:xfrm>
+          <a:prstGeom prst="rect">
+            <a:avLst/>
+          </a:prstGeom>
+          <a:noFill/>
+        </p:spPr>
+        <p:txBody>
+          <a:bodyPr wrap="square">
+            <a:spAutoFit/>
+          </a:bodyPr>
+          <a:lstStyle/>
+          <a:p>
+            <a:r>
+              <a:rPr lang="en-US" sz="1200" dirty="0">
+                <a:latin typeface="Tahoma" panose="020B0604030504040204" pitchFamily="34" charset="0"/>
+                <a:ea typeface="Tahoma" panose="020B0604030504040204" pitchFamily="34" charset="0"/>
+                <a:cs typeface="Tahoma" panose="020B0604030504040204" pitchFamily="34" charset="0"/>
+              </a:rPr>
+              <a:t>extend</a:t>
+            </a:r>
+            <a:endParaRPr lang="ru-RU" sz="1200" dirty="0">
+              <a:latin typeface="Tahoma" panose="020B0604030504040204" pitchFamily="34" charset="0"/>
+              <a:ea typeface="Tahoma" panose="020B0604030504040204" pitchFamily="34" charset="0"/>
+              <a:cs typeface="Tahoma" panose="020B0604030504040204" pitchFamily="34" charset="0"/>
+            </a:endParaRPr>
+          </a:p>
+        </p:txBody>
+      </p:sp>
+      <p:sp>
+        <p:nvSpPr>
+          <p:cNvPr id="14" name="TextBox 13">
+            <a:extLst>
+              <a:ext uri="{FF2B5EF4-FFF2-40B4-BE49-F238E27FC236}">
+                <a16:creationId xmlns:a16="http://schemas.microsoft.com/office/drawing/2014/main" id="{EAF1C9DC-A155-5C8E-B84E-309C88980AD1}"/>
+              </a:ext>
+            </a:extLst>
+          </p:cNvPr>
+          <p:cNvSpPr txBox="1"/>
+          <p:nvPr/>
+        </p:nvSpPr>
+        <p:spPr>
+          <a:xfrm>
+            <a:off x="7016785" y="851704"/>
+            <a:ext cx="662167" cy="276999"/>
+          </a:xfrm>
+          <a:prstGeom prst="rect">
+            <a:avLst/>
+          </a:prstGeom>
+          <a:noFill/>
+        </p:spPr>
+        <p:txBody>
+          <a:bodyPr wrap="square">
+            <a:spAutoFit/>
+          </a:bodyPr>
+          <a:lstStyle/>
+          <a:p>
+            <a:r>
+              <a:rPr lang="en-US" sz="1200" dirty="0">
+                <a:latin typeface="Tahoma" panose="020B0604030504040204" pitchFamily="34" charset="0"/>
+                <a:ea typeface="Tahoma" panose="020B0604030504040204" pitchFamily="34" charset="0"/>
+                <a:cs typeface="Tahoma" panose="020B0604030504040204" pitchFamily="34" charset="0"/>
+              </a:rPr>
+              <a:t>include</a:t>
+            </a:r>
+            <a:endParaRPr lang="ru-RU" sz="1200" dirty="0">
+              <a:latin typeface="Tahoma" panose="020B0604030504040204" pitchFamily="34" charset="0"/>
+              <a:ea typeface="Tahoma" panose="020B0604030504040204" pitchFamily="34" charset="0"/>
+              <a:cs typeface="Tahoma" panose="020B0604030504040204" pitchFamily="34" charset="0"/>
+            </a:endParaRPr>
+          </a:p>
+        </p:txBody>
+      </p:sp>
+      <p:sp>
+        <p:nvSpPr>
+          <p:cNvPr id="17" name="TextBox 16">
+            <a:extLst>
+              <a:ext uri="{FF2B5EF4-FFF2-40B4-BE49-F238E27FC236}">
+                <a16:creationId xmlns:a16="http://schemas.microsoft.com/office/drawing/2014/main" id="{2B7E2D23-D113-CC68-AE1B-57624E61848C}"/>
+              </a:ext>
+            </a:extLst>
+          </p:cNvPr>
+          <p:cNvSpPr txBox="1"/>
+          <p:nvPr/>
+        </p:nvSpPr>
+        <p:spPr>
+          <a:xfrm>
+            <a:off x="7266899" y="1335630"/>
+            <a:ext cx="662167" cy="276999"/>
+          </a:xfrm>
+          <a:prstGeom prst="rect">
+            <a:avLst/>
+          </a:prstGeom>
+          <a:noFill/>
+        </p:spPr>
+        <p:txBody>
+          <a:bodyPr wrap="square">
+            <a:spAutoFit/>
+          </a:bodyPr>
+          <a:lstStyle/>
+          <a:p>
+            <a:r>
+              <a:rPr lang="en-US" sz="1200" dirty="0">
+                <a:latin typeface="Tahoma" panose="020B0604030504040204" pitchFamily="34" charset="0"/>
+                <a:ea typeface="Tahoma" panose="020B0604030504040204" pitchFamily="34" charset="0"/>
+                <a:cs typeface="Tahoma" panose="020B0604030504040204" pitchFamily="34" charset="0"/>
+              </a:rPr>
+              <a:t>include</a:t>
+            </a:r>
+            <a:endParaRPr lang="ru-RU" sz="1200" dirty="0">
+              <a:latin typeface="Tahoma" panose="020B0604030504040204" pitchFamily="34" charset="0"/>
+              <a:ea typeface="Tahoma" panose="020B0604030504040204" pitchFamily="34" charset="0"/>
+              <a:cs typeface="Tahoma" panose="020B0604030504040204" pitchFamily="34" charset="0"/>
+            </a:endParaRPr>
+          </a:p>
+        </p:txBody>
+      </p:sp>
+      <p:sp>
+        <p:nvSpPr>
+          <p:cNvPr id="25" name="TextBox 24">
+            <a:extLst>
+              <a:ext uri="{FF2B5EF4-FFF2-40B4-BE49-F238E27FC236}">
+                <a16:creationId xmlns:a16="http://schemas.microsoft.com/office/drawing/2014/main" id="{07662019-8878-E422-25D8-C9A0F161A2A1}"/>
+              </a:ext>
+            </a:extLst>
+          </p:cNvPr>
+          <p:cNvSpPr txBox="1"/>
+          <p:nvPr/>
+        </p:nvSpPr>
+        <p:spPr>
+          <a:xfrm>
+            <a:off x="7986219" y="3249866"/>
+            <a:ext cx="662167" cy="276999"/>
+          </a:xfrm>
+          <a:prstGeom prst="rect">
+            <a:avLst/>
+          </a:prstGeom>
+          <a:noFill/>
+        </p:spPr>
+        <p:txBody>
+          <a:bodyPr wrap="square">
+            <a:spAutoFit/>
+          </a:bodyPr>
+          <a:lstStyle/>
+          <a:p>
+            <a:r>
+              <a:rPr lang="en-US" sz="1200" dirty="0">
+                <a:latin typeface="Tahoma" panose="020B0604030504040204" pitchFamily="34" charset="0"/>
+                <a:ea typeface="Tahoma" panose="020B0604030504040204" pitchFamily="34" charset="0"/>
+                <a:cs typeface="Tahoma" panose="020B0604030504040204" pitchFamily="34" charset="0"/>
+              </a:rPr>
+              <a:t>include</a:t>
+            </a:r>
+            <a:endParaRPr lang="ru-RU" sz="1200" dirty="0">
+              <a:latin typeface="Tahoma" panose="020B0604030504040204" pitchFamily="34" charset="0"/>
+              <a:ea typeface="Tahoma" panose="020B0604030504040204" pitchFamily="34" charset="0"/>
+              <a:cs typeface="Tahoma" panose="020B0604030504040204" pitchFamily="34" charset="0"/>
+            </a:endParaRPr>
+          </a:p>
+        </p:txBody>
+      </p:sp>
+      <p:sp>
+        <p:nvSpPr>
+          <p:cNvPr id="28" name="TextBox 27">
+            <a:extLst>
+              <a:ext uri="{FF2B5EF4-FFF2-40B4-BE49-F238E27FC236}">
+                <a16:creationId xmlns:a16="http://schemas.microsoft.com/office/drawing/2014/main" id="{657FF3AC-5C7D-345E-2AB4-BE8E2FF62FDD}"/>
+              </a:ext>
+            </a:extLst>
+          </p:cNvPr>
+          <p:cNvSpPr txBox="1"/>
+          <p:nvPr/>
+        </p:nvSpPr>
+        <p:spPr>
+          <a:xfrm>
+            <a:off x="8134992" y="4086263"/>
+            <a:ext cx="662167" cy="276999"/>
+          </a:xfrm>
+          <a:prstGeom prst="rect">
+            <a:avLst/>
+          </a:prstGeom>
+          <a:noFill/>
+        </p:spPr>
+        <p:txBody>
+          <a:bodyPr wrap="square">
+            <a:spAutoFit/>
+          </a:bodyPr>
+          <a:lstStyle/>
+          <a:p>
+            <a:r>
+              <a:rPr lang="en-US" sz="1200" dirty="0">
+                <a:latin typeface="Tahoma" panose="020B0604030504040204" pitchFamily="34" charset="0"/>
+                <a:ea typeface="Tahoma" panose="020B0604030504040204" pitchFamily="34" charset="0"/>
+                <a:cs typeface="Tahoma" panose="020B0604030504040204" pitchFamily="34" charset="0"/>
+              </a:rPr>
+              <a:t>include</a:t>
+            </a:r>
+            <a:endParaRPr lang="ru-RU" sz="1200" dirty="0">
+              <a:latin typeface="Tahoma" panose="020B0604030504040204" pitchFamily="34" charset="0"/>
+              <a:ea typeface="Tahoma" panose="020B0604030504040204" pitchFamily="34" charset="0"/>
+              <a:cs typeface="Tahoma" panose="020B0604030504040204" pitchFamily="34" charset="0"/>
+            </a:endParaRPr>
+          </a:p>
+        </p:txBody>
+      </p:sp>
+      <p:sp>
+        <p:nvSpPr>
+          <p:cNvPr id="29" name="TextBox 28">
+            <a:extLst>
+              <a:ext uri="{FF2B5EF4-FFF2-40B4-BE49-F238E27FC236}">
+                <a16:creationId xmlns:a16="http://schemas.microsoft.com/office/drawing/2014/main" id="{30244DD5-1BA5-BF7C-E78A-E982DC5EFCAB}"/>
+              </a:ext>
+            </a:extLst>
+          </p:cNvPr>
+          <p:cNvSpPr txBox="1"/>
+          <p:nvPr/>
+        </p:nvSpPr>
+        <p:spPr>
+          <a:xfrm>
+            <a:off x="5060170" y="3135761"/>
+            <a:ext cx="662167" cy="276999"/>
+          </a:xfrm>
+          <a:prstGeom prst="rect">
+            <a:avLst/>
+          </a:prstGeom>
+          <a:noFill/>
+        </p:spPr>
+        <p:txBody>
+          <a:bodyPr wrap="square">
+            <a:spAutoFit/>
+          </a:bodyPr>
+          <a:lstStyle/>
+          <a:p>
+            <a:r>
+              <a:rPr lang="en-US" sz="1200" dirty="0">
+                <a:latin typeface="Tahoma" panose="020B0604030504040204" pitchFamily="34" charset="0"/>
+                <a:ea typeface="Tahoma" panose="020B0604030504040204" pitchFamily="34" charset="0"/>
+                <a:cs typeface="Tahoma" panose="020B0604030504040204" pitchFamily="34" charset="0"/>
+              </a:rPr>
+              <a:t>extend</a:t>
+            </a:r>
+            <a:endParaRPr lang="ru-RU" sz="1200" dirty="0">
+              <a:latin typeface="Tahoma" panose="020B0604030504040204" pitchFamily="34" charset="0"/>
+              <a:ea typeface="Tahoma" panose="020B0604030504040204" pitchFamily="34" charset="0"/>
+              <a:cs typeface="Tahoma" panose="020B0604030504040204" pitchFamily="34" charset="0"/>
+            </a:endParaRPr>
+          </a:p>
+        </p:txBody>
+      </p:sp>
+      <p:sp>
+        <p:nvSpPr>
+          <p:cNvPr id="30" name="TextBox 29">
+            <a:extLst>
+              <a:ext uri="{FF2B5EF4-FFF2-40B4-BE49-F238E27FC236}">
+                <a16:creationId xmlns:a16="http://schemas.microsoft.com/office/drawing/2014/main" id="{6CA3741B-8C6F-6C22-44BC-E41AFB3D2ACE}"/>
+              </a:ext>
+            </a:extLst>
+          </p:cNvPr>
+          <p:cNvSpPr txBox="1"/>
+          <p:nvPr/>
+        </p:nvSpPr>
+        <p:spPr>
+          <a:xfrm>
+            <a:off x="3366405" y="1905601"/>
+            <a:ext cx="662167" cy="276999"/>
+          </a:xfrm>
+          <a:prstGeom prst="rect">
+            <a:avLst/>
+          </a:prstGeom>
+          <a:noFill/>
+        </p:spPr>
+        <p:txBody>
+          <a:bodyPr wrap="square">
+            <a:spAutoFit/>
+          </a:bodyPr>
+          <a:lstStyle/>
+          <a:p>
+            <a:r>
+              <a:rPr lang="en-US" sz="1200" dirty="0">
+                <a:latin typeface="Tahoma" panose="020B0604030504040204" pitchFamily="34" charset="0"/>
+                <a:ea typeface="Tahoma" panose="020B0604030504040204" pitchFamily="34" charset="0"/>
+                <a:cs typeface="Tahoma" panose="020B0604030504040204" pitchFamily="34" charset="0"/>
+              </a:rPr>
+              <a:t>extend</a:t>
+            </a:r>
+            <a:endParaRPr lang="ru-RU" sz="1200" dirty="0">
+              <a:latin typeface="Tahoma" panose="020B0604030504040204" pitchFamily="34" charset="0"/>
+              <a:ea typeface="Tahoma" panose="020B0604030504040204" pitchFamily="34" charset="0"/>
+              <a:cs typeface="Tahoma" panose="020B0604030504040204" pitchFamily="34" charset="0"/>
+            </a:endParaRPr>
+          </a:p>
+        </p:txBody>
+      </p:sp>
+      <p:sp>
+        <p:nvSpPr>
+          <p:cNvPr id="31" name="TextBox 30">
+            <a:extLst>
+              <a:ext uri="{FF2B5EF4-FFF2-40B4-BE49-F238E27FC236}">
+                <a16:creationId xmlns:a16="http://schemas.microsoft.com/office/drawing/2014/main" id="{82695EEB-3A05-497E-E021-596F5216303B}"/>
+              </a:ext>
+            </a:extLst>
+          </p:cNvPr>
+          <p:cNvSpPr txBox="1"/>
+          <p:nvPr/>
+        </p:nvSpPr>
+        <p:spPr>
+          <a:xfrm>
+            <a:off x="5585792" y="6021055"/>
+            <a:ext cx="662167" cy="276999"/>
+          </a:xfrm>
+          <a:prstGeom prst="rect">
+            <a:avLst/>
+          </a:prstGeom>
+          <a:noFill/>
+        </p:spPr>
+        <p:txBody>
+          <a:bodyPr wrap="square">
+            <a:spAutoFit/>
+          </a:bodyPr>
+          <a:lstStyle/>
+          <a:p>
+            <a:r>
+              <a:rPr lang="en-US" sz="1200" dirty="0">
+                <a:latin typeface="Tahoma" panose="020B0604030504040204" pitchFamily="34" charset="0"/>
+                <a:ea typeface="Tahoma" panose="020B0604030504040204" pitchFamily="34" charset="0"/>
+                <a:cs typeface="Tahoma" panose="020B0604030504040204" pitchFamily="34" charset="0"/>
+              </a:rPr>
+              <a:t>extend</a:t>
+            </a:r>
+            <a:endParaRPr lang="ru-RU" sz="1200" dirty="0">
+              <a:latin typeface="Tahoma" panose="020B0604030504040204" pitchFamily="34" charset="0"/>
+              <a:ea typeface="Tahoma" panose="020B0604030504040204" pitchFamily="34" charset="0"/>
+              <a:cs typeface="Tahoma" panose="020B0604030504040204" pitchFamily="34" charset="0"/>
+            </a:endParaRPr>
+          </a:p>
+        </p:txBody>
+      </p:sp>
+      <p:sp>
+        <p:nvSpPr>
+          <p:cNvPr id="32" name="TextBox 31">
+            <a:extLst>
+              <a:ext uri="{FF2B5EF4-FFF2-40B4-BE49-F238E27FC236}">
+                <a16:creationId xmlns:a16="http://schemas.microsoft.com/office/drawing/2014/main" id="{A97184B0-B93F-6310-3B24-73BE7A694C1F}"/>
+              </a:ext>
+            </a:extLst>
+          </p:cNvPr>
+          <p:cNvSpPr txBox="1"/>
+          <p:nvPr/>
+        </p:nvSpPr>
+        <p:spPr>
+          <a:xfrm>
+            <a:off x="6661105" y="1708626"/>
+            <a:ext cx="662167" cy="276999"/>
+          </a:xfrm>
+          <a:prstGeom prst="rect">
+            <a:avLst/>
+          </a:prstGeom>
+          <a:noFill/>
+        </p:spPr>
+        <p:txBody>
+          <a:bodyPr wrap="square">
+            <a:spAutoFit/>
+          </a:bodyPr>
+          <a:lstStyle/>
+          <a:p>
+            <a:r>
+              <a:rPr lang="en-US" sz="1200" dirty="0">
+                <a:latin typeface="Tahoma" panose="020B0604030504040204" pitchFamily="34" charset="0"/>
+                <a:ea typeface="Tahoma" panose="020B0604030504040204" pitchFamily="34" charset="0"/>
+                <a:cs typeface="Tahoma" panose="020B0604030504040204" pitchFamily="34" charset="0"/>
+              </a:rPr>
+              <a:t>extend</a:t>
+            </a:r>
+            <a:endParaRPr lang="ru-RU" sz="1200" dirty="0">
+              <a:latin typeface="Tahoma" panose="020B0604030504040204" pitchFamily="34" charset="0"/>
+              <a:ea typeface="Tahoma" panose="020B0604030504040204" pitchFamily="34" charset="0"/>
+              <a:cs typeface="Tahoma" panose="020B0604030504040204" pitchFamily="34" charset="0"/>
+            </a:endParaRPr>
+          </a:p>
+        </p:txBody>
+      </p:sp>
+      <p:sp>
+        <p:nvSpPr>
+          <p:cNvPr id="33" name="TextBox 32">
+            <a:extLst>
+              <a:ext uri="{FF2B5EF4-FFF2-40B4-BE49-F238E27FC236}">
+                <a16:creationId xmlns:a16="http://schemas.microsoft.com/office/drawing/2014/main" id="{000008C6-F937-4A38-6A99-7A06A43E48FC}"/>
+              </a:ext>
+            </a:extLst>
+          </p:cNvPr>
+          <p:cNvSpPr txBox="1"/>
+          <p:nvPr/>
+        </p:nvSpPr>
+        <p:spPr>
+          <a:xfrm>
+            <a:off x="5470782" y="3779742"/>
+            <a:ext cx="662167" cy="276999"/>
+          </a:xfrm>
+          <a:prstGeom prst="rect">
+            <a:avLst/>
+          </a:prstGeom>
+          <a:noFill/>
+        </p:spPr>
+        <p:txBody>
+          <a:bodyPr wrap="square">
+            <a:spAutoFit/>
+          </a:bodyPr>
+          <a:lstStyle/>
+          <a:p>
+            <a:r>
+              <a:rPr lang="en-US" sz="1200" dirty="0">
+                <a:latin typeface="Tahoma" panose="020B0604030504040204" pitchFamily="34" charset="0"/>
+                <a:ea typeface="Tahoma" panose="020B0604030504040204" pitchFamily="34" charset="0"/>
+                <a:cs typeface="Tahoma" panose="020B0604030504040204" pitchFamily="34" charset="0"/>
+              </a:rPr>
+              <a:t>extend</a:t>
+            </a:r>
+            <a:endParaRPr lang="ru-RU" sz="1200" dirty="0">
+              <a:latin typeface="Tahoma" panose="020B0604030504040204" pitchFamily="34" charset="0"/>
+              <a:ea typeface="Tahoma" panose="020B0604030504040204" pitchFamily="34" charset="0"/>
+              <a:cs typeface="Tahoma" panose="020B0604030504040204" pitchFamily="34" charset="0"/>
+            </a:endParaRPr>
           </a:p>
         </p:txBody>
       </p:sp>
@@ -13332,6 +13815,809 @@
                                   </p:childTnLst>
                                 </p:cTn>
                               </p:par>
+                              <p:par>
+                                <p:cTn id="139" presetID="2" presetClass="entr" presetSubtype="4" fill="hold" nodeType="withEffect">
+                                  <p:stCondLst>
+                                    <p:cond delay="0"/>
+                                  </p:stCondLst>
+                                  <p:childTnLst>
+                                    <p:set>
+                                      <p:cBhvr>
+                                        <p:cTn id="140" dur="1" fill="hold">
+                                          <p:stCondLst>
+                                            <p:cond delay="0"/>
+                                          </p:stCondLst>
+                                        </p:cTn>
+                                        <p:tgtEl>
+                                          <p:spTgt spid="2"/>
+                                        </p:tgtEl>
+                                        <p:attrNameLst>
+                                          <p:attrName>style.visibility</p:attrName>
+                                        </p:attrNameLst>
+                                      </p:cBhvr>
+                                      <p:to>
+                                        <p:strVal val="visible"/>
+                                      </p:to>
+                                    </p:set>
+                                    <p:anim calcmode="lin" valueType="num">
+                                      <p:cBhvr additive="base">
+                                        <p:cTn id="141" dur="500" fill="hold"/>
+                                        <p:tgtEl>
+                                          <p:spTgt spid="2"/>
+                                        </p:tgtEl>
+                                        <p:attrNameLst>
+                                          <p:attrName>ppt_x</p:attrName>
+                                        </p:attrNameLst>
+                                      </p:cBhvr>
+                                      <p:tavLst>
+                                        <p:tav tm="0">
+                                          <p:val>
+                                            <p:strVal val="#ppt_x"/>
+                                          </p:val>
+                                        </p:tav>
+                                        <p:tav tm="100000">
+                                          <p:val>
+                                            <p:strVal val="#ppt_x"/>
+                                          </p:val>
+                                        </p:tav>
+                                      </p:tavLst>
+                                    </p:anim>
+                                    <p:anim calcmode="lin" valueType="num">
+                                      <p:cBhvr additive="base">
+                                        <p:cTn id="142" dur="500" fill="hold"/>
+                                        <p:tgtEl>
+                                          <p:spTgt spid="2"/>
+                                        </p:tgtEl>
+                                        <p:attrNameLst>
+                                          <p:attrName>ppt_y</p:attrName>
+                                        </p:attrNameLst>
+                                      </p:cBhvr>
+                                      <p:tavLst>
+                                        <p:tav tm="0">
+                                          <p:val>
+                                            <p:strVal val="1+#ppt_h/2"/>
+                                          </p:val>
+                                        </p:tav>
+                                        <p:tav tm="100000">
+                                          <p:val>
+                                            <p:strVal val="#ppt_y"/>
+                                          </p:val>
+                                        </p:tav>
+                                      </p:tavLst>
+                                    </p:anim>
+                                  </p:childTnLst>
+                                </p:cTn>
+                              </p:par>
+                              <p:par>
+                                <p:cTn id="143" presetID="2" presetClass="entr" presetSubtype="4" fill="hold" grpId="0" nodeType="withEffect">
+                                  <p:stCondLst>
+                                    <p:cond delay="0"/>
+                                  </p:stCondLst>
+                                  <p:childTnLst>
+                                    <p:set>
+                                      <p:cBhvr>
+                                        <p:cTn id="144" dur="1" fill="hold">
+                                          <p:stCondLst>
+                                            <p:cond delay="0"/>
+                                          </p:stCondLst>
+                                        </p:cTn>
+                                        <p:tgtEl>
+                                          <p:spTgt spid="3"/>
+                                        </p:tgtEl>
+                                        <p:attrNameLst>
+                                          <p:attrName>style.visibility</p:attrName>
+                                        </p:attrNameLst>
+                                      </p:cBhvr>
+                                      <p:to>
+                                        <p:strVal val="visible"/>
+                                      </p:to>
+                                    </p:set>
+                                    <p:anim calcmode="lin" valueType="num">
+                                      <p:cBhvr additive="base">
+                                        <p:cTn id="145" dur="500" fill="hold"/>
+                                        <p:tgtEl>
+                                          <p:spTgt spid="3"/>
+                                        </p:tgtEl>
+                                        <p:attrNameLst>
+                                          <p:attrName>ppt_x</p:attrName>
+                                        </p:attrNameLst>
+                                      </p:cBhvr>
+                                      <p:tavLst>
+                                        <p:tav tm="0">
+                                          <p:val>
+                                            <p:strVal val="#ppt_x"/>
+                                          </p:val>
+                                        </p:tav>
+                                        <p:tav tm="100000">
+                                          <p:val>
+                                            <p:strVal val="#ppt_x"/>
+                                          </p:val>
+                                        </p:tav>
+                                      </p:tavLst>
+                                    </p:anim>
+                                    <p:anim calcmode="lin" valueType="num">
+                                      <p:cBhvr additive="base">
+                                        <p:cTn id="146" dur="500" fill="hold"/>
+                                        <p:tgtEl>
+                                          <p:spTgt spid="3"/>
+                                        </p:tgtEl>
+                                        <p:attrNameLst>
+                                          <p:attrName>ppt_y</p:attrName>
+                                        </p:attrNameLst>
+                                      </p:cBhvr>
+                                      <p:tavLst>
+                                        <p:tav tm="0">
+                                          <p:val>
+                                            <p:strVal val="1+#ppt_h/2"/>
+                                          </p:val>
+                                        </p:tav>
+                                        <p:tav tm="100000">
+                                          <p:val>
+                                            <p:strVal val="#ppt_y"/>
+                                          </p:val>
+                                        </p:tav>
+                                      </p:tavLst>
+                                    </p:anim>
+                                  </p:childTnLst>
+                                </p:cTn>
+                              </p:par>
+                              <p:par>
+                                <p:cTn id="147" presetID="2" presetClass="entr" presetSubtype="4" fill="hold" grpId="0" nodeType="withEffect">
+                                  <p:stCondLst>
+                                    <p:cond delay="0"/>
+                                  </p:stCondLst>
+                                  <p:childTnLst>
+                                    <p:set>
+                                      <p:cBhvr>
+                                        <p:cTn id="148" dur="1" fill="hold">
+                                          <p:stCondLst>
+                                            <p:cond delay="0"/>
+                                          </p:stCondLst>
+                                        </p:cTn>
+                                        <p:tgtEl>
+                                          <p:spTgt spid="14"/>
+                                        </p:tgtEl>
+                                        <p:attrNameLst>
+                                          <p:attrName>style.visibility</p:attrName>
+                                        </p:attrNameLst>
+                                      </p:cBhvr>
+                                      <p:to>
+                                        <p:strVal val="visible"/>
+                                      </p:to>
+                                    </p:set>
+                                    <p:anim calcmode="lin" valueType="num">
+                                      <p:cBhvr additive="base">
+                                        <p:cTn id="149" dur="500" fill="hold"/>
+                                        <p:tgtEl>
+                                          <p:spTgt spid="14"/>
+                                        </p:tgtEl>
+                                        <p:attrNameLst>
+                                          <p:attrName>ppt_x</p:attrName>
+                                        </p:attrNameLst>
+                                      </p:cBhvr>
+                                      <p:tavLst>
+                                        <p:tav tm="0">
+                                          <p:val>
+                                            <p:strVal val="#ppt_x"/>
+                                          </p:val>
+                                        </p:tav>
+                                        <p:tav tm="100000">
+                                          <p:val>
+                                            <p:strVal val="#ppt_x"/>
+                                          </p:val>
+                                        </p:tav>
+                                      </p:tavLst>
+                                    </p:anim>
+                                    <p:anim calcmode="lin" valueType="num">
+                                      <p:cBhvr additive="base">
+                                        <p:cTn id="150" dur="500" fill="hold"/>
+                                        <p:tgtEl>
+                                          <p:spTgt spid="14"/>
+                                        </p:tgtEl>
+                                        <p:attrNameLst>
+                                          <p:attrName>ppt_y</p:attrName>
+                                        </p:attrNameLst>
+                                      </p:cBhvr>
+                                      <p:tavLst>
+                                        <p:tav tm="0">
+                                          <p:val>
+                                            <p:strVal val="1+#ppt_h/2"/>
+                                          </p:val>
+                                        </p:tav>
+                                        <p:tav tm="100000">
+                                          <p:val>
+                                            <p:strVal val="#ppt_y"/>
+                                          </p:val>
+                                        </p:tav>
+                                      </p:tavLst>
+                                    </p:anim>
+                                  </p:childTnLst>
+                                </p:cTn>
+                              </p:par>
+                              <p:par>
+                                <p:cTn id="151" presetID="2" presetClass="entr" presetSubtype="4" fill="hold" grpId="0" nodeType="withEffect">
+                                  <p:stCondLst>
+                                    <p:cond delay="0"/>
+                                  </p:stCondLst>
+                                  <p:childTnLst>
+                                    <p:set>
+                                      <p:cBhvr>
+                                        <p:cTn id="152" dur="1" fill="hold">
+                                          <p:stCondLst>
+                                            <p:cond delay="0"/>
+                                          </p:stCondLst>
+                                        </p:cTn>
+                                        <p:tgtEl>
+                                          <p:spTgt spid="17"/>
+                                        </p:tgtEl>
+                                        <p:attrNameLst>
+                                          <p:attrName>style.visibility</p:attrName>
+                                        </p:attrNameLst>
+                                      </p:cBhvr>
+                                      <p:to>
+                                        <p:strVal val="visible"/>
+                                      </p:to>
+                                    </p:set>
+                                    <p:anim calcmode="lin" valueType="num">
+                                      <p:cBhvr additive="base">
+                                        <p:cTn id="153" dur="500" fill="hold"/>
+                                        <p:tgtEl>
+                                          <p:spTgt spid="17"/>
+                                        </p:tgtEl>
+                                        <p:attrNameLst>
+                                          <p:attrName>ppt_x</p:attrName>
+                                        </p:attrNameLst>
+                                      </p:cBhvr>
+                                      <p:tavLst>
+                                        <p:tav tm="0">
+                                          <p:val>
+                                            <p:strVal val="#ppt_x"/>
+                                          </p:val>
+                                        </p:tav>
+                                        <p:tav tm="100000">
+                                          <p:val>
+                                            <p:strVal val="#ppt_x"/>
+                                          </p:val>
+                                        </p:tav>
+                                      </p:tavLst>
+                                    </p:anim>
+                                    <p:anim calcmode="lin" valueType="num">
+                                      <p:cBhvr additive="base">
+                                        <p:cTn id="154" dur="500" fill="hold"/>
+                                        <p:tgtEl>
+                                          <p:spTgt spid="17"/>
+                                        </p:tgtEl>
+                                        <p:attrNameLst>
+                                          <p:attrName>ppt_y</p:attrName>
+                                        </p:attrNameLst>
+                                      </p:cBhvr>
+                                      <p:tavLst>
+                                        <p:tav tm="0">
+                                          <p:val>
+                                            <p:strVal val="1+#ppt_h/2"/>
+                                          </p:val>
+                                        </p:tav>
+                                        <p:tav tm="100000">
+                                          <p:val>
+                                            <p:strVal val="#ppt_y"/>
+                                          </p:val>
+                                        </p:tav>
+                                      </p:tavLst>
+                                    </p:anim>
+                                  </p:childTnLst>
+                                </p:cTn>
+                              </p:par>
+                              <p:par>
+                                <p:cTn id="155" presetID="2" presetClass="entr" presetSubtype="4" fill="hold" grpId="0" nodeType="withEffect">
+                                  <p:stCondLst>
+                                    <p:cond delay="0"/>
+                                  </p:stCondLst>
+                                  <p:childTnLst>
+                                    <p:set>
+                                      <p:cBhvr>
+                                        <p:cTn id="156" dur="1" fill="hold">
+                                          <p:stCondLst>
+                                            <p:cond delay="0"/>
+                                          </p:stCondLst>
+                                        </p:cTn>
+                                        <p:tgtEl>
+                                          <p:spTgt spid="25"/>
+                                        </p:tgtEl>
+                                        <p:attrNameLst>
+                                          <p:attrName>style.visibility</p:attrName>
+                                        </p:attrNameLst>
+                                      </p:cBhvr>
+                                      <p:to>
+                                        <p:strVal val="visible"/>
+                                      </p:to>
+                                    </p:set>
+                                    <p:anim calcmode="lin" valueType="num">
+                                      <p:cBhvr additive="base">
+                                        <p:cTn id="157" dur="500" fill="hold"/>
+                                        <p:tgtEl>
+                                          <p:spTgt spid="25"/>
+                                        </p:tgtEl>
+                                        <p:attrNameLst>
+                                          <p:attrName>ppt_x</p:attrName>
+                                        </p:attrNameLst>
+                                      </p:cBhvr>
+                                      <p:tavLst>
+                                        <p:tav tm="0">
+                                          <p:val>
+                                            <p:strVal val="#ppt_x"/>
+                                          </p:val>
+                                        </p:tav>
+                                        <p:tav tm="100000">
+                                          <p:val>
+                                            <p:strVal val="#ppt_x"/>
+                                          </p:val>
+                                        </p:tav>
+                                      </p:tavLst>
+                                    </p:anim>
+                                    <p:anim calcmode="lin" valueType="num">
+                                      <p:cBhvr additive="base">
+                                        <p:cTn id="158" dur="500" fill="hold"/>
+                                        <p:tgtEl>
+                                          <p:spTgt spid="25"/>
+                                        </p:tgtEl>
+                                        <p:attrNameLst>
+                                          <p:attrName>ppt_y</p:attrName>
+                                        </p:attrNameLst>
+                                      </p:cBhvr>
+                                      <p:tavLst>
+                                        <p:tav tm="0">
+                                          <p:val>
+                                            <p:strVal val="1+#ppt_h/2"/>
+                                          </p:val>
+                                        </p:tav>
+                                        <p:tav tm="100000">
+                                          <p:val>
+                                            <p:strVal val="#ppt_y"/>
+                                          </p:val>
+                                        </p:tav>
+                                      </p:tavLst>
+                                    </p:anim>
+                                  </p:childTnLst>
+                                </p:cTn>
+                              </p:par>
+                              <p:par>
+                                <p:cTn id="159" presetID="2" presetClass="entr" presetSubtype="4" fill="hold" grpId="0" nodeType="withEffect">
+                                  <p:stCondLst>
+                                    <p:cond delay="0"/>
+                                  </p:stCondLst>
+                                  <p:childTnLst>
+                                    <p:set>
+                                      <p:cBhvr>
+                                        <p:cTn id="160" dur="1" fill="hold">
+                                          <p:stCondLst>
+                                            <p:cond delay="0"/>
+                                          </p:stCondLst>
+                                        </p:cTn>
+                                        <p:tgtEl>
+                                          <p:spTgt spid="28"/>
+                                        </p:tgtEl>
+                                        <p:attrNameLst>
+                                          <p:attrName>style.visibility</p:attrName>
+                                        </p:attrNameLst>
+                                      </p:cBhvr>
+                                      <p:to>
+                                        <p:strVal val="visible"/>
+                                      </p:to>
+                                    </p:set>
+                                    <p:anim calcmode="lin" valueType="num">
+                                      <p:cBhvr additive="base">
+                                        <p:cTn id="161" dur="500" fill="hold"/>
+                                        <p:tgtEl>
+                                          <p:spTgt spid="28"/>
+                                        </p:tgtEl>
+                                        <p:attrNameLst>
+                                          <p:attrName>ppt_x</p:attrName>
+                                        </p:attrNameLst>
+                                      </p:cBhvr>
+                                      <p:tavLst>
+                                        <p:tav tm="0">
+                                          <p:val>
+                                            <p:strVal val="#ppt_x"/>
+                                          </p:val>
+                                        </p:tav>
+                                        <p:tav tm="100000">
+                                          <p:val>
+                                            <p:strVal val="#ppt_x"/>
+                                          </p:val>
+                                        </p:tav>
+                                      </p:tavLst>
+                                    </p:anim>
+                                    <p:anim calcmode="lin" valueType="num">
+                                      <p:cBhvr additive="base">
+                                        <p:cTn id="162" dur="500" fill="hold"/>
+                                        <p:tgtEl>
+                                          <p:spTgt spid="28"/>
+                                        </p:tgtEl>
+                                        <p:attrNameLst>
+                                          <p:attrName>ppt_y</p:attrName>
+                                        </p:attrNameLst>
+                                      </p:cBhvr>
+                                      <p:tavLst>
+                                        <p:tav tm="0">
+                                          <p:val>
+                                            <p:strVal val="1+#ppt_h/2"/>
+                                          </p:val>
+                                        </p:tav>
+                                        <p:tav tm="100000">
+                                          <p:val>
+                                            <p:strVal val="#ppt_y"/>
+                                          </p:val>
+                                        </p:tav>
+                                      </p:tavLst>
+                                    </p:anim>
+                                  </p:childTnLst>
+                                </p:cTn>
+                              </p:par>
+                              <p:par>
+                                <p:cTn id="163" presetID="2" presetClass="entr" presetSubtype="4" fill="hold" grpId="0" nodeType="withEffect">
+                                  <p:stCondLst>
+                                    <p:cond delay="0"/>
+                                  </p:stCondLst>
+                                  <p:childTnLst>
+                                    <p:set>
+                                      <p:cBhvr>
+                                        <p:cTn id="164" dur="1" fill="hold">
+                                          <p:stCondLst>
+                                            <p:cond delay="0"/>
+                                          </p:stCondLst>
+                                        </p:cTn>
+                                        <p:tgtEl>
+                                          <p:spTgt spid="29"/>
+                                        </p:tgtEl>
+                                        <p:attrNameLst>
+                                          <p:attrName>style.visibility</p:attrName>
+                                        </p:attrNameLst>
+                                      </p:cBhvr>
+                                      <p:to>
+                                        <p:strVal val="visible"/>
+                                      </p:to>
+                                    </p:set>
+                                    <p:anim calcmode="lin" valueType="num">
+                                      <p:cBhvr additive="base">
+                                        <p:cTn id="165" dur="500" fill="hold"/>
+                                        <p:tgtEl>
+                                          <p:spTgt spid="29"/>
+                                        </p:tgtEl>
+                                        <p:attrNameLst>
+                                          <p:attrName>ppt_x</p:attrName>
+                                        </p:attrNameLst>
+                                      </p:cBhvr>
+                                      <p:tavLst>
+                                        <p:tav tm="0">
+                                          <p:val>
+                                            <p:strVal val="#ppt_x"/>
+                                          </p:val>
+                                        </p:tav>
+                                        <p:tav tm="100000">
+                                          <p:val>
+                                            <p:strVal val="#ppt_x"/>
+                                          </p:val>
+                                        </p:tav>
+                                      </p:tavLst>
+                                    </p:anim>
+                                    <p:anim calcmode="lin" valueType="num">
+                                      <p:cBhvr additive="base">
+                                        <p:cTn id="166" dur="500" fill="hold"/>
+                                        <p:tgtEl>
+                                          <p:spTgt spid="29"/>
+                                        </p:tgtEl>
+                                        <p:attrNameLst>
+                                          <p:attrName>ppt_y</p:attrName>
+                                        </p:attrNameLst>
+                                      </p:cBhvr>
+                                      <p:tavLst>
+                                        <p:tav tm="0">
+                                          <p:val>
+                                            <p:strVal val="1+#ppt_h/2"/>
+                                          </p:val>
+                                        </p:tav>
+                                        <p:tav tm="100000">
+                                          <p:val>
+                                            <p:strVal val="#ppt_y"/>
+                                          </p:val>
+                                        </p:tav>
+                                      </p:tavLst>
+                                    </p:anim>
+                                  </p:childTnLst>
+                                </p:cTn>
+                              </p:par>
+                              <p:par>
+                                <p:cTn id="167" presetID="2" presetClass="entr" presetSubtype="4" fill="hold" grpId="0" nodeType="withEffect">
+                                  <p:stCondLst>
+                                    <p:cond delay="0"/>
+                                  </p:stCondLst>
+                                  <p:childTnLst>
+                                    <p:set>
+                                      <p:cBhvr>
+                                        <p:cTn id="168" dur="1" fill="hold">
+                                          <p:stCondLst>
+                                            <p:cond delay="0"/>
+                                          </p:stCondLst>
+                                        </p:cTn>
+                                        <p:tgtEl>
+                                          <p:spTgt spid="30"/>
+                                        </p:tgtEl>
+                                        <p:attrNameLst>
+                                          <p:attrName>style.visibility</p:attrName>
+                                        </p:attrNameLst>
+                                      </p:cBhvr>
+                                      <p:to>
+                                        <p:strVal val="visible"/>
+                                      </p:to>
+                                    </p:set>
+                                    <p:anim calcmode="lin" valueType="num">
+                                      <p:cBhvr additive="base">
+                                        <p:cTn id="169" dur="500" fill="hold"/>
+                                        <p:tgtEl>
+                                          <p:spTgt spid="30"/>
+                                        </p:tgtEl>
+                                        <p:attrNameLst>
+                                          <p:attrName>ppt_x</p:attrName>
+                                        </p:attrNameLst>
+                                      </p:cBhvr>
+                                      <p:tavLst>
+                                        <p:tav tm="0">
+                                          <p:val>
+                                            <p:strVal val="#ppt_x"/>
+                                          </p:val>
+                                        </p:tav>
+                                        <p:tav tm="100000">
+                                          <p:val>
+                                            <p:strVal val="#ppt_x"/>
+                                          </p:val>
+                                        </p:tav>
+                                      </p:tavLst>
+                                    </p:anim>
+                                    <p:anim calcmode="lin" valueType="num">
+                                      <p:cBhvr additive="base">
+                                        <p:cTn id="170" dur="500" fill="hold"/>
+                                        <p:tgtEl>
+                                          <p:spTgt spid="30"/>
+                                        </p:tgtEl>
+                                        <p:attrNameLst>
+                                          <p:attrName>ppt_y</p:attrName>
+                                        </p:attrNameLst>
+                                      </p:cBhvr>
+                                      <p:tavLst>
+                                        <p:tav tm="0">
+                                          <p:val>
+                                            <p:strVal val="1+#ppt_h/2"/>
+                                          </p:val>
+                                        </p:tav>
+                                        <p:tav tm="100000">
+                                          <p:val>
+                                            <p:strVal val="#ppt_y"/>
+                                          </p:val>
+                                        </p:tav>
+                                      </p:tavLst>
+                                    </p:anim>
+                                  </p:childTnLst>
+                                </p:cTn>
+                              </p:par>
+                              <p:par>
+                                <p:cTn id="171" presetID="2" presetClass="entr" presetSubtype="4" fill="hold" grpId="0" nodeType="withEffect">
+                                  <p:stCondLst>
+                                    <p:cond delay="0"/>
+                                  </p:stCondLst>
+                                  <p:childTnLst>
+                                    <p:set>
+                                      <p:cBhvr>
+                                        <p:cTn id="172" dur="1" fill="hold">
+                                          <p:stCondLst>
+                                            <p:cond delay="0"/>
+                                          </p:stCondLst>
+                                        </p:cTn>
+                                        <p:tgtEl>
+                                          <p:spTgt spid="31"/>
+                                        </p:tgtEl>
+                                        <p:attrNameLst>
+                                          <p:attrName>style.visibility</p:attrName>
+                                        </p:attrNameLst>
+                                      </p:cBhvr>
+                                      <p:to>
+                                        <p:strVal val="visible"/>
+                                      </p:to>
+                                    </p:set>
+                                    <p:anim calcmode="lin" valueType="num">
+                                      <p:cBhvr additive="base">
+                                        <p:cTn id="173" dur="500" fill="hold"/>
+                                        <p:tgtEl>
+                                          <p:spTgt spid="31"/>
+                                        </p:tgtEl>
+                                        <p:attrNameLst>
+                                          <p:attrName>ppt_x</p:attrName>
+                                        </p:attrNameLst>
+                                      </p:cBhvr>
+                                      <p:tavLst>
+                                        <p:tav tm="0">
+                                          <p:val>
+                                            <p:strVal val="#ppt_x"/>
+                                          </p:val>
+                                        </p:tav>
+                                        <p:tav tm="100000">
+                                          <p:val>
+                                            <p:strVal val="#ppt_x"/>
+                                          </p:val>
+                                        </p:tav>
+                                      </p:tavLst>
+                                    </p:anim>
+                                    <p:anim calcmode="lin" valueType="num">
+                                      <p:cBhvr additive="base">
+                                        <p:cTn id="174" dur="500" fill="hold"/>
+                                        <p:tgtEl>
+                                          <p:spTgt spid="31"/>
+                                        </p:tgtEl>
+                                        <p:attrNameLst>
+                                          <p:attrName>ppt_y</p:attrName>
+                                        </p:attrNameLst>
+                                      </p:cBhvr>
+                                      <p:tavLst>
+                                        <p:tav tm="0">
+                                          <p:val>
+                                            <p:strVal val="1+#ppt_h/2"/>
+                                          </p:val>
+                                        </p:tav>
+                                        <p:tav tm="100000">
+                                          <p:val>
+                                            <p:strVal val="#ppt_y"/>
+                                          </p:val>
+                                        </p:tav>
+                                      </p:tavLst>
+                                    </p:anim>
+                                  </p:childTnLst>
+                                </p:cTn>
+                              </p:par>
+                              <p:par>
+                                <p:cTn id="175" presetID="2" presetClass="entr" presetSubtype="4" fill="hold" grpId="0" nodeType="withEffect">
+                                  <p:stCondLst>
+                                    <p:cond delay="0"/>
+                                  </p:stCondLst>
+                                  <p:childTnLst>
+                                    <p:set>
+                                      <p:cBhvr>
+                                        <p:cTn id="176" dur="1" fill="hold">
+                                          <p:stCondLst>
+                                            <p:cond delay="0"/>
+                                          </p:stCondLst>
+                                        </p:cTn>
+                                        <p:tgtEl>
+                                          <p:spTgt spid="32"/>
+                                        </p:tgtEl>
+                                        <p:attrNameLst>
+                                          <p:attrName>style.visibility</p:attrName>
+                                        </p:attrNameLst>
+                                      </p:cBhvr>
+                                      <p:to>
+                                        <p:strVal val="visible"/>
+                                      </p:to>
+                                    </p:set>
+                                    <p:anim calcmode="lin" valueType="num">
+                                      <p:cBhvr additive="base">
+                                        <p:cTn id="177" dur="500" fill="hold"/>
+                                        <p:tgtEl>
+                                          <p:spTgt spid="32"/>
+                                        </p:tgtEl>
+                                        <p:attrNameLst>
+                                          <p:attrName>ppt_x</p:attrName>
+                                        </p:attrNameLst>
+                                      </p:cBhvr>
+                                      <p:tavLst>
+                                        <p:tav tm="0">
+                                          <p:val>
+                                            <p:strVal val="#ppt_x"/>
+                                          </p:val>
+                                        </p:tav>
+                                        <p:tav tm="100000">
+                                          <p:val>
+                                            <p:strVal val="#ppt_x"/>
+                                          </p:val>
+                                        </p:tav>
+                                      </p:tavLst>
+                                    </p:anim>
+                                    <p:anim calcmode="lin" valueType="num">
+                                      <p:cBhvr additive="base">
+                                        <p:cTn id="178" dur="500" fill="hold"/>
+                                        <p:tgtEl>
+                                          <p:spTgt spid="32"/>
+                                        </p:tgtEl>
+                                        <p:attrNameLst>
+                                          <p:attrName>ppt_y</p:attrName>
+                                        </p:attrNameLst>
+                                      </p:cBhvr>
+                                      <p:tavLst>
+                                        <p:tav tm="0">
+                                          <p:val>
+                                            <p:strVal val="1+#ppt_h/2"/>
+                                          </p:val>
+                                        </p:tav>
+                                        <p:tav tm="100000">
+                                          <p:val>
+                                            <p:strVal val="#ppt_y"/>
+                                          </p:val>
+                                        </p:tav>
+                                      </p:tavLst>
+                                    </p:anim>
+                                  </p:childTnLst>
+                                </p:cTn>
+                              </p:par>
+                              <p:par>
+                                <p:cTn id="179" presetID="2" presetClass="entr" presetSubtype="4" fill="hold" grpId="0" nodeType="withEffect">
+                                  <p:stCondLst>
+                                    <p:cond delay="0"/>
+                                  </p:stCondLst>
+                                  <p:childTnLst>
+                                    <p:set>
+                                      <p:cBhvr>
+                                        <p:cTn id="180" dur="1" fill="hold">
+                                          <p:stCondLst>
+                                            <p:cond delay="0"/>
+                                          </p:stCondLst>
+                                        </p:cTn>
+                                        <p:tgtEl>
+                                          <p:spTgt spid="33"/>
+                                        </p:tgtEl>
+                                        <p:attrNameLst>
+                                          <p:attrName>style.visibility</p:attrName>
+                                        </p:attrNameLst>
+                                      </p:cBhvr>
+                                      <p:to>
+                                        <p:strVal val="visible"/>
+                                      </p:to>
+                                    </p:set>
+                                    <p:anim calcmode="lin" valueType="num">
+                                      <p:cBhvr additive="base">
+                                        <p:cTn id="181" dur="500" fill="hold"/>
+                                        <p:tgtEl>
+                                          <p:spTgt spid="33"/>
+                                        </p:tgtEl>
+                                        <p:attrNameLst>
+                                          <p:attrName>ppt_x</p:attrName>
+                                        </p:attrNameLst>
+                                      </p:cBhvr>
+                                      <p:tavLst>
+                                        <p:tav tm="0">
+                                          <p:val>
+                                            <p:strVal val="#ppt_x"/>
+                                          </p:val>
+                                        </p:tav>
+                                        <p:tav tm="100000">
+                                          <p:val>
+                                            <p:strVal val="#ppt_x"/>
+                                          </p:val>
+                                        </p:tav>
+                                      </p:tavLst>
+                                    </p:anim>
+                                    <p:anim calcmode="lin" valueType="num">
+                                      <p:cBhvr additive="base">
+                                        <p:cTn id="182" dur="500" fill="hold"/>
+                                        <p:tgtEl>
+                                          <p:spTgt spid="33"/>
+                                        </p:tgtEl>
+                                        <p:attrNameLst>
+                                          <p:attrName>ppt_y</p:attrName>
+                                        </p:attrNameLst>
+                                      </p:cBhvr>
+                                      <p:tavLst>
+                                        <p:tav tm="0">
+                                          <p:val>
+                                            <p:strVal val="1+#ppt_h/2"/>
+                                          </p:val>
+                                        </p:tav>
+                                        <p:tav tm="100000">
+                                          <p:val>
+                                            <p:strVal val="#ppt_y"/>
+                                          </p:val>
+                                        </p:tav>
+                                      </p:tavLst>
+                                    </p:anim>
+                                  </p:childTnLst>
+                                </p:cTn>
+                              </p:par>
                             </p:childTnLst>
                           </p:cTn>
                         </p:par>
@@ -13376,6 +14662,16 @@
       <p:bldP spid="23" grpId="0" animBg="1"/>
       <p:bldP spid="24" grpId="0" animBg="1"/>
       <p:bldP spid="101" grpId="0" animBg="1"/>
+      <p:bldP spid="3" grpId="0"/>
+      <p:bldP spid="14" grpId="0"/>
+      <p:bldP spid="17" grpId="0"/>
+      <p:bldP spid="25" grpId="0"/>
+      <p:bldP spid="28" grpId="0"/>
+      <p:bldP spid="29" grpId="0"/>
+      <p:bldP spid="30" grpId="0"/>
+      <p:bldP spid="31" grpId="0"/>
+      <p:bldP spid="32" grpId="0"/>
+      <p:bldP spid="33" grpId="0"/>
     </p:bldLst>
   </p:timing>
 </p:sld>

--- a/Дипломная работа/Консультации Хоменко/Презентация v5.0 .pptx
+++ b/Дипломная работа/Консультации Хоменко/Презентация v5.0 .pptx
@@ -215,7 +215,7 @@
           <a:p>
             <a:fld id="{0752C715-6935-41AD-9984-2334D42D2383}" type="datetimeFigureOut">
               <a:rPr lang="ru-RU" smtClean="0"/>
-              <a:t>16.05.2025</a:t>
+              <a:t>17.05.2025</a:t>
             </a:fld>
             <a:endParaRPr lang="ru-RU"/>
           </a:p>
@@ -646,30 +646,6 @@
           <a:bodyPr/>
           <a:lstStyle/>
           <a:p>
-            <a:r>
-              <a:rPr lang="ru-RU" sz="1200" kern="1200" dirty="0">
-                <a:solidFill>
-                  <a:schemeClr val="tx1"/>
-                </a:solidFill>
-                <a:effectLst/>
-                <a:latin typeface="+mn-lt"/>
-                <a:ea typeface="+mn-ea"/>
-                <a:cs typeface="+mn-cs"/>
-              </a:rPr>
-              <a:t>На данном слайде изображена инфологическая модель основных классов системы.</a:t>
-            </a:r>
-            <a:r>
-              <a:rPr lang="ru-RU" sz="1200" b="1" kern="1200" dirty="0">
-                <a:solidFill>
-                  <a:schemeClr val="tx1"/>
-                </a:solidFill>
-                <a:effectLst/>
-                <a:latin typeface="+mn-lt"/>
-                <a:ea typeface="+mn-ea"/>
-                <a:cs typeface="+mn-cs"/>
-              </a:rPr>
-              <a:t> </a:t>
-            </a:r>
             <a:endParaRPr lang="ru-RU" dirty="0"/>
           </a:p>
         </p:txBody>
@@ -691,7 +667,7 @@
           <a:p>
             <a:fld id="{52F07621-6DF5-40C9-BD08-EFBFABC0EBA5}" type="slidenum">
               <a:rPr lang="ru-RU" smtClean="0"/>
-              <a:t>11</a:t>
+              <a:t>10</a:t>
             </a:fld>
             <a:endParaRPr lang="ru-RU"/>
           </a:p>
@@ -700,7 +676,7 @@
     </p:spTree>
     <p:extLst>
       <p:ext uri="{BB962C8B-B14F-4D97-AF65-F5344CB8AC3E}">
-        <p14:creationId xmlns:p14="http://schemas.microsoft.com/office/powerpoint/2010/main" val="395808428"/>
+        <p14:creationId xmlns:p14="http://schemas.microsoft.com/office/powerpoint/2010/main" val="2373327861"/>
       </p:ext>
     </p:extLst>
   </p:cSld>
@@ -754,23 +730,6 @@
           <a:bodyPr/>
           <a:lstStyle/>
           <a:p>
-            <a:pPr marL="0" marR="0" lvl="0" indent="0" algn="l" defTabSz="914400" rtl="0" eaLnBrk="1" fontAlgn="auto" latinLnBrk="0" hangingPunct="1">
-              <a:lnSpc>
-                <a:spcPct val="100000"/>
-              </a:lnSpc>
-              <a:spcBef>
-                <a:spcPts val="0"/>
-              </a:spcBef>
-              <a:spcAft>
-                <a:spcPts val="0"/>
-              </a:spcAft>
-              <a:buClrTx/>
-              <a:buSzTx/>
-              <a:buFontTx/>
-              <a:buNone/>
-              <a:tabLst/>
-              <a:defRPr/>
-            </a:pPr>
             <a:r>
               <a:rPr lang="ru-RU" sz="1200" kern="1200" dirty="0">
                 <a:solidFill>
@@ -781,10 +740,20 @@
                 <a:ea typeface="+mn-ea"/>
                 <a:cs typeface="+mn-cs"/>
               </a:rPr>
-              <a:t>на данном слайде отображены основные шаблоны генерируемых документов.</a:t>
-            </a:r>
-          </a:p>
-          <a:p>
+              <a:t>На данном слайде изображена инфологическая модель основных классов системы.</a:t>
+            </a:r>
+            <a:r>
+              <a:rPr lang="ru-RU" sz="1200" b="1" kern="1200" dirty="0">
+                <a:solidFill>
+                  <a:schemeClr val="tx1"/>
+                </a:solidFill>
+                <a:effectLst/>
+                <a:latin typeface="+mn-lt"/>
+                <a:ea typeface="+mn-ea"/>
+                <a:cs typeface="+mn-cs"/>
+              </a:rPr>
+              <a:t> </a:t>
+            </a:r>
             <a:endParaRPr lang="ru-RU" dirty="0"/>
           </a:p>
         </p:txBody>
@@ -806,7 +775,7 @@
           <a:p>
             <a:fld id="{52F07621-6DF5-40C9-BD08-EFBFABC0EBA5}" type="slidenum">
               <a:rPr lang="ru-RU" smtClean="0"/>
-              <a:t>12</a:t>
+              <a:t>11</a:t>
             </a:fld>
             <a:endParaRPr lang="ru-RU"/>
           </a:p>
@@ -815,7 +784,7 @@
     </p:spTree>
     <p:extLst>
       <p:ext uri="{BB962C8B-B14F-4D97-AF65-F5344CB8AC3E}">
-        <p14:creationId xmlns:p14="http://schemas.microsoft.com/office/powerpoint/2010/main" val="4049961270"/>
+        <p14:creationId xmlns:p14="http://schemas.microsoft.com/office/powerpoint/2010/main" val="395808428"/>
       </p:ext>
     </p:extLst>
   </p:cSld>
@@ -896,7 +865,7 @@
                 <a:ea typeface="+mn-ea"/>
                 <a:cs typeface="+mn-cs"/>
               </a:rPr>
-              <a:t>на данном слайде отображены основные разработанные интерфейсы системы.</a:t>
+              <a:t>на данном слайде отображены основные шаблоны генерируемых документов.</a:t>
             </a:r>
           </a:p>
           <a:p>
@@ -921,7 +890,7 @@
           <a:p>
             <a:fld id="{52F07621-6DF5-40C9-BD08-EFBFABC0EBA5}" type="slidenum">
               <a:rPr lang="ru-RU" smtClean="0"/>
-              <a:t>13</a:t>
+              <a:t>12</a:t>
             </a:fld>
             <a:endParaRPr lang="ru-RU"/>
           </a:p>
@@ -930,7 +899,7 @@
     </p:spTree>
     <p:extLst>
       <p:ext uri="{BB962C8B-B14F-4D97-AF65-F5344CB8AC3E}">
-        <p14:creationId xmlns:p14="http://schemas.microsoft.com/office/powerpoint/2010/main" val="2145265479"/>
+        <p14:creationId xmlns:p14="http://schemas.microsoft.com/office/powerpoint/2010/main" val="4049961270"/>
       </p:ext>
     </p:extLst>
   </p:cSld>
@@ -1011,101 +980,8 @@
                 <a:ea typeface="+mn-ea"/>
                 <a:cs typeface="+mn-cs"/>
               </a:rPr>
-              <a:t>на данном слайде отображена архитектура разрабатываемого приложения. Обмен между клиентом и сервером происходит по протоколу </a:t>
-            </a:r>
-            <a:r>
-              <a:rPr lang="en-US" sz="1200" kern="1200" dirty="0">
-                <a:solidFill>
-                  <a:schemeClr val="tx1"/>
-                </a:solidFill>
-                <a:effectLst/>
-                <a:latin typeface="+mn-lt"/>
-                <a:ea typeface="+mn-ea"/>
-                <a:cs typeface="+mn-cs"/>
-              </a:rPr>
-              <a:t>HTTPs</a:t>
-            </a:r>
-            <a:r>
-              <a:rPr lang="ru-RU" sz="1200" kern="1200" dirty="0">
-                <a:solidFill>
-                  <a:schemeClr val="tx1"/>
-                </a:solidFill>
-                <a:effectLst/>
-                <a:latin typeface="+mn-lt"/>
-                <a:ea typeface="+mn-ea"/>
-                <a:cs typeface="+mn-cs"/>
-              </a:rPr>
-              <a:t>. Доступ к архивным файлам, находящимся на Яндекс Диске проходит через </a:t>
-            </a:r>
-            <a:r>
-              <a:rPr lang="en-US" sz="1200" kern="1200" dirty="0">
-                <a:solidFill>
-                  <a:schemeClr val="tx1"/>
-                </a:solidFill>
-                <a:effectLst/>
-                <a:latin typeface="+mn-lt"/>
-                <a:ea typeface="+mn-ea"/>
-                <a:cs typeface="+mn-cs"/>
-              </a:rPr>
-              <a:t>API</a:t>
-            </a:r>
-            <a:r>
-              <a:rPr lang="ru-RU" sz="1200" kern="1200" dirty="0">
-                <a:solidFill>
-                  <a:schemeClr val="tx1"/>
-                </a:solidFill>
-                <a:effectLst/>
-                <a:latin typeface="+mn-lt"/>
-                <a:ea typeface="+mn-ea"/>
-                <a:cs typeface="+mn-cs"/>
-              </a:rPr>
-              <a:t> и брокер сообщений </a:t>
-            </a:r>
-            <a:r>
-              <a:rPr lang="en-US" sz="1200" kern="1200" dirty="0">
-                <a:solidFill>
-                  <a:schemeClr val="tx1"/>
-                </a:solidFill>
-                <a:effectLst/>
-                <a:latin typeface="+mn-lt"/>
-                <a:ea typeface="+mn-ea"/>
-                <a:cs typeface="+mn-cs"/>
-              </a:rPr>
-              <a:t>RabbitMQ</a:t>
-            </a:r>
-            <a:r>
-              <a:rPr lang="ru-RU" sz="1200" kern="1200" dirty="0">
-                <a:solidFill>
-                  <a:schemeClr val="tx1"/>
-                </a:solidFill>
-                <a:effectLst/>
-                <a:latin typeface="+mn-lt"/>
-                <a:ea typeface="+mn-ea"/>
-                <a:cs typeface="+mn-cs"/>
-              </a:rPr>
-              <a:t>. Актуальные файлы хранятся непосредственно на сервере для быстрого доступа к ним.</a:t>
-            </a:r>
-            <a:r>
-              <a:rPr lang="ru-RU" sz="1200" b="1" kern="1200" dirty="0">
-                <a:solidFill>
-                  <a:schemeClr val="tx1"/>
-                </a:solidFill>
-                <a:effectLst/>
-                <a:latin typeface="+mn-lt"/>
-                <a:ea typeface="+mn-ea"/>
-                <a:cs typeface="+mn-cs"/>
-              </a:rPr>
-              <a:t>  </a:t>
-            </a:r>
-            <a:endParaRPr lang="ru-RU" sz="1200" kern="1200" dirty="0">
-              <a:solidFill>
-                <a:schemeClr val="tx1"/>
-              </a:solidFill>
-              <a:effectLst/>
-              <a:latin typeface="+mn-lt"/>
-              <a:ea typeface="+mn-ea"/>
-              <a:cs typeface="+mn-cs"/>
-            </a:endParaRPr>
+              <a:t>на данном слайде отображены основные разработанные интерфейсы системы.</a:t>
+            </a:r>
           </a:p>
           <a:p>
             <a:endParaRPr lang="ru-RU" dirty="0"/>
@@ -1129,7 +1005,7 @@
           <a:p>
             <a:fld id="{52F07621-6DF5-40C9-BD08-EFBFABC0EBA5}" type="slidenum">
               <a:rPr lang="ru-RU" smtClean="0"/>
-              <a:t>14</a:t>
+              <a:t>13</a:t>
             </a:fld>
             <a:endParaRPr lang="ru-RU"/>
           </a:p>
@@ -1138,7 +1014,7 @@
     </p:spTree>
     <p:extLst>
       <p:ext uri="{BB962C8B-B14F-4D97-AF65-F5344CB8AC3E}">
-        <p14:creationId xmlns:p14="http://schemas.microsoft.com/office/powerpoint/2010/main" val="2106793825"/>
+        <p14:creationId xmlns:p14="http://schemas.microsoft.com/office/powerpoint/2010/main" val="2145265479"/>
       </p:ext>
     </p:extLst>
   </p:cSld>
@@ -1219,8 +1095,101 @@
                 <a:ea typeface="+mn-ea"/>
                 <a:cs typeface="+mn-cs"/>
               </a:rPr>
-              <a:t>На данном слайде отображены основные сведения о разработанном программном продукте и средствах разработки. </a:t>
-            </a:r>
+              <a:t>на данном слайде отображена архитектура разрабатываемого приложения. Обмен между клиентом и сервером происходит по протоколу </a:t>
+            </a:r>
+            <a:r>
+              <a:rPr lang="en-US" sz="1200" kern="1200" dirty="0">
+                <a:solidFill>
+                  <a:schemeClr val="tx1"/>
+                </a:solidFill>
+                <a:effectLst/>
+                <a:latin typeface="+mn-lt"/>
+                <a:ea typeface="+mn-ea"/>
+                <a:cs typeface="+mn-cs"/>
+              </a:rPr>
+              <a:t>HTTPs</a:t>
+            </a:r>
+            <a:r>
+              <a:rPr lang="ru-RU" sz="1200" kern="1200" dirty="0">
+                <a:solidFill>
+                  <a:schemeClr val="tx1"/>
+                </a:solidFill>
+                <a:effectLst/>
+                <a:latin typeface="+mn-lt"/>
+                <a:ea typeface="+mn-ea"/>
+                <a:cs typeface="+mn-cs"/>
+              </a:rPr>
+              <a:t>. Доступ к архивным файлам, находящимся на Яндекс Диске проходит через </a:t>
+            </a:r>
+            <a:r>
+              <a:rPr lang="en-US" sz="1200" kern="1200" dirty="0">
+                <a:solidFill>
+                  <a:schemeClr val="tx1"/>
+                </a:solidFill>
+                <a:effectLst/>
+                <a:latin typeface="+mn-lt"/>
+                <a:ea typeface="+mn-ea"/>
+                <a:cs typeface="+mn-cs"/>
+              </a:rPr>
+              <a:t>API</a:t>
+            </a:r>
+            <a:r>
+              <a:rPr lang="ru-RU" sz="1200" kern="1200" dirty="0">
+                <a:solidFill>
+                  <a:schemeClr val="tx1"/>
+                </a:solidFill>
+                <a:effectLst/>
+                <a:latin typeface="+mn-lt"/>
+                <a:ea typeface="+mn-ea"/>
+                <a:cs typeface="+mn-cs"/>
+              </a:rPr>
+              <a:t> и брокер сообщений </a:t>
+            </a:r>
+            <a:r>
+              <a:rPr lang="en-US" sz="1200" kern="1200" dirty="0">
+                <a:solidFill>
+                  <a:schemeClr val="tx1"/>
+                </a:solidFill>
+                <a:effectLst/>
+                <a:latin typeface="+mn-lt"/>
+                <a:ea typeface="+mn-ea"/>
+                <a:cs typeface="+mn-cs"/>
+              </a:rPr>
+              <a:t>RabbitMQ</a:t>
+            </a:r>
+            <a:r>
+              <a:rPr lang="ru-RU" sz="1200" kern="1200" dirty="0">
+                <a:solidFill>
+                  <a:schemeClr val="tx1"/>
+                </a:solidFill>
+                <a:effectLst/>
+                <a:latin typeface="+mn-lt"/>
+                <a:ea typeface="+mn-ea"/>
+                <a:cs typeface="+mn-cs"/>
+              </a:rPr>
+              <a:t>. Актуальные файлы хранятся непосредственно на сервере для быстрого доступа к ним.</a:t>
+            </a:r>
+            <a:r>
+              <a:rPr lang="ru-RU" sz="1200" b="1" kern="1200" dirty="0">
+                <a:solidFill>
+                  <a:schemeClr val="tx1"/>
+                </a:solidFill>
+                <a:effectLst/>
+                <a:latin typeface="+mn-lt"/>
+                <a:ea typeface="+mn-ea"/>
+                <a:cs typeface="+mn-cs"/>
+              </a:rPr>
+              <a:t>  </a:t>
+            </a:r>
+            <a:endParaRPr lang="ru-RU" sz="1200" kern="1200" dirty="0">
+              <a:solidFill>
+                <a:schemeClr val="tx1"/>
+              </a:solidFill>
+              <a:effectLst/>
+              <a:latin typeface="+mn-lt"/>
+              <a:ea typeface="+mn-ea"/>
+              <a:cs typeface="+mn-cs"/>
+            </a:endParaRPr>
           </a:p>
           <a:p>
             <a:endParaRPr lang="ru-RU" dirty="0"/>
@@ -1244,7 +1213,7 @@
           <a:p>
             <a:fld id="{52F07621-6DF5-40C9-BD08-EFBFABC0EBA5}" type="slidenum">
               <a:rPr lang="ru-RU" smtClean="0"/>
-              <a:t>15</a:t>
+              <a:t>14</a:t>
             </a:fld>
             <a:endParaRPr lang="ru-RU"/>
           </a:p>
@@ -1253,7 +1222,7 @@
     </p:spTree>
     <p:extLst>
       <p:ext uri="{BB962C8B-B14F-4D97-AF65-F5344CB8AC3E}">
-        <p14:creationId xmlns:p14="http://schemas.microsoft.com/office/powerpoint/2010/main" val="2309492035"/>
+        <p14:creationId xmlns:p14="http://schemas.microsoft.com/office/powerpoint/2010/main" val="2106793825"/>
       </p:ext>
     </p:extLst>
   </p:cSld>
@@ -1334,7 +1303,7 @@
                 <a:ea typeface="+mn-ea"/>
                 <a:cs typeface="+mn-cs"/>
               </a:rPr>
-              <a:t>На данном слайде отображены системные требования к серверу и клиенту.</a:t>
+              <a:t>На данном слайде отображены основные сведения о разработанном программном продукте и средствах разработки. </a:t>
             </a:r>
           </a:p>
           <a:p>
@@ -1359,7 +1328,7 @@
           <a:p>
             <a:fld id="{52F07621-6DF5-40C9-BD08-EFBFABC0EBA5}" type="slidenum">
               <a:rPr lang="ru-RU" smtClean="0"/>
-              <a:t>16</a:t>
+              <a:t>15</a:t>
             </a:fld>
             <a:endParaRPr lang="ru-RU"/>
           </a:p>
@@ -1368,7 +1337,7 @@
     </p:spTree>
     <p:extLst>
       <p:ext uri="{BB962C8B-B14F-4D97-AF65-F5344CB8AC3E}">
-        <p14:creationId xmlns:p14="http://schemas.microsoft.com/office/powerpoint/2010/main" val="263670119"/>
+        <p14:creationId xmlns:p14="http://schemas.microsoft.com/office/powerpoint/2010/main" val="2309492035"/>
       </p:ext>
     </p:extLst>
   </p:cSld>
@@ -1422,143 +1391,34 @@
           <a:bodyPr/>
           <a:lstStyle/>
           <a:p>
-            <a:pPr marL="0" indent="0" algn="l">
+            <a:pPr marL="0" marR="0" lvl="0" indent="0" algn="l" defTabSz="914400" rtl="0" eaLnBrk="1" fontAlgn="auto" latinLnBrk="0" hangingPunct="1">
               <a:lnSpc>
-                <a:spcPct val="150000"/>
+                <a:spcPct val="100000"/>
               </a:lnSpc>
+              <a:spcBef>
+                <a:spcPts val="0"/>
+              </a:spcBef>
+              <a:spcAft>
+                <a:spcPts val="0"/>
+              </a:spcAft>
+              <a:buClrTx/>
+              <a:buSzTx/>
+              <a:buFontTx/>
               <a:buNone/>
+              <a:tabLst/>
+              <a:defRPr/>
             </a:pPr>
             <a:r>
-              <a:rPr lang="ru-RU" sz="2200" dirty="0">
-                <a:latin typeface="Times New Roman" panose="02020603050405020304" pitchFamily="18" charset="0"/>
-                <a:cs typeface="Times New Roman" panose="02020603050405020304" pitchFamily="18" charset="0"/>
+              <a:rPr lang="ru-RU" sz="1200" kern="1200" dirty="0">
+                <a:solidFill>
+                  <a:schemeClr val="tx1"/>
+                </a:solidFill>
+                <a:effectLst/>
+                <a:latin typeface="+mn-lt"/>
+                <a:ea typeface="+mn-ea"/>
+                <a:cs typeface="+mn-cs"/>
               </a:rPr>
-              <a:t>В результате выполнения ВКР была спроектирована и разработана система, которая обеспечивает формирование необходимых для сопровождения образовательного процесса документов.</a:t>
-            </a:r>
-          </a:p>
-          <a:p>
-            <a:pPr marL="0" indent="0" algn="l">
-              <a:lnSpc>
-                <a:spcPct val="150000"/>
-              </a:lnSpc>
-              <a:buNone/>
-            </a:pPr>
-            <a:r>
-              <a:rPr lang="ru-RU" sz="2200" dirty="0">
-                <a:latin typeface="Times New Roman" panose="02020603050405020304" pitchFamily="18" charset="0"/>
-                <a:ea typeface="Tahoma" panose="020B0604030504040204" pitchFamily="34" charset="0"/>
-                <a:cs typeface="Times New Roman" panose="02020603050405020304" pitchFamily="18" charset="0"/>
-              </a:rPr>
-              <a:t>В результате </a:t>
-            </a:r>
-            <a:r>
-              <a:rPr lang="ru-RU" sz="2200" dirty="0">
-                <a:solidFill>
-                  <a:srgbClr val="FFFF00"/>
-                </a:solidFill>
-                <a:latin typeface="Tahoma" panose="020B0604030504040204" pitchFamily="34" charset="0"/>
-                <a:ea typeface="Tahoma" panose="020B0604030504040204" pitchFamily="34" charset="0"/>
-                <a:cs typeface="Tahoma" panose="020B0604030504040204" pitchFamily="34" charset="0"/>
-              </a:rPr>
-              <a:t>внедрения системы в эксплуатацию </a:t>
-            </a:r>
-            <a:r>
-              <a:rPr lang="ru-RU" sz="2200" dirty="0">
-                <a:latin typeface="Times New Roman" panose="02020603050405020304" pitchFamily="18" charset="0"/>
-                <a:ea typeface="Tahoma" panose="020B0604030504040204" pitchFamily="34" charset="0"/>
-                <a:cs typeface="Times New Roman" panose="02020603050405020304" pitchFamily="18" charset="0"/>
-              </a:rPr>
-              <a:t>удалось </a:t>
-            </a:r>
-            <a:r>
-              <a:rPr lang="ru-RU" sz="2200" dirty="0">
-                <a:solidFill>
-                  <a:srgbClr val="FFFF00"/>
-                </a:solidFill>
-                <a:latin typeface="Tahoma" panose="020B0604030504040204" pitchFamily="34" charset="0"/>
-                <a:ea typeface="Tahoma" panose="020B0604030504040204" pitchFamily="34" charset="0"/>
-                <a:cs typeface="Tahoma" panose="020B0604030504040204" pitchFamily="34" charset="0"/>
-              </a:rPr>
-              <a:t>повысить</a:t>
-            </a:r>
-            <a:r>
-              <a:rPr lang="ru-RU" sz="2200" dirty="0">
-                <a:latin typeface="Tahoma" panose="020B0604030504040204" pitchFamily="34" charset="0"/>
-                <a:ea typeface="Tahoma" panose="020B0604030504040204" pitchFamily="34" charset="0"/>
-                <a:cs typeface="Tahoma" panose="020B0604030504040204" pitchFamily="34" charset="0"/>
-              </a:rPr>
-              <a:t> </a:t>
-            </a:r>
-            <a:r>
-              <a:rPr lang="ru-RU" sz="2200" dirty="0">
-                <a:latin typeface="Times New Roman" panose="02020603050405020304" pitchFamily="18" charset="0"/>
-                <a:ea typeface="Tahoma" panose="020B0604030504040204" pitchFamily="34" charset="0"/>
-                <a:cs typeface="Times New Roman" panose="02020603050405020304" pitchFamily="18" charset="0"/>
-              </a:rPr>
-              <a:t>эффективность сопровождения образовательного процесса более чем </a:t>
-            </a:r>
-            <a:r>
-              <a:rPr lang="ru-RU" sz="2200" dirty="0">
-                <a:solidFill>
-                  <a:srgbClr val="FFFF00"/>
-                </a:solidFill>
-                <a:latin typeface="Tahoma" panose="020B0604030504040204" pitchFamily="34" charset="0"/>
-                <a:ea typeface="Tahoma" panose="020B0604030504040204" pitchFamily="34" charset="0"/>
-                <a:cs typeface="Tahoma" panose="020B0604030504040204" pitchFamily="34" charset="0"/>
-              </a:rPr>
-              <a:t>на </a:t>
-            </a:r>
-            <a:r>
-              <a:rPr lang="en-US" sz="2200" dirty="0">
-                <a:solidFill>
-                  <a:srgbClr val="FFFF00"/>
-                </a:solidFill>
-                <a:latin typeface="Tahoma" panose="020B0604030504040204" pitchFamily="34" charset="0"/>
-                <a:ea typeface="Tahoma" panose="020B0604030504040204" pitchFamily="34" charset="0"/>
-                <a:cs typeface="Tahoma" panose="020B0604030504040204" pitchFamily="34" charset="0"/>
-              </a:rPr>
-              <a:t>180</a:t>
-            </a:r>
-            <a:r>
-              <a:rPr lang="ru-RU" sz="2200" dirty="0">
-                <a:solidFill>
-                  <a:srgbClr val="FFFF00"/>
-                </a:solidFill>
-                <a:latin typeface="Tahoma" panose="020B0604030504040204" pitchFamily="34" charset="0"/>
-                <a:ea typeface="Tahoma" panose="020B0604030504040204" pitchFamily="34" charset="0"/>
-                <a:cs typeface="Tahoma" panose="020B0604030504040204" pitchFamily="34" charset="0"/>
-              </a:rPr>
-              <a:t>0</a:t>
-            </a:r>
-            <a:r>
-              <a:rPr lang="en-US" sz="2200" dirty="0">
-                <a:solidFill>
-                  <a:srgbClr val="FFFF00"/>
-                </a:solidFill>
-                <a:latin typeface="Tahoma" panose="020B0604030504040204" pitchFamily="34" charset="0"/>
-                <a:ea typeface="Tahoma" panose="020B0604030504040204" pitchFamily="34" charset="0"/>
-                <a:cs typeface="Tahoma" panose="020B0604030504040204" pitchFamily="34" charset="0"/>
-              </a:rPr>
-              <a:t> </a:t>
-            </a:r>
-            <a:r>
-              <a:rPr lang="ru-RU" sz="2200" dirty="0">
-                <a:solidFill>
-                  <a:srgbClr val="FFFF00"/>
-                </a:solidFill>
-                <a:latin typeface="Tahoma" panose="020B0604030504040204" pitchFamily="34" charset="0"/>
-                <a:ea typeface="Tahoma" panose="020B0604030504040204" pitchFamily="34" charset="0"/>
-                <a:cs typeface="Tahoma" panose="020B0604030504040204" pitchFamily="34" charset="0"/>
-              </a:rPr>
-              <a:t>человеко-часов в год</a:t>
-            </a:r>
-            <a:r>
-              <a:rPr lang="ru-RU" sz="2200" dirty="0">
-                <a:latin typeface="Times New Roman" panose="02020603050405020304" pitchFamily="18" charset="0"/>
-                <a:ea typeface="Tahoma" panose="020B0604030504040204" pitchFamily="34" charset="0"/>
-                <a:cs typeface="Times New Roman" panose="02020603050405020304" pitchFamily="18" charset="0"/>
-              </a:rPr>
-              <a:t>.</a:t>
+              <a:t>На данном слайде отображены системные требования к серверу и клиенту.</a:t>
             </a:r>
           </a:p>
           <a:p>
@@ -1583,7 +1443,7 @@
           <a:p>
             <a:fld id="{52F07621-6DF5-40C9-BD08-EFBFABC0EBA5}" type="slidenum">
               <a:rPr lang="ru-RU" smtClean="0"/>
-              <a:t>17</a:t>
+              <a:t>16</a:t>
             </a:fld>
             <a:endParaRPr lang="ru-RU"/>
           </a:p>
@@ -1592,7 +1452,7 @@
     </p:spTree>
     <p:extLst>
       <p:ext uri="{BB962C8B-B14F-4D97-AF65-F5344CB8AC3E}">
-        <p14:creationId xmlns:p14="http://schemas.microsoft.com/office/powerpoint/2010/main" val="3261577908"/>
+        <p14:creationId xmlns:p14="http://schemas.microsoft.com/office/powerpoint/2010/main" val="263670119"/>
       </p:ext>
     </p:extLst>
   </p:cSld>
@@ -1646,6 +1506,230 @@
           <a:bodyPr/>
           <a:lstStyle/>
           <a:p>
+            <a:pPr marL="0" indent="0" algn="l">
+              <a:lnSpc>
+                <a:spcPct val="150000"/>
+              </a:lnSpc>
+              <a:buNone/>
+            </a:pPr>
+            <a:r>
+              <a:rPr lang="ru-RU" sz="2200" dirty="0">
+                <a:latin typeface="Times New Roman" panose="02020603050405020304" pitchFamily="18" charset="0"/>
+                <a:cs typeface="Times New Roman" panose="02020603050405020304" pitchFamily="18" charset="0"/>
+              </a:rPr>
+              <a:t>В результате выполнения ВКР была спроектирована и разработана система, которая обеспечивает формирование необходимых для сопровождения образовательного процесса документов.</a:t>
+            </a:r>
+          </a:p>
+          <a:p>
+            <a:pPr marL="0" indent="0" algn="l">
+              <a:lnSpc>
+                <a:spcPct val="150000"/>
+              </a:lnSpc>
+              <a:buNone/>
+            </a:pPr>
+            <a:r>
+              <a:rPr lang="ru-RU" sz="2200" dirty="0">
+                <a:latin typeface="Times New Roman" panose="02020603050405020304" pitchFamily="18" charset="0"/>
+                <a:ea typeface="Tahoma" panose="020B0604030504040204" pitchFamily="34" charset="0"/>
+                <a:cs typeface="Times New Roman" panose="02020603050405020304" pitchFamily="18" charset="0"/>
+              </a:rPr>
+              <a:t>В результате </a:t>
+            </a:r>
+            <a:r>
+              <a:rPr lang="ru-RU" sz="2200" dirty="0">
+                <a:solidFill>
+                  <a:srgbClr val="FFFF00"/>
+                </a:solidFill>
+                <a:latin typeface="Tahoma" panose="020B0604030504040204" pitchFamily="34" charset="0"/>
+                <a:ea typeface="Tahoma" panose="020B0604030504040204" pitchFamily="34" charset="0"/>
+                <a:cs typeface="Tahoma" panose="020B0604030504040204" pitchFamily="34" charset="0"/>
+              </a:rPr>
+              <a:t>внедрения системы в эксплуатацию </a:t>
+            </a:r>
+            <a:r>
+              <a:rPr lang="ru-RU" sz="2200" dirty="0">
+                <a:latin typeface="Times New Roman" panose="02020603050405020304" pitchFamily="18" charset="0"/>
+                <a:ea typeface="Tahoma" panose="020B0604030504040204" pitchFamily="34" charset="0"/>
+                <a:cs typeface="Times New Roman" panose="02020603050405020304" pitchFamily="18" charset="0"/>
+              </a:rPr>
+              <a:t>удалось </a:t>
+            </a:r>
+            <a:r>
+              <a:rPr lang="ru-RU" sz="2200" dirty="0">
+                <a:solidFill>
+                  <a:srgbClr val="FFFF00"/>
+                </a:solidFill>
+                <a:latin typeface="Tahoma" panose="020B0604030504040204" pitchFamily="34" charset="0"/>
+                <a:ea typeface="Tahoma" panose="020B0604030504040204" pitchFamily="34" charset="0"/>
+                <a:cs typeface="Tahoma" panose="020B0604030504040204" pitchFamily="34" charset="0"/>
+              </a:rPr>
+              <a:t>повысить</a:t>
+            </a:r>
+            <a:r>
+              <a:rPr lang="ru-RU" sz="2200" dirty="0">
+                <a:latin typeface="Tahoma" panose="020B0604030504040204" pitchFamily="34" charset="0"/>
+                <a:ea typeface="Tahoma" panose="020B0604030504040204" pitchFamily="34" charset="0"/>
+                <a:cs typeface="Tahoma" panose="020B0604030504040204" pitchFamily="34" charset="0"/>
+              </a:rPr>
+              <a:t> </a:t>
+            </a:r>
+            <a:r>
+              <a:rPr lang="ru-RU" sz="2200" dirty="0">
+                <a:latin typeface="Times New Roman" panose="02020603050405020304" pitchFamily="18" charset="0"/>
+                <a:ea typeface="Tahoma" panose="020B0604030504040204" pitchFamily="34" charset="0"/>
+                <a:cs typeface="Times New Roman" panose="02020603050405020304" pitchFamily="18" charset="0"/>
+              </a:rPr>
+              <a:t>эффективность сопровождения образовательного процесса более чем </a:t>
+            </a:r>
+            <a:r>
+              <a:rPr lang="ru-RU" sz="2200" dirty="0">
+                <a:solidFill>
+                  <a:srgbClr val="FFFF00"/>
+                </a:solidFill>
+                <a:latin typeface="Tahoma" panose="020B0604030504040204" pitchFamily="34" charset="0"/>
+                <a:ea typeface="Tahoma" panose="020B0604030504040204" pitchFamily="34" charset="0"/>
+                <a:cs typeface="Tahoma" panose="020B0604030504040204" pitchFamily="34" charset="0"/>
+              </a:rPr>
+              <a:t>на </a:t>
+            </a:r>
+            <a:r>
+              <a:rPr lang="en-US" sz="2200" dirty="0">
+                <a:solidFill>
+                  <a:srgbClr val="FFFF00"/>
+                </a:solidFill>
+                <a:latin typeface="Tahoma" panose="020B0604030504040204" pitchFamily="34" charset="0"/>
+                <a:ea typeface="Tahoma" panose="020B0604030504040204" pitchFamily="34" charset="0"/>
+                <a:cs typeface="Tahoma" panose="020B0604030504040204" pitchFamily="34" charset="0"/>
+              </a:rPr>
+              <a:t>180</a:t>
+            </a:r>
+            <a:r>
+              <a:rPr lang="ru-RU" sz="2200" dirty="0">
+                <a:solidFill>
+                  <a:srgbClr val="FFFF00"/>
+                </a:solidFill>
+                <a:latin typeface="Tahoma" panose="020B0604030504040204" pitchFamily="34" charset="0"/>
+                <a:ea typeface="Tahoma" panose="020B0604030504040204" pitchFamily="34" charset="0"/>
+                <a:cs typeface="Tahoma" panose="020B0604030504040204" pitchFamily="34" charset="0"/>
+              </a:rPr>
+              <a:t>0</a:t>
+            </a:r>
+            <a:r>
+              <a:rPr lang="en-US" sz="2200" dirty="0">
+                <a:solidFill>
+                  <a:srgbClr val="FFFF00"/>
+                </a:solidFill>
+                <a:latin typeface="Tahoma" panose="020B0604030504040204" pitchFamily="34" charset="0"/>
+                <a:ea typeface="Tahoma" panose="020B0604030504040204" pitchFamily="34" charset="0"/>
+                <a:cs typeface="Tahoma" panose="020B0604030504040204" pitchFamily="34" charset="0"/>
+              </a:rPr>
+              <a:t> </a:t>
+            </a:r>
+            <a:r>
+              <a:rPr lang="ru-RU" sz="2200" dirty="0">
+                <a:solidFill>
+                  <a:srgbClr val="FFFF00"/>
+                </a:solidFill>
+                <a:latin typeface="Tahoma" panose="020B0604030504040204" pitchFamily="34" charset="0"/>
+                <a:ea typeface="Tahoma" panose="020B0604030504040204" pitchFamily="34" charset="0"/>
+                <a:cs typeface="Tahoma" panose="020B0604030504040204" pitchFamily="34" charset="0"/>
+              </a:rPr>
+              <a:t>человеко-часов в год</a:t>
+            </a:r>
+            <a:r>
+              <a:rPr lang="ru-RU" sz="2200" dirty="0">
+                <a:latin typeface="Times New Roman" panose="02020603050405020304" pitchFamily="18" charset="0"/>
+                <a:ea typeface="Tahoma" panose="020B0604030504040204" pitchFamily="34" charset="0"/>
+                <a:cs typeface="Times New Roman" panose="02020603050405020304" pitchFamily="18" charset="0"/>
+              </a:rPr>
+              <a:t>.</a:t>
+            </a:r>
+          </a:p>
+          <a:p>
+            <a:endParaRPr lang="ru-RU" dirty="0"/>
+          </a:p>
+        </p:txBody>
+      </p:sp>
+      <p:sp>
+        <p:nvSpPr>
+          <p:cNvPr id="4" name="Номер слайда 3"/>
+          <p:cNvSpPr>
+            <a:spLocks noGrp="1"/>
+          </p:cNvSpPr>
+          <p:nvPr>
+            <p:ph type="sldNum" sz="quarter" idx="5"/>
+          </p:nvPr>
+        </p:nvSpPr>
+        <p:spPr/>
+        <p:txBody>
+          <a:bodyPr/>
+          <a:lstStyle/>
+          <a:p>
+            <a:fld id="{52F07621-6DF5-40C9-BD08-EFBFABC0EBA5}" type="slidenum">
+              <a:rPr lang="ru-RU" smtClean="0"/>
+              <a:t>17</a:t>
+            </a:fld>
+            <a:endParaRPr lang="ru-RU"/>
+          </a:p>
+        </p:txBody>
+      </p:sp>
+    </p:spTree>
+    <p:extLst>
+      <p:ext uri="{BB962C8B-B14F-4D97-AF65-F5344CB8AC3E}">
+        <p14:creationId xmlns:p14="http://schemas.microsoft.com/office/powerpoint/2010/main" val="3261577908"/>
+      </p:ext>
+    </p:extLst>
+  </p:cSld>
+  <p:clrMapOvr>
+    <a:masterClrMapping/>
+  </p:clrMapOvr>
+</p:notes>
+</file>
+
+<file path=ppt/notesSlides/notesSlide18.xml><?xml version="1.0" encoding="utf-8"?>
+<p:notes xmlns:a="http://schemas.openxmlformats.org/drawingml/2006/main" xmlns:r="http://schemas.openxmlformats.org/officeDocument/2006/relationships" xmlns:p="http://schemas.openxmlformats.org/presentationml/2006/main">
+  <p:cSld>
+    <p:spTree>
+      <p:nvGrpSpPr>
+        <p:cNvPr id="1" name=""/>
+        <p:cNvGrpSpPr/>
+        <p:nvPr/>
+      </p:nvGrpSpPr>
+      <p:grpSpPr>
+        <a:xfrm>
+          <a:off x="0" y="0"/>
+          <a:ext cx="0" cy="0"/>
+          <a:chOff x="0" y="0"/>
+          <a:chExt cx="0" cy="0"/>
+        </a:xfrm>
+      </p:grpSpPr>
+      <p:sp>
+        <p:nvSpPr>
+          <p:cNvPr id="2" name="Образ слайда 1"/>
+          <p:cNvSpPr>
+            <a:spLocks noGrp="1" noRot="1" noChangeAspect="1"/>
+          </p:cNvSpPr>
+          <p:nvPr>
+            <p:ph type="sldImg"/>
+          </p:nvPr>
+        </p:nvSpPr>
+        <p:spPr/>
+      </p:sp>
+      <p:sp>
+        <p:nvSpPr>
+          <p:cNvPr id="3" name="Заметки 2"/>
+          <p:cNvSpPr>
+            <a:spLocks noGrp="1"/>
+          </p:cNvSpPr>
+          <p:nvPr>
+            <p:ph type="body" idx="1"/>
+          </p:nvPr>
+        </p:nvSpPr>
+        <p:spPr/>
+        <p:txBody>
+          <a:bodyPr/>
+          <a:lstStyle/>
+          <a:p>
             <a:pPr marL="0" marR="0" lvl="0" indent="0" algn="l" defTabSz="914400" rtl="0" eaLnBrk="1" fontAlgn="auto" latinLnBrk="0" hangingPunct="1">
               <a:lnSpc>
                 <a:spcPct val="100000"/>
@@ -1717,7 +1801,7 @@
 </p:notes>
 </file>
 
-<file path=ppt/notesSlides/notesSlide18.xml><?xml version="1.0" encoding="utf-8"?>
+<file path=ppt/notesSlides/notesSlide19.xml><?xml version="1.0" encoding="utf-8"?>
 <p:notes xmlns:a="http://schemas.openxmlformats.org/drawingml/2006/main" xmlns:r="http://schemas.openxmlformats.org/officeDocument/2006/relationships" xmlns:p="http://schemas.openxmlformats.org/presentationml/2006/main">
   <p:cSld>
     <p:spTree>
@@ -3010,7 +3094,7 @@
           <a:p>
             <a:fld id="{A592AB9E-B3E0-40A8-9D13-59617F3F8A64}" type="datetime1">
               <a:rPr lang="ru-RU" smtClean="0"/>
-              <a:t>16.05.2025</a:t>
+              <a:t>17.05.2025</a:t>
             </a:fld>
             <a:endParaRPr lang="ru-RU"/>
           </a:p>
@@ -3356,7 +3440,7 @@
           <a:p>
             <a:fld id="{5417B1CA-4C4F-4F8D-803D-8A6A8A906241}" type="datetime1">
               <a:rPr lang="ru-RU" smtClean="0"/>
-              <a:t>16.05.2025</a:t>
+              <a:t>17.05.2025</a:t>
             </a:fld>
             <a:endParaRPr lang="ru-RU"/>
           </a:p>
@@ -3634,7 +3718,7 @@
           <a:p>
             <a:fld id="{82CFFC90-8D51-4E14-AFBA-129AE5402BF2}" type="datetime1">
               <a:rPr lang="ru-RU" smtClean="0"/>
-              <a:t>16.05.2025</a:t>
+              <a:t>17.05.2025</a:t>
             </a:fld>
             <a:endParaRPr lang="ru-RU"/>
           </a:p>
@@ -4202,7 +4286,7 @@
           <a:p>
             <a:fld id="{EA467253-3793-4A20-98DF-36EA880F85F5}" type="datetime1">
               <a:rPr lang="ru-RU" smtClean="0"/>
-              <a:t>16.05.2025</a:t>
+              <a:t>17.05.2025</a:t>
             </a:fld>
             <a:endParaRPr lang="ru-RU"/>
           </a:p>
@@ -4480,7 +4564,7 @@
           <a:p>
             <a:fld id="{D83AF644-49BB-4732-B227-064E7E8E9B75}" type="datetime1">
               <a:rPr lang="ru-RU" smtClean="0"/>
-              <a:t>16.05.2025</a:t>
+              <a:t>17.05.2025</a:t>
             </a:fld>
             <a:endParaRPr lang="ru-RU"/>
           </a:p>
@@ -5042,7 +5126,7 @@
           <a:p>
             <a:fld id="{93741DF7-081A-43E1-AEC0-7A6A5EFC3E04}" type="datetime1">
               <a:rPr lang="ru-RU" smtClean="0"/>
-              <a:t>16.05.2025</a:t>
+              <a:t>17.05.2025</a:t>
             </a:fld>
             <a:endParaRPr lang="ru-RU"/>
           </a:p>
@@ -5369,7 +5453,7 @@
           <a:p>
             <a:fld id="{60804587-5AD3-4566-AED6-7C5642B16C64}" type="datetime1">
               <a:rPr lang="ru-RU" smtClean="0"/>
-              <a:t>16.05.2025</a:t>
+              <a:t>17.05.2025</a:t>
             </a:fld>
             <a:endParaRPr lang="ru-RU"/>
           </a:p>
@@ -5546,7 +5630,7 @@
           <a:p>
             <a:fld id="{AF148D8C-8A56-4364-A29B-FC848D70BD3E}" type="datetime1">
               <a:rPr lang="ru-RU" smtClean="0"/>
-              <a:t>16.05.2025</a:t>
+              <a:t>17.05.2025</a:t>
             </a:fld>
             <a:endParaRPr lang="ru-RU"/>
           </a:p>
@@ -5796,7 +5880,7 @@
           <a:p>
             <a:fld id="{1F560C62-4747-4C40-80B5-9506A6478873}" type="datetime1">
               <a:rPr lang="ru-RU" smtClean="0"/>
-              <a:t>16.05.2025</a:t>
+              <a:t>17.05.2025</a:t>
             </a:fld>
             <a:endParaRPr lang="ru-RU"/>
           </a:p>
@@ -6008,7 +6092,7 @@
           <a:p>
             <a:fld id="{655C5391-6D11-49BE-9D35-F1852430608C}" type="datetime1">
               <a:rPr lang="ru-RU" smtClean="0"/>
-              <a:t>16.05.2025</a:t>
+              <a:t>17.05.2025</a:t>
             </a:fld>
             <a:endParaRPr lang="ru-RU"/>
           </a:p>
@@ -6296,7 +6380,7 @@
           <a:p>
             <a:fld id="{D1B7E046-787A-42F0-988E-D94C46E094ED}" type="datetime1">
               <a:rPr lang="ru-RU" smtClean="0"/>
-              <a:t>16.05.2025</a:t>
+              <a:t>17.05.2025</a:t>
             </a:fld>
             <a:endParaRPr lang="ru-RU"/>
           </a:p>
@@ -6574,7 +6658,7 @@
           <a:p>
             <a:fld id="{1DEF2D25-E9E1-4E54-81F0-1D2FE8854B0E}" type="datetime1">
               <a:rPr lang="ru-RU" smtClean="0"/>
-              <a:t>16.05.2025</a:t>
+              <a:t>17.05.2025</a:t>
             </a:fld>
             <a:endParaRPr lang="ru-RU"/>
           </a:p>
@@ -6960,7 +7044,7 @@
           <a:p>
             <a:fld id="{2D559C09-903E-4473-BBE2-D44EED2E9BB9}" type="datetime1">
               <a:rPr lang="ru-RU" smtClean="0"/>
-              <a:t>16.05.2025</a:t>
+              <a:t>17.05.2025</a:t>
             </a:fld>
             <a:endParaRPr lang="ru-RU"/>
           </a:p>
@@ -7120,7 +7204,7 @@
           <a:p>
             <a:fld id="{5DEFB42A-193B-4E6D-9002-E4C3450AA4B1}" type="datetime1">
               <a:rPr lang="ru-RU" smtClean="0"/>
-              <a:t>16.05.2025</a:t>
+              <a:t>17.05.2025</a:t>
             </a:fld>
             <a:endParaRPr lang="ru-RU"/>
           </a:p>
@@ -7257,7 +7341,7 @@
           <a:p>
             <a:fld id="{B780A1C7-BCFA-4491-ABEA-F198E9E80238}" type="datetime1">
               <a:rPr lang="ru-RU" smtClean="0"/>
-              <a:t>16.05.2025</a:t>
+              <a:t>17.05.2025</a:t>
             </a:fld>
             <a:endParaRPr lang="ru-RU"/>
           </a:p>
@@ -7554,7 +7638,7 @@
           <a:p>
             <a:fld id="{6B7D87D1-A00E-4856-B035-ABE302A2367C}" type="datetime1">
               <a:rPr lang="ru-RU" smtClean="0"/>
-              <a:t>16.05.2025</a:t>
+              <a:t>17.05.2025</a:t>
             </a:fld>
             <a:endParaRPr lang="ru-RU"/>
           </a:p>
@@ -7890,7 +7974,7 @@
           <a:p>
             <a:fld id="{95982220-A412-481B-B026-9F63F21200E0}" type="datetime1">
               <a:rPr lang="ru-RU" smtClean="0"/>
-              <a:t>16.05.2025</a:t>
+              <a:t>17.05.2025</a:t>
             </a:fld>
             <a:endParaRPr lang="ru-RU"/>
           </a:p>
@@ -8116,7 +8200,7 @@
           <a:p>
             <a:fld id="{CBF3DBF7-CC75-4132-A774-E3960ACCECD6}" type="datetime1">
               <a:rPr lang="ru-RU" smtClean="0"/>
-              <a:t>16.05.2025</a:t>
+              <a:t>17.05.2025</a:t>
             </a:fld>
             <a:endParaRPr lang="ru-RU"/>
           </a:p>
@@ -9108,11 +9192,11 @@
           <p:nvPr/>
         </p:nvPicPr>
         <p:blipFill>
-          <a:blip r:embed="rId2">
+          <a:blip r:embed="rId3">
             <a:extLst>
               <a:ext uri="{BEBA8EAE-BF5A-486C-A8C5-ECC9F3942E4B}">
                 <a14:imgProps xmlns:a14="http://schemas.microsoft.com/office/drawing/2010/main">
-                  <a14:imgLayer r:embed="rId3">
+                  <a14:imgLayer r:embed="rId4">
                     <a14:imgEffect>
                       <a14:backgroundRemoval t="10000" b="90000" l="10000" r="90000"/>
                     </a14:imgEffect>
@@ -9164,11 +9248,11 @@
           <p:nvPr/>
         </p:nvPicPr>
         <p:blipFill>
-          <a:blip r:embed="rId2">
+          <a:blip r:embed="rId3">
             <a:extLst>
               <a:ext uri="{BEBA8EAE-BF5A-486C-A8C5-ECC9F3942E4B}">
                 <a14:imgProps xmlns:a14="http://schemas.microsoft.com/office/drawing/2010/main">
-                  <a14:imgLayer r:embed="rId3">
+                  <a14:imgLayer r:embed="rId4">
                     <a14:imgEffect>
                       <a14:backgroundRemoval t="10000" b="90000" l="10000" r="90000"/>
                     </a14:imgEffect>
@@ -20921,8 +21005,8 @@
         </p:blipFill>
         <p:spPr>
           <a:xfrm rot="21596400">
-            <a:off x="4150587" y="5465333"/>
-            <a:ext cx="4333042" cy="1262382"/>
+            <a:off x="4523460" y="5661844"/>
+            <a:ext cx="3989699" cy="1194064"/>
           </a:xfrm>
           <a:prstGeom prst="rect">
             <a:avLst/>
@@ -23310,7 +23394,7 @@
         </p:nvSpPr>
         <p:spPr>
           <a:xfrm>
-            <a:off x="76201" y="748095"/>
+            <a:off x="1" y="823283"/>
             <a:ext cx="12191999" cy="6037179"/>
           </a:xfrm>
           <a:prstGeom prst="rect">
@@ -24184,7 +24268,7 @@
                   <a:schemeClr val="bg1"/>
                 </a:solidFill>
               </a:rPr>
-              <a:t>Ручное присваивание номера сертификата</a:t>
+              <a:t>Ручное присваивание номера приказа</a:t>
             </a:r>
           </a:p>
         </p:txBody>
@@ -25033,7 +25117,7 @@
         </p:nvSpPr>
         <p:spPr>
           <a:xfrm>
-            <a:off x="398139" y="1007929"/>
+            <a:off x="377400" y="1123748"/>
             <a:ext cx="11437198" cy="5517510"/>
           </a:xfrm>
           <a:prstGeom prst="roundRect">
@@ -28220,7 +28304,7 @@
                   <a:schemeClr val="bg1"/>
                 </a:solidFill>
               </a:rPr>
-              <a:t>Ручное присваивание номера сертификата</a:t>
+              <a:t>Ручное присваивание номера приказа</a:t>
             </a:r>
           </a:p>
         </p:txBody>

--- a/Дипломная работа/Консультации Хоменко/Презентация v5.0 .pptx
+++ b/Дипломная работа/Консультации Хоменко/Презентация v5.0 .pptx
@@ -215,7 +215,7 @@
           <a:p>
             <a:fld id="{0752C715-6935-41AD-9984-2334D42D2383}" type="datetimeFigureOut">
               <a:rPr lang="ru-RU" smtClean="0"/>
-              <a:t>17.05.2025</a:t>
+              <a:t>18.05.2025</a:t>
             </a:fld>
             <a:endParaRPr lang="ru-RU"/>
           </a:p>
@@ -3094,7 +3094,7 @@
           <a:p>
             <a:fld id="{A592AB9E-B3E0-40A8-9D13-59617F3F8A64}" type="datetime1">
               <a:rPr lang="ru-RU" smtClean="0"/>
-              <a:t>17.05.2025</a:t>
+              <a:t>18.05.2025</a:t>
             </a:fld>
             <a:endParaRPr lang="ru-RU"/>
           </a:p>
@@ -3440,7 +3440,7 @@
           <a:p>
             <a:fld id="{5417B1CA-4C4F-4F8D-803D-8A6A8A906241}" type="datetime1">
               <a:rPr lang="ru-RU" smtClean="0"/>
-              <a:t>17.05.2025</a:t>
+              <a:t>18.05.2025</a:t>
             </a:fld>
             <a:endParaRPr lang="ru-RU"/>
           </a:p>
@@ -3718,7 +3718,7 @@
           <a:p>
             <a:fld id="{82CFFC90-8D51-4E14-AFBA-129AE5402BF2}" type="datetime1">
               <a:rPr lang="ru-RU" smtClean="0"/>
-              <a:t>17.05.2025</a:t>
+              <a:t>18.05.2025</a:t>
             </a:fld>
             <a:endParaRPr lang="ru-RU"/>
           </a:p>
@@ -4286,7 +4286,7 @@
           <a:p>
             <a:fld id="{EA467253-3793-4A20-98DF-36EA880F85F5}" type="datetime1">
               <a:rPr lang="ru-RU" smtClean="0"/>
-              <a:t>17.05.2025</a:t>
+              <a:t>18.05.2025</a:t>
             </a:fld>
             <a:endParaRPr lang="ru-RU"/>
           </a:p>
@@ -4564,7 +4564,7 @@
           <a:p>
             <a:fld id="{D83AF644-49BB-4732-B227-064E7E8E9B75}" type="datetime1">
               <a:rPr lang="ru-RU" smtClean="0"/>
-              <a:t>17.05.2025</a:t>
+              <a:t>18.05.2025</a:t>
             </a:fld>
             <a:endParaRPr lang="ru-RU"/>
           </a:p>
@@ -5126,7 +5126,7 @@
           <a:p>
             <a:fld id="{93741DF7-081A-43E1-AEC0-7A6A5EFC3E04}" type="datetime1">
               <a:rPr lang="ru-RU" smtClean="0"/>
-              <a:t>17.05.2025</a:t>
+              <a:t>18.05.2025</a:t>
             </a:fld>
             <a:endParaRPr lang="ru-RU"/>
           </a:p>
@@ -5453,7 +5453,7 @@
           <a:p>
             <a:fld id="{60804587-5AD3-4566-AED6-7C5642B16C64}" type="datetime1">
               <a:rPr lang="ru-RU" smtClean="0"/>
-              <a:t>17.05.2025</a:t>
+              <a:t>18.05.2025</a:t>
             </a:fld>
             <a:endParaRPr lang="ru-RU"/>
           </a:p>
@@ -5630,7 +5630,7 @@
           <a:p>
             <a:fld id="{AF148D8C-8A56-4364-A29B-FC848D70BD3E}" type="datetime1">
               <a:rPr lang="ru-RU" smtClean="0"/>
-              <a:t>17.05.2025</a:t>
+              <a:t>18.05.2025</a:t>
             </a:fld>
             <a:endParaRPr lang="ru-RU"/>
           </a:p>
@@ -5880,7 +5880,7 @@
           <a:p>
             <a:fld id="{1F560C62-4747-4C40-80B5-9506A6478873}" type="datetime1">
               <a:rPr lang="ru-RU" smtClean="0"/>
-              <a:t>17.05.2025</a:t>
+              <a:t>18.05.2025</a:t>
             </a:fld>
             <a:endParaRPr lang="ru-RU"/>
           </a:p>
@@ -6092,7 +6092,7 @@
           <a:p>
             <a:fld id="{655C5391-6D11-49BE-9D35-F1852430608C}" type="datetime1">
               <a:rPr lang="ru-RU" smtClean="0"/>
-              <a:t>17.05.2025</a:t>
+              <a:t>18.05.2025</a:t>
             </a:fld>
             <a:endParaRPr lang="ru-RU"/>
           </a:p>
@@ -6380,7 +6380,7 @@
           <a:p>
             <a:fld id="{D1B7E046-787A-42F0-988E-D94C46E094ED}" type="datetime1">
               <a:rPr lang="ru-RU" smtClean="0"/>
-              <a:t>17.05.2025</a:t>
+              <a:t>18.05.2025</a:t>
             </a:fld>
             <a:endParaRPr lang="ru-RU"/>
           </a:p>
@@ -6658,7 +6658,7 @@
           <a:p>
             <a:fld id="{1DEF2D25-E9E1-4E54-81F0-1D2FE8854B0E}" type="datetime1">
               <a:rPr lang="ru-RU" smtClean="0"/>
-              <a:t>17.05.2025</a:t>
+              <a:t>18.05.2025</a:t>
             </a:fld>
             <a:endParaRPr lang="ru-RU"/>
           </a:p>
@@ -7044,7 +7044,7 @@
           <a:p>
             <a:fld id="{2D559C09-903E-4473-BBE2-D44EED2E9BB9}" type="datetime1">
               <a:rPr lang="ru-RU" smtClean="0"/>
-              <a:t>17.05.2025</a:t>
+              <a:t>18.05.2025</a:t>
             </a:fld>
             <a:endParaRPr lang="ru-RU"/>
           </a:p>
@@ -7204,7 +7204,7 @@
           <a:p>
             <a:fld id="{5DEFB42A-193B-4E6D-9002-E4C3450AA4B1}" type="datetime1">
               <a:rPr lang="ru-RU" smtClean="0"/>
-              <a:t>17.05.2025</a:t>
+              <a:t>18.05.2025</a:t>
             </a:fld>
             <a:endParaRPr lang="ru-RU"/>
           </a:p>
@@ -7341,7 +7341,7 @@
           <a:p>
             <a:fld id="{B780A1C7-BCFA-4491-ABEA-F198E9E80238}" type="datetime1">
               <a:rPr lang="ru-RU" smtClean="0"/>
-              <a:t>17.05.2025</a:t>
+              <a:t>18.05.2025</a:t>
             </a:fld>
             <a:endParaRPr lang="ru-RU"/>
           </a:p>
@@ -7638,7 +7638,7 @@
           <a:p>
             <a:fld id="{6B7D87D1-A00E-4856-B035-ABE302A2367C}" type="datetime1">
               <a:rPr lang="ru-RU" smtClean="0"/>
-              <a:t>17.05.2025</a:t>
+              <a:t>18.05.2025</a:t>
             </a:fld>
             <a:endParaRPr lang="ru-RU"/>
           </a:p>
@@ -7974,7 +7974,7 @@
           <a:p>
             <a:fld id="{95982220-A412-481B-B026-9F63F21200E0}" type="datetime1">
               <a:rPr lang="ru-RU" smtClean="0"/>
-              <a:t>17.05.2025</a:t>
+              <a:t>18.05.2025</a:t>
             </a:fld>
             <a:endParaRPr lang="ru-RU"/>
           </a:p>
@@ -8200,7 +8200,7 @@
           <a:p>
             <a:fld id="{CBF3DBF7-CC75-4132-A774-E3960ACCECD6}" type="datetime1">
               <a:rPr lang="ru-RU" smtClean="0"/>
-              <a:t>17.05.2025</a:t>
+              <a:t>18.05.2025</a:t>
             </a:fld>
             <a:endParaRPr lang="ru-RU"/>
           </a:p>

--- a/Дипломная работа/Консультации Хоменко/Презентация v5.0 .pptx
+++ b/Дипломная работа/Консультации Хоменко/Презентация v5.0 .pptx
@@ -215,7 +215,7 @@
           <a:p>
             <a:fld id="{0752C715-6935-41AD-9984-2334D42D2383}" type="datetimeFigureOut">
               <a:rPr lang="ru-RU" smtClean="0"/>
-              <a:t>18.05.2025</a:t>
+              <a:t>19.05.2025</a:t>
             </a:fld>
             <a:endParaRPr lang="ru-RU"/>
           </a:p>
@@ -536,7 +536,31 @@
                 <a:ea typeface="+mn-ea"/>
                 <a:cs typeface="+mn-cs"/>
               </a:rPr>
-              <a:t>Здравствуйте, уважаемая комиссия. Представляю вашему вниманию выпускную квалификационную работу «Автоматизация сопровождения образовательного процесса в организации Региональный школьный технопарк». Выполнил: обучающийся гр. ДИНРБ-41 </a:t>
+              <a:t>Здравствуйте, уважаемая комиссия. Представляю вашему вниманию выпускную квалификационную работу</a:t>
+            </a:r>
+            <a:r>
+              <a:rPr lang="en-US" sz="1200" kern="1200" dirty="0">
+                <a:solidFill>
+                  <a:schemeClr val="tx1"/>
+                </a:solidFill>
+                <a:effectLst/>
+                <a:latin typeface="+mn-lt"/>
+                <a:ea typeface="+mn-ea"/>
+                <a:cs typeface="+mn-cs"/>
+              </a:rPr>
+              <a:t> </a:t>
+            </a:r>
+            <a:r>
+              <a:rPr lang="ru-RU" sz="1200" kern="1200" dirty="0">
+                <a:solidFill>
+                  <a:schemeClr val="tx1"/>
+                </a:solidFill>
+                <a:effectLst/>
+                <a:latin typeface="+mn-lt"/>
+                <a:ea typeface="+mn-ea"/>
+                <a:cs typeface="+mn-cs"/>
+              </a:rPr>
+              <a:t>по теме: «Автоматизация сопровождения образовательного процесса в организации Региональный школьный технопарк». Выполнил: обучающийся гр. ДИНРБ-41 </a:t>
             </a:r>
             <a:r>
               <a:rPr lang="ru-RU" sz="1200" kern="1200" dirty="0" err="1">
@@ -646,7 +670,10 @@
           <a:bodyPr/>
           <a:lstStyle/>
           <a:p>
-            <a:endParaRPr lang="ru-RU" dirty="0"/>
+            <a:r>
+              <a:rPr lang="ru-RU" dirty="0"/>
+              <a:t>На данном слайде отображена диаграмма вариантов использования пользователей с ролями «Администратор» и «Педагог»</a:t>
+            </a:r>
           </a:p>
         </p:txBody>
       </p:sp>
@@ -2105,7 +2132,7 @@
             </a:br>
             <a:r>
               <a:rPr lang="ru-RU" baseline="0" dirty="0"/>
-              <a:t>Для каждой учебной группы ведётся журнал, создаётся календарно-учебный план занятий, издаются приказы, которые регламентируют как обучение в учебных группах, так и участие в мероприятиях. По окончанию обучения обучающиеся получают сертификаты</a:t>
+              <a:t>Для каждой учебной группы ведётся журнал, в котором педагог отмечает посещаемость и успеваемость, создаётся календарно-учебный план занятий, издаются приказы, которые регламентируют как обучение в учебных группах, так и участие в мероприятиях. По окончанию обучения обучающиеся получают сертификаты</a:t>
             </a:r>
           </a:p>
           <a:p>
@@ -2217,7 +2244,7 @@
             </a:r>
             <a:r>
               <a:rPr lang="ru-RU" baseline="0" dirty="0"/>
-              <a:t> Выбирается тип документа, затем в зависимости от типа происходит создание документа: генерация номера, ручной подбор номера документа. Подобная деятельность приводит к большим трудозатратам. </a:t>
+              <a:t> Выбирается тип документа, затем в зависимости от типа происходит создание документа: вручную присваивается номер, вносится информация, рассылаются и подписываются документы, если это необходимо. Подобная деятельность приводит к большим трудозатратам. </a:t>
             </a:r>
             <a:endParaRPr lang="ru-RU" dirty="0"/>
           </a:p>
@@ -2312,11 +2339,8 @@
             </a:r>
             <a:r>
               <a:rPr lang="ru-RU" baseline="0" dirty="0"/>
-              <a:t>которая получала бы всё необходимое, а именно «Шаблон документа» и данные для его заполнения, а в результате выдавала бы готовый документ.</a:t>
-            </a:r>
-            <a:endParaRPr lang="ru-RU" dirty="0"/>
-          </a:p>
-          <a:p>
+              <a:t>которая получала бы всё необходимое, а именно данные для его заполнения, а в результате выдавала бы готовые сертификаты, приказы, журналы и календарно-учебные графики.</a:t>
+            </a:r>
             <a:endParaRPr lang="ru-RU" dirty="0"/>
           </a:p>
         </p:txBody>
@@ -2821,7 +2845,7 @@
                 <a:ea typeface="+mn-ea"/>
                 <a:cs typeface="+mn-cs"/>
               </a:rPr>
-              <a:t>На слайде изображена контекстная диаграмма разрабатываемой системы с входными и выходными данными. Система должна работать в рамках Федеральных законов №152 и №273 о персональных данных и образовании, а также Устава РШТ, и других внутренних документах РШТ. </a:t>
+              <a:t>На слайде изображена контекстная диаграмма разрабатываемой системы с входными и выходными данными. Система должна работать в рамках Федеральных законов №152 и №273 о персональных данных и образовании, а также нормативных документах РШТ. </a:t>
             </a:r>
           </a:p>
           <a:p>
@@ -3094,7 +3118,7 @@
           <a:p>
             <a:fld id="{A592AB9E-B3E0-40A8-9D13-59617F3F8A64}" type="datetime1">
               <a:rPr lang="ru-RU" smtClean="0"/>
-              <a:t>18.05.2025</a:t>
+              <a:t>19.05.2025</a:t>
             </a:fld>
             <a:endParaRPr lang="ru-RU"/>
           </a:p>
@@ -3440,7 +3464,7 @@
           <a:p>
             <a:fld id="{5417B1CA-4C4F-4F8D-803D-8A6A8A906241}" type="datetime1">
               <a:rPr lang="ru-RU" smtClean="0"/>
-              <a:t>18.05.2025</a:t>
+              <a:t>19.05.2025</a:t>
             </a:fld>
             <a:endParaRPr lang="ru-RU"/>
           </a:p>
@@ -3718,7 +3742,7 @@
           <a:p>
             <a:fld id="{82CFFC90-8D51-4E14-AFBA-129AE5402BF2}" type="datetime1">
               <a:rPr lang="ru-RU" smtClean="0"/>
-              <a:t>18.05.2025</a:t>
+              <a:t>19.05.2025</a:t>
             </a:fld>
             <a:endParaRPr lang="ru-RU"/>
           </a:p>
@@ -4286,7 +4310,7 @@
           <a:p>
             <a:fld id="{EA467253-3793-4A20-98DF-36EA880F85F5}" type="datetime1">
               <a:rPr lang="ru-RU" smtClean="0"/>
-              <a:t>18.05.2025</a:t>
+              <a:t>19.05.2025</a:t>
             </a:fld>
             <a:endParaRPr lang="ru-RU"/>
           </a:p>
@@ -4564,7 +4588,7 @@
           <a:p>
             <a:fld id="{D83AF644-49BB-4732-B227-064E7E8E9B75}" type="datetime1">
               <a:rPr lang="ru-RU" smtClean="0"/>
-              <a:t>18.05.2025</a:t>
+              <a:t>19.05.2025</a:t>
             </a:fld>
             <a:endParaRPr lang="ru-RU"/>
           </a:p>
@@ -5126,7 +5150,7 @@
           <a:p>
             <a:fld id="{93741DF7-081A-43E1-AEC0-7A6A5EFC3E04}" type="datetime1">
               <a:rPr lang="ru-RU" smtClean="0"/>
-              <a:t>18.05.2025</a:t>
+              <a:t>19.05.2025</a:t>
             </a:fld>
             <a:endParaRPr lang="ru-RU"/>
           </a:p>
@@ -5453,7 +5477,7 @@
           <a:p>
             <a:fld id="{60804587-5AD3-4566-AED6-7C5642B16C64}" type="datetime1">
               <a:rPr lang="ru-RU" smtClean="0"/>
-              <a:t>18.05.2025</a:t>
+              <a:t>19.05.2025</a:t>
             </a:fld>
             <a:endParaRPr lang="ru-RU"/>
           </a:p>
@@ -5630,7 +5654,7 @@
           <a:p>
             <a:fld id="{AF148D8C-8A56-4364-A29B-FC848D70BD3E}" type="datetime1">
               <a:rPr lang="ru-RU" smtClean="0"/>
-              <a:t>18.05.2025</a:t>
+              <a:t>19.05.2025</a:t>
             </a:fld>
             <a:endParaRPr lang="ru-RU"/>
           </a:p>
@@ -5880,7 +5904,7 @@
           <a:p>
             <a:fld id="{1F560C62-4747-4C40-80B5-9506A6478873}" type="datetime1">
               <a:rPr lang="ru-RU" smtClean="0"/>
-              <a:t>18.05.2025</a:t>
+              <a:t>19.05.2025</a:t>
             </a:fld>
             <a:endParaRPr lang="ru-RU"/>
           </a:p>
@@ -6092,7 +6116,7 @@
           <a:p>
             <a:fld id="{655C5391-6D11-49BE-9D35-F1852430608C}" type="datetime1">
               <a:rPr lang="ru-RU" smtClean="0"/>
-              <a:t>18.05.2025</a:t>
+              <a:t>19.05.2025</a:t>
             </a:fld>
             <a:endParaRPr lang="ru-RU"/>
           </a:p>
@@ -6380,7 +6404,7 @@
           <a:p>
             <a:fld id="{D1B7E046-787A-42F0-988E-D94C46E094ED}" type="datetime1">
               <a:rPr lang="ru-RU" smtClean="0"/>
-              <a:t>18.05.2025</a:t>
+              <a:t>19.05.2025</a:t>
             </a:fld>
             <a:endParaRPr lang="ru-RU"/>
           </a:p>
@@ -6658,7 +6682,7 @@
           <a:p>
             <a:fld id="{1DEF2D25-E9E1-4E54-81F0-1D2FE8854B0E}" type="datetime1">
               <a:rPr lang="ru-RU" smtClean="0"/>
-              <a:t>18.05.2025</a:t>
+              <a:t>19.05.2025</a:t>
             </a:fld>
             <a:endParaRPr lang="ru-RU"/>
           </a:p>
@@ -7044,7 +7068,7 @@
           <a:p>
             <a:fld id="{2D559C09-903E-4473-BBE2-D44EED2E9BB9}" type="datetime1">
               <a:rPr lang="ru-RU" smtClean="0"/>
-              <a:t>18.05.2025</a:t>
+              <a:t>19.05.2025</a:t>
             </a:fld>
             <a:endParaRPr lang="ru-RU"/>
           </a:p>
@@ -7204,7 +7228,7 @@
           <a:p>
             <a:fld id="{5DEFB42A-193B-4E6D-9002-E4C3450AA4B1}" type="datetime1">
               <a:rPr lang="ru-RU" smtClean="0"/>
-              <a:t>18.05.2025</a:t>
+              <a:t>19.05.2025</a:t>
             </a:fld>
             <a:endParaRPr lang="ru-RU"/>
           </a:p>
@@ -7341,7 +7365,7 @@
           <a:p>
             <a:fld id="{B780A1C7-BCFA-4491-ABEA-F198E9E80238}" type="datetime1">
               <a:rPr lang="ru-RU" smtClean="0"/>
-              <a:t>18.05.2025</a:t>
+              <a:t>19.05.2025</a:t>
             </a:fld>
             <a:endParaRPr lang="ru-RU"/>
           </a:p>
@@ -7638,7 +7662,7 @@
           <a:p>
             <a:fld id="{6B7D87D1-A00E-4856-B035-ABE302A2367C}" type="datetime1">
               <a:rPr lang="ru-RU" smtClean="0"/>
-              <a:t>18.05.2025</a:t>
+              <a:t>19.05.2025</a:t>
             </a:fld>
             <a:endParaRPr lang="ru-RU"/>
           </a:p>
@@ -7974,7 +7998,7 @@
           <a:p>
             <a:fld id="{95982220-A412-481B-B026-9F63F21200E0}" type="datetime1">
               <a:rPr lang="ru-RU" smtClean="0"/>
-              <a:t>18.05.2025</a:t>
+              <a:t>19.05.2025</a:t>
             </a:fld>
             <a:endParaRPr lang="ru-RU"/>
           </a:p>
@@ -8200,7 +8224,7 @@
           <a:p>
             <a:fld id="{CBF3DBF7-CC75-4132-A774-E3960ACCECD6}" type="datetime1">
               <a:rPr lang="ru-RU" smtClean="0"/>
-              <a:t>18.05.2025</a:t>
+              <a:t>19.05.2025</a:t>
             </a:fld>
             <a:endParaRPr lang="ru-RU"/>
           </a:p>
@@ -21498,7 +21522,7 @@
         </p:blipFill>
         <p:spPr bwMode="auto">
           <a:xfrm>
-            <a:off x="8439952" y="5026702"/>
+            <a:off x="8486575" y="5160380"/>
             <a:ext cx="762000" cy="762000"/>
           </a:xfrm>
           <a:prstGeom prst="rect">
@@ -21718,7 +21742,7 @@
         </p:nvSpPr>
         <p:spPr>
           <a:xfrm>
-            <a:off x="4473653" y="1885358"/>
+            <a:off x="4585865" y="1919368"/>
             <a:ext cx="2122336" cy="369332"/>
           </a:xfrm>
           <a:prstGeom prst="rect">
@@ -22038,7 +22062,7 @@
         <p:spPr>
           <a:xfrm>
             <a:off x="8038293" y="4031349"/>
-            <a:ext cx="401659" cy="1376353"/>
+            <a:ext cx="448282" cy="1510031"/>
           </a:xfrm>
           <a:prstGeom prst="straightConnector1">
             <a:avLst/>
@@ -22221,8 +22245,8 @@
         </p:nvSpPr>
         <p:spPr>
           <a:xfrm>
-            <a:off x="4059011" y="5397200"/>
-            <a:ext cx="2122336" cy="369332"/>
+            <a:off x="8349168" y="3275779"/>
+            <a:ext cx="968444" cy="369332"/>
           </a:xfrm>
           <a:prstGeom prst="rect">
             <a:avLst/>
@@ -22242,7 +22266,7 @@
                   <a:srgbClr val="FFFF00"/>
                 </a:solidFill>
               </a:rPr>
-              <a:t>Обучающийся</a:t>
+              <a:t>Журнал</a:t>
             </a:r>
           </a:p>
         </p:txBody>
@@ -22554,6 +22578,206 @@
           </a:fontRef>
         </p:style>
       </p:cxnSp>
+      <p:sp>
+        <p:nvSpPr>
+          <p:cNvPr id="33" name="TextBox 32">
+            <a:extLst>
+              <a:ext uri="{FF2B5EF4-FFF2-40B4-BE49-F238E27FC236}">
+                <a16:creationId xmlns:a16="http://schemas.microsoft.com/office/drawing/2014/main" id="{04CBCA78-494D-4429-9A36-BCA6B7B99F1E}"/>
+              </a:ext>
+            </a:extLst>
+          </p:cNvPr>
+          <p:cNvSpPr txBox="1"/>
+          <p:nvPr/>
+        </p:nvSpPr>
+        <p:spPr>
+          <a:xfrm>
+            <a:off x="6613864" y="1850793"/>
+            <a:ext cx="1155505" cy="369332"/>
+          </a:xfrm>
+          <a:prstGeom prst="rect">
+            <a:avLst/>
+          </a:prstGeom>
+          <a:noFill/>
+        </p:spPr>
+        <p:txBody>
+          <a:bodyPr wrap="square" rtlCol="0">
+            <a:spAutoFit/>
+          </a:bodyPr>
+          <a:lstStyle/>
+          <a:p>
+            <a:pPr algn="ctr"/>
+            <a:r>
+              <a:rPr lang="ru-RU" dirty="0">
+                <a:solidFill>
+                  <a:srgbClr val="FFFF00"/>
+                </a:solidFill>
+              </a:rPr>
+              <a:t>Приказ</a:t>
+            </a:r>
+          </a:p>
+        </p:txBody>
+      </p:sp>
+      <p:sp>
+        <p:nvSpPr>
+          <p:cNvPr id="34" name="TextBox 33">
+            <a:extLst>
+              <a:ext uri="{FF2B5EF4-FFF2-40B4-BE49-F238E27FC236}">
+                <a16:creationId xmlns:a16="http://schemas.microsoft.com/office/drawing/2014/main" id="{2E69E73A-7B6C-4B8B-A03C-32FF15072081}"/>
+              </a:ext>
+            </a:extLst>
+          </p:cNvPr>
+          <p:cNvSpPr txBox="1"/>
+          <p:nvPr/>
+        </p:nvSpPr>
+        <p:spPr>
+          <a:xfrm>
+            <a:off x="8291416" y="5795093"/>
+            <a:ext cx="1155505" cy="369332"/>
+          </a:xfrm>
+          <a:prstGeom prst="rect">
+            <a:avLst/>
+          </a:prstGeom>
+          <a:noFill/>
+        </p:spPr>
+        <p:txBody>
+          <a:bodyPr wrap="square" rtlCol="0">
+            <a:spAutoFit/>
+          </a:bodyPr>
+          <a:lstStyle/>
+          <a:p>
+            <a:pPr algn="ctr"/>
+            <a:r>
+              <a:rPr lang="ru-RU" dirty="0">
+                <a:solidFill>
+                  <a:srgbClr val="FFFF00"/>
+                </a:solidFill>
+              </a:rPr>
+              <a:t>Приказ</a:t>
+            </a:r>
+          </a:p>
+        </p:txBody>
+      </p:sp>
+      <p:sp>
+        <p:nvSpPr>
+          <p:cNvPr id="35" name="TextBox 34">
+            <a:extLst>
+              <a:ext uri="{FF2B5EF4-FFF2-40B4-BE49-F238E27FC236}">
+                <a16:creationId xmlns:a16="http://schemas.microsoft.com/office/drawing/2014/main" id="{A567A9A3-AA69-460F-9587-8231D03CB341}"/>
+              </a:ext>
+            </a:extLst>
+          </p:cNvPr>
+          <p:cNvSpPr txBox="1"/>
+          <p:nvPr/>
+        </p:nvSpPr>
+        <p:spPr>
+          <a:xfrm>
+            <a:off x="3152157" y="5204314"/>
+            <a:ext cx="1397131" cy="369332"/>
+          </a:xfrm>
+          <a:prstGeom prst="rect">
+            <a:avLst/>
+          </a:prstGeom>
+          <a:noFill/>
+        </p:spPr>
+        <p:txBody>
+          <a:bodyPr wrap="square" rtlCol="0">
+            <a:spAutoFit/>
+          </a:bodyPr>
+          <a:lstStyle/>
+          <a:p>
+            <a:pPr algn="ctr"/>
+            <a:r>
+              <a:rPr lang="ru-RU" dirty="0">
+                <a:solidFill>
+                  <a:srgbClr val="FFFF00"/>
+                </a:solidFill>
+              </a:rPr>
+              <a:t>Сертификат</a:t>
+            </a:r>
+          </a:p>
+        </p:txBody>
+      </p:sp>
+      <p:sp>
+        <p:nvSpPr>
+          <p:cNvPr id="36" name="TextBox 35">
+            <a:extLst>
+              <a:ext uri="{FF2B5EF4-FFF2-40B4-BE49-F238E27FC236}">
+                <a16:creationId xmlns:a16="http://schemas.microsoft.com/office/drawing/2014/main" id="{26267249-0024-4280-AFC6-9088C38CCEA9}"/>
+              </a:ext>
+            </a:extLst>
+          </p:cNvPr>
+          <p:cNvSpPr txBox="1"/>
+          <p:nvPr/>
+        </p:nvSpPr>
+        <p:spPr>
+          <a:xfrm>
+            <a:off x="3110442" y="3494655"/>
+            <a:ext cx="1397131" cy="369332"/>
+          </a:xfrm>
+          <a:prstGeom prst="rect">
+            <a:avLst/>
+          </a:prstGeom>
+          <a:noFill/>
+        </p:spPr>
+        <p:txBody>
+          <a:bodyPr wrap="square" rtlCol="0">
+            <a:spAutoFit/>
+          </a:bodyPr>
+          <a:lstStyle/>
+          <a:p>
+            <a:pPr algn="ctr"/>
+            <a:r>
+              <a:rPr lang="ru-RU" dirty="0">
+                <a:solidFill>
+                  <a:srgbClr val="FFFF00"/>
+                </a:solidFill>
+              </a:rPr>
+              <a:t>Сертификат</a:t>
+            </a:r>
+          </a:p>
+        </p:txBody>
+      </p:sp>
+      <p:sp>
+        <p:nvSpPr>
+          <p:cNvPr id="38" name="TextBox 37">
+            <a:extLst>
+              <a:ext uri="{FF2B5EF4-FFF2-40B4-BE49-F238E27FC236}">
+                <a16:creationId xmlns:a16="http://schemas.microsoft.com/office/drawing/2014/main" id="{06406951-E222-4014-B9E0-1F30D8E4CCAD}"/>
+              </a:ext>
+            </a:extLst>
+          </p:cNvPr>
+          <p:cNvSpPr txBox="1"/>
+          <p:nvPr/>
+        </p:nvSpPr>
+        <p:spPr>
+          <a:xfrm>
+            <a:off x="8046500" y="4250433"/>
+            <a:ext cx="1642150" cy="923330"/>
+          </a:xfrm>
+          <a:prstGeom prst="rect">
+            <a:avLst/>
+          </a:prstGeom>
+          <a:noFill/>
+        </p:spPr>
+        <p:txBody>
+          <a:bodyPr wrap="square" rtlCol="0">
+            <a:spAutoFit/>
+          </a:bodyPr>
+          <a:lstStyle/>
+          <a:p>
+            <a:pPr algn="ctr"/>
+            <a:r>
+              <a:rPr lang="ru-RU" dirty="0">
+                <a:solidFill>
+                  <a:srgbClr val="FFFF00"/>
+                </a:solidFill>
+              </a:rPr>
+              <a:t>Календарно-учебный график</a:t>
+            </a:r>
+          </a:p>
+        </p:txBody>
+      </p:sp>
     </p:spTree>
     <p:extLst>
       <p:ext uri="{BB962C8B-B14F-4D97-AF65-F5344CB8AC3E}">
@@ -23145,6 +23369,111 @@
                                   </p:childTnLst>
                                 </p:cTn>
                               </p:par>
+                              <p:par>
+                                <p:cTn id="57" presetID="0" presetClass="path" presetSubtype="0" accel="50000" decel="50000" fill="hold" grpId="0" nodeType="withEffect">
+                                  <p:stCondLst>
+                                    <p:cond delay="0"/>
+                                  </p:stCondLst>
+                                  <p:childTnLst>
+                                    <p:animMotion origin="layout" path="M 0 0 L 0 0 L 0.04453 0.00139 L 0.11028 0.00278 C 0.11198 0.00301 0.11614 0.00509 0.11784 0.00579 C 0.12656 0.00903 0.12604 0.00857 0.13385 0.01042 C 0.14323 0.00972 0.15247 0.00996 0.16172 0.0088 C 0.1638 0.00857 0.16562 0.00602 0.16758 0.00579 C 0.18125 0.00417 0.19271 0.0044 0.2056 0.0044 " pathEditMode="relative" ptsTypes="AAAAAAAAA">
+                                      <p:cBhvr>
+                                        <p:cTn id="58" dur="2000" fill="hold"/>
+                                        <p:tgtEl>
+                                          <p:spTgt spid="33"/>
+                                        </p:tgtEl>
+                                        <p:attrNameLst>
+                                          <p:attrName>ppt_x</p:attrName>
+                                          <p:attrName>ppt_y</p:attrName>
+                                        </p:attrNameLst>
+                                      </p:cBhvr>
+                                    </p:animMotion>
+                                  </p:childTnLst>
+                                </p:cTn>
+                              </p:par>
+                              <p:par>
+                                <p:cTn id="59" presetID="0" presetClass="path" presetSubtype="0" accel="50000" decel="50000" fill="hold" grpId="0" nodeType="withEffect">
+                                  <p:stCondLst>
+                                    <p:cond delay="0"/>
+                                  </p:stCondLst>
+                                  <p:childTnLst>
+                                    <p:animMotion origin="layout" path="M 0 0 L 0 0 L 0.04453 0.00139 L 0.11028 0.00278 C 0.11198 0.00301 0.11614 0.00509 0.11784 0.00579 C 0.12656 0.00903 0.12604 0.00857 0.13385 0.01042 C 0.14323 0.00972 0.15247 0.00996 0.16172 0.0088 C 0.1638 0.00857 0.16562 0.00602 0.16758 0.00579 C 0.18125 0.00417 0.19271 0.0044 0.2056 0.0044 " pathEditMode="relative" ptsTypes="AAAAAAAAA">
+                                      <p:cBhvr>
+                                        <p:cTn id="60" dur="2000" fill="hold"/>
+                                        <p:tgtEl>
+                                          <p:spTgt spid="34"/>
+                                        </p:tgtEl>
+                                        <p:attrNameLst>
+                                          <p:attrName>ppt_x</p:attrName>
+                                          <p:attrName>ppt_y</p:attrName>
+                                        </p:attrNameLst>
+                                      </p:cBhvr>
+                                    </p:animMotion>
+                                  </p:childTnLst>
+                                </p:cTn>
+                              </p:par>
+                              <p:par>
+                                <p:cTn id="61" presetID="0" presetClass="path" presetSubtype="0" accel="50000" decel="50000" fill="hold" grpId="0" nodeType="withEffect">
+                                  <p:stCondLst>
+                                    <p:cond delay="0"/>
+                                  </p:stCondLst>
+                                  <p:childTnLst>
+                                    <p:animMotion origin="layout" path="M 0 0 L 0 0 L 0.04453 0.00139 L 0.11028 0.00278 C 0.11198 0.00301 0.11614 0.00509 0.11784 0.00579 C 0.12656 0.00903 0.12604 0.00857 0.13385 0.01042 C 0.14323 0.00972 0.15247 0.00996 0.16172 0.0088 C 0.1638 0.00857 0.16562 0.00602 0.16758 0.00579 C 0.18125 0.00417 0.19271 0.0044 0.2056 0.0044 " pathEditMode="relative" ptsTypes="AAAAAAAAA">
+                                      <p:cBhvr>
+                                        <p:cTn id="62" dur="2000" fill="hold"/>
+                                        <p:tgtEl>
+                                          <p:spTgt spid="35"/>
+                                        </p:tgtEl>
+                                        <p:attrNameLst>
+                                          <p:attrName>ppt_x</p:attrName>
+                                          <p:attrName>ppt_y</p:attrName>
+                                        </p:attrNameLst>
+                                      </p:cBhvr>
+                                    </p:animMotion>
+                                  </p:childTnLst>
+                                </p:cTn>
+                              </p:par>
+                              <p:par>
+                                <p:cTn id="63" presetID="0" presetClass="path" presetSubtype="0" accel="50000" decel="50000" fill="hold" grpId="0" nodeType="withEffect">
+                                  <p:stCondLst>
+                                    <p:cond delay="0"/>
+                                  </p:stCondLst>
+                                  <p:childTnLst>
+                                    <p:animMotion origin="layout" path="M 0 0 L 0 0 L 0.04453 0.00139 L 0.11028 0.00278 C 0.11198 0.00301 0.11614 0.00509 0.11784 0.00579 C 0.12656 0.00903 0.12604 0.00857 0.13385 0.01042 C 0.14323 0.00972 0.15247 0.00996 0.16172 0.0088 C 0.1638 0.00857 0.16562 0.00602 0.16758 0.00579 C 0.18125 0.00417 0.19271 0.0044 0.2056 0.0044 " pathEditMode="relative" ptsTypes="AAAAAAAAA">
+                                      <p:cBhvr>
+                                        <p:cTn id="64" dur="2000" fill="hold"/>
+                                        <p:tgtEl>
+                                          <p:spTgt spid="36"/>
+                                        </p:tgtEl>
+                                        <p:attrNameLst>
+                                          <p:attrName>ppt_x</p:attrName>
+                                          <p:attrName>ppt_y</p:attrName>
+                                        </p:attrNameLst>
+                                      </p:cBhvr>
+                                    </p:animMotion>
+                                  </p:childTnLst>
+                                </p:cTn>
+                              </p:par>
+                              <p:par>
+                                <p:cTn id="65" presetID="0" presetClass="path" presetSubtype="0" accel="50000" decel="50000" fill="hold" grpId="0" nodeType="withEffect">
+                                  <p:stCondLst>
+                                    <p:cond delay="0"/>
+                                  </p:stCondLst>
+                                  <p:childTnLst>
+                                    <p:animMotion origin="layout" path="M 0 0 L 0 0 L 0.04453 0.00139 L 0.11028 0.00278 C 0.11198 0.00301 0.11614 0.00509 0.11784 0.00579 C 0.12656 0.00903 0.12604 0.00857 0.13385 0.01042 C 0.14323 0.00972 0.15247 0.00996 0.16172 0.0088 C 0.1638 0.00857 0.16562 0.00602 0.16758 0.00579 C 0.18125 0.00417 0.19271 0.0044 0.2056 0.0044 " pathEditMode="relative" ptsTypes="AAAAAAAAA">
+                                      <p:cBhvr>
+                                        <p:cTn id="66" dur="2000" fill="hold"/>
+                                        <p:tgtEl>
+                                          <p:spTgt spid="38"/>
+                                        </p:tgtEl>
+                                        <p:attrNameLst>
+                                          <p:attrName>ppt_x</p:attrName>
+                                          <p:attrName>ppt_y</p:attrName>
+                                        </p:attrNameLst>
+                                      </p:cBhvr>
+                                    </p:animMotion>
+                                  </p:childTnLst>
+                                </p:cTn>
+                              </p:par>
                             </p:childTnLst>
                           </p:cTn>
                         </p:par>
@@ -23179,6 +23508,11 @@
       <p:bldP spid="125" grpId="0"/>
       <p:bldP spid="12" grpId="0"/>
       <p:bldP spid="31" grpId="0"/>
+      <p:bldP spid="33" grpId="0"/>
+      <p:bldP spid="34" grpId="0"/>
+      <p:bldP spid="35" grpId="0"/>
+      <p:bldP spid="36" grpId="0"/>
+      <p:bldP spid="38" grpId="0"/>
     </p:bldLst>
   </p:timing>
 </p:sld>
@@ -25117,7 +25451,7 @@
         </p:nvSpPr>
         <p:spPr>
           <a:xfrm>
-            <a:off x="377400" y="1123748"/>
+            <a:off x="332335" y="1026896"/>
             <a:ext cx="11437198" cy="5517510"/>
           </a:xfrm>
           <a:prstGeom prst="roundRect">
@@ -25627,7 +25961,7 @@
                 <a:ea typeface="NSimSun" panose="02010609030101010101" pitchFamily="49" charset="-122"/>
                 <a:cs typeface="Times New Roman" panose="02020603050405020304" pitchFamily="18" charset="0"/>
               </a:rPr>
-              <a:t>~ 2400 </a:t>
+              <a:t>&gt; 2400 </a:t>
             </a:r>
             <a:r>
               <a:rPr lang="ru-RU" sz="2000" b="1" kern="100" dirty="0">
@@ -26855,7 +27189,7 @@
         </p:blipFill>
         <p:spPr>
           <a:xfrm>
-            <a:off x="5590924" y="6175774"/>
+            <a:off x="5590924" y="6262541"/>
             <a:ext cx="1010152" cy="687866"/>
           </a:xfrm>
           <a:prstGeom prst="rect">
@@ -26877,7 +27211,7 @@
         </p:nvSpPr>
         <p:spPr>
           <a:xfrm>
-            <a:off x="5590924" y="5954719"/>
+            <a:off x="5654708" y="6077875"/>
             <a:ext cx="1023257" cy="369332"/>
           </a:xfrm>
           <a:prstGeom prst="rect">
@@ -27171,8 +27505,8 @@
         </p:blipFill>
         <p:spPr>
           <a:xfrm>
-            <a:off x="2830488" y="2146222"/>
-            <a:ext cx="819388" cy="557965"/>
+            <a:off x="2863986" y="2161068"/>
+            <a:ext cx="718386" cy="489187"/>
           </a:xfrm>
           <a:prstGeom prst="rect">
             <a:avLst/>
